--- a/hyperparameter_optimization.pptx
+++ b/hyperparameter_optimization.pptx
@@ -8,20 +8,15 @@
     <p:sldId id="260" r:id="rId2"/>
     <p:sldId id="272" r:id="rId3"/>
     <p:sldId id="273" r:id="rId4"/>
-    <p:sldId id="256" r:id="rId5"/>
-    <p:sldId id="257" r:id="rId6"/>
-    <p:sldId id="259" r:id="rId7"/>
-    <p:sldId id="262" r:id="rId8"/>
-    <p:sldId id="264" r:id="rId9"/>
-    <p:sldId id="267" r:id="rId10"/>
-    <p:sldId id="268" r:id="rId11"/>
-    <p:sldId id="270" r:id="rId12"/>
-    <p:sldId id="271" r:id="rId13"/>
-    <p:sldId id="258" r:id="rId14"/>
-    <p:sldId id="266" r:id="rId15"/>
-    <p:sldId id="269" r:id="rId16"/>
-    <p:sldId id="263" r:id="rId17"/>
-    <p:sldId id="261" r:id="rId18"/>
+    <p:sldId id="274" r:id="rId5"/>
+    <p:sldId id="275" r:id="rId6"/>
+    <p:sldId id="276" r:id="rId7"/>
+    <p:sldId id="277" r:id="rId8"/>
+    <p:sldId id="278" r:id="rId9"/>
+    <p:sldId id="279" r:id="rId10"/>
+    <p:sldId id="280" r:id="rId11"/>
+    <p:sldId id="281" r:id="rId12"/>
+    <p:sldId id="282" r:id="rId13"/>
   </p:sldIdLst>
   <p:sldSz cx="12192000" cy="6858000"/>
   <p:notesSz cx="6858000" cy="9144000"/>
@@ -275,7 +270,7 @@
           <a:p>
             <a:fld id="{E75D6A42-5BFC-449E-8AB4-357282606635}" type="datetimeFigureOut">
               <a:rPr kumimoji="1" lang="ja-JP" altLang="en-US" smtClean="0"/>
-              <a:t>2023/12/15</a:t>
+              <a:t>2023/12/23</a:t>
             </a:fld>
             <a:endParaRPr kumimoji="1" lang="ja-JP" altLang="en-US"/>
           </a:p>
@@ -505,7 +500,7 @@
           <a:p>
             <a:fld id="{E75D6A42-5BFC-449E-8AB4-357282606635}" type="datetimeFigureOut">
               <a:rPr kumimoji="1" lang="ja-JP" altLang="en-US" smtClean="0"/>
-              <a:t>2023/12/15</a:t>
+              <a:t>2023/12/23</a:t>
             </a:fld>
             <a:endParaRPr kumimoji="1" lang="ja-JP" altLang="en-US"/>
           </a:p>
@@ -745,7 +740,7 @@
           <a:p>
             <a:fld id="{E75D6A42-5BFC-449E-8AB4-357282606635}" type="datetimeFigureOut">
               <a:rPr kumimoji="1" lang="ja-JP" altLang="en-US" smtClean="0"/>
-              <a:t>2023/12/15</a:t>
+              <a:t>2023/12/23</a:t>
             </a:fld>
             <a:endParaRPr kumimoji="1" lang="ja-JP" altLang="en-US"/>
           </a:p>
@@ -975,7 +970,7 @@
           <a:p>
             <a:fld id="{E75D6A42-5BFC-449E-8AB4-357282606635}" type="datetimeFigureOut">
               <a:rPr kumimoji="1" lang="ja-JP" altLang="en-US" smtClean="0"/>
-              <a:t>2023/12/15</a:t>
+              <a:t>2023/12/23</a:t>
             </a:fld>
             <a:endParaRPr kumimoji="1" lang="ja-JP" altLang="en-US"/>
           </a:p>
@@ -1250,7 +1245,7 @@
           <a:p>
             <a:fld id="{E75D6A42-5BFC-449E-8AB4-357282606635}" type="datetimeFigureOut">
               <a:rPr kumimoji="1" lang="ja-JP" altLang="en-US" smtClean="0"/>
-              <a:t>2023/12/15</a:t>
+              <a:t>2023/12/23</a:t>
             </a:fld>
             <a:endParaRPr kumimoji="1" lang="ja-JP" altLang="en-US"/>
           </a:p>
@@ -1579,7 +1574,7 @@
           <a:p>
             <a:fld id="{E75D6A42-5BFC-449E-8AB4-357282606635}" type="datetimeFigureOut">
               <a:rPr kumimoji="1" lang="ja-JP" altLang="en-US" smtClean="0"/>
-              <a:t>2023/12/15</a:t>
+              <a:t>2023/12/23</a:t>
             </a:fld>
             <a:endParaRPr kumimoji="1" lang="ja-JP" altLang="en-US"/>
           </a:p>
@@ -2055,7 +2050,7 @@
           <a:p>
             <a:fld id="{E75D6A42-5BFC-449E-8AB4-357282606635}" type="datetimeFigureOut">
               <a:rPr kumimoji="1" lang="ja-JP" altLang="en-US" smtClean="0"/>
-              <a:t>2023/12/15</a:t>
+              <a:t>2023/12/23</a:t>
             </a:fld>
             <a:endParaRPr kumimoji="1" lang="ja-JP" altLang="en-US"/>
           </a:p>
@@ -2196,7 +2191,7 @@
           <a:p>
             <a:fld id="{E75D6A42-5BFC-449E-8AB4-357282606635}" type="datetimeFigureOut">
               <a:rPr kumimoji="1" lang="ja-JP" altLang="en-US" smtClean="0"/>
-              <a:t>2023/12/15</a:t>
+              <a:t>2023/12/23</a:t>
             </a:fld>
             <a:endParaRPr kumimoji="1" lang="ja-JP" altLang="en-US"/>
           </a:p>
@@ -2309,7 +2304,7 @@
           <a:p>
             <a:fld id="{E75D6A42-5BFC-449E-8AB4-357282606635}" type="datetimeFigureOut">
               <a:rPr kumimoji="1" lang="ja-JP" altLang="en-US" smtClean="0"/>
-              <a:t>2023/12/15</a:t>
+              <a:t>2023/12/23</a:t>
             </a:fld>
             <a:endParaRPr kumimoji="1" lang="ja-JP" altLang="en-US"/>
           </a:p>
@@ -2652,7 +2647,7 @@
           <a:p>
             <a:fld id="{E75D6A42-5BFC-449E-8AB4-357282606635}" type="datetimeFigureOut">
               <a:rPr kumimoji="1" lang="ja-JP" altLang="en-US" smtClean="0"/>
-              <a:t>2023/12/15</a:t>
+              <a:t>2023/12/23</a:t>
             </a:fld>
             <a:endParaRPr kumimoji="1" lang="ja-JP" altLang="en-US"/>
           </a:p>
@@ -2940,7 +2935,7 @@
           <a:p>
             <a:fld id="{E75D6A42-5BFC-449E-8AB4-357282606635}" type="datetimeFigureOut">
               <a:rPr kumimoji="1" lang="ja-JP" altLang="en-US" smtClean="0"/>
-              <a:t>2023/12/15</a:t>
+              <a:t>2023/12/23</a:t>
             </a:fld>
             <a:endParaRPr kumimoji="1" lang="ja-JP" altLang="en-US"/>
           </a:p>
@@ -3213,7 +3208,7 @@
           <a:p>
             <a:fld id="{E75D6A42-5BFC-449E-8AB4-357282606635}" type="datetimeFigureOut">
               <a:rPr kumimoji="1" lang="ja-JP" altLang="en-US" smtClean="0"/>
-              <a:t>2023/12/15</a:t>
+              <a:t>2023/12/23</a:t>
             </a:fld>
             <a:endParaRPr kumimoji="1" lang="ja-JP" altLang="en-US"/>
           </a:p>
@@ -4307,10 +4302,10 @@
       </p:grpSpPr>
       <p:sp>
         <p:nvSpPr>
-          <p:cNvPr id="43" name="テキスト ボックス 42">
-            <a:extLst>
-              <a:ext uri="{FF2B5EF4-FFF2-40B4-BE49-F238E27FC236}">
-                <a16:creationId xmlns:a16="http://schemas.microsoft.com/office/drawing/2014/main" id="{A7AC58E8-EF9E-C324-5A64-1DBE8DBAEEB2}"/>
+          <p:cNvPr id="50" name="テキスト ボックス 49">
+            <a:extLst>
+              <a:ext uri="{FF2B5EF4-FFF2-40B4-BE49-F238E27FC236}">
+                <a16:creationId xmlns:a16="http://schemas.microsoft.com/office/drawing/2014/main" id="{AB73847C-B6D7-D5A1-5008-32636513464B}"/>
               </a:ext>
             </a:extLst>
           </p:cNvPr>
@@ -4319,8 +4314,8 @@
         </p:nvSpPr>
         <p:spPr>
           <a:xfrm>
-            <a:off x="267030" y="268255"/>
-            <a:ext cx="11153243" cy="461665"/>
+            <a:off x="401453" y="211599"/>
+            <a:ext cx="7581900" cy="461665"/>
           </a:xfrm>
           <a:prstGeom prst="rect">
             <a:avLst/>
@@ -4337,127 +4332,39 @@
           <a:lstStyle/>
           <a:p>
             <a:r>
-              <a:rPr lang="en-US" altLang="ja-JP" sz="2400" b="1" dirty="0">
+              <a:rPr lang="en-US" altLang="ja-JP" sz="2400" dirty="0">
                 <a:latin typeface="メイリオ" panose="020B0604030504040204" pitchFamily="50" charset="-128"/>
                 <a:ea typeface="メイリオ" panose="020B0604030504040204" pitchFamily="50" charset="-128"/>
               </a:rPr>
-              <a:t>2. MLP</a:t>
-            </a:r>
-            <a:r>
-              <a:rPr lang="ja-JP" altLang="en-US" sz="2400" b="1" dirty="0">
+              <a:t>MLP</a:t>
+            </a:r>
+            <a:r>
+              <a:rPr lang="ja-JP" altLang="en-US" sz="2400" dirty="0">
                 <a:latin typeface="メイリオ" panose="020B0604030504040204" pitchFamily="50" charset="-128"/>
                 <a:ea typeface="メイリオ" panose="020B0604030504040204" pitchFamily="50" charset="-128"/>
               </a:rPr>
-              <a:t>の次元、</a:t>
-            </a:r>
-            <a:r>
-              <a:rPr lang="en-US" altLang="ja-JP" sz="2400" b="1" dirty="0">
+              <a:t>出力層の次元：</a:t>
+            </a:r>
+            <a:r>
+              <a:rPr lang="en-US" altLang="ja-JP" sz="2400" dirty="0">
                 <a:latin typeface="メイリオ" panose="020B0604030504040204" pitchFamily="50" charset="-128"/>
                 <a:ea typeface="メイリオ" panose="020B0604030504040204" pitchFamily="50" charset="-128"/>
               </a:rPr>
-              <a:t>We</a:t>
-            </a:r>
-            <a:r>
-              <a:rPr lang="ja-JP" altLang="en-US" sz="2400" b="1" dirty="0">
-                <a:latin typeface="メイリオ" panose="020B0604030504040204" pitchFamily="50" charset="-128"/>
-                <a:ea typeface="メイリオ" panose="020B0604030504040204" pitchFamily="50" charset="-128"/>
-              </a:rPr>
-              <a:t>と</a:t>
-            </a:r>
-            <a:r>
-              <a:rPr lang="en-US" altLang="ja-JP" sz="2400" b="1" dirty="0" err="1">
-                <a:latin typeface="メイリオ" panose="020B0604030504040204" pitchFamily="50" charset="-128"/>
-                <a:ea typeface="メイリオ" panose="020B0604030504040204" pitchFamily="50" charset="-128"/>
-              </a:rPr>
-              <a:t>Wh</a:t>
-            </a:r>
-            <a:r>
-              <a:rPr lang="ja-JP" altLang="en-US" sz="2400" b="1" dirty="0">
-                <a:latin typeface="メイリオ" panose="020B0604030504040204" pitchFamily="50" charset="-128"/>
-                <a:ea typeface="メイリオ" panose="020B0604030504040204" pitchFamily="50" charset="-128"/>
-              </a:rPr>
-              <a:t>でｸﾛﾊﾞﾘ　結果　</a:t>
-            </a:r>
-            <a:r>
-              <a:rPr lang="en-US" altLang="ja-JP" sz="2400" b="1" dirty="0">
-                <a:latin typeface="メイリオ" panose="020B0604030504040204" pitchFamily="50" charset="-128"/>
-                <a:ea typeface="メイリオ" panose="020B0604030504040204" pitchFamily="50" charset="-128"/>
-              </a:rPr>
-              <a:t>epoch=100</a:t>
-            </a:r>
-            <a:endParaRPr lang="en-US" altLang="ja-JP" sz="2400" b="0" i="0" dirty="0">
-              <a:effectLst/>
-              <a:latin typeface="Consolas" panose="020B0609020204030204" pitchFamily="49" charset="0"/>
+              <a:t>[]</a:t>
+            </a:r>
+            <a:endParaRPr kumimoji="1" lang="ja-JP" altLang="en-US" sz="2400" dirty="0">
+              <a:latin typeface="メイリオ" panose="020B0604030504040204" pitchFamily="50" charset="-128"/>
+              <a:ea typeface="メイリオ" panose="020B0604030504040204" pitchFamily="50" charset="-128"/>
             </a:endParaRPr>
           </a:p>
         </p:txBody>
       </p:sp>
-      <p:pic>
-        <p:nvPicPr>
-          <p:cNvPr id="8" name="図 7">
-            <a:extLst>
-              <a:ext uri="{FF2B5EF4-FFF2-40B4-BE49-F238E27FC236}">
-                <a16:creationId xmlns:a16="http://schemas.microsoft.com/office/drawing/2014/main" id="{2B301983-DDF1-5F1E-2BDB-3E8EF6AD0DAE}"/>
-              </a:ext>
-            </a:extLst>
-          </p:cNvPr>
-          <p:cNvPicPr>
-            <a:picLocks noChangeAspect="1"/>
-          </p:cNvPicPr>
-          <p:nvPr/>
-        </p:nvPicPr>
-        <p:blipFill>
-          <a:blip r:embed="rId2"/>
-          <a:stretch>
-            <a:fillRect/>
-          </a:stretch>
-        </p:blipFill>
-        <p:spPr>
-          <a:xfrm>
-            <a:off x="648228" y="1309158"/>
-            <a:ext cx="4443568" cy="3475268"/>
-          </a:xfrm>
-          <a:prstGeom prst="rect">
-            <a:avLst/>
-          </a:prstGeom>
-        </p:spPr>
-      </p:pic>
-      <p:pic>
-        <p:nvPicPr>
-          <p:cNvPr id="9" name="図 8">
-            <a:extLst>
-              <a:ext uri="{FF2B5EF4-FFF2-40B4-BE49-F238E27FC236}">
-                <a16:creationId xmlns:a16="http://schemas.microsoft.com/office/drawing/2014/main" id="{6DA6B7CA-6695-08B0-8380-E9AAE46D1591}"/>
-              </a:ext>
-            </a:extLst>
-          </p:cNvPr>
-          <p:cNvPicPr>
-            <a:picLocks noChangeAspect="1"/>
-          </p:cNvPicPr>
-          <p:nvPr/>
-        </p:nvPicPr>
-        <p:blipFill>
-          <a:blip r:embed="rId3"/>
-          <a:stretch>
-            <a:fillRect/>
-          </a:stretch>
-        </p:blipFill>
-        <p:spPr>
-          <a:xfrm>
-            <a:off x="5660494" y="1395115"/>
-            <a:ext cx="4443568" cy="3475268"/>
-          </a:xfrm>
-          <a:prstGeom prst="rect">
-            <a:avLst/>
-          </a:prstGeom>
-        </p:spPr>
-      </p:pic>
-      <p:sp>
-        <p:nvSpPr>
-          <p:cNvPr id="10" name="テキスト ボックス 9">
-            <a:extLst>
-              <a:ext uri="{FF2B5EF4-FFF2-40B4-BE49-F238E27FC236}">
-                <a16:creationId xmlns:a16="http://schemas.microsoft.com/office/drawing/2014/main" id="{9E2F5A58-E6CC-DFBB-EBDC-3B7102AC775D}"/>
+      <p:sp>
+        <p:nvSpPr>
+          <p:cNvPr id="2" name="テキスト ボックス 1">
+            <a:extLst>
+              <a:ext uri="{FF2B5EF4-FFF2-40B4-BE49-F238E27FC236}">
+                <a16:creationId xmlns:a16="http://schemas.microsoft.com/office/drawing/2014/main" id="{30CDFC66-C0C4-2046-841A-6C9C40239373}"/>
               </a:ext>
             </a:extLst>
           </p:cNvPr>
@@ -4466,8 +4373,8 @@
         </p:nvSpPr>
         <p:spPr>
           <a:xfrm>
-            <a:off x="1803572" y="939826"/>
-            <a:ext cx="1497718" cy="369332"/>
+            <a:off x="401453" y="996946"/>
+            <a:ext cx="1443531" cy="461665"/>
           </a:xfrm>
           <a:prstGeom prst="rect">
             <a:avLst/>
@@ -4478,19 +4385,19 @@
           </a:ln>
         </p:spPr>
         <p:txBody>
-          <a:bodyPr wrap="none" rtlCol="0">
+          <a:bodyPr wrap="square" rtlCol="0">
             <a:spAutoFit/>
           </a:bodyPr>
           <a:lstStyle/>
           <a:p>
             <a:r>
-              <a:rPr kumimoji="1" lang="en-US" altLang="ja-JP" b="1" dirty="0">
+              <a:rPr lang="en-US" altLang="ja-JP" sz="2400" dirty="0">
                 <a:latin typeface="メイリオ" panose="020B0604030504040204" pitchFamily="50" charset="-128"/>
                 <a:ea typeface="メイリオ" panose="020B0604030504040204" pitchFamily="50" charset="-128"/>
               </a:rPr>
-              <a:t>Valid-joule</a:t>
-            </a:r>
-            <a:endParaRPr kumimoji="1" lang="ja-JP" altLang="en-US" b="1" dirty="0">
+              <a:t>flux</a:t>
+            </a:r>
+            <a:endParaRPr kumimoji="1" lang="ja-JP" altLang="en-US" sz="2400" dirty="0">
               <a:latin typeface="メイリオ" panose="020B0604030504040204" pitchFamily="50" charset="-128"/>
               <a:ea typeface="メイリオ" panose="020B0604030504040204" pitchFamily="50" charset="-128"/>
             </a:endParaRPr>
@@ -4499,10 +4406,10 @@
       </p:sp>
       <p:sp>
         <p:nvSpPr>
-          <p:cNvPr id="11" name="テキスト ボックス 10">
-            <a:extLst>
-              <a:ext uri="{FF2B5EF4-FFF2-40B4-BE49-F238E27FC236}">
-                <a16:creationId xmlns:a16="http://schemas.microsoft.com/office/drawing/2014/main" id="{0B96D75F-F140-B47D-4DB1-1D4E5F8B1753}"/>
+          <p:cNvPr id="3" name="テキスト ボックス 2">
+            <a:extLst>
+              <a:ext uri="{FF2B5EF4-FFF2-40B4-BE49-F238E27FC236}">
+                <a16:creationId xmlns:a16="http://schemas.microsoft.com/office/drawing/2014/main" id="{524EE9AF-A166-6005-A6C4-D8BB02AB1E18}"/>
               </a:ext>
             </a:extLst>
           </p:cNvPr>
@@ -4511,8 +4418,8 @@
         </p:nvSpPr>
         <p:spPr>
           <a:xfrm>
-            <a:off x="6762757" y="1054781"/>
-            <a:ext cx="2127955" cy="369332"/>
+            <a:off x="450006" y="4025413"/>
+            <a:ext cx="2357931" cy="461665"/>
           </a:xfrm>
           <a:prstGeom prst="rect">
             <a:avLst/>
@@ -4523,19 +4430,19 @@
           </a:ln>
         </p:spPr>
         <p:txBody>
-          <a:bodyPr wrap="none" rtlCol="0">
+          <a:bodyPr wrap="square" rtlCol="0">
             <a:spAutoFit/>
           </a:bodyPr>
           <a:lstStyle/>
           <a:p>
             <a:r>
-              <a:rPr kumimoji="1" lang="en-US" altLang="ja-JP" b="1" dirty="0">
+              <a:rPr lang="en-US" altLang="ja-JP" sz="2400" dirty="0">
                 <a:latin typeface="メイリオ" panose="020B0604030504040204" pitchFamily="50" charset="-128"/>
                 <a:ea typeface="メイリオ" panose="020B0604030504040204" pitchFamily="50" charset="-128"/>
               </a:rPr>
-              <a:t>Valid-hysteresis</a:t>
-            </a:r>
-            <a:endParaRPr kumimoji="1" lang="ja-JP" altLang="en-US" b="1" dirty="0">
+              <a:t>Iron loss</a:t>
+            </a:r>
+            <a:endParaRPr kumimoji="1" lang="ja-JP" altLang="en-US" sz="2400" dirty="0">
               <a:latin typeface="メイリオ" panose="020B0604030504040204" pitchFamily="50" charset="-128"/>
               <a:ea typeface="メイリオ" panose="020B0604030504040204" pitchFamily="50" charset="-128"/>
             </a:endParaRPr>
@@ -4544,10 +4451,10 @@
       </p:sp>
       <p:sp>
         <p:nvSpPr>
-          <p:cNvPr id="12" name="テキスト ボックス 11">
-            <a:extLst>
-              <a:ext uri="{FF2B5EF4-FFF2-40B4-BE49-F238E27FC236}">
-                <a16:creationId xmlns:a16="http://schemas.microsoft.com/office/drawing/2014/main" id="{900D80D3-D5AF-B497-4C59-C4F8E6F49FD8}"/>
+          <p:cNvPr id="4" name="テキスト ボックス 3">
+            <a:extLst>
+              <a:ext uri="{FF2B5EF4-FFF2-40B4-BE49-F238E27FC236}">
+                <a16:creationId xmlns:a16="http://schemas.microsoft.com/office/drawing/2014/main" id="{2B7E3E40-B78A-AFB1-792D-E40A3DFA9BF1}"/>
               </a:ext>
             </a:extLst>
           </p:cNvPr>
@@ -4556,8 +4463,8 @@
         </p:nvSpPr>
         <p:spPr>
           <a:xfrm>
-            <a:off x="1038757" y="5462885"/>
-            <a:ext cx="10091359" cy="830997"/>
+            <a:off x="733225" y="1579573"/>
+            <a:ext cx="10903120" cy="369332"/>
           </a:xfrm>
           <a:prstGeom prst="rect">
             <a:avLst/>
@@ -4574,45 +4481,60 @@
           <a:lstStyle/>
           <a:p>
             <a:r>
-              <a:rPr lang="ja-JP" altLang="en-US" sz="2400" b="1" i="0" dirty="0">
-                <a:effectLst/>
-                <a:latin typeface="メイリオ" panose="020B0604030504040204" pitchFamily="50" charset="-128"/>
-                <a:ea typeface="メイリオ" panose="020B0604030504040204" pitchFamily="50" charset="-128"/>
-              </a:rPr>
-              <a:t>あんまり影響なさそう？ないならパラメータは少ないほうがいい</a:t>
-            </a:r>
-            <a:endParaRPr lang="en-US" altLang="ja-JP" sz="2400" b="1" i="0" dirty="0">
-              <a:effectLst/>
+              <a:rPr lang="en-US" altLang="ja-JP" b="0" i="0" dirty="0">
+                <a:effectLst/>
+                <a:latin typeface="Consolas" panose="020B0609020204030204" pitchFamily="49" charset="0"/>
+              </a:rPr>
+              <a:t>{'batch_</a:t>
+            </a:r>
+            <a:endParaRPr kumimoji="1" lang="ja-JP" altLang="en-US" dirty="0">
               <a:latin typeface="メイリオ" panose="020B0604030504040204" pitchFamily="50" charset="-128"/>
               <a:ea typeface="メイリオ" panose="020B0604030504040204" pitchFamily="50" charset="-128"/>
             </a:endParaRPr>
           </a:p>
-          <a:p>
-            <a:r>
-              <a:rPr lang="ja-JP" altLang="en-US" sz="2400" b="1" i="0" dirty="0">
-                <a:effectLst/>
-                <a:latin typeface="メイリオ" panose="020B0604030504040204" pitchFamily="50" charset="-128"/>
-                <a:ea typeface="メイリオ" panose="020B0604030504040204" pitchFamily="50" charset="-128"/>
-              </a:rPr>
-              <a:t>⇒</a:t>
-            </a:r>
-            <a:r>
-              <a:rPr lang="en-US" altLang="ja-JP" sz="2400" b="1" dirty="0">
-                <a:latin typeface="メイリオ" panose="020B0604030504040204" pitchFamily="50" charset="-128"/>
-                <a:ea typeface="メイリオ" panose="020B0604030504040204" pitchFamily="50" charset="-128"/>
-              </a:rPr>
-              <a:t>(4,8)×(4,8)</a:t>
-            </a:r>
-            <a:r>
-              <a:rPr lang="ja-JP" altLang="en-US" sz="2400" b="1" dirty="0">
-                <a:latin typeface="メイリオ" panose="020B0604030504040204" pitchFamily="50" charset="-128"/>
-                <a:ea typeface="メイリオ" panose="020B0604030504040204" pitchFamily="50" charset="-128"/>
-              </a:rPr>
-              <a:t>でもっかいトライ</a:t>
-            </a:r>
-            <a:endParaRPr lang="en-US" altLang="ja-JP" sz="2400" b="0" i="0" dirty="0">
-              <a:effectLst/>
-              <a:latin typeface="Consolas" panose="020B0609020204030204" pitchFamily="49" charset="0"/>
+        </p:txBody>
+      </p:sp>
+      <p:sp>
+        <p:nvSpPr>
+          <p:cNvPr id="5" name="テキスト ボックス 4">
+            <a:extLst>
+              <a:ext uri="{FF2B5EF4-FFF2-40B4-BE49-F238E27FC236}">
+                <a16:creationId xmlns:a16="http://schemas.microsoft.com/office/drawing/2014/main" id="{1DC5232A-7672-589E-830D-A7C5E40C4D6D}"/>
+              </a:ext>
+            </a:extLst>
+          </p:cNvPr>
+          <p:cNvSpPr txBox="1"/>
+          <p:nvPr/>
+        </p:nvSpPr>
+        <p:spPr>
+          <a:xfrm>
+            <a:off x="733225" y="4630270"/>
+            <a:ext cx="10903120" cy="369332"/>
+          </a:xfrm>
+          <a:prstGeom prst="rect">
+            <a:avLst/>
+          </a:prstGeom>
+          <a:noFill/>
+          <a:ln>
+            <a:noFill/>
+          </a:ln>
+        </p:spPr>
+        <p:txBody>
+          <a:bodyPr wrap="square" rtlCol="0">
+            <a:spAutoFit/>
+          </a:bodyPr>
+          <a:lstStyle/>
+          <a:p>
+            <a:r>
+              <a:rPr lang="en-US" altLang="ja-JP" b="0" i="0" dirty="0">
+                <a:effectLst/>
+                <a:latin typeface="Consolas" panose="020B0609020204030204" pitchFamily="49" charset="0"/>
+              </a:rPr>
+              <a:t>{'batch_</a:t>
+            </a:r>
+            <a:endParaRPr kumimoji="1" lang="en-US" altLang="ja-JP" dirty="0">
+              <a:latin typeface="メイリオ" panose="020B0604030504040204" pitchFamily="50" charset="-128"/>
+              <a:ea typeface="メイリオ" panose="020B0604030504040204" pitchFamily="50" charset="-128"/>
             </a:endParaRPr>
           </a:p>
         </p:txBody>
@@ -4620,7 +4542,7 @@
     </p:spTree>
     <p:extLst>
       <p:ext uri="{BB962C8B-B14F-4D97-AF65-F5344CB8AC3E}">
-        <p14:creationId xmlns:p14="http://schemas.microsoft.com/office/powerpoint/2010/main" val="4080334806"/>
+        <p14:creationId xmlns:p14="http://schemas.microsoft.com/office/powerpoint/2010/main" val="3913324261"/>
       </p:ext>
     </p:extLst>
   </p:cSld>
@@ -4649,10 +4571,10 @@
       </p:grpSpPr>
       <p:sp>
         <p:nvSpPr>
-          <p:cNvPr id="43" name="テキスト ボックス 42">
-            <a:extLst>
-              <a:ext uri="{FF2B5EF4-FFF2-40B4-BE49-F238E27FC236}">
-                <a16:creationId xmlns:a16="http://schemas.microsoft.com/office/drawing/2014/main" id="{A7AC58E8-EF9E-C324-5A64-1DBE8DBAEEB2}"/>
+          <p:cNvPr id="50" name="テキスト ボックス 49">
+            <a:extLst>
+              <a:ext uri="{FF2B5EF4-FFF2-40B4-BE49-F238E27FC236}">
+                <a16:creationId xmlns:a16="http://schemas.microsoft.com/office/drawing/2014/main" id="{AB73847C-B6D7-D5A1-5008-32636513464B}"/>
               </a:ext>
             </a:extLst>
           </p:cNvPr>
@@ -4661,8 +4583,8 @@
         </p:nvSpPr>
         <p:spPr>
           <a:xfrm>
-            <a:off x="267030" y="268255"/>
-            <a:ext cx="11153243" cy="461665"/>
+            <a:off x="401453" y="211599"/>
+            <a:ext cx="7581900" cy="461665"/>
           </a:xfrm>
           <a:prstGeom prst="rect">
             <a:avLst/>
@@ -4679,81 +4601,46 @@
           <a:lstStyle/>
           <a:p>
             <a:r>
-              <a:rPr lang="en-US" altLang="ja-JP" sz="2400" b="1" dirty="0">
+              <a:rPr lang="en-US" altLang="ja-JP" sz="2400" dirty="0">
                 <a:latin typeface="メイリオ" panose="020B0604030504040204" pitchFamily="50" charset="-128"/>
                 <a:ea typeface="メイリオ" panose="020B0604030504040204" pitchFamily="50" charset="-128"/>
               </a:rPr>
-              <a:t>2. MLP</a:t>
-            </a:r>
-            <a:r>
-              <a:rPr lang="ja-JP" altLang="en-US" sz="2400" b="1" dirty="0">
+              <a:t>Lr, </a:t>
+            </a:r>
+            <a:r>
+              <a:rPr lang="en-US" altLang="ja-JP" sz="2400" dirty="0" err="1">
                 <a:latin typeface="メイリオ" panose="020B0604030504040204" pitchFamily="50" charset="-128"/>
                 <a:ea typeface="メイリオ" panose="020B0604030504040204" pitchFamily="50" charset="-128"/>
               </a:rPr>
-              <a:t>の次元、</a:t>
-            </a:r>
-            <a:r>
-              <a:rPr lang="en-US" altLang="ja-JP" sz="2400" b="1" dirty="0">
+              <a:t>adam</a:t>
+            </a:r>
+            <a:r>
+              <a:rPr lang="ja-JP" altLang="en-US" sz="2400" dirty="0">
                 <a:latin typeface="メイリオ" panose="020B0604030504040204" pitchFamily="50" charset="-128"/>
                 <a:ea typeface="メイリオ" panose="020B0604030504040204" pitchFamily="50" charset="-128"/>
               </a:rPr>
-              <a:t>We</a:t>
-            </a:r>
-            <a:r>
-              <a:rPr lang="ja-JP" altLang="en-US" sz="2400" b="1" dirty="0">
+              <a:t>など：</a:t>
+            </a:r>
+            <a:r>
+              <a:rPr lang="en-US" altLang="ja-JP" sz="2400" dirty="0">
                 <a:latin typeface="メイリオ" panose="020B0604030504040204" pitchFamily="50" charset="-128"/>
                 <a:ea typeface="メイリオ" panose="020B0604030504040204" pitchFamily="50" charset="-128"/>
               </a:rPr>
-              <a:t>と</a:t>
-            </a:r>
-            <a:r>
-              <a:rPr lang="en-US" altLang="ja-JP" sz="2400" b="1" dirty="0" err="1">
-                <a:latin typeface="メイリオ" panose="020B0604030504040204" pitchFamily="50" charset="-128"/>
-                <a:ea typeface="メイリオ" panose="020B0604030504040204" pitchFamily="50" charset="-128"/>
-              </a:rPr>
-              <a:t>Wh</a:t>
-            </a:r>
-            <a:r>
-              <a:rPr lang="ja-JP" altLang="en-US" sz="2400" b="1" dirty="0">
-                <a:latin typeface="メイリオ" panose="020B0604030504040204" pitchFamily="50" charset="-128"/>
-                <a:ea typeface="メイリオ" panose="020B0604030504040204" pitchFamily="50" charset="-128"/>
-              </a:rPr>
-              <a:t>でｸﾛﾊﾞﾘ　結果　</a:t>
-            </a:r>
-            <a:r>
-              <a:rPr lang="en-US" altLang="ja-JP" sz="2400" b="1" dirty="0">
-                <a:latin typeface="メイリオ" panose="020B0604030504040204" pitchFamily="50" charset="-128"/>
-                <a:ea typeface="メイリオ" panose="020B0604030504040204" pitchFamily="50" charset="-128"/>
-              </a:rPr>
-              <a:t>epoch=100</a:t>
-            </a:r>
-            <a:r>
-              <a:rPr lang="ja-JP" altLang="en-US" sz="2400" b="1" dirty="0">
-                <a:latin typeface="メイリオ" panose="020B0604030504040204" pitchFamily="50" charset="-128"/>
-                <a:ea typeface="メイリオ" panose="020B0604030504040204" pitchFamily="50" charset="-128"/>
-              </a:rPr>
-              <a:t>　</a:t>
-            </a:r>
-            <a:r>
-              <a:rPr lang="en-US" altLang="ja-JP" sz="2400" b="1" dirty="0" err="1">
-                <a:latin typeface="メイリオ" panose="020B0604030504040204" pitchFamily="50" charset="-128"/>
-                <a:ea typeface="メイリオ" panose="020B0604030504040204" pitchFamily="50" charset="-128"/>
-              </a:rPr>
-              <a:t>upsampling</a:t>
-            </a:r>
-            <a:endParaRPr lang="en-US" altLang="ja-JP" sz="2400" b="0" i="0" dirty="0">
-              <a:effectLst/>
-              <a:latin typeface="Consolas" panose="020B0609020204030204" pitchFamily="49" charset="0"/>
+              <a:t>[]</a:t>
+            </a:r>
+            <a:endParaRPr kumimoji="1" lang="ja-JP" altLang="en-US" sz="2400" dirty="0">
+              <a:latin typeface="メイリオ" panose="020B0604030504040204" pitchFamily="50" charset="-128"/>
+              <a:ea typeface="メイリオ" panose="020B0604030504040204" pitchFamily="50" charset="-128"/>
             </a:endParaRPr>
           </a:p>
         </p:txBody>
       </p:sp>
       <p:sp>
         <p:nvSpPr>
-          <p:cNvPr id="10" name="テキスト ボックス 9">
-            <a:extLst>
-              <a:ext uri="{FF2B5EF4-FFF2-40B4-BE49-F238E27FC236}">
-                <a16:creationId xmlns:a16="http://schemas.microsoft.com/office/drawing/2014/main" id="{9E2F5A58-E6CC-DFBB-EBDC-3B7102AC775D}"/>
+          <p:cNvPr id="2" name="テキスト ボックス 1">
+            <a:extLst>
+              <a:ext uri="{FF2B5EF4-FFF2-40B4-BE49-F238E27FC236}">
+                <a16:creationId xmlns:a16="http://schemas.microsoft.com/office/drawing/2014/main" id="{30CDFC66-C0C4-2046-841A-6C9C40239373}"/>
               </a:ext>
             </a:extLst>
           </p:cNvPr>
@@ -4762,8 +4649,8 @@
         </p:nvSpPr>
         <p:spPr>
           <a:xfrm>
-            <a:off x="1803572" y="939826"/>
-            <a:ext cx="1497718" cy="369332"/>
+            <a:off x="401453" y="996946"/>
+            <a:ext cx="1443531" cy="461665"/>
           </a:xfrm>
           <a:prstGeom prst="rect">
             <a:avLst/>
@@ -4774,19 +4661,19 @@
           </a:ln>
         </p:spPr>
         <p:txBody>
-          <a:bodyPr wrap="none" rtlCol="0">
+          <a:bodyPr wrap="square" rtlCol="0">
             <a:spAutoFit/>
           </a:bodyPr>
           <a:lstStyle/>
           <a:p>
             <a:r>
-              <a:rPr kumimoji="1" lang="en-US" altLang="ja-JP" b="1" dirty="0">
+              <a:rPr lang="en-US" altLang="ja-JP" sz="2400" dirty="0">
                 <a:latin typeface="メイリオ" panose="020B0604030504040204" pitchFamily="50" charset="-128"/>
                 <a:ea typeface="メイリオ" panose="020B0604030504040204" pitchFamily="50" charset="-128"/>
               </a:rPr>
-              <a:t>Valid-joule</a:t>
-            </a:r>
-            <a:endParaRPr kumimoji="1" lang="ja-JP" altLang="en-US" b="1" dirty="0">
+              <a:t>flux</a:t>
+            </a:r>
+            <a:endParaRPr kumimoji="1" lang="ja-JP" altLang="en-US" sz="2400" dirty="0">
               <a:latin typeface="メイリオ" panose="020B0604030504040204" pitchFamily="50" charset="-128"/>
               <a:ea typeface="メイリオ" panose="020B0604030504040204" pitchFamily="50" charset="-128"/>
             </a:endParaRPr>
@@ -4795,10 +4682,10 @@
       </p:sp>
       <p:sp>
         <p:nvSpPr>
-          <p:cNvPr id="11" name="テキスト ボックス 10">
-            <a:extLst>
-              <a:ext uri="{FF2B5EF4-FFF2-40B4-BE49-F238E27FC236}">
-                <a16:creationId xmlns:a16="http://schemas.microsoft.com/office/drawing/2014/main" id="{0B96D75F-F140-B47D-4DB1-1D4E5F8B1753}"/>
+          <p:cNvPr id="3" name="テキスト ボックス 2">
+            <a:extLst>
+              <a:ext uri="{FF2B5EF4-FFF2-40B4-BE49-F238E27FC236}">
+                <a16:creationId xmlns:a16="http://schemas.microsoft.com/office/drawing/2014/main" id="{524EE9AF-A166-6005-A6C4-D8BB02AB1E18}"/>
               </a:ext>
             </a:extLst>
           </p:cNvPr>
@@ -4807,8 +4694,8 @@
         </p:nvSpPr>
         <p:spPr>
           <a:xfrm>
-            <a:off x="7424608" y="1042562"/>
-            <a:ext cx="2127955" cy="369332"/>
+            <a:off x="450006" y="4025413"/>
+            <a:ext cx="2357931" cy="461665"/>
           </a:xfrm>
           <a:prstGeom prst="rect">
             <a:avLst/>
@@ -4819,19 +4706,19 @@
           </a:ln>
         </p:spPr>
         <p:txBody>
-          <a:bodyPr wrap="none" rtlCol="0">
+          <a:bodyPr wrap="square" rtlCol="0">
             <a:spAutoFit/>
           </a:bodyPr>
           <a:lstStyle/>
           <a:p>
             <a:r>
-              <a:rPr kumimoji="1" lang="en-US" altLang="ja-JP" b="1" dirty="0">
+              <a:rPr lang="en-US" altLang="ja-JP" sz="2400" dirty="0">
                 <a:latin typeface="メイリオ" panose="020B0604030504040204" pitchFamily="50" charset="-128"/>
                 <a:ea typeface="メイリオ" panose="020B0604030504040204" pitchFamily="50" charset="-128"/>
               </a:rPr>
-              <a:t>Valid-hysteresis</a:t>
-            </a:r>
-            <a:endParaRPr kumimoji="1" lang="ja-JP" altLang="en-US" b="1" dirty="0">
+              <a:t>Iron loss</a:t>
+            </a:r>
+            <a:endParaRPr kumimoji="1" lang="ja-JP" altLang="en-US" sz="2400" dirty="0">
               <a:latin typeface="メイリオ" panose="020B0604030504040204" pitchFamily="50" charset="-128"/>
               <a:ea typeface="メイリオ" panose="020B0604030504040204" pitchFamily="50" charset="-128"/>
             </a:endParaRPr>
@@ -4840,10 +4727,10 @@
       </p:sp>
       <p:sp>
         <p:nvSpPr>
-          <p:cNvPr id="12" name="テキスト ボックス 11">
-            <a:extLst>
-              <a:ext uri="{FF2B5EF4-FFF2-40B4-BE49-F238E27FC236}">
-                <a16:creationId xmlns:a16="http://schemas.microsoft.com/office/drawing/2014/main" id="{900D80D3-D5AF-B497-4C59-C4F8E6F49FD8}"/>
+          <p:cNvPr id="4" name="テキスト ボックス 3">
+            <a:extLst>
+              <a:ext uri="{FF2B5EF4-FFF2-40B4-BE49-F238E27FC236}">
+                <a16:creationId xmlns:a16="http://schemas.microsoft.com/office/drawing/2014/main" id="{2B7E3E40-B78A-AFB1-792D-E40A3DFA9BF1}"/>
               </a:ext>
             </a:extLst>
           </p:cNvPr>
@@ -4852,8 +4739,8 @@
         </p:nvSpPr>
         <p:spPr>
           <a:xfrm>
-            <a:off x="1038757" y="5462885"/>
-            <a:ext cx="10091359" cy="461665"/>
+            <a:off x="733225" y="1579573"/>
+            <a:ext cx="10903120" cy="369332"/>
           </a:xfrm>
           <a:prstGeom prst="rect">
             <a:avLst/>
@@ -4870,84 +4757,68 @@
           <a:lstStyle/>
           <a:p>
             <a:r>
-              <a:rPr lang="ja-JP" altLang="en-US" sz="2400" b="1" i="0" dirty="0">
-                <a:effectLst/>
-                <a:latin typeface="メイリオ" panose="020B0604030504040204" pitchFamily="50" charset="-128"/>
-                <a:ea typeface="メイリオ" panose="020B0604030504040204" pitchFamily="50" charset="-128"/>
-              </a:rPr>
-              <a:t>あんまり</a:t>
-            </a:r>
-            <a:endParaRPr lang="en-US" altLang="ja-JP" sz="2400" b="0" i="0" dirty="0">
-              <a:effectLst/>
-              <a:latin typeface="Consolas" panose="020B0609020204030204" pitchFamily="49" charset="0"/>
+              <a:rPr lang="en-US" altLang="ja-JP" b="0" i="0" dirty="0">
+                <a:effectLst/>
+                <a:latin typeface="Consolas" panose="020B0609020204030204" pitchFamily="49" charset="0"/>
+              </a:rPr>
+              <a:t>{'batch_</a:t>
+            </a:r>
+            <a:endParaRPr kumimoji="1" lang="ja-JP" altLang="en-US" dirty="0">
+              <a:latin typeface="メイリオ" panose="020B0604030504040204" pitchFamily="50" charset="-128"/>
+              <a:ea typeface="メイリオ" panose="020B0604030504040204" pitchFamily="50" charset="-128"/>
             </a:endParaRPr>
           </a:p>
         </p:txBody>
       </p:sp>
-      <p:pic>
-        <p:nvPicPr>
-          <p:cNvPr id="2" name="図 1">
-            <a:extLst>
-              <a:ext uri="{FF2B5EF4-FFF2-40B4-BE49-F238E27FC236}">
-                <a16:creationId xmlns:a16="http://schemas.microsoft.com/office/drawing/2014/main" id="{43172301-C49E-4CFC-63B0-70CF45347449}"/>
-              </a:ext>
-            </a:extLst>
-          </p:cNvPr>
-          <p:cNvPicPr>
-            <a:picLocks noChangeAspect="1"/>
-          </p:cNvPicPr>
+      <p:sp>
+        <p:nvSpPr>
+          <p:cNvPr id="5" name="テキスト ボックス 4">
+            <a:extLst>
+              <a:ext uri="{FF2B5EF4-FFF2-40B4-BE49-F238E27FC236}">
+                <a16:creationId xmlns:a16="http://schemas.microsoft.com/office/drawing/2014/main" id="{1DC5232A-7672-589E-830D-A7C5E40C4D6D}"/>
+              </a:ext>
+            </a:extLst>
+          </p:cNvPr>
+          <p:cNvSpPr txBox="1"/>
           <p:nvPr/>
-        </p:nvPicPr>
-        <p:blipFill>
-          <a:blip r:embed="rId2"/>
-          <a:stretch>
-            <a:fillRect/>
-          </a:stretch>
-        </p:blipFill>
-        <p:spPr>
-          <a:xfrm>
-            <a:off x="95077" y="1227229"/>
-            <a:ext cx="5158740" cy="4120701"/>
+        </p:nvSpPr>
+        <p:spPr>
+          <a:xfrm>
+            <a:off x="733225" y="4630270"/>
+            <a:ext cx="10903120" cy="369332"/>
           </a:xfrm>
           <a:prstGeom prst="rect">
             <a:avLst/>
           </a:prstGeom>
-        </p:spPr>
-      </p:pic>
-      <p:pic>
-        <p:nvPicPr>
-          <p:cNvPr id="3" name="図 2">
-            <a:extLst>
-              <a:ext uri="{FF2B5EF4-FFF2-40B4-BE49-F238E27FC236}">
-                <a16:creationId xmlns:a16="http://schemas.microsoft.com/office/drawing/2014/main" id="{662803C0-6293-B2EE-D70A-296ED4CEA76B}"/>
-              </a:ext>
-            </a:extLst>
-          </p:cNvPr>
-          <p:cNvPicPr>
-            <a:picLocks noChangeAspect="1"/>
-          </p:cNvPicPr>
-          <p:nvPr/>
-        </p:nvPicPr>
-        <p:blipFill>
-          <a:blip r:embed="rId3"/>
-          <a:stretch>
-            <a:fillRect/>
-          </a:stretch>
-        </p:blipFill>
-        <p:spPr>
-          <a:xfrm>
-            <a:off x="6178732" y="1284706"/>
-            <a:ext cx="5158740" cy="4120701"/>
-          </a:xfrm>
-          <a:prstGeom prst="rect">
-            <a:avLst/>
-          </a:prstGeom>
-        </p:spPr>
-      </p:pic>
+          <a:noFill/>
+          <a:ln>
+            <a:noFill/>
+          </a:ln>
+        </p:spPr>
+        <p:txBody>
+          <a:bodyPr wrap="square" rtlCol="0">
+            <a:spAutoFit/>
+          </a:bodyPr>
+          <a:lstStyle/>
+          <a:p>
+            <a:r>
+              <a:rPr lang="en-US" altLang="ja-JP" b="0" i="0" dirty="0">
+                <a:effectLst/>
+                <a:latin typeface="Consolas" panose="020B0609020204030204" pitchFamily="49" charset="0"/>
+              </a:rPr>
+              <a:t>{'batch_</a:t>
+            </a:r>
+            <a:endParaRPr kumimoji="1" lang="en-US" altLang="ja-JP" dirty="0">
+              <a:latin typeface="メイリオ" panose="020B0604030504040204" pitchFamily="50" charset="-128"/>
+              <a:ea typeface="メイリオ" panose="020B0604030504040204" pitchFamily="50" charset="-128"/>
+            </a:endParaRPr>
+          </a:p>
+        </p:txBody>
+      </p:sp>
     </p:spTree>
     <p:extLst>
       <p:ext uri="{BB962C8B-B14F-4D97-AF65-F5344CB8AC3E}">
-        <p14:creationId xmlns:p14="http://schemas.microsoft.com/office/powerpoint/2010/main" val="3567281883"/>
+        <p14:creationId xmlns:p14="http://schemas.microsoft.com/office/powerpoint/2010/main" val="977414783"/>
       </p:ext>
     </p:extLst>
   </p:cSld>
@@ -4976,10 +4847,10 @@
       </p:grpSpPr>
       <p:sp>
         <p:nvSpPr>
-          <p:cNvPr id="43" name="テキスト ボックス 42">
-            <a:extLst>
-              <a:ext uri="{FF2B5EF4-FFF2-40B4-BE49-F238E27FC236}">
-                <a16:creationId xmlns:a16="http://schemas.microsoft.com/office/drawing/2014/main" id="{A7AC58E8-EF9E-C324-5A64-1DBE8DBAEEB2}"/>
+          <p:cNvPr id="50" name="テキスト ボックス 49">
+            <a:extLst>
+              <a:ext uri="{FF2B5EF4-FFF2-40B4-BE49-F238E27FC236}">
+                <a16:creationId xmlns:a16="http://schemas.microsoft.com/office/drawing/2014/main" id="{AB73847C-B6D7-D5A1-5008-32636513464B}"/>
               </a:ext>
             </a:extLst>
           </p:cNvPr>
@@ -4988,8 +4859,8 @@
         </p:nvSpPr>
         <p:spPr>
           <a:xfrm>
-            <a:off x="267030" y="268255"/>
-            <a:ext cx="11153243" cy="461665"/>
+            <a:off x="401453" y="211599"/>
+            <a:ext cx="7581900" cy="461665"/>
           </a:xfrm>
           <a:prstGeom prst="rect">
             <a:avLst/>
@@ -5006,81 +4877,32 @@
           <a:lstStyle/>
           <a:p>
             <a:r>
-              <a:rPr lang="en-US" altLang="ja-JP" sz="2400" b="1" dirty="0">
+              <a:rPr lang="ja-JP" altLang="en-US" sz="2400" dirty="0">
                 <a:latin typeface="メイリオ" panose="020B0604030504040204" pitchFamily="50" charset="-128"/>
                 <a:ea typeface="メイリオ" panose="020B0604030504040204" pitchFamily="50" charset="-128"/>
               </a:rPr>
-              <a:t>2. MLP</a:t>
-            </a:r>
-            <a:r>
-              <a:rPr lang="ja-JP" altLang="en-US" sz="2400" b="1" dirty="0">
+              <a:t>事前学習の有無：</a:t>
+            </a:r>
+            <a:r>
+              <a:rPr lang="en-US" altLang="ja-JP" sz="2400" dirty="0">
                 <a:latin typeface="メイリオ" panose="020B0604030504040204" pitchFamily="50" charset="-128"/>
                 <a:ea typeface="メイリオ" panose="020B0604030504040204" pitchFamily="50" charset="-128"/>
               </a:rPr>
-              <a:t>の次元、</a:t>
-            </a:r>
-            <a:r>
-              <a:rPr lang="en-US" altLang="ja-JP" sz="2400" b="1" dirty="0">
-                <a:latin typeface="メイリオ" panose="020B0604030504040204" pitchFamily="50" charset="-128"/>
-                <a:ea typeface="メイリオ" panose="020B0604030504040204" pitchFamily="50" charset="-128"/>
-              </a:rPr>
-              <a:t>We</a:t>
-            </a:r>
-            <a:r>
-              <a:rPr lang="ja-JP" altLang="en-US" sz="2400" b="1" dirty="0">
-                <a:latin typeface="メイリオ" panose="020B0604030504040204" pitchFamily="50" charset="-128"/>
-                <a:ea typeface="メイリオ" panose="020B0604030504040204" pitchFamily="50" charset="-128"/>
-              </a:rPr>
-              <a:t>と</a:t>
-            </a:r>
-            <a:r>
-              <a:rPr lang="en-US" altLang="ja-JP" sz="2400" b="1" dirty="0" err="1">
-                <a:latin typeface="メイリオ" panose="020B0604030504040204" pitchFamily="50" charset="-128"/>
-                <a:ea typeface="メイリオ" panose="020B0604030504040204" pitchFamily="50" charset="-128"/>
-              </a:rPr>
-              <a:t>Wh</a:t>
-            </a:r>
-            <a:r>
-              <a:rPr lang="ja-JP" altLang="en-US" sz="2400" b="1" dirty="0">
-                <a:latin typeface="メイリオ" panose="020B0604030504040204" pitchFamily="50" charset="-128"/>
-                <a:ea typeface="メイリオ" panose="020B0604030504040204" pitchFamily="50" charset="-128"/>
-              </a:rPr>
-              <a:t>でｸﾛﾊﾞﾘ　結果　</a:t>
-            </a:r>
-            <a:r>
-              <a:rPr lang="en-US" altLang="ja-JP" sz="2400" b="1" dirty="0">
-                <a:latin typeface="メイリオ" panose="020B0604030504040204" pitchFamily="50" charset="-128"/>
-                <a:ea typeface="メイリオ" panose="020B0604030504040204" pitchFamily="50" charset="-128"/>
-              </a:rPr>
-              <a:t>epoch=100</a:t>
-            </a:r>
-            <a:r>
-              <a:rPr lang="ja-JP" altLang="en-US" sz="2400" b="1" dirty="0">
-                <a:latin typeface="メイリオ" panose="020B0604030504040204" pitchFamily="50" charset="-128"/>
-                <a:ea typeface="メイリオ" panose="020B0604030504040204" pitchFamily="50" charset="-128"/>
-              </a:rPr>
-              <a:t>　</a:t>
-            </a:r>
-            <a:r>
-              <a:rPr lang="en-US" altLang="ja-JP" sz="2400" b="1" dirty="0" err="1">
-                <a:latin typeface="メイリオ" panose="020B0604030504040204" pitchFamily="50" charset="-128"/>
-                <a:ea typeface="メイリオ" panose="020B0604030504040204" pitchFamily="50" charset="-128"/>
-              </a:rPr>
-              <a:t>upsampling</a:t>
-            </a:r>
-            <a:endParaRPr lang="en-US" altLang="ja-JP" sz="2400" b="0" i="0" dirty="0">
-              <a:effectLst/>
-              <a:latin typeface="Consolas" panose="020B0609020204030204" pitchFamily="49" charset="0"/>
+              <a:t>[]</a:t>
+            </a:r>
+            <a:endParaRPr kumimoji="1" lang="ja-JP" altLang="en-US" sz="2400" dirty="0">
+              <a:latin typeface="メイリオ" panose="020B0604030504040204" pitchFamily="50" charset="-128"/>
+              <a:ea typeface="メイリオ" panose="020B0604030504040204" pitchFamily="50" charset="-128"/>
             </a:endParaRPr>
           </a:p>
         </p:txBody>
       </p:sp>
       <p:sp>
         <p:nvSpPr>
-          <p:cNvPr id="10" name="テキスト ボックス 9">
-            <a:extLst>
-              <a:ext uri="{FF2B5EF4-FFF2-40B4-BE49-F238E27FC236}">
-                <a16:creationId xmlns:a16="http://schemas.microsoft.com/office/drawing/2014/main" id="{9E2F5A58-E6CC-DFBB-EBDC-3B7102AC775D}"/>
+          <p:cNvPr id="2" name="テキスト ボックス 1">
+            <a:extLst>
+              <a:ext uri="{FF2B5EF4-FFF2-40B4-BE49-F238E27FC236}">
+                <a16:creationId xmlns:a16="http://schemas.microsoft.com/office/drawing/2014/main" id="{30CDFC66-C0C4-2046-841A-6C9C40239373}"/>
               </a:ext>
             </a:extLst>
           </p:cNvPr>
@@ -5089,8 +4911,8 @@
         </p:nvSpPr>
         <p:spPr>
           <a:xfrm>
-            <a:off x="1803572" y="939826"/>
-            <a:ext cx="1497718" cy="369332"/>
+            <a:off x="401453" y="996946"/>
+            <a:ext cx="1443531" cy="461665"/>
           </a:xfrm>
           <a:prstGeom prst="rect">
             <a:avLst/>
@@ -5101,19 +4923,19 @@
           </a:ln>
         </p:spPr>
         <p:txBody>
-          <a:bodyPr wrap="none" rtlCol="0">
+          <a:bodyPr wrap="square" rtlCol="0">
             <a:spAutoFit/>
           </a:bodyPr>
           <a:lstStyle/>
           <a:p>
             <a:r>
-              <a:rPr kumimoji="1" lang="en-US" altLang="ja-JP" b="1" dirty="0">
+              <a:rPr lang="en-US" altLang="ja-JP" sz="2400" dirty="0">
                 <a:latin typeface="メイリオ" panose="020B0604030504040204" pitchFamily="50" charset="-128"/>
                 <a:ea typeface="メイリオ" panose="020B0604030504040204" pitchFamily="50" charset="-128"/>
               </a:rPr>
-              <a:t>Valid-joule</a:t>
-            </a:r>
-            <a:endParaRPr kumimoji="1" lang="ja-JP" altLang="en-US" b="1" dirty="0">
+              <a:t>flux</a:t>
+            </a:r>
+            <a:endParaRPr kumimoji="1" lang="ja-JP" altLang="en-US" sz="2400" dirty="0">
               <a:latin typeface="メイリオ" panose="020B0604030504040204" pitchFamily="50" charset="-128"/>
               <a:ea typeface="メイリオ" panose="020B0604030504040204" pitchFamily="50" charset="-128"/>
             </a:endParaRPr>
@@ -5122,10 +4944,10 @@
       </p:sp>
       <p:sp>
         <p:nvSpPr>
-          <p:cNvPr id="11" name="テキスト ボックス 10">
-            <a:extLst>
-              <a:ext uri="{FF2B5EF4-FFF2-40B4-BE49-F238E27FC236}">
-                <a16:creationId xmlns:a16="http://schemas.microsoft.com/office/drawing/2014/main" id="{0B96D75F-F140-B47D-4DB1-1D4E5F8B1753}"/>
+          <p:cNvPr id="3" name="テキスト ボックス 2">
+            <a:extLst>
+              <a:ext uri="{FF2B5EF4-FFF2-40B4-BE49-F238E27FC236}">
+                <a16:creationId xmlns:a16="http://schemas.microsoft.com/office/drawing/2014/main" id="{524EE9AF-A166-6005-A6C4-D8BB02AB1E18}"/>
               </a:ext>
             </a:extLst>
           </p:cNvPr>
@@ -5134,8 +4956,8 @@
         </p:nvSpPr>
         <p:spPr>
           <a:xfrm>
-            <a:off x="7424608" y="1042562"/>
-            <a:ext cx="2127955" cy="369332"/>
+            <a:off x="450006" y="4025413"/>
+            <a:ext cx="2357931" cy="461665"/>
           </a:xfrm>
           <a:prstGeom prst="rect">
             <a:avLst/>
@@ -5146,19 +4968,19 @@
           </a:ln>
         </p:spPr>
         <p:txBody>
-          <a:bodyPr wrap="none" rtlCol="0">
+          <a:bodyPr wrap="square" rtlCol="0">
             <a:spAutoFit/>
           </a:bodyPr>
           <a:lstStyle/>
           <a:p>
             <a:r>
-              <a:rPr kumimoji="1" lang="en-US" altLang="ja-JP" b="1" dirty="0">
+              <a:rPr lang="en-US" altLang="ja-JP" sz="2400" dirty="0">
                 <a:latin typeface="メイリオ" panose="020B0604030504040204" pitchFamily="50" charset="-128"/>
                 <a:ea typeface="メイリオ" panose="020B0604030504040204" pitchFamily="50" charset="-128"/>
               </a:rPr>
-              <a:t>Valid-hysteresis</a:t>
-            </a:r>
-            <a:endParaRPr kumimoji="1" lang="ja-JP" altLang="en-US" b="1" dirty="0">
+              <a:t>Iron loss</a:t>
+            </a:r>
+            <a:endParaRPr kumimoji="1" lang="ja-JP" altLang="en-US" sz="2400" dirty="0">
               <a:latin typeface="メイリオ" panose="020B0604030504040204" pitchFamily="50" charset="-128"/>
               <a:ea typeface="メイリオ" panose="020B0604030504040204" pitchFamily="50" charset="-128"/>
             </a:endParaRPr>
@@ -5167,10 +4989,10 @@
       </p:sp>
       <p:sp>
         <p:nvSpPr>
-          <p:cNvPr id="12" name="テキスト ボックス 11">
-            <a:extLst>
-              <a:ext uri="{FF2B5EF4-FFF2-40B4-BE49-F238E27FC236}">
-                <a16:creationId xmlns:a16="http://schemas.microsoft.com/office/drawing/2014/main" id="{900D80D3-D5AF-B497-4C59-C4F8E6F49FD8}"/>
+          <p:cNvPr id="4" name="テキスト ボックス 3">
+            <a:extLst>
+              <a:ext uri="{FF2B5EF4-FFF2-40B4-BE49-F238E27FC236}">
+                <a16:creationId xmlns:a16="http://schemas.microsoft.com/office/drawing/2014/main" id="{2B7E3E40-B78A-AFB1-792D-E40A3DFA9BF1}"/>
               </a:ext>
             </a:extLst>
           </p:cNvPr>
@@ -5179,8 +5001,8 @@
         </p:nvSpPr>
         <p:spPr>
           <a:xfrm>
-            <a:off x="1050320" y="5855326"/>
-            <a:ext cx="10091359" cy="461665"/>
+            <a:off x="733225" y="1579573"/>
+            <a:ext cx="10903120" cy="369332"/>
           </a:xfrm>
           <a:prstGeom prst="rect">
             <a:avLst/>
@@ -5197,125 +5019,25 @@
           <a:lstStyle/>
           <a:p>
             <a:r>
-              <a:rPr lang="en-US" altLang="ja-JP" sz="2400" i="0" dirty="0">
-                <a:effectLst/>
-                <a:latin typeface="メイリオ" panose="020B0604030504040204" pitchFamily="50" charset="-128"/>
-                <a:ea typeface="メイリオ" panose="020B0604030504040204" pitchFamily="50" charset="-128"/>
-              </a:rPr>
-              <a:t>10x12</a:t>
-            </a:r>
-            <a:r>
-              <a:rPr lang="ja-JP" altLang="en-US" sz="2400" i="0" dirty="0">
-                <a:effectLst/>
-                <a:latin typeface="メイリオ" panose="020B0604030504040204" pitchFamily="50" charset="-128"/>
-                <a:ea typeface="メイリオ" panose="020B0604030504040204" pitchFamily="50" charset="-128"/>
-              </a:rPr>
-              <a:t>を採用</a:t>
-            </a:r>
-            <a:endParaRPr lang="en-US" altLang="ja-JP" sz="2400" i="0" dirty="0">
-              <a:effectLst/>
+              <a:rPr lang="en-US" altLang="ja-JP" b="0" i="0" dirty="0">
+                <a:effectLst/>
+                <a:latin typeface="Consolas" panose="020B0609020204030204" pitchFamily="49" charset="0"/>
+              </a:rPr>
+              <a:t>{'batch_</a:t>
+            </a:r>
+            <a:endParaRPr kumimoji="1" lang="ja-JP" altLang="en-US" dirty="0">
               <a:latin typeface="メイリオ" panose="020B0604030504040204" pitchFamily="50" charset="-128"/>
               <a:ea typeface="メイリオ" panose="020B0604030504040204" pitchFamily="50" charset="-128"/>
             </a:endParaRPr>
           </a:p>
         </p:txBody>
       </p:sp>
-      <p:pic>
-        <p:nvPicPr>
-          <p:cNvPr id="2" name="図 1">
-            <a:extLst>
-              <a:ext uri="{FF2B5EF4-FFF2-40B4-BE49-F238E27FC236}">
-                <a16:creationId xmlns:a16="http://schemas.microsoft.com/office/drawing/2014/main" id="{8253DB3F-22AD-2170-0910-7DBDB997E1E4}"/>
-              </a:ext>
-            </a:extLst>
-          </p:cNvPr>
-          <p:cNvPicPr>
-            <a:picLocks noChangeAspect="1"/>
-          </p:cNvPicPr>
-          <p:nvPr/>
-        </p:nvPicPr>
-        <p:blipFill>
-          <a:blip r:embed="rId2"/>
-          <a:stretch>
-            <a:fillRect/>
-          </a:stretch>
-        </p:blipFill>
-        <p:spPr>
-          <a:xfrm>
-            <a:off x="267030" y="1280598"/>
-            <a:ext cx="5001986" cy="3995489"/>
-          </a:xfrm>
-          <a:prstGeom prst="rect">
-            <a:avLst/>
-          </a:prstGeom>
-        </p:spPr>
-      </p:pic>
-      <p:pic>
-        <p:nvPicPr>
-          <p:cNvPr id="3" name="図 2">
-            <a:extLst>
-              <a:ext uri="{FF2B5EF4-FFF2-40B4-BE49-F238E27FC236}">
-                <a16:creationId xmlns:a16="http://schemas.microsoft.com/office/drawing/2014/main" id="{30A1D4BB-465C-CBC3-DEEC-42E6385A2672}"/>
-              </a:ext>
-            </a:extLst>
-          </p:cNvPr>
-          <p:cNvPicPr>
-            <a:picLocks noChangeAspect="1"/>
-          </p:cNvPicPr>
-          <p:nvPr/>
-        </p:nvPicPr>
-        <p:blipFill>
-          <a:blip r:embed="rId3"/>
-          <a:stretch>
-            <a:fillRect/>
-          </a:stretch>
-        </p:blipFill>
-        <p:spPr>
-          <a:xfrm>
-            <a:off x="6095999" y="1411894"/>
-            <a:ext cx="5001986" cy="3995489"/>
-          </a:xfrm>
-          <a:prstGeom prst="rect">
-            <a:avLst/>
-          </a:prstGeom>
-        </p:spPr>
-      </p:pic>
-    </p:spTree>
-    <p:extLst>
-      <p:ext uri="{BB962C8B-B14F-4D97-AF65-F5344CB8AC3E}">
-        <p14:creationId xmlns:p14="http://schemas.microsoft.com/office/powerpoint/2010/main" val="2013553443"/>
-      </p:ext>
-    </p:extLst>
-  </p:cSld>
-  <p:clrMapOvr>
-    <a:masterClrMapping/>
-  </p:clrMapOvr>
-</p:sld>
-</file>
-
-<file path=ppt/slides/slide13.xml><?xml version="1.0" encoding="utf-8"?>
-<p:sld xmlns:a="http://schemas.openxmlformats.org/drawingml/2006/main" xmlns:r="http://schemas.openxmlformats.org/officeDocument/2006/relationships" xmlns:p="http://schemas.openxmlformats.org/presentationml/2006/main">
-  <p:cSld>
-    <p:spTree>
-      <p:nvGrpSpPr>
-        <p:cNvPr id="1" name=""/>
-        <p:cNvGrpSpPr/>
-        <p:nvPr/>
-      </p:nvGrpSpPr>
-      <p:grpSpPr>
-        <a:xfrm>
-          <a:off x="0" y="0"/>
-          <a:ext cx="0" cy="0"/>
-          <a:chOff x="0" y="0"/>
-          <a:chExt cx="0" cy="0"/>
-        </a:xfrm>
-      </p:grpSpPr>
-      <p:sp>
-        <p:nvSpPr>
-          <p:cNvPr id="50" name="テキスト ボックス 49">
-            <a:extLst>
-              <a:ext uri="{FF2B5EF4-FFF2-40B4-BE49-F238E27FC236}">
-                <a16:creationId xmlns:a16="http://schemas.microsoft.com/office/drawing/2014/main" id="{AB73847C-B6D7-D5A1-5008-32636513464B}"/>
+      <p:sp>
+        <p:nvSpPr>
+          <p:cNvPr id="5" name="テキスト ボックス 4">
+            <a:extLst>
+              <a:ext uri="{FF2B5EF4-FFF2-40B4-BE49-F238E27FC236}">
+                <a16:creationId xmlns:a16="http://schemas.microsoft.com/office/drawing/2014/main" id="{1DC5232A-7672-589E-830D-A7C5E40C4D6D}"/>
               </a:ext>
             </a:extLst>
           </p:cNvPr>
@@ -5324,8 +5046,8 @@
         </p:nvSpPr>
         <p:spPr>
           <a:xfrm>
-            <a:off x="2800488" y="5887404"/>
-            <a:ext cx="7581900" cy="461665"/>
+            <a:off x="733225" y="4630270"/>
+            <a:ext cx="10903120" cy="369332"/>
           </a:xfrm>
           <a:prstGeom prst="rect">
             <a:avLst/>
@@ -5342,2096 +5064,23 @@
           <a:lstStyle/>
           <a:p>
             <a:r>
-              <a:rPr lang="en-US" altLang="ja-JP" sz="2400" dirty="0">
-                <a:latin typeface="メイリオ" panose="020B0604030504040204" pitchFamily="50" charset="-128"/>
-                <a:ea typeface="メイリオ" panose="020B0604030504040204" pitchFamily="50" charset="-128"/>
-              </a:rPr>
-              <a:t>N=2</a:t>
-            </a:r>
-            <a:r>
-              <a:rPr lang="ja-JP" altLang="en-US" sz="2400" dirty="0">
-                <a:latin typeface="メイリオ" panose="020B0604030504040204" pitchFamily="50" charset="-128"/>
-                <a:ea typeface="メイリオ" panose="020B0604030504040204" pitchFamily="50" charset="-128"/>
-              </a:rPr>
-              <a:t>が</a:t>
-            </a:r>
-            <a:r>
-              <a:rPr lang="en-US" altLang="ja-JP" sz="2400" dirty="0">
-                <a:latin typeface="メイリオ" panose="020B0604030504040204" pitchFamily="50" charset="-128"/>
-                <a:ea typeface="メイリオ" panose="020B0604030504040204" pitchFamily="50" charset="-128"/>
-              </a:rPr>
-              <a:t>minimum</a:t>
-            </a:r>
-            <a:endParaRPr kumimoji="1" lang="ja-JP" altLang="en-US" sz="2400" dirty="0">
+              <a:rPr lang="en-US" altLang="ja-JP" b="0" i="0" dirty="0">
+                <a:effectLst/>
+                <a:latin typeface="Consolas" panose="020B0609020204030204" pitchFamily="49" charset="0"/>
+              </a:rPr>
+              <a:t>{'batch_</a:t>
+            </a:r>
+            <a:endParaRPr kumimoji="1" lang="en-US" altLang="ja-JP" dirty="0">
               <a:latin typeface="メイリオ" panose="020B0604030504040204" pitchFamily="50" charset="-128"/>
               <a:ea typeface="メイリオ" panose="020B0604030504040204" pitchFamily="50" charset="-128"/>
             </a:endParaRPr>
           </a:p>
         </p:txBody>
       </p:sp>
-      <p:sp>
-        <p:nvSpPr>
-          <p:cNvPr id="2" name="テキスト ボックス 1">
-            <a:extLst>
-              <a:ext uri="{FF2B5EF4-FFF2-40B4-BE49-F238E27FC236}">
-                <a16:creationId xmlns:a16="http://schemas.microsoft.com/office/drawing/2014/main" id="{257A1870-4979-9FD8-292C-0702464B60CD}"/>
-              </a:ext>
-            </a:extLst>
-          </p:cNvPr>
-          <p:cNvSpPr txBox="1"/>
-          <p:nvPr/>
-        </p:nvSpPr>
-        <p:spPr>
-          <a:xfrm>
-            <a:off x="267030" y="268255"/>
-            <a:ext cx="11453022" cy="461665"/>
-          </a:xfrm>
-          <a:prstGeom prst="rect">
-            <a:avLst/>
-          </a:prstGeom>
-          <a:noFill/>
-          <a:ln>
-            <a:noFill/>
-          </a:ln>
-        </p:spPr>
-        <p:txBody>
-          <a:bodyPr wrap="square" rtlCol="0">
-            <a:spAutoFit/>
-          </a:bodyPr>
-          <a:lstStyle/>
-          <a:p>
-            <a:r>
-              <a:rPr lang="en-US" altLang="ja-JP" sz="2400" b="1" dirty="0">
-                <a:latin typeface="メイリオ" panose="020B0604030504040204" pitchFamily="50" charset="-128"/>
-                <a:ea typeface="メイリオ" panose="020B0604030504040204" pitchFamily="50" charset="-128"/>
-              </a:rPr>
-              <a:t>6. Aft-cat</a:t>
-            </a:r>
-            <a:r>
-              <a:rPr lang="ja-JP" altLang="en-US" sz="2400" b="1" dirty="0">
-                <a:latin typeface="メイリオ" panose="020B0604030504040204" pitchFamily="50" charset="-128"/>
-                <a:ea typeface="メイリオ" panose="020B0604030504040204" pitchFamily="50" charset="-128"/>
-              </a:rPr>
-              <a:t>の層数</a:t>
-            </a:r>
-            <a:endParaRPr lang="en-US" altLang="ja-JP" sz="2400" b="0" i="0" dirty="0">
-              <a:effectLst/>
-              <a:latin typeface="Consolas" panose="020B0609020204030204" pitchFamily="49" charset="0"/>
-            </a:endParaRPr>
-          </a:p>
-        </p:txBody>
-      </p:sp>
-      <p:pic>
-        <p:nvPicPr>
-          <p:cNvPr id="3" name="図 2">
-            <a:extLst>
-              <a:ext uri="{FF2B5EF4-FFF2-40B4-BE49-F238E27FC236}">
-                <a16:creationId xmlns:a16="http://schemas.microsoft.com/office/drawing/2014/main" id="{6320E5F3-2E34-B9DD-082C-FC1F0730A6C2}"/>
-              </a:ext>
-            </a:extLst>
-          </p:cNvPr>
-          <p:cNvPicPr>
-            <a:picLocks noChangeAspect="1"/>
-          </p:cNvPicPr>
-          <p:nvPr/>
-        </p:nvPicPr>
-        <p:blipFill>
-          <a:blip r:embed="rId2"/>
-          <a:stretch>
-            <a:fillRect/>
-          </a:stretch>
-        </p:blipFill>
-        <p:spPr>
-          <a:xfrm>
-            <a:off x="1905000" y="1101226"/>
-            <a:ext cx="8382000" cy="1828800"/>
-          </a:xfrm>
-          <a:prstGeom prst="rect">
-            <a:avLst/>
-          </a:prstGeom>
-        </p:spPr>
-      </p:pic>
-      <p:pic>
-        <p:nvPicPr>
-          <p:cNvPr id="4" name="図 3">
-            <a:extLst>
-              <a:ext uri="{FF2B5EF4-FFF2-40B4-BE49-F238E27FC236}">
-                <a16:creationId xmlns:a16="http://schemas.microsoft.com/office/drawing/2014/main" id="{04D79CAD-950C-523C-49F6-B2D193DDD941}"/>
-              </a:ext>
-            </a:extLst>
-          </p:cNvPr>
-          <p:cNvPicPr>
-            <a:picLocks noChangeAspect="1"/>
-          </p:cNvPicPr>
-          <p:nvPr/>
-        </p:nvPicPr>
-        <p:blipFill>
-          <a:blip r:embed="rId3"/>
-          <a:stretch>
-            <a:fillRect/>
-          </a:stretch>
-        </p:blipFill>
-        <p:spPr>
-          <a:xfrm>
-            <a:off x="1905000" y="3766458"/>
-            <a:ext cx="8382000" cy="1828800"/>
-          </a:xfrm>
-          <a:prstGeom prst="rect">
-            <a:avLst/>
-          </a:prstGeom>
-        </p:spPr>
-      </p:pic>
-      <p:sp>
-        <p:nvSpPr>
-          <p:cNvPr id="5" name="正方形/長方形 4">
-            <a:extLst>
-              <a:ext uri="{FF2B5EF4-FFF2-40B4-BE49-F238E27FC236}">
-                <a16:creationId xmlns:a16="http://schemas.microsoft.com/office/drawing/2014/main" id="{7BE6278F-6A32-BC97-6937-B686668D6DB0}"/>
-              </a:ext>
-            </a:extLst>
-          </p:cNvPr>
-          <p:cNvSpPr/>
-          <p:nvPr/>
-        </p:nvSpPr>
-        <p:spPr>
-          <a:xfrm>
-            <a:off x="3995056" y="2060541"/>
-            <a:ext cx="1409391" cy="3534717"/>
-          </a:xfrm>
-          <a:prstGeom prst="rect">
-            <a:avLst/>
-          </a:prstGeom>
-          <a:noFill/>
-          <a:ln w="38100">
-            <a:solidFill>
-              <a:srgbClr val="C00000"/>
-            </a:solidFill>
-          </a:ln>
-        </p:spPr>
-        <p:style>
-          <a:lnRef idx="2">
-            <a:schemeClr val="accent1">
-              <a:shade val="50000"/>
-            </a:schemeClr>
-          </a:lnRef>
-          <a:fillRef idx="1">
-            <a:schemeClr val="accent1"/>
-          </a:fillRef>
-          <a:effectRef idx="0">
-            <a:schemeClr val="accent1"/>
-          </a:effectRef>
-          <a:fontRef idx="minor">
-            <a:schemeClr val="lt1"/>
-          </a:fontRef>
-        </p:style>
-        <p:txBody>
-          <a:bodyPr rtlCol="0" anchor="ctr"/>
-          <a:lstStyle/>
-          <a:p>
-            <a:pPr algn="ctr"/>
-            <a:endParaRPr kumimoji="1" lang="ja-JP" altLang="en-US"/>
-          </a:p>
-        </p:txBody>
-      </p:sp>
     </p:spTree>
     <p:extLst>
       <p:ext uri="{BB962C8B-B14F-4D97-AF65-F5344CB8AC3E}">
-        <p14:creationId xmlns:p14="http://schemas.microsoft.com/office/powerpoint/2010/main" val="4090344773"/>
-      </p:ext>
-    </p:extLst>
-  </p:cSld>
-  <p:clrMapOvr>
-    <a:masterClrMapping/>
-  </p:clrMapOvr>
-</p:sld>
-</file>
-
-<file path=ppt/slides/slide14.xml><?xml version="1.0" encoding="utf-8"?>
-<p:sld xmlns:a="http://schemas.openxmlformats.org/drawingml/2006/main" xmlns:r="http://schemas.openxmlformats.org/officeDocument/2006/relationships" xmlns:p="http://schemas.openxmlformats.org/presentationml/2006/main">
-  <p:cSld>
-    <p:spTree>
-      <p:nvGrpSpPr>
-        <p:cNvPr id="1" name=""/>
-        <p:cNvGrpSpPr/>
-        <p:nvPr/>
-      </p:nvGrpSpPr>
-      <p:grpSpPr>
-        <a:xfrm>
-          <a:off x="0" y="0"/>
-          <a:ext cx="0" cy="0"/>
-          <a:chOff x="0" y="0"/>
-          <a:chExt cx="0" cy="0"/>
-        </a:xfrm>
-      </p:grpSpPr>
-      <p:sp>
-        <p:nvSpPr>
-          <p:cNvPr id="43" name="テキスト ボックス 42">
-            <a:extLst>
-              <a:ext uri="{FF2B5EF4-FFF2-40B4-BE49-F238E27FC236}">
-                <a16:creationId xmlns:a16="http://schemas.microsoft.com/office/drawing/2014/main" id="{A7AC58E8-EF9E-C324-5A64-1DBE8DBAEEB2}"/>
-              </a:ext>
-            </a:extLst>
-          </p:cNvPr>
-          <p:cNvSpPr txBox="1"/>
-          <p:nvPr/>
-        </p:nvSpPr>
-        <p:spPr>
-          <a:xfrm>
-            <a:off x="267030" y="268255"/>
-            <a:ext cx="11453022" cy="4893647"/>
-          </a:xfrm>
-          <a:prstGeom prst="rect">
-            <a:avLst/>
-          </a:prstGeom>
-          <a:noFill/>
-          <a:ln>
-            <a:noFill/>
-          </a:ln>
-        </p:spPr>
-        <p:txBody>
-          <a:bodyPr wrap="square" rtlCol="0">
-            <a:spAutoFit/>
-          </a:bodyPr>
-          <a:lstStyle/>
-          <a:p>
-            <a:r>
-              <a:rPr lang="en-US" altLang="ja-JP" sz="2400" b="1" dirty="0">
-                <a:latin typeface="メイリオ" panose="020B0604030504040204" pitchFamily="50" charset="-128"/>
-                <a:ea typeface="メイリオ" panose="020B0604030504040204" pitchFamily="50" charset="-128"/>
-              </a:rPr>
-              <a:t>3. Image</a:t>
-            </a:r>
-            <a:r>
-              <a:rPr lang="ja-JP" altLang="en-US" sz="2400" b="1" dirty="0">
-                <a:latin typeface="メイリオ" panose="020B0604030504040204" pitchFamily="50" charset="-128"/>
-                <a:ea typeface="メイリオ" panose="020B0604030504040204" pitchFamily="50" charset="-128"/>
-              </a:rPr>
-              <a:t>モデルの後の次元、</a:t>
-            </a:r>
-            <a:r>
-              <a:rPr lang="en-US" altLang="ja-JP" sz="2400" b="1" dirty="0">
-                <a:latin typeface="メイリオ" panose="020B0604030504040204" pitchFamily="50" charset="-128"/>
-                <a:ea typeface="メイリオ" panose="020B0604030504040204" pitchFamily="50" charset="-128"/>
-              </a:rPr>
-              <a:t>1000 to h </a:t>
-            </a:r>
-            <a:r>
-              <a:rPr lang="ja-JP" altLang="en-US" sz="2400" b="1" dirty="0">
-                <a:latin typeface="メイリオ" panose="020B0604030504040204" pitchFamily="50" charset="-128"/>
-                <a:ea typeface="メイリオ" panose="020B0604030504040204" pitchFamily="50" charset="-128"/>
-              </a:rPr>
-              <a:t>決定</a:t>
-            </a:r>
-          </a:p>
-          <a:p>
-            <a:endParaRPr kumimoji="1" lang="en-US" altLang="ja-JP" sz="2400" dirty="0">
-              <a:latin typeface="Consolas" panose="020B0609020204030204" pitchFamily="49" charset="0"/>
-              <a:ea typeface="メイリオ" panose="020B0604030504040204" pitchFamily="50" charset="-128"/>
-            </a:endParaRPr>
-          </a:p>
-          <a:p>
-            <a:r>
-              <a:rPr lang="en-US" altLang="ja-JP" sz="2400" b="0" i="0" dirty="0">
-                <a:effectLst/>
-                <a:latin typeface="Consolas" panose="020B0609020204030204" pitchFamily="49" charset="0"/>
-              </a:rPr>
-              <a:t>‘</a:t>
-            </a:r>
-            <a:r>
-              <a:rPr lang="en-US" altLang="ja-JP" sz="2400" b="0" i="0" dirty="0" err="1">
-                <a:effectLst/>
-                <a:latin typeface="Consolas" panose="020B0609020204030204" pitchFamily="49" charset="0"/>
-              </a:rPr>
-              <a:t>hidden_dim_init</a:t>
-            </a:r>
-            <a:r>
-              <a:rPr lang="en-US" altLang="ja-JP" sz="2400" b="0" i="0" dirty="0">
-                <a:effectLst/>
-                <a:latin typeface="Consolas" panose="020B0609020204030204" pitchFamily="49" charset="0"/>
-              </a:rPr>
-              <a:t>’</a:t>
-            </a:r>
-            <a:endParaRPr lang="en-US" altLang="ja-JP" sz="2400" dirty="0">
-              <a:latin typeface="Consolas" panose="020B0609020204030204" pitchFamily="49" charset="0"/>
-            </a:endParaRPr>
-          </a:p>
-          <a:p>
-            <a:r>
-              <a:rPr lang="ja-JP" altLang="en-US" sz="2400" dirty="0">
-                <a:latin typeface="Consolas" panose="020B0609020204030204" pitchFamily="49" charset="0"/>
-              </a:rPr>
-              <a:t>各</a:t>
-            </a:r>
-            <a:r>
-              <a:rPr lang="en-US" altLang="ja-JP" sz="2400" b="0" i="0" dirty="0">
-                <a:effectLst/>
-                <a:latin typeface="Consolas" panose="020B0609020204030204" pitchFamily="49" charset="0"/>
-              </a:rPr>
-              <a:t>(2,4,6,8,10,12)</a:t>
-            </a:r>
-            <a:r>
-              <a:rPr lang="ja-JP" altLang="en-US" sz="2400" b="0" i="0" dirty="0">
-                <a:effectLst/>
-                <a:latin typeface="Consolas" panose="020B0609020204030204" pitchFamily="49" charset="0"/>
-              </a:rPr>
-              <a:t>⇒</a:t>
-            </a:r>
-            <a:r>
-              <a:rPr lang="en-US" altLang="ja-JP" sz="2400" b="0" i="0" dirty="0">
-                <a:effectLst/>
-                <a:latin typeface="Consolas" panose="020B0609020204030204" pitchFamily="49" charset="0"/>
-              </a:rPr>
-              <a:t>6</a:t>
-            </a:r>
-            <a:r>
-              <a:rPr lang="ja-JP" altLang="en-US" sz="2400" b="0" i="0" dirty="0">
-                <a:effectLst/>
-                <a:latin typeface="Consolas" panose="020B0609020204030204" pitchFamily="49" charset="0"/>
-              </a:rPr>
-              <a:t>通り</a:t>
-            </a:r>
-            <a:r>
-              <a:rPr lang="en-US" altLang="ja-JP" sz="2400" b="0" i="0" dirty="0">
-                <a:effectLst/>
-                <a:latin typeface="Consolas" panose="020B0609020204030204" pitchFamily="49" charset="0"/>
-              </a:rPr>
-              <a:t>×10times=60</a:t>
-            </a:r>
-            <a:r>
-              <a:rPr lang="ja-JP" altLang="en-US" sz="2400" b="0" i="0" dirty="0">
-                <a:effectLst/>
-                <a:latin typeface="Consolas" panose="020B0609020204030204" pitchFamily="49" charset="0"/>
-              </a:rPr>
-              <a:t>回</a:t>
-            </a:r>
-            <a:endParaRPr lang="en-US" altLang="ja-JP" sz="2400" b="0" i="0" dirty="0">
-              <a:effectLst/>
-              <a:latin typeface="Consolas" panose="020B0609020204030204" pitchFamily="49" charset="0"/>
-            </a:endParaRPr>
-          </a:p>
-          <a:p>
-            <a:endParaRPr lang="en-US" altLang="ja-JP" sz="2400" dirty="0">
-              <a:latin typeface="Consolas" panose="020B0609020204030204" pitchFamily="49" charset="0"/>
-            </a:endParaRPr>
-          </a:p>
-          <a:p>
-            <a:r>
-              <a:rPr lang="ja-JP" altLang="en-US" sz="2400" b="0" i="0" dirty="0">
-                <a:effectLst/>
-                <a:latin typeface="Consolas" panose="020B0609020204030204" pitchFamily="49" charset="0"/>
-              </a:rPr>
-              <a:t>他</a:t>
-            </a:r>
-            <a:r>
-              <a:rPr lang="en-US" altLang="ja-JP" sz="2400" b="0" i="0" dirty="0">
-                <a:effectLst/>
-                <a:latin typeface="Consolas" panose="020B0609020204030204" pitchFamily="49" charset="0"/>
-              </a:rPr>
-              <a:t>{'</a:t>
-            </a:r>
-            <a:r>
-              <a:rPr lang="en-US" altLang="ja-JP" sz="2400" b="0" i="0" dirty="0" err="1">
-                <a:effectLst/>
-                <a:latin typeface="Consolas" panose="020B0609020204030204" pitchFamily="49" charset="0"/>
-              </a:rPr>
-              <a:t>batch_size</a:t>
-            </a:r>
-            <a:r>
-              <a:rPr lang="en-US" altLang="ja-JP" sz="2400" b="0" i="0" dirty="0">
-                <a:effectLst/>
-                <a:latin typeface="Consolas" panose="020B0609020204030204" pitchFamily="49" charset="0"/>
-              </a:rPr>
-              <a:t>': 128, 'epochs’: 100, '</a:t>
-            </a:r>
-            <a:r>
-              <a:rPr lang="en-US" altLang="ja-JP" sz="2400" b="0" i="0" dirty="0" err="1">
-                <a:effectLst/>
-                <a:latin typeface="Consolas" panose="020B0609020204030204" pitchFamily="49" charset="0"/>
-              </a:rPr>
-              <a:t>save_every</a:t>
-            </a:r>
-            <a:r>
-              <a:rPr lang="en-US" altLang="ja-JP" sz="2400" b="0" i="0" dirty="0">
-                <a:effectLst/>
-                <a:latin typeface="Consolas" panose="020B0609020204030204" pitchFamily="49" charset="0"/>
-              </a:rPr>
-              <a:t>’: 50, '</a:t>
-            </a:r>
-            <a:r>
-              <a:rPr lang="en-US" altLang="ja-JP" sz="2400" b="0" i="0" dirty="0" err="1">
-                <a:effectLst/>
-                <a:latin typeface="Consolas" panose="020B0609020204030204" pitchFamily="49" charset="0"/>
-              </a:rPr>
-              <a:t>result_name</a:t>
-            </a:r>
-            <a:r>
-              <a:rPr lang="en-US" altLang="ja-JP" sz="2400" b="0" i="0" dirty="0">
-                <a:effectLst/>
-                <a:latin typeface="Consolas" panose="020B0609020204030204" pitchFamily="49" charset="0"/>
-              </a:rPr>
-              <a:t>': 'ironloss_2DVNabla_swin_t_aft_cat_dim', '</a:t>
-            </a:r>
-            <a:r>
-              <a:rPr lang="en-US" altLang="ja-JP" sz="2400" b="0" i="0" dirty="0" err="1">
-                <a:effectLst/>
-                <a:latin typeface="Consolas" panose="020B0609020204030204" pitchFamily="49" charset="0"/>
-              </a:rPr>
-              <a:t>modelname</a:t>
-            </a:r>
-            <a:r>
-              <a:rPr lang="en-US" altLang="ja-JP" sz="2400" b="0" i="0" dirty="0">
-                <a:effectLst/>
-                <a:latin typeface="Consolas" panose="020B0609020204030204" pitchFamily="49" charset="0"/>
-              </a:rPr>
-              <a:t>': '</a:t>
-            </a:r>
-            <a:r>
-              <a:rPr lang="en-US" altLang="ja-JP" sz="2400" b="0" i="0" dirty="0" err="1">
-                <a:effectLst/>
-                <a:latin typeface="Consolas" panose="020B0609020204030204" pitchFamily="49" charset="0"/>
-              </a:rPr>
-              <a:t>swin_t</a:t>
-            </a:r>
-            <a:r>
-              <a:rPr lang="en-US" altLang="ja-JP" sz="2400" b="0" i="0" dirty="0">
-                <a:effectLst/>
-                <a:latin typeface="Consolas" panose="020B0609020204030204" pitchFamily="49" charset="0"/>
-              </a:rPr>
-              <a:t>', '</a:t>
-            </a:r>
-            <a:r>
-              <a:rPr lang="en-US" altLang="ja-JP" sz="2400" b="0" i="0" dirty="0" err="1">
-                <a:effectLst/>
-                <a:latin typeface="Consolas" panose="020B0609020204030204" pitchFamily="49" charset="0"/>
-              </a:rPr>
-              <a:t>typename</a:t>
-            </a:r>
-            <a:r>
-              <a:rPr lang="en-US" altLang="ja-JP" sz="2400" b="0" i="0" dirty="0">
-                <a:effectLst/>
-                <a:latin typeface="Consolas" panose="020B0609020204030204" pitchFamily="49" charset="0"/>
-              </a:rPr>
-              <a:t>': '</a:t>
-            </a:r>
-            <a:r>
-              <a:rPr lang="en-US" altLang="ja-JP" sz="2400" b="0" i="0" dirty="0" err="1">
-                <a:effectLst/>
-                <a:latin typeface="Consolas" panose="020B0609020204030204" pitchFamily="49" charset="0"/>
-              </a:rPr>
-              <a:t>transfer_learning</a:t>
-            </a:r>
-            <a:r>
-              <a:rPr lang="en-US" altLang="ja-JP" sz="2400" b="0" i="0" dirty="0">
-                <a:effectLst/>
-                <a:latin typeface="Consolas" panose="020B0609020204030204" pitchFamily="49" charset="0"/>
-              </a:rPr>
-              <a:t>'}</a:t>
-            </a:r>
-          </a:p>
-          <a:p>
-            <a:r>
-              <a:rPr lang="en-US" altLang="ja-JP" sz="2400" b="0" i="0" dirty="0">
-                <a:effectLst/>
-                <a:latin typeface="Consolas" panose="020B0609020204030204" pitchFamily="49" charset="0"/>
-              </a:rPr>
-              <a:t>{'</a:t>
-            </a:r>
-            <a:r>
-              <a:rPr lang="en-US" altLang="ja-JP" sz="2400" b="0" i="0" dirty="0" err="1">
-                <a:effectLst/>
-                <a:latin typeface="Consolas" panose="020B0609020204030204" pitchFamily="49" charset="0"/>
-              </a:rPr>
-              <a:t>hidden_dim_init</a:t>
-            </a:r>
-            <a:r>
-              <a:rPr lang="en-US" altLang="ja-JP" sz="2400" b="0" i="0" dirty="0">
-                <a:effectLst/>
-                <a:latin typeface="Consolas" panose="020B0609020204030204" pitchFamily="49" charset="0"/>
-              </a:rPr>
-              <a:t>’: </a:t>
-            </a:r>
-            <a:r>
-              <a:rPr lang="en-US" altLang="ja-JP" sz="2400" b="1" dirty="0">
-                <a:solidFill>
-                  <a:srgbClr val="C00000"/>
-                </a:solidFill>
-                <a:latin typeface="Consolas" panose="020B0609020204030204" pitchFamily="49" charset="0"/>
-              </a:rPr>
-              <a:t>xx</a:t>
-            </a:r>
-            <a:r>
-              <a:rPr lang="en-US" altLang="ja-JP" sz="2400" b="0" i="0" dirty="0">
-                <a:effectLst/>
-                <a:latin typeface="Consolas" panose="020B0609020204030204" pitchFamily="49" charset="0"/>
-              </a:rPr>
-              <a:t>, '</a:t>
-            </a:r>
-            <a:r>
-              <a:rPr lang="en-US" altLang="ja-JP" sz="2400" b="0" i="0" dirty="0" err="1">
-                <a:effectLst/>
-                <a:latin typeface="Consolas" panose="020B0609020204030204" pitchFamily="49" charset="0"/>
-              </a:rPr>
-              <a:t>num_hidden_dims</a:t>
-            </a:r>
-            <a:r>
-              <a:rPr lang="en-US" altLang="ja-JP" sz="2400" b="0" i="0" dirty="0">
-                <a:effectLst/>
-                <a:latin typeface="Consolas" panose="020B0609020204030204" pitchFamily="49" charset="0"/>
-              </a:rPr>
-              <a:t>': 2, '</a:t>
-            </a:r>
-            <a:r>
-              <a:rPr lang="en-US" altLang="ja-JP" sz="2400" b="0" i="0" dirty="0" err="1">
-                <a:effectLst/>
-                <a:latin typeface="Consolas" panose="020B0609020204030204" pitchFamily="49" charset="0"/>
-              </a:rPr>
-              <a:t>hidden_dim_out</a:t>
-            </a:r>
-            <a:r>
-              <a:rPr lang="en-US" altLang="ja-JP" sz="2400" b="0" i="0" dirty="0">
-                <a:effectLst/>
-                <a:latin typeface="Consolas" panose="020B0609020204030204" pitchFamily="49" charset="0"/>
-              </a:rPr>
-              <a:t>’: 50, '</a:t>
-            </a:r>
-            <a:r>
-              <a:rPr lang="en-US" altLang="ja-JP" sz="2400" b="0" i="0" dirty="0" err="1">
-                <a:effectLst/>
-                <a:latin typeface="Consolas" panose="020B0609020204030204" pitchFamily="49" charset="0"/>
-              </a:rPr>
-              <a:t>hidden_dim_other</a:t>
-            </a:r>
-            <a:r>
-              <a:rPr lang="en-US" altLang="ja-JP" sz="2400" b="0" i="0" dirty="0">
-                <a:effectLst/>
-                <a:latin typeface="Consolas" panose="020B0609020204030204" pitchFamily="49" charset="0"/>
-              </a:rPr>
-              <a:t>’: </a:t>
-            </a:r>
-            <a:r>
-              <a:rPr lang="en-US" altLang="ja-JP" sz="2400" b="1" dirty="0">
-                <a:solidFill>
-                  <a:srgbClr val="C00000"/>
-                </a:solidFill>
-                <a:latin typeface="Consolas" panose="020B0609020204030204" pitchFamily="49" charset="0"/>
-              </a:rPr>
-              <a:t>10</a:t>
-            </a:r>
-            <a:r>
-              <a:rPr lang="en-US" altLang="ja-JP" sz="2400" b="0" i="0" dirty="0">
-                <a:effectLst/>
-                <a:latin typeface="Consolas" panose="020B0609020204030204" pitchFamily="49" charset="0"/>
-              </a:rPr>
-              <a:t>, 'hidden_dim_out2’: 50, 'hidden_dim_other2’: </a:t>
-            </a:r>
-            <a:r>
-              <a:rPr lang="en-US" altLang="ja-JP" sz="2400" b="1" dirty="0">
-                <a:solidFill>
-                  <a:srgbClr val="C00000"/>
-                </a:solidFill>
-                <a:latin typeface="Consolas" panose="020B0609020204030204" pitchFamily="49" charset="0"/>
-              </a:rPr>
-              <a:t>12</a:t>
-            </a:r>
-            <a:r>
-              <a:rPr lang="en-US" altLang="ja-JP" sz="2400" b="0" i="0" dirty="0">
-                <a:effectLst/>
-                <a:latin typeface="Consolas" panose="020B0609020204030204" pitchFamily="49" charset="0"/>
-              </a:rPr>
-              <a:t>, '</a:t>
-            </a:r>
-            <a:r>
-              <a:rPr lang="en-US" altLang="ja-JP" sz="2400" b="0" i="0" dirty="0" err="1">
-                <a:effectLst/>
-                <a:latin typeface="Consolas" panose="020B0609020204030204" pitchFamily="49" charset="0"/>
-              </a:rPr>
-              <a:t>learning_rate</a:t>
-            </a:r>
-            <a:r>
-              <a:rPr lang="en-US" altLang="ja-JP" sz="2400" b="0" i="0" dirty="0">
-                <a:effectLst/>
-                <a:latin typeface="Consolas" panose="020B0609020204030204" pitchFamily="49" charset="0"/>
-              </a:rPr>
-              <a:t>': 0.0004}</a:t>
-            </a:r>
-          </a:p>
-          <a:p>
-            <a:endParaRPr lang="en-US" altLang="ja-JP" sz="2400" dirty="0">
-              <a:latin typeface="Consolas" panose="020B0609020204030204" pitchFamily="49" charset="0"/>
-            </a:endParaRPr>
-          </a:p>
-          <a:p>
-            <a:endParaRPr lang="en-US" altLang="ja-JP" sz="2400" b="0" i="0" dirty="0">
-              <a:effectLst/>
-              <a:latin typeface="Consolas" panose="020B0609020204030204" pitchFamily="49" charset="0"/>
-            </a:endParaRPr>
-          </a:p>
-        </p:txBody>
-      </p:sp>
-    </p:spTree>
-    <p:extLst>
-      <p:ext uri="{BB962C8B-B14F-4D97-AF65-F5344CB8AC3E}">
-        <p14:creationId xmlns:p14="http://schemas.microsoft.com/office/powerpoint/2010/main" val="1949025387"/>
-      </p:ext>
-    </p:extLst>
-  </p:cSld>
-  <p:clrMapOvr>
-    <a:masterClrMapping/>
-  </p:clrMapOvr>
-</p:sld>
-</file>
-
-<file path=ppt/slides/slide15.xml><?xml version="1.0" encoding="utf-8"?>
-<p:sld xmlns:a="http://schemas.openxmlformats.org/drawingml/2006/main" xmlns:r="http://schemas.openxmlformats.org/officeDocument/2006/relationships" xmlns:p="http://schemas.openxmlformats.org/presentationml/2006/main">
-  <p:cSld>
-    <p:spTree>
-      <p:nvGrpSpPr>
-        <p:cNvPr id="1" name=""/>
-        <p:cNvGrpSpPr/>
-        <p:nvPr/>
-      </p:nvGrpSpPr>
-      <p:grpSpPr>
-        <a:xfrm>
-          <a:off x="0" y="0"/>
-          <a:ext cx="0" cy="0"/>
-          <a:chOff x="0" y="0"/>
-          <a:chExt cx="0" cy="0"/>
-        </a:xfrm>
-      </p:grpSpPr>
-      <p:pic>
-        <p:nvPicPr>
-          <p:cNvPr id="11" name="図 10">
-            <a:extLst>
-              <a:ext uri="{FF2B5EF4-FFF2-40B4-BE49-F238E27FC236}">
-                <a16:creationId xmlns:a16="http://schemas.microsoft.com/office/drawing/2014/main" id="{A52F9081-69B5-0098-7878-FA73DEEF2D95}"/>
-              </a:ext>
-            </a:extLst>
-          </p:cNvPr>
-          <p:cNvPicPr>
-            <a:picLocks noChangeAspect="1"/>
-          </p:cNvPicPr>
-          <p:nvPr/>
-        </p:nvPicPr>
-        <p:blipFill>
-          <a:blip r:embed="rId2"/>
-          <a:stretch>
-            <a:fillRect/>
-          </a:stretch>
-        </p:blipFill>
-        <p:spPr>
-          <a:xfrm>
-            <a:off x="653140" y="1131017"/>
-            <a:ext cx="10607042" cy="2485354"/>
-          </a:xfrm>
-          <a:prstGeom prst="rect">
-            <a:avLst/>
-          </a:prstGeom>
-        </p:spPr>
-      </p:pic>
-      <p:pic>
-        <p:nvPicPr>
-          <p:cNvPr id="12" name="図 11">
-            <a:extLst>
-              <a:ext uri="{FF2B5EF4-FFF2-40B4-BE49-F238E27FC236}">
-                <a16:creationId xmlns:a16="http://schemas.microsoft.com/office/drawing/2014/main" id="{EB187CDF-4FCE-DFEB-0E3F-AE8EFF757CDC}"/>
-              </a:ext>
-            </a:extLst>
-          </p:cNvPr>
-          <p:cNvPicPr>
-            <a:picLocks noChangeAspect="1"/>
-          </p:cNvPicPr>
-          <p:nvPr/>
-        </p:nvPicPr>
-        <p:blipFill>
-          <a:blip r:embed="rId3"/>
-          <a:stretch>
-            <a:fillRect/>
-          </a:stretch>
-        </p:blipFill>
-        <p:spPr>
-          <a:xfrm>
-            <a:off x="653140" y="3852449"/>
-            <a:ext cx="10607042" cy="2485354"/>
-          </a:xfrm>
-          <a:prstGeom prst="rect">
-            <a:avLst/>
-          </a:prstGeom>
-        </p:spPr>
-      </p:pic>
-      <p:sp>
-        <p:nvSpPr>
-          <p:cNvPr id="43" name="テキスト ボックス 42">
-            <a:extLst>
-              <a:ext uri="{FF2B5EF4-FFF2-40B4-BE49-F238E27FC236}">
-                <a16:creationId xmlns:a16="http://schemas.microsoft.com/office/drawing/2014/main" id="{A7AC58E8-EF9E-C324-5A64-1DBE8DBAEEB2}"/>
-              </a:ext>
-            </a:extLst>
-          </p:cNvPr>
-          <p:cNvSpPr txBox="1"/>
-          <p:nvPr/>
-        </p:nvSpPr>
-        <p:spPr>
-          <a:xfrm>
-            <a:off x="267030" y="268255"/>
-            <a:ext cx="11453022" cy="830997"/>
-          </a:xfrm>
-          <a:prstGeom prst="rect">
-            <a:avLst/>
-          </a:prstGeom>
-          <a:noFill/>
-          <a:ln>
-            <a:noFill/>
-          </a:ln>
-        </p:spPr>
-        <p:txBody>
-          <a:bodyPr wrap="square" rtlCol="0">
-            <a:spAutoFit/>
-          </a:bodyPr>
-          <a:lstStyle/>
-          <a:p>
-            <a:r>
-              <a:rPr lang="en-US" altLang="ja-JP" sz="2400" b="1" dirty="0">
-                <a:latin typeface="メイリオ" panose="020B0604030504040204" pitchFamily="50" charset="-128"/>
-                <a:ea typeface="メイリオ" panose="020B0604030504040204" pitchFamily="50" charset="-128"/>
-              </a:rPr>
-              <a:t>3. Image</a:t>
-            </a:r>
-            <a:r>
-              <a:rPr lang="ja-JP" altLang="en-US" sz="2400" b="1" dirty="0">
-                <a:latin typeface="メイリオ" panose="020B0604030504040204" pitchFamily="50" charset="-128"/>
-                <a:ea typeface="メイリオ" panose="020B0604030504040204" pitchFamily="50" charset="-128"/>
-              </a:rPr>
-              <a:t>モデルの後の次元、</a:t>
-            </a:r>
-            <a:r>
-              <a:rPr lang="en-US" altLang="ja-JP" sz="2400" b="1" dirty="0">
-                <a:latin typeface="メイリオ" panose="020B0604030504040204" pitchFamily="50" charset="-128"/>
-                <a:ea typeface="メイリオ" panose="020B0604030504040204" pitchFamily="50" charset="-128"/>
-              </a:rPr>
-              <a:t>1000 to h </a:t>
-            </a:r>
-            <a:r>
-              <a:rPr lang="ja-JP" altLang="en-US" sz="2400" b="1" dirty="0">
-                <a:latin typeface="メイリオ" panose="020B0604030504040204" pitchFamily="50" charset="-128"/>
-                <a:ea typeface="メイリオ" panose="020B0604030504040204" pitchFamily="50" charset="-128"/>
-              </a:rPr>
-              <a:t>決定</a:t>
-            </a:r>
-            <a:endParaRPr lang="en-US" altLang="ja-JP" sz="2400" b="1" dirty="0">
-              <a:latin typeface="メイリオ" panose="020B0604030504040204" pitchFamily="50" charset="-128"/>
-              <a:ea typeface="メイリオ" panose="020B0604030504040204" pitchFamily="50" charset="-128"/>
-            </a:endParaRPr>
-          </a:p>
-          <a:p>
-            <a:r>
-              <a:rPr lang="en-US" altLang="ja-JP" sz="2400" b="1" dirty="0">
-                <a:latin typeface="メイリオ" panose="020B0604030504040204" pitchFamily="50" charset="-128"/>
-                <a:ea typeface="メイリオ" panose="020B0604030504040204" pitchFamily="50" charset="-128"/>
-              </a:rPr>
-              <a:t>epoch=100</a:t>
-            </a:r>
-            <a:endParaRPr lang="en-US" altLang="ja-JP" sz="2400" b="0" i="0" dirty="0">
-              <a:effectLst/>
-              <a:latin typeface="Consolas" panose="020B0609020204030204" pitchFamily="49" charset="0"/>
-            </a:endParaRPr>
-          </a:p>
-        </p:txBody>
-      </p:sp>
-      <p:sp>
-        <p:nvSpPr>
-          <p:cNvPr id="5" name="テキスト ボックス 4">
-            <a:extLst>
-              <a:ext uri="{FF2B5EF4-FFF2-40B4-BE49-F238E27FC236}">
-                <a16:creationId xmlns:a16="http://schemas.microsoft.com/office/drawing/2014/main" id="{1881C05F-3DA1-0D0E-4CFF-A99C0DBDDF1C}"/>
-              </a:ext>
-            </a:extLst>
-          </p:cNvPr>
-          <p:cNvSpPr txBox="1"/>
-          <p:nvPr/>
-        </p:nvSpPr>
-        <p:spPr>
-          <a:xfrm>
-            <a:off x="1323703" y="3518270"/>
-            <a:ext cx="9591871" cy="400110"/>
-          </a:xfrm>
-          <a:prstGeom prst="rect">
-            <a:avLst/>
-          </a:prstGeom>
-          <a:noFill/>
-        </p:spPr>
-        <p:txBody>
-          <a:bodyPr wrap="square" rtlCol="0">
-            <a:spAutoFit/>
-          </a:bodyPr>
-          <a:lstStyle/>
-          <a:p>
-            <a:pPr algn="ctr"/>
-            <a:r>
-              <a:rPr kumimoji="1" lang="pt-BR" altLang="ja-JP" sz="2000" dirty="0">
-                <a:latin typeface="メイリオ" panose="020B0604030504040204" pitchFamily="50" charset="-128"/>
-                <a:ea typeface="メイリオ" panose="020B0604030504040204" pitchFamily="50" charset="-128"/>
-              </a:rPr>
-              <a:t>Dim2, </a:t>
-            </a:r>
-            <a:r>
-              <a:rPr lang="ja-JP" altLang="en-US" sz="2000" dirty="0">
-                <a:latin typeface="メイリオ" panose="020B0604030504040204" pitchFamily="50" charset="-128"/>
-                <a:ea typeface="メイリオ" panose="020B0604030504040204" pitchFamily="50" charset="-128"/>
-              </a:rPr>
-              <a:t>　　　</a:t>
-            </a:r>
-            <a:r>
-              <a:rPr kumimoji="1" lang="pt-BR" altLang="ja-JP" sz="2000" dirty="0">
-                <a:latin typeface="メイリオ" panose="020B0604030504040204" pitchFamily="50" charset="-128"/>
-                <a:ea typeface="メイリオ" panose="020B0604030504040204" pitchFamily="50" charset="-128"/>
-              </a:rPr>
-              <a:t>dim</a:t>
-            </a:r>
-            <a:r>
-              <a:rPr lang="pt-BR" altLang="ja-JP" sz="2000" dirty="0">
-                <a:latin typeface="メイリオ" panose="020B0604030504040204" pitchFamily="50" charset="-128"/>
-                <a:ea typeface="メイリオ" panose="020B0604030504040204" pitchFamily="50" charset="-128"/>
-              </a:rPr>
-              <a:t>4, </a:t>
-            </a:r>
-            <a:r>
-              <a:rPr lang="ja-JP" altLang="en-US" sz="2000" dirty="0">
-                <a:latin typeface="メイリオ" panose="020B0604030504040204" pitchFamily="50" charset="-128"/>
-                <a:ea typeface="メイリオ" panose="020B0604030504040204" pitchFamily="50" charset="-128"/>
-              </a:rPr>
-              <a:t>　　　</a:t>
-            </a:r>
-            <a:r>
-              <a:rPr lang="pt-BR" altLang="ja-JP" sz="2000" dirty="0">
-                <a:latin typeface="メイリオ" panose="020B0604030504040204" pitchFamily="50" charset="-128"/>
-                <a:ea typeface="メイリオ" panose="020B0604030504040204" pitchFamily="50" charset="-128"/>
-              </a:rPr>
-              <a:t>dim6,</a:t>
-            </a:r>
-            <a:r>
-              <a:rPr lang="ja-JP" altLang="en-US" sz="2000" dirty="0">
-                <a:latin typeface="メイリオ" panose="020B0604030504040204" pitchFamily="50" charset="-128"/>
-                <a:ea typeface="メイリオ" panose="020B0604030504040204" pitchFamily="50" charset="-128"/>
-              </a:rPr>
-              <a:t>　　　</a:t>
-            </a:r>
-            <a:r>
-              <a:rPr lang="pt-BR" altLang="ja-JP" sz="2000" dirty="0">
-                <a:latin typeface="メイリオ" panose="020B0604030504040204" pitchFamily="50" charset="-128"/>
-                <a:ea typeface="メイリオ" panose="020B0604030504040204" pitchFamily="50" charset="-128"/>
-              </a:rPr>
-              <a:t> dim8,</a:t>
-            </a:r>
-            <a:r>
-              <a:rPr lang="ja-JP" altLang="en-US" sz="2000" dirty="0">
-                <a:latin typeface="メイリオ" panose="020B0604030504040204" pitchFamily="50" charset="-128"/>
-                <a:ea typeface="メイリオ" panose="020B0604030504040204" pitchFamily="50" charset="-128"/>
-              </a:rPr>
-              <a:t>　　　</a:t>
-            </a:r>
-            <a:r>
-              <a:rPr lang="pt-BR" altLang="ja-JP" sz="2000" dirty="0">
-                <a:latin typeface="メイリオ" panose="020B0604030504040204" pitchFamily="50" charset="-128"/>
-                <a:ea typeface="メイリオ" panose="020B0604030504040204" pitchFamily="50" charset="-128"/>
-              </a:rPr>
-              <a:t> dim10,</a:t>
-            </a:r>
-            <a:r>
-              <a:rPr lang="ja-JP" altLang="en-US" sz="2000" dirty="0">
-                <a:latin typeface="メイリオ" panose="020B0604030504040204" pitchFamily="50" charset="-128"/>
-                <a:ea typeface="メイリオ" panose="020B0604030504040204" pitchFamily="50" charset="-128"/>
-              </a:rPr>
-              <a:t>　　　</a:t>
-            </a:r>
-            <a:r>
-              <a:rPr lang="pt-BR" altLang="ja-JP" sz="2000" dirty="0">
-                <a:latin typeface="メイリオ" panose="020B0604030504040204" pitchFamily="50" charset="-128"/>
-                <a:ea typeface="メイリオ" panose="020B0604030504040204" pitchFamily="50" charset="-128"/>
-              </a:rPr>
-              <a:t> dim12</a:t>
-            </a:r>
-            <a:endParaRPr kumimoji="1" lang="ja-JP" altLang="en-US" sz="2000" dirty="0">
-              <a:latin typeface="メイリオ" panose="020B0604030504040204" pitchFamily="50" charset="-128"/>
-              <a:ea typeface="メイリオ" panose="020B0604030504040204" pitchFamily="50" charset="-128"/>
-            </a:endParaRPr>
-          </a:p>
-        </p:txBody>
-      </p:sp>
-      <p:sp>
-        <p:nvSpPr>
-          <p:cNvPr id="6" name="テキスト ボックス 5">
-            <a:extLst>
-              <a:ext uri="{FF2B5EF4-FFF2-40B4-BE49-F238E27FC236}">
-                <a16:creationId xmlns:a16="http://schemas.microsoft.com/office/drawing/2014/main" id="{0BAF9E46-119C-A27C-9D23-070D2C7071B7}"/>
-              </a:ext>
-            </a:extLst>
-          </p:cNvPr>
-          <p:cNvSpPr txBox="1"/>
-          <p:nvPr/>
-        </p:nvSpPr>
-        <p:spPr>
-          <a:xfrm>
-            <a:off x="5723535" y="1270415"/>
-            <a:ext cx="792205" cy="369332"/>
-          </a:xfrm>
-          <a:prstGeom prst="rect">
-            <a:avLst/>
-          </a:prstGeom>
-          <a:noFill/>
-          <a:ln>
-            <a:noFill/>
-          </a:ln>
-        </p:spPr>
-        <p:txBody>
-          <a:bodyPr wrap="none" rtlCol="0">
-            <a:spAutoFit/>
-          </a:bodyPr>
-          <a:lstStyle/>
-          <a:p>
-            <a:r>
-              <a:rPr kumimoji="1" lang="en-US" altLang="ja-JP" b="1" dirty="0">
-                <a:latin typeface="メイリオ" panose="020B0604030504040204" pitchFamily="50" charset="-128"/>
-                <a:ea typeface="メイリオ" panose="020B0604030504040204" pitchFamily="50" charset="-128"/>
-              </a:rPr>
-              <a:t>joule</a:t>
-            </a:r>
-            <a:endParaRPr kumimoji="1" lang="ja-JP" altLang="en-US" b="1" dirty="0">
-              <a:latin typeface="メイリオ" panose="020B0604030504040204" pitchFamily="50" charset="-128"/>
-              <a:ea typeface="メイリオ" panose="020B0604030504040204" pitchFamily="50" charset="-128"/>
-            </a:endParaRPr>
-          </a:p>
-        </p:txBody>
-      </p:sp>
-      <p:sp>
-        <p:nvSpPr>
-          <p:cNvPr id="7" name="テキスト ボックス 6">
-            <a:extLst>
-              <a:ext uri="{FF2B5EF4-FFF2-40B4-BE49-F238E27FC236}">
-                <a16:creationId xmlns:a16="http://schemas.microsoft.com/office/drawing/2014/main" id="{926C76F0-A770-A856-54A2-B2B5410CD680}"/>
-              </a:ext>
-            </a:extLst>
-          </p:cNvPr>
-          <p:cNvSpPr txBox="1"/>
-          <p:nvPr/>
-        </p:nvSpPr>
-        <p:spPr>
-          <a:xfrm>
-            <a:off x="5204621" y="4131928"/>
-            <a:ext cx="1422441" cy="369332"/>
-          </a:xfrm>
-          <a:prstGeom prst="rect">
-            <a:avLst/>
-          </a:prstGeom>
-          <a:noFill/>
-          <a:ln>
-            <a:noFill/>
-          </a:ln>
-        </p:spPr>
-        <p:txBody>
-          <a:bodyPr wrap="none" rtlCol="0">
-            <a:spAutoFit/>
-          </a:bodyPr>
-          <a:lstStyle/>
-          <a:p>
-            <a:r>
-              <a:rPr kumimoji="1" lang="en-US" altLang="ja-JP" b="1" dirty="0">
-                <a:latin typeface="メイリオ" panose="020B0604030504040204" pitchFamily="50" charset="-128"/>
-                <a:ea typeface="メイリオ" panose="020B0604030504040204" pitchFamily="50" charset="-128"/>
-              </a:rPr>
-              <a:t>hysteresis</a:t>
-            </a:r>
-            <a:endParaRPr kumimoji="1" lang="ja-JP" altLang="en-US" b="1" dirty="0">
-              <a:latin typeface="メイリオ" panose="020B0604030504040204" pitchFamily="50" charset="-128"/>
-              <a:ea typeface="メイリオ" panose="020B0604030504040204" pitchFamily="50" charset="-128"/>
-            </a:endParaRPr>
-          </a:p>
-        </p:txBody>
-      </p:sp>
-      <p:sp>
-        <p:nvSpPr>
-          <p:cNvPr id="8" name="テキスト ボックス 7">
-            <a:extLst>
-              <a:ext uri="{FF2B5EF4-FFF2-40B4-BE49-F238E27FC236}">
-                <a16:creationId xmlns:a16="http://schemas.microsoft.com/office/drawing/2014/main" id="{2638FFEA-38AD-AB1D-9995-2693DE65C31D}"/>
-              </a:ext>
-            </a:extLst>
-          </p:cNvPr>
-          <p:cNvSpPr txBox="1"/>
-          <p:nvPr/>
-        </p:nvSpPr>
-        <p:spPr>
-          <a:xfrm>
-            <a:off x="1323703" y="6293079"/>
-            <a:ext cx="9591871" cy="400110"/>
-          </a:xfrm>
-          <a:prstGeom prst="rect">
-            <a:avLst/>
-          </a:prstGeom>
-          <a:noFill/>
-        </p:spPr>
-        <p:txBody>
-          <a:bodyPr wrap="square" rtlCol="0">
-            <a:spAutoFit/>
-          </a:bodyPr>
-          <a:lstStyle/>
-          <a:p>
-            <a:pPr algn="ctr"/>
-            <a:r>
-              <a:rPr kumimoji="1" lang="pt-BR" altLang="ja-JP" sz="2000" dirty="0">
-                <a:latin typeface="メイリオ" panose="020B0604030504040204" pitchFamily="50" charset="-128"/>
-                <a:ea typeface="メイリオ" panose="020B0604030504040204" pitchFamily="50" charset="-128"/>
-              </a:rPr>
-              <a:t>Dim2, </a:t>
-            </a:r>
-            <a:r>
-              <a:rPr lang="ja-JP" altLang="en-US" sz="2000" dirty="0">
-                <a:latin typeface="メイリオ" panose="020B0604030504040204" pitchFamily="50" charset="-128"/>
-                <a:ea typeface="メイリオ" panose="020B0604030504040204" pitchFamily="50" charset="-128"/>
-              </a:rPr>
-              <a:t>　　　</a:t>
-            </a:r>
-            <a:r>
-              <a:rPr kumimoji="1" lang="pt-BR" altLang="ja-JP" sz="2000" dirty="0">
-                <a:latin typeface="メイリオ" panose="020B0604030504040204" pitchFamily="50" charset="-128"/>
-                <a:ea typeface="メイリオ" panose="020B0604030504040204" pitchFamily="50" charset="-128"/>
-              </a:rPr>
-              <a:t>dim</a:t>
-            </a:r>
-            <a:r>
-              <a:rPr lang="pt-BR" altLang="ja-JP" sz="2000" dirty="0">
-                <a:latin typeface="メイリオ" panose="020B0604030504040204" pitchFamily="50" charset="-128"/>
-                <a:ea typeface="メイリオ" panose="020B0604030504040204" pitchFamily="50" charset="-128"/>
-              </a:rPr>
-              <a:t>4, </a:t>
-            </a:r>
-            <a:r>
-              <a:rPr lang="ja-JP" altLang="en-US" sz="2000" dirty="0">
-                <a:latin typeface="メイリオ" panose="020B0604030504040204" pitchFamily="50" charset="-128"/>
-                <a:ea typeface="メイリオ" panose="020B0604030504040204" pitchFamily="50" charset="-128"/>
-              </a:rPr>
-              <a:t>　　　</a:t>
-            </a:r>
-            <a:r>
-              <a:rPr lang="pt-BR" altLang="ja-JP" sz="2000" dirty="0">
-                <a:latin typeface="メイリオ" panose="020B0604030504040204" pitchFamily="50" charset="-128"/>
-                <a:ea typeface="メイリオ" panose="020B0604030504040204" pitchFamily="50" charset="-128"/>
-              </a:rPr>
-              <a:t>dim6,</a:t>
-            </a:r>
-            <a:r>
-              <a:rPr lang="ja-JP" altLang="en-US" sz="2000" dirty="0">
-                <a:latin typeface="メイリオ" panose="020B0604030504040204" pitchFamily="50" charset="-128"/>
-                <a:ea typeface="メイリオ" panose="020B0604030504040204" pitchFamily="50" charset="-128"/>
-              </a:rPr>
-              <a:t>　　　</a:t>
-            </a:r>
-            <a:r>
-              <a:rPr lang="pt-BR" altLang="ja-JP" sz="2000" dirty="0">
-                <a:latin typeface="メイリオ" panose="020B0604030504040204" pitchFamily="50" charset="-128"/>
-                <a:ea typeface="メイリオ" panose="020B0604030504040204" pitchFamily="50" charset="-128"/>
-              </a:rPr>
-              <a:t> dim8,</a:t>
-            </a:r>
-            <a:r>
-              <a:rPr lang="ja-JP" altLang="en-US" sz="2000" dirty="0">
-                <a:latin typeface="メイリオ" panose="020B0604030504040204" pitchFamily="50" charset="-128"/>
-                <a:ea typeface="メイリオ" panose="020B0604030504040204" pitchFamily="50" charset="-128"/>
-              </a:rPr>
-              <a:t>　　　</a:t>
-            </a:r>
-            <a:r>
-              <a:rPr lang="pt-BR" altLang="ja-JP" sz="2000" dirty="0">
-                <a:latin typeface="メイリオ" panose="020B0604030504040204" pitchFamily="50" charset="-128"/>
-                <a:ea typeface="メイリオ" panose="020B0604030504040204" pitchFamily="50" charset="-128"/>
-              </a:rPr>
-              <a:t> dim10,</a:t>
-            </a:r>
-            <a:r>
-              <a:rPr lang="ja-JP" altLang="en-US" sz="2000" dirty="0">
-                <a:latin typeface="メイリオ" panose="020B0604030504040204" pitchFamily="50" charset="-128"/>
-                <a:ea typeface="メイリオ" panose="020B0604030504040204" pitchFamily="50" charset="-128"/>
-              </a:rPr>
-              <a:t>　　　</a:t>
-            </a:r>
-            <a:r>
-              <a:rPr lang="pt-BR" altLang="ja-JP" sz="2000" dirty="0">
-                <a:latin typeface="メイリオ" panose="020B0604030504040204" pitchFamily="50" charset="-128"/>
-                <a:ea typeface="メイリオ" panose="020B0604030504040204" pitchFamily="50" charset="-128"/>
-              </a:rPr>
-              <a:t> dim12</a:t>
-            </a:r>
-            <a:endParaRPr kumimoji="1" lang="ja-JP" altLang="en-US" sz="2000" dirty="0">
-              <a:latin typeface="メイリオ" panose="020B0604030504040204" pitchFamily="50" charset="-128"/>
-              <a:ea typeface="メイリオ" panose="020B0604030504040204" pitchFamily="50" charset="-128"/>
-            </a:endParaRPr>
-          </a:p>
-        </p:txBody>
-      </p:sp>
-      <p:sp>
-        <p:nvSpPr>
-          <p:cNvPr id="9" name="テキスト ボックス 8">
-            <a:extLst>
-              <a:ext uri="{FF2B5EF4-FFF2-40B4-BE49-F238E27FC236}">
-                <a16:creationId xmlns:a16="http://schemas.microsoft.com/office/drawing/2014/main" id="{AA2C77B2-DAAB-E6D8-F061-A124FC345E1F}"/>
-              </a:ext>
-            </a:extLst>
-          </p:cNvPr>
-          <p:cNvSpPr txBox="1"/>
-          <p:nvPr/>
-        </p:nvSpPr>
-        <p:spPr>
-          <a:xfrm>
-            <a:off x="7499765" y="34934"/>
-            <a:ext cx="4692235" cy="1938992"/>
-          </a:xfrm>
-          <a:prstGeom prst="rect">
-            <a:avLst/>
-          </a:prstGeom>
-          <a:noFill/>
-          <a:ln>
-            <a:noFill/>
-          </a:ln>
-        </p:spPr>
-        <p:txBody>
-          <a:bodyPr wrap="square" rtlCol="0">
-            <a:spAutoFit/>
-          </a:bodyPr>
-          <a:lstStyle/>
-          <a:p>
-            <a:r>
-              <a:rPr lang="en-US" altLang="ja-JP" sz="2400" b="0" i="0" dirty="0">
-                <a:effectLst/>
-                <a:latin typeface="Consolas" panose="020B0609020204030204" pitchFamily="49" charset="0"/>
-              </a:rPr>
-              <a:t>{'</a:t>
-            </a:r>
-            <a:r>
-              <a:rPr lang="en-US" altLang="ja-JP" sz="2400" b="0" i="0" dirty="0" err="1">
-                <a:effectLst/>
-                <a:latin typeface="Consolas" panose="020B0609020204030204" pitchFamily="49" charset="0"/>
-              </a:rPr>
-              <a:t>hidden_dim_init</a:t>
-            </a:r>
-            <a:r>
-              <a:rPr lang="en-US" altLang="ja-JP" sz="2400" b="0" i="0" dirty="0">
-                <a:effectLst/>
-                <a:latin typeface="Consolas" panose="020B0609020204030204" pitchFamily="49" charset="0"/>
-              </a:rPr>
-              <a:t>’: </a:t>
-            </a:r>
-            <a:r>
-              <a:rPr lang="en-US" altLang="ja-JP" sz="2400" b="1" dirty="0">
-                <a:solidFill>
-                  <a:srgbClr val="C00000"/>
-                </a:solidFill>
-                <a:latin typeface="Consolas" panose="020B0609020204030204" pitchFamily="49" charset="0"/>
-              </a:rPr>
-              <a:t>xx</a:t>
-            </a:r>
-            <a:r>
-              <a:rPr lang="en-US" altLang="ja-JP" sz="2400" b="0" i="0" dirty="0">
-                <a:effectLst/>
-                <a:latin typeface="Consolas" panose="020B0609020204030204" pitchFamily="49" charset="0"/>
-              </a:rPr>
-              <a:t>,</a:t>
-            </a:r>
-          </a:p>
-          <a:p>
-            <a:r>
-              <a:rPr lang="en-US" altLang="ja-JP" sz="2400" b="0" i="0" dirty="0">
-                <a:effectLst/>
-                <a:latin typeface="Consolas" panose="020B0609020204030204" pitchFamily="49" charset="0"/>
-              </a:rPr>
-              <a:t>'</a:t>
-            </a:r>
-            <a:r>
-              <a:rPr lang="en-US" altLang="ja-JP" sz="2400" b="0" i="0" dirty="0" err="1">
-                <a:effectLst/>
-                <a:latin typeface="Consolas" panose="020B0609020204030204" pitchFamily="49" charset="0"/>
-              </a:rPr>
-              <a:t>hidden_dim_other</a:t>
-            </a:r>
-            <a:r>
-              <a:rPr lang="en-US" altLang="ja-JP" sz="2400" b="0" i="0" dirty="0">
-                <a:effectLst/>
-                <a:latin typeface="Consolas" panose="020B0609020204030204" pitchFamily="49" charset="0"/>
-              </a:rPr>
-              <a:t>’: </a:t>
-            </a:r>
-            <a:r>
-              <a:rPr lang="en-US" altLang="ja-JP" sz="2400" b="1" dirty="0">
-                <a:solidFill>
-                  <a:srgbClr val="C00000"/>
-                </a:solidFill>
-                <a:latin typeface="Consolas" panose="020B0609020204030204" pitchFamily="49" charset="0"/>
-              </a:rPr>
-              <a:t>10</a:t>
-            </a:r>
-            <a:r>
-              <a:rPr lang="en-US" altLang="ja-JP" sz="2400" b="0" i="0" dirty="0">
-                <a:effectLst/>
-                <a:latin typeface="Consolas" panose="020B0609020204030204" pitchFamily="49" charset="0"/>
-              </a:rPr>
-              <a:t>, 'hidden_dim_other2’: </a:t>
-            </a:r>
-            <a:r>
-              <a:rPr lang="en-US" altLang="ja-JP" sz="2400" b="1" dirty="0">
-                <a:solidFill>
-                  <a:srgbClr val="C00000"/>
-                </a:solidFill>
-                <a:latin typeface="Consolas" panose="020B0609020204030204" pitchFamily="49" charset="0"/>
-              </a:rPr>
-              <a:t>12</a:t>
-            </a:r>
-            <a:r>
-              <a:rPr lang="en-US" altLang="ja-JP" sz="2400" b="0" i="0" dirty="0">
-                <a:effectLst/>
-                <a:latin typeface="Consolas" panose="020B0609020204030204" pitchFamily="49" charset="0"/>
-              </a:rPr>
-              <a:t>}</a:t>
-            </a:r>
-          </a:p>
-          <a:p>
-            <a:endParaRPr lang="en-US" altLang="ja-JP" sz="2400" dirty="0">
-              <a:latin typeface="Consolas" panose="020B0609020204030204" pitchFamily="49" charset="0"/>
-            </a:endParaRPr>
-          </a:p>
-          <a:p>
-            <a:endParaRPr lang="en-US" altLang="ja-JP" sz="2400" b="0" i="0" dirty="0">
-              <a:effectLst/>
-              <a:latin typeface="Consolas" panose="020B0609020204030204" pitchFamily="49" charset="0"/>
-            </a:endParaRPr>
-          </a:p>
-        </p:txBody>
-      </p:sp>
-      <p:sp>
-        <p:nvSpPr>
-          <p:cNvPr id="2" name="テキスト ボックス 1">
-            <a:extLst>
-              <a:ext uri="{FF2B5EF4-FFF2-40B4-BE49-F238E27FC236}">
-                <a16:creationId xmlns:a16="http://schemas.microsoft.com/office/drawing/2014/main" id="{1F4D8A21-6B90-F792-F4EE-5D7B569BF007}"/>
-              </a:ext>
-            </a:extLst>
-          </p:cNvPr>
-          <p:cNvSpPr txBox="1"/>
-          <p:nvPr/>
-        </p:nvSpPr>
-        <p:spPr>
-          <a:xfrm>
-            <a:off x="10827639" y="4181689"/>
-            <a:ext cx="1422442" cy="461665"/>
-          </a:xfrm>
-          <a:prstGeom prst="rect">
-            <a:avLst/>
-          </a:prstGeom>
-          <a:noFill/>
-          <a:ln>
-            <a:noFill/>
-          </a:ln>
-        </p:spPr>
-        <p:txBody>
-          <a:bodyPr wrap="square" rtlCol="0">
-            <a:spAutoFit/>
-          </a:bodyPr>
-          <a:lstStyle/>
-          <a:p>
-            <a:r>
-              <a:rPr lang="en-US" altLang="ja-JP" sz="2400" b="1" i="0" dirty="0">
-                <a:effectLst/>
-                <a:latin typeface="メイリオ" panose="020B0604030504040204" pitchFamily="50" charset="-128"/>
-                <a:ea typeface="メイリオ" panose="020B0604030504040204" pitchFamily="50" charset="-128"/>
-              </a:rPr>
-              <a:t>8</a:t>
-            </a:r>
-            <a:r>
-              <a:rPr lang="ja-JP" altLang="en-US" sz="2400" b="1" i="0" dirty="0">
-                <a:effectLst/>
-                <a:latin typeface="メイリオ" panose="020B0604030504040204" pitchFamily="50" charset="-128"/>
-                <a:ea typeface="メイリオ" panose="020B0604030504040204" pitchFamily="50" charset="-128"/>
-              </a:rPr>
-              <a:t>を採用</a:t>
-            </a:r>
-            <a:endParaRPr lang="en-US" altLang="ja-JP" sz="2400" b="1" i="0" dirty="0">
-              <a:effectLst/>
-              <a:latin typeface="メイリオ" panose="020B0604030504040204" pitchFamily="50" charset="-128"/>
-              <a:ea typeface="メイリオ" panose="020B0604030504040204" pitchFamily="50" charset="-128"/>
-            </a:endParaRPr>
-          </a:p>
-        </p:txBody>
-      </p:sp>
-    </p:spTree>
-    <p:extLst>
-      <p:ext uri="{BB962C8B-B14F-4D97-AF65-F5344CB8AC3E}">
-        <p14:creationId xmlns:p14="http://schemas.microsoft.com/office/powerpoint/2010/main" val="4266512910"/>
-      </p:ext>
-    </p:extLst>
-  </p:cSld>
-  <p:clrMapOvr>
-    <a:masterClrMapping/>
-  </p:clrMapOvr>
-</p:sld>
-</file>
-
-<file path=ppt/slides/slide16.xml><?xml version="1.0" encoding="utf-8"?>
-<p:sld xmlns:a="http://schemas.openxmlformats.org/drawingml/2006/main" xmlns:r="http://schemas.openxmlformats.org/officeDocument/2006/relationships" xmlns:p="http://schemas.openxmlformats.org/presentationml/2006/main">
-  <p:cSld>
-    <p:spTree>
-      <p:nvGrpSpPr>
-        <p:cNvPr id="1" name=""/>
-        <p:cNvGrpSpPr/>
-        <p:nvPr/>
-      </p:nvGrpSpPr>
-      <p:grpSpPr>
-        <a:xfrm>
-          <a:off x="0" y="0"/>
-          <a:ext cx="0" cy="0"/>
-          <a:chOff x="0" y="0"/>
-          <a:chExt cx="0" cy="0"/>
-        </a:xfrm>
-      </p:grpSpPr>
-      <p:sp>
-        <p:nvSpPr>
-          <p:cNvPr id="2" name="テキスト ボックス 1">
-            <a:extLst>
-              <a:ext uri="{FF2B5EF4-FFF2-40B4-BE49-F238E27FC236}">
-                <a16:creationId xmlns:a16="http://schemas.microsoft.com/office/drawing/2014/main" id="{A9B2FFC3-AE81-2D66-1B46-82D04AA95409}"/>
-              </a:ext>
-            </a:extLst>
-          </p:cNvPr>
-          <p:cNvSpPr txBox="1"/>
-          <p:nvPr/>
-        </p:nvSpPr>
-        <p:spPr>
-          <a:xfrm>
-            <a:off x="7769730" y="0"/>
-            <a:ext cx="4692235" cy="1938992"/>
-          </a:xfrm>
-          <a:prstGeom prst="rect">
-            <a:avLst/>
-          </a:prstGeom>
-          <a:noFill/>
-          <a:ln>
-            <a:noFill/>
-          </a:ln>
-        </p:spPr>
-        <p:txBody>
-          <a:bodyPr wrap="square" rtlCol="0">
-            <a:spAutoFit/>
-          </a:bodyPr>
-          <a:lstStyle/>
-          <a:p>
-            <a:r>
-              <a:rPr lang="en-US" altLang="ja-JP" sz="2400" b="0" i="0" dirty="0">
-                <a:effectLst/>
-                <a:latin typeface="Consolas" panose="020B0609020204030204" pitchFamily="49" charset="0"/>
-              </a:rPr>
-              <a:t>{'</a:t>
-            </a:r>
-            <a:r>
-              <a:rPr lang="en-US" altLang="ja-JP" sz="2400" b="0" i="0" dirty="0" err="1">
-                <a:effectLst/>
-                <a:latin typeface="Consolas" panose="020B0609020204030204" pitchFamily="49" charset="0"/>
-              </a:rPr>
-              <a:t>hidden_dim_init</a:t>
-            </a:r>
-            <a:r>
-              <a:rPr lang="en-US" altLang="ja-JP" sz="2400" b="0" i="0" dirty="0">
-                <a:effectLst/>
-                <a:latin typeface="Consolas" panose="020B0609020204030204" pitchFamily="49" charset="0"/>
-              </a:rPr>
-              <a:t>’: </a:t>
-            </a:r>
-            <a:r>
-              <a:rPr lang="en-US" altLang="ja-JP" sz="2400" b="1" i="0" dirty="0">
-                <a:solidFill>
-                  <a:srgbClr val="C00000"/>
-                </a:solidFill>
-                <a:effectLst/>
-                <a:latin typeface="Consolas" panose="020B0609020204030204" pitchFamily="49" charset="0"/>
-              </a:rPr>
-              <a:t>8</a:t>
-            </a:r>
-            <a:r>
-              <a:rPr lang="en-US" altLang="ja-JP" sz="2400" b="0" i="0" dirty="0">
-                <a:effectLst/>
-                <a:latin typeface="Consolas" panose="020B0609020204030204" pitchFamily="49" charset="0"/>
-              </a:rPr>
-              <a:t>,</a:t>
-            </a:r>
-          </a:p>
-          <a:p>
-            <a:r>
-              <a:rPr lang="en-US" altLang="ja-JP" sz="2400" b="0" i="0" dirty="0">
-                <a:effectLst/>
-                <a:latin typeface="Consolas" panose="020B0609020204030204" pitchFamily="49" charset="0"/>
-              </a:rPr>
-              <a:t>'</a:t>
-            </a:r>
-            <a:r>
-              <a:rPr lang="en-US" altLang="ja-JP" sz="2400" b="0" i="0" dirty="0" err="1">
-                <a:effectLst/>
-                <a:latin typeface="Consolas" panose="020B0609020204030204" pitchFamily="49" charset="0"/>
-              </a:rPr>
-              <a:t>hidden_dim_other</a:t>
-            </a:r>
-            <a:r>
-              <a:rPr lang="en-US" altLang="ja-JP" sz="2400" b="0" i="0" dirty="0">
-                <a:effectLst/>
-                <a:latin typeface="Consolas" panose="020B0609020204030204" pitchFamily="49" charset="0"/>
-              </a:rPr>
-              <a:t>’: </a:t>
-            </a:r>
-            <a:r>
-              <a:rPr lang="en-US" altLang="ja-JP" sz="2400" b="1" dirty="0">
-                <a:solidFill>
-                  <a:srgbClr val="C00000"/>
-                </a:solidFill>
-                <a:latin typeface="Consolas" panose="020B0609020204030204" pitchFamily="49" charset="0"/>
-              </a:rPr>
-              <a:t>10</a:t>
-            </a:r>
-            <a:r>
-              <a:rPr lang="en-US" altLang="ja-JP" sz="2400" b="0" i="0" dirty="0">
-                <a:effectLst/>
-                <a:latin typeface="Consolas" panose="020B0609020204030204" pitchFamily="49" charset="0"/>
-              </a:rPr>
-              <a:t>, 'hidden_dim_other2’: </a:t>
-            </a:r>
-            <a:r>
-              <a:rPr lang="en-US" altLang="ja-JP" sz="2400" b="1" dirty="0">
-                <a:solidFill>
-                  <a:srgbClr val="C00000"/>
-                </a:solidFill>
-                <a:latin typeface="Consolas" panose="020B0609020204030204" pitchFamily="49" charset="0"/>
-              </a:rPr>
-              <a:t>12</a:t>
-            </a:r>
-            <a:r>
-              <a:rPr lang="en-US" altLang="ja-JP" sz="2400" b="0" i="0" dirty="0">
-                <a:effectLst/>
-                <a:latin typeface="Consolas" panose="020B0609020204030204" pitchFamily="49" charset="0"/>
-              </a:rPr>
-              <a:t>}</a:t>
-            </a:r>
-          </a:p>
-          <a:p>
-            <a:endParaRPr lang="en-US" altLang="ja-JP" sz="2400" dirty="0">
-              <a:latin typeface="Consolas" panose="020B0609020204030204" pitchFamily="49" charset="0"/>
-            </a:endParaRPr>
-          </a:p>
-          <a:p>
-            <a:endParaRPr lang="en-US" altLang="ja-JP" sz="2400" b="0" i="0" dirty="0">
-              <a:effectLst/>
-              <a:latin typeface="Consolas" panose="020B0609020204030204" pitchFamily="49" charset="0"/>
-            </a:endParaRPr>
-          </a:p>
-        </p:txBody>
-      </p:sp>
-      <p:sp>
-        <p:nvSpPr>
-          <p:cNvPr id="3" name="テキスト ボックス 2">
-            <a:extLst>
-              <a:ext uri="{FF2B5EF4-FFF2-40B4-BE49-F238E27FC236}">
-                <a16:creationId xmlns:a16="http://schemas.microsoft.com/office/drawing/2014/main" id="{2567C4B7-FB23-E8FA-ACFF-97AE65B5F1FD}"/>
-              </a:ext>
-            </a:extLst>
-          </p:cNvPr>
-          <p:cNvSpPr txBox="1"/>
-          <p:nvPr/>
-        </p:nvSpPr>
-        <p:spPr>
-          <a:xfrm>
-            <a:off x="267030" y="268255"/>
-            <a:ext cx="11453022" cy="830997"/>
-          </a:xfrm>
-          <a:prstGeom prst="rect">
-            <a:avLst/>
-          </a:prstGeom>
-          <a:noFill/>
-          <a:ln>
-            <a:noFill/>
-          </a:ln>
-        </p:spPr>
-        <p:txBody>
-          <a:bodyPr wrap="square" rtlCol="0">
-            <a:spAutoFit/>
-          </a:bodyPr>
-          <a:lstStyle/>
-          <a:p>
-            <a:r>
-              <a:rPr lang="en-US" altLang="ja-JP" sz="2400" b="1" dirty="0">
-                <a:latin typeface="メイリオ" panose="020B0604030504040204" pitchFamily="50" charset="-128"/>
-                <a:ea typeface="メイリオ" panose="020B0604030504040204" pitchFamily="50" charset="-128"/>
-              </a:rPr>
-              <a:t>4. Image</a:t>
-            </a:r>
-            <a:r>
-              <a:rPr lang="ja-JP" altLang="en-US" sz="2400" b="1" dirty="0">
-                <a:latin typeface="メイリオ" panose="020B0604030504040204" pitchFamily="50" charset="-128"/>
-                <a:ea typeface="メイリオ" panose="020B0604030504040204" pitchFamily="50" charset="-128"/>
-              </a:rPr>
-              <a:t>モデル比較、</a:t>
-            </a:r>
-            <a:r>
-              <a:rPr lang="en-US" altLang="ja-JP" sz="2400" b="1" dirty="0">
-                <a:latin typeface="メイリオ" panose="020B0604030504040204" pitchFamily="50" charset="-128"/>
-                <a:ea typeface="メイリオ" panose="020B0604030504040204" pitchFamily="50" charset="-128"/>
-              </a:rPr>
-              <a:t>1000 to h </a:t>
-            </a:r>
-            <a:r>
-              <a:rPr lang="ja-JP" altLang="en-US" sz="2400" b="1" dirty="0">
-                <a:latin typeface="メイリオ" panose="020B0604030504040204" pitchFamily="50" charset="-128"/>
-                <a:ea typeface="メイリオ" panose="020B0604030504040204" pitchFamily="50" charset="-128"/>
-              </a:rPr>
-              <a:t>決定</a:t>
-            </a:r>
-            <a:endParaRPr lang="en-US" altLang="ja-JP" sz="2400" b="1" dirty="0">
-              <a:latin typeface="メイリオ" panose="020B0604030504040204" pitchFamily="50" charset="-128"/>
-              <a:ea typeface="メイリオ" panose="020B0604030504040204" pitchFamily="50" charset="-128"/>
-            </a:endParaRPr>
-          </a:p>
-          <a:p>
-            <a:r>
-              <a:rPr lang="en-US" altLang="ja-JP" sz="2400" b="1" dirty="0">
-                <a:latin typeface="メイリオ" panose="020B0604030504040204" pitchFamily="50" charset="-128"/>
-                <a:ea typeface="メイリオ" panose="020B0604030504040204" pitchFamily="50" charset="-128"/>
-              </a:rPr>
-              <a:t>epoch=100</a:t>
-            </a:r>
-            <a:endParaRPr lang="en-US" altLang="ja-JP" sz="2400" b="0" i="0" dirty="0">
-              <a:effectLst/>
-              <a:latin typeface="Consolas" panose="020B0609020204030204" pitchFamily="49" charset="0"/>
-            </a:endParaRPr>
-          </a:p>
-        </p:txBody>
-      </p:sp>
-      <p:pic>
-        <p:nvPicPr>
-          <p:cNvPr id="4" name="図 3">
-            <a:extLst>
-              <a:ext uri="{FF2B5EF4-FFF2-40B4-BE49-F238E27FC236}">
-                <a16:creationId xmlns:a16="http://schemas.microsoft.com/office/drawing/2014/main" id="{DCF5D62B-31C0-7D91-E8FF-65B0398F5390}"/>
-              </a:ext>
-            </a:extLst>
-          </p:cNvPr>
-          <p:cNvPicPr>
-            <a:picLocks noChangeAspect="1"/>
-          </p:cNvPicPr>
-          <p:nvPr/>
-        </p:nvPicPr>
-        <p:blipFill>
-          <a:blip r:embed="rId2"/>
-          <a:stretch>
-            <a:fillRect/>
-          </a:stretch>
-        </p:blipFill>
-        <p:spPr>
-          <a:xfrm>
-            <a:off x="467463" y="1269546"/>
-            <a:ext cx="11257074" cy="2317491"/>
-          </a:xfrm>
-          <a:prstGeom prst="rect">
-            <a:avLst/>
-          </a:prstGeom>
-        </p:spPr>
-      </p:pic>
-      <p:pic>
-        <p:nvPicPr>
-          <p:cNvPr id="5" name="図 4">
-            <a:extLst>
-              <a:ext uri="{FF2B5EF4-FFF2-40B4-BE49-F238E27FC236}">
-                <a16:creationId xmlns:a16="http://schemas.microsoft.com/office/drawing/2014/main" id="{279782A2-7467-261A-CA9E-357A71E4C679}"/>
-              </a:ext>
-            </a:extLst>
-          </p:cNvPr>
-          <p:cNvPicPr>
-            <a:picLocks noChangeAspect="1"/>
-          </p:cNvPicPr>
-          <p:nvPr/>
-        </p:nvPicPr>
-        <p:blipFill>
-          <a:blip r:embed="rId3"/>
-          <a:stretch>
-            <a:fillRect/>
-          </a:stretch>
-        </p:blipFill>
-        <p:spPr>
-          <a:xfrm>
-            <a:off x="462978" y="3789395"/>
-            <a:ext cx="11257074" cy="2317491"/>
-          </a:xfrm>
-          <a:prstGeom prst="rect">
-            <a:avLst/>
-          </a:prstGeom>
-        </p:spPr>
-      </p:pic>
-      <p:sp>
-        <p:nvSpPr>
-          <p:cNvPr id="7" name="テキスト ボックス 6">
-            <a:extLst>
-              <a:ext uri="{FF2B5EF4-FFF2-40B4-BE49-F238E27FC236}">
-                <a16:creationId xmlns:a16="http://schemas.microsoft.com/office/drawing/2014/main" id="{6B3FD355-D23C-242E-9BAC-E2CA4D6A0D89}"/>
-              </a:ext>
-            </a:extLst>
-          </p:cNvPr>
-          <p:cNvSpPr txBox="1"/>
-          <p:nvPr/>
-        </p:nvSpPr>
-        <p:spPr>
-          <a:xfrm>
-            <a:off x="163286" y="3513956"/>
-            <a:ext cx="12028714" cy="230832"/>
-          </a:xfrm>
-          <a:prstGeom prst="rect">
-            <a:avLst/>
-          </a:prstGeom>
-          <a:noFill/>
-        </p:spPr>
-        <p:txBody>
-          <a:bodyPr wrap="square">
-            <a:spAutoFit/>
-          </a:bodyPr>
-          <a:lstStyle/>
-          <a:p>
-            <a:r>
-              <a:rPr lang="en-US" altLang="ja-JP" sz="900" b="1" i="0" dirty="0">
-                <a:effectLst/>
-                <a:latin typeface="Consolas" panose="020B0609020204030204" pitchFamily="49" charset="0"/>
-              </a:rPr>
-              <a:t>['resnet18', 'resnet34', 'resnet50', 'resnet101', 'resnet152', 'vgg11bn', 'vgg13bn', 'vgg16bn', 'vgg19bn', 'vitb16', 'vitb32', 'vitl16', 'vitl32', '</a:t>
-            </a:r>
-            <a:r>
-              <a:rPr lang="en-US" altLang="ja-JP" sz="900" b="1" i="0" dirty="0" err="1">
-                <a:effectLst/>
-                <a:latin typeface="Consolas" panose="020B0609020204030204" pitchFamily="49" charset="0"/>
-              </a:rPr>
-              <a:t>swin_b</a:t>
-            </a:r>
-            <a:r>
-              <a:rPr lang="en-US" altLang="ja-JP" sz="900" b="1" i="0" dirty="0">
-                <a:effectLst/>
-                <a:latin typeface="Consolas" panose="020B0609020204030204" pitchFamily="49" charset="0"/>
-              </a:rPr>
-              <a:t>', 'poolformer_s12', '</a:t>
-            </a:r>
-            <a:r>
-              <a:rPr lang="en-US" altLang="ja-JP" sz="900" b="1" i="0" dirty="0" err="1">
-                <a:effectLst/>
-                <a:latin typeface="Consolas" panose="020B0609020204030204" pitchFamily="49" charset="0"/>
-              </a:rPr>
-              <a:t>swin_t</a:t>
-            </a:r>
-            <a:r>
-              <a:rPr lang="en-US" altLang="ja-JP" sz="900" b="1" i="0" dirty="0">
-                <a:effectLst/>
-                <a:latin typeface="Consolas" panose="020B0609020204030204" pitchFamily="49" charset="0"/>
-              </a:rPr>
-              <a:t>']</a:t>
-            </a:r>
-            <a:endParaRPr lang="ja-JP" altLang="en-US" sz="900" b="1" dirty="0"/>
-          </a:p>
-        </p:txBody>
-      </p:sp>
-      <p:sp>
-        <p:nvSpPr>
-          <p:cNvPr id="8" name="テキスト ボックス 7">
-            <a:extLst>
-              <a:ext uri="{FF2B5EF4-FFF2-40B4-BE49-F238E27FC236}">
-                <a16:creationId xmlns:a16="http://schemas.microsoft.com/office/drawing/2014/main" id="{BCAD863E-029E-AFDB-9740-0368B6ECFE25}"/>
-              </a:ext>
-            </a:extLst>
-          </p:cNvPr>
-          <p:cNvSpPr txBox="1"/>
-          <p:nvPr/>
-        </p:nvSpPr>
-        <p:spPr>
-          <a:xfrm>
-            <a:off x="9271520" y="6288375"/>
-            <a:ext cx="2629051" cy="461665"/>
-          </a:xfrm>
-          <a:prstGeom prst="rect">
-            <a:avLst/>
-          </a:prstGeom>
-          <a:noFill/>
-          <a:ln>
-            <a:noFill/>
-          </a:ln>
-        </p:spPr>
-        <p:txBody>
-          <a:bodyPr wrap="square" rtlCol="0">
-            <a:spAutoFit/>
-          </a:bodyPr>
-          <a:lstStyle/>
-          <a:p>
-            <a:r>
-              <a:rPr lang="en-US" altLang="ja-JP" sz="2400" b="1" i="0" dirty="0" err="1">
-                <a:effectLst/>
-                <a:latin typeface="メイリオ" panose="020B0604030504040204" pitchFamily="50" charset="-128"/>
-                <a:ea typeface="メイリオ" panose="020B0604030504040204" pitchFamily="50" charset="-128"/>
-              </a:rPr>
-              <a:t>Swin_t</a:t>
-            </a:r>
-            <a:r>
-              <a:rPr lang="ja-JP" altLang="en-US" sz="2400" b="1" i="0" dirty="0">
-                <a:effectLst/>
-                <a:latin typeface="メイリオ" panose="020B0604030504040204" pitchFamily="50" charset="-128"/>
-                <a:ea typeface="メイリオ" panose="020B0604030504040204" pitchFamily="50" charset="-128"/>
-              </a:rPr>
-              <a:t>を採用</a:t>
-            </a:r>
-            <a:endParaRPr lang="en-US" altLang="ja-JP" sz="2400" b="1" i="0" dirty="0">
-              <a:effectLst/>
-              <a:latin typeface="メイリオ" panose="020B0604030504040204" pitchFamily="50" charset="-128"/>
-              <a:ea typeface="メイリオ" panose="020B0604030504040204" pitchFamily="50" charset="-128"/>
-            </a:endParaRPr>
-          </a:p>
-        </p:txBody>
-      </p:sp>
-      <p:sp>
-        <p:nvSpPr>
-          <p:cNvPr id="9" name="正方形/長方形 8">
-            <a:extLst>
-              <a:ext uri="{FF2B5EF4-FFF2-40B4-BE49-F238E27FC236}">
-                <a16:creationId xmlns:a16="http://schemas.microsoft.com/office/drawing/2014/main" id="{15C681DD-14BC-E5E7-946B-00F1F9F5E5D7}"/>
-              </a:ext>
-            </a:extLst>
-          </p:cNvPr>
-          <p:cNvSpPr/>
-          <p:nvPr/>
-        </p:nvSpPr>
-        <p:spPr>
-          <a:xfrm>
-            <a:off x="10586046" y="2264229"/>
-            <a:ext cx="718457" cy="3929742"/>
-          </a:xfrm>
-          <a:prstGeom prst="rect">
-            <a:avLst/>
-          </a:prstGeom>
-          <a:noFill/>
-          <a:ln w="38100">
-            <a:solidFill>
-              <a:srgbClr val="C00000"/>
-            </a:solidFill>
-          </a:ln>
-        </p:spPr>
-        <p:style>
-          <a:lnRef idx="2">
-            <a:schemeClr val="accent1">
-              <a:shade val="50000"/>
-            </a:schemeClr>
-          </a:lnRef>
-          <a:fillRef idx="1">
-            <a:schemeClr val="accent1"/>
-          </a:fillRef>
-          <a:effectRef idx="0">
-            <a:schemeClr val="accent1"/>
-          </a:effectRef>
-          <a:fontRef idx="minor">
-            <a:schemeClr val="lt1"/>
-          </a:fontRef>
-        </p:style>
-        <p:txBody>
-          <a:bodyPr rtlCol="0" anchor="ctr"/>
-          <a:lstStyle/>
-          <a:p>
-            <a:pPr algn="ctr"/>
-            <a:endParaRPr kumimoji="1" lang="ja-JP" altLang="en-US"/>
-          </a:p>
-        </p:txBody>
-      </p:sp>
-    </p:spTree>
-    <p:extLst>
-      <p:ext uri="{BB962C8B-B14F-4D97-AF65-F5344CB8AC3E}">
-        <p14:creationId xmlns:p14="http://schemas.microsoft.com/office/powerpoint/2010/main" val="4037871689"/>
-      </p:ext>
-    </p:extLst>
-  </p:cSld>
-  <p:clrMapOvr>
-    <a:masterClrMapping/>
-  </p:clrMapOvr>
-</p:sld>
-</file>
-
-<file path=ppt/slides/slide17.xml><?xml version="1.0" encoding="utf-8"?>
-<p:sld xmlns:a="http://schemas.openxmlformats.org/drawingml/2006/main" xmlns:r="http://schemas.openxmlformats.org/officeDocument/2006/relationships" xmlns:p="http://schemas.openxmlformats.org/presentationml/2006/main">
-  <p:cSld>
-    <p:spTree>
-      <p:nvGrpSpPr>
-        <p:cNvPr id="1" name=""/>
-        <p:cNvGrpSpPr/>
-        <p:nvPr/>
-      </p:nvGrpSpPr>
-      <p:grpSpPr>
-        <a:xfrm>
-          <a:off x="0" y="0"/>
-          <a:ext cx="0" cy="0"/>
-          <a:chOff x="0" y="0"/>
-          <a:chExt cx="0" cy="0"/>
-        </a:xfrm>
-      </p:grpSpPr>
-      <p:sp>
-        <p:nvSpPr>
-          <p:cNvPr id="43" name="テキスト ボックス 42">
-            <a:extLst>
-              <a:ext uri="{FF2B5EF4-FFF2-40B4-BE49-F238E27FC236}">
-                <a16:creationId xmlns:a16="http://schemas.microsoft.com/office/drawing/2014/main" id="{A7AC58E8-EF9E-C324-5A64-1DBE8DBAEEB2}"/>
-              </a:ext>
-            </a:extLst>
-          </p:cNvPr>
-          <p:cNvSpPr txBox="1"/>
-          <p:nvPr/>
-        </p:nvSpPr>
-        <p:spPr>
-          <a:xfrm>
-            <a:off x="3058474" y="6108536"/>
-            <a:ext cx="7581900" cy="461665"/>
-          </a:xfrm>
-          <a:prstGeom prst="rect">
-            <a:avLst/>
-          </a:prstGeom>
-          <a:noFill/>
-          <a:ln>
-            <a:noFill/>
-          </a:ln>
-        </p:spPr>
-        <p:txBody>
-          <a:bodyPr wrap="square" rtlCol="0">
-            <a:spAutoFit/>
-          </a:bodyPr>
-          <a:lstStyle/>
-          <a:p>
-            <a:r>
-              <a:rPr lang="ja-JP" altLang="en-US" sz="2400" dirty="0">
-                <a:latin typeface="メイリオ" panose="020B0604030504040204" pitchFamily="50" charset="-128"/>
-                <a:ea typeface="メイリオ" panose="020B0604030504040204" pitchFamily="50" charset="-128"/>
-              </a:rPr>
-              <a:t>転移</a:t>
-            </a:r>
-            <a:r>
-              <a:rPr lang="en-US" altLang="ja-JP" sz="2400" dirty="0">
-                <a:latin typeface="メイリオ" panose="020B0604030504040204" pitchFamily="50" charset="-128"/>
-                <a:ea typeface="メイリオ" panose="020B0604030504040204" pitchFamily="50" charset="-128"/>
-              </a:rPr>
-              <a:t>vs</a:t>
-            </a:r>
-            <a:r>
-              <a:rPr lang="ja-JP" altLang="en-US" sz="2400" dirty="0">
-                <a:latin typeface="メイリオ" panose="020B0604030504040204" pitchFamily="50" charset="-128"/>
-                <a:ea typeface="メイリオ" panose="020B0604030504040204" pitchFamily="50" charset="-128"/>
-              </a:rPr>
-              <a:t>微調整</a:t>
-            </a:r>
-            <a:r>
-              <a:rPr lang="en-US" altLang="ja-JP" sz="2400" dirty="0">
-                <a:latin typeface="メイリオ" panose="020B0604030504040204" pitchFamily="50" charset="-128"/>
-                <a:ea typeface="メイリオ" panose="020B0604030504040204" pitchFamily="50" charset="-128"/>
-              </a:rPr>
-              <a:t>vs</a:t>
-            </a:r>
-            <a:r>
-              <a:rPr lang="ja-JP" altLang="en-US" sz="2400" dirty="0">
-                <a:latin typeface="メイリオ" panose="020B0604030504040204" pitchFamily="50" charset="-128"/>
-                <a:ea typeface="メイリオ" panose="020B0604030504040204" pitchFamily="50" charset="-128"/>
-              </a:rPr>
-              <a:t>そのまま：影響大、転移学習が良い</a:t>
-            </a:r>
-            <a:endParaRPr kumimoji="1" lang="ja-JP" altLang="en-US" sz="2400" dirty="0">
-              <a:latin typeface="メイリオ" panose="020B0604030504040204" pitchFamily="50" charset="-128"/>
-              <a:ea typeface="メイリオ" panose="020B0604030504040204" pitchFamily="50" charset="-128"/>
-            </a:endParaRPr>
-          </a:p>
-        </p:txBody>
-      </p:sp>
-      <p:sp>
-        <p:nvSpPr>
-          <p:cNvPr id="2" name="テキスト ボックス 1">
-            <a:extLst>
-              <a:ext uri="{FF2B5EF4-FFF2-40B4-BE49-F238E27FC236}">
-                <a16:creationId xmlns:a16="http://schemas.microsoft.com/office/drawing/2014/main" id="{B21DEFB1-6D2D-9936-B62C-A8AFA016195A}"/>
-              </a:ext>
-            </a:extLst>
-          </p:cNvPr>
-          <p:cNvSpPr txBox="1"/>
-          <p:nvPr/>
-        </p:nvSpPr>
-        <p:spPr>
-          <a:xfrm>
-            <a:off x="267030" y="268255"/>
-            <a:ext cx="11453022" cy="461665"/>
-          </a:xfrm>
-          <a:prstGeom prst="rect">
-            <a:avLst/>
-          </a:prstGeom>
-          <a:noFill/>
-          <a:ln>
-            <a:noFill/>
-          </a:ln>
-        </p:spPr>
-        <p:txBody>
-          <a:bodyPr wrap="square" rtlCol="0">
-            <a:spAutoFit/>
-          </a:bodyPr>
-          <a:lstStyle/>
-          <a:p>
-            <a:r>
-              <a:rPr lang="en-US" altLang="ja-JP" sz="2400" b="1" dirty="0">
-                <a:latin typeface="メイリオ" panose="020B0604030504040204" pitchFamily="50" charset="-128"/>
-                <a:ea typeface="メイリオ" panose="020B0604030504040204" pitchFamily="50" charset="-128"/>
-              </a:rPr>
-              <a:t>5. </a:t>
-            </a:r>
-            <a:r>
-              <a:rPr lang="ja-JP" altLang="en-US" sz="2400" b="1" dirty="0">
-                <a:latin typeface="メイリオ" panose="020B0604030504040204" pitchFamily="50" charset="-128"/>
-                <a:ea typeface="メイリオ" panose="020B0604030504040204" pitchFamily="50" charset="-128"/>
-              </a:rPr>
-              <a:t>画像モデルの重み比較　転移学習、</a:t>
-            </a:r>
-            <a:r>
-              <a:rPr lang="en-US" altLang="ja-JP" sz="2400" b="1" dirty="0">
-                <a:latin typeface="メイリオ" panose="020B0604030504040204" pitchFamily="50" charset="-128"/>
-                <a:ea typeface="メイリオ" panose="020B0604030504040204" pitchFamily="50" charset="-128"/>
-              </a:rPr>
-              <a:t>fine-tuning</a:t>
-            </a:r>
-            <a:r>
-              <a:rPr lang="ja-JP" altLang="en-US" sz="2400" b="1" dirty="0">
-                <a:latin typeface="メイリオ" panose="020B0604030504040204" pitchFamily="50" charset="-128"/>
-                <a:ea typeface="メイリオ" panose="020B0604030504040204" pitchFamily="50" charset="-128"/>
-              </a:rPr>
-              <a:t>、</a:t>
-            </a:r>
-            <a:r>
-              <a:rPr lang="en-US" altLang="ja-JP" sz="2400" b="1" dirty="0">
-                <a:latin typeface="メイリオ" panose="020B0604030504040204" pitchFamily="50" charset="-128"/>
-                <a:ea typeface="メイリオ" panose="020B0604030504040204" pitchFamily="50" charset="-128"/>
-              </a:rPr>
-              <a:t>normal</a:t>
-            </a:r>
-            <a:endParaRPr lang="en-US" altLang="ja-JP" sz="2400" b="0" i="0" dirty="0">
-              <a:effectLst/>
-              <a:latin typeface="Consolas" panose="020B0609020204030204" pitchFamily="49" charset="0"/>
-            </a:endParaRPr>
-          </a:p>
-        </p:txBody>
-      </p:sp>
-      <p:pic>
-        <p:nvPicPr>
-          <p:cNvPr id="3" name="図 2">
-            <a:extLst>
-              <a:ext uri="{FF2B5EF4-FFF2-40B4-BE49-F238E27FC236}">
-                <a16:creationId xmlns:a16="http://schemas.microsoft.com/office/drawing/2014/main" id="{1A9CFAC8-0094-60DE-F732-B65CBB809465}"/>
-              </a:ext>
-            </a:extLst>
-          </p:cNvPr>
-          <p:cNvPicPr>
-            <a:picLocks noChangeAspect="1"/>
-          </p:cNvPicPr>
-          <p:nvPr/>
-        </p:nvPicPr>
-        <p:blipFill>
-          <a:blip r:embed="rId2"/>
-          <a:stretch>
-            <a:fillRect/>
-          </a:stretch>
-        </p:blipFill>
-        <p:spPr>
-          <a:xfrm>
-            <a:off x="1905000" y="765298"/>
-            <a:ext cx="8382000" cy="2539093"/>
-          </a:xfrm>
-          <a:prstGeom prst="rect">
-            <a:avLst/>
-          </a:prstGeom>
-        </p:spPr>
-      </p:pic>
-      <p:pic>
-        <p:nvPicPr>
-          <p:cNvPr id="4" name="図 3">
-            <a:extLst>
-              <a:ext uri="{FF2B5EF4-FFF2-40B4-BE49-F238E27FC236}">
-                <a16:creationId xmlns:a16="http://schemas.microsoft.com/office/drawing/2014/main" id="{166896CC-456E-26D0-366A-EE45932187A6}"/>
-              </a:ext>
-            </a:extLst>
-          </p:cNvPr>
-          <p:cNvPicPr>
-            <a:picLocks noChangeAspect="1"/>
-          </p:cNvPicPr>
-          <p:nvPr/>
-        </p:nvPicPr>
-        <p:blipFill>
-          <a:blip r:embed="rId3"/>
-          <a:stretch>
-            <a:fillRect/>
-          </a:stretch>
-        </p:blipFill>
-        <p:spPr>
-          <a:xfrm>
-            <a:off x="1905000" y="3363685"/>
-            <a:ext cx="8382000" cy="2539093"/>
-          </a:xfrm>
-          <a:prstGeom prst="rect">
-            <a:avLst/>
-          </a:prstGeom>
-        </p:spPr>
-      </p:pic>
-      <p:sp>
-        <p:nvSpPr>
-          <p:cNvPr id="5" name="正方形/長方形 4">
-            <a:extLst>
-              <a:ext uri="{FF2B5EF4-FFF2-40B4-BE49-F238E27FC236}">
-                <a16:creationId xmlns:a16="http://schemas.microsoft.com/office/drawing/2014/main" id="{990E162E-3EB5-CA34-D3D9-8C558DEC4857}"/>
-              </a:ext>
-            </a:extLst>
-          </p:cNvPr>
-          <p:cNvSpPr/>
-          <p:nvPr/>
-        </p:nvSpPr>
-        <p:spPr>
-          <a:xfrm>
-            <a:off x="2427515" y="2075915"/>
-            <a:ext cx="2312904" cy="3826863"/>
-          </a:xfrm>
-          <a:prstGeom prst="rect">
-            <a:avLst/>
-          </a:prstGeom>
-          <a:noFill/>
-          <a:ln w="38100">
-            <a:solidFill>
-              <a:srgbClr val="C00000"/>
-            </a:solidFill>
-          </a:ln>
-        </p:spPr>
-        <p:style>
-          <a:lnRef idx="2">
-            <a:schemeClr val="accent1">
-              <a:shade val="50000"/>
-            </a:schemeClr>
-          </a:lnRef>
-          <a:fillRef idx="1">
-            <a:schemeClr val="accent1"/>
-          </a:fillRef>
-          <a:effectRef idx="0">
-            <a:schemeClr val="accent1"/>
-          </a:effectRef>
-          <a:fontRef idx="minor">
-            <a:schemeClr val="lt1"/>
-          </a:fontRef>
-        </p:style>
-        <p:txBody>
-          <a:bodyPr rtlCol="0" anchor="ctr"/>
-          <a:lstStyle/>
-          <a:p>
-            <a:pPr algn="ctr"/>
-            <a:endParaRPr kumimoji="1" lang="ja-JP" altLang="en-US"/>
-          </a:p>
-        </p:txBody>
-      </p:sp>
-    </p:spTree>
-    <p:extLst>
-      <p:ext uri="{BB962C8B-B14F-4D97-AF65-F5344CB8AC3E}">
-        <p14:creationId xmlns:p14="http://schemas.microsoft.com/office/powerpoint/2010/main" val="2912488611"/>
+        <p14:creationId xmlns:p14="http://schemas.microsoft.com/office/powerpoint/2010/main" val="679940405"/>
       </p:ext>
     </p:extLst>
   </p:cSld>
@@ -7966,7 +5615,28 @@
                 <a:latin typeface="メイリオ" panose="020B0604030504040204" pitchFamily="50" charset="-128"/>
                 <a:ea typeface="メイリオ" panose="020B0604030504040204" pitchFamily="50" charset="-128"/>
               </a:rPr>
-              <a:t>基準</a:t>
+              <a:t>出力側</a:t>
+            </a:r>
+            <a:r>
+              <a:rPr lang="en-US" altLang="ja-JP" sz="2400" dirty="0">
+                <a:latin typeface="メイリオ" panose="020B0604030504040204" pitchFamily="50" charset="-128"/>
+                <a:ea typeface="メイリオ" panose="020B0604030504040204" pitchFamily="50" charset="-128"/>
+              </a:rPr>
+              <a:t>MLP</a:t>
+            </a:r>
+            <a:r>
+              <a:rPr lang="ja-JP" altLang="en-US" sz="2400" dirty="0">
+                <a:latin typeface="メイリオ" panose="020B0604030504040204" pitchFamily="50" charset="-128"/>
+                <a:ea typeface="メイリオ" panose="020B0604030504040204" pitchFamily="50" charset="-128"/>
+              </a:rPr>
+              <a:t>の次元調査</a:t>
+            </a:r>
+            <a:r>
+              <a:rPr lang="en-US" altLang="ja-JP" sz="2400" dirty="0">
+                <a:latin typeface="メイリオ" panose="020B0604030504040204" pitchFamily="50" charset="-128"/>
+                <a:ea typeface="メイリオ" panose="020B0604030504040204" pitchFamily="50" charset="-128"/>
+              </a:rPr>
+              <a:t>[4,8,12,16]</a:t>
             </a:r>
             <a:endParaRPr kumimoji="1" lang="ja-JP" altLang="en-US" sz="2400" dirty="0">
               <a:latin typeface="メイリオ" panose="020B0604030504040204" pitchFamily="50" charset="-128"/>
@@ -8185,7 +5855,39 @@
                 <a:effectLst/>
                 <a:latin typeface="Consolas" panose="020B0609020204030204" pitchFamily="49" charset="0"/>
               </a:rPr>
-              <a:t>': 16, 'hidden_dim_other2': 8, '</a:t>
+              <a:t>’: </a:t>
+            </a:r>
+            <a:r>
+              <a:rPr lang="en-US" altLang="ja-JP" b="1" dirty="0">
+                <a:solidFill>
+                  <a:srgbClr val="FF0000"/>
+                </a:solidFill>
+                <a:latin typeface="Consolas" panose="020B0609020204030204" pitchFamily="49" charset="0"/>
+              </a:rPr>
+              <a:t>x</a:t>
+            </a:r>
+            <a:r>
+              <a:rPr lang="en-US" altLang="ja-JP" b="0" i="0" dirty="0">
+                <a:effectLst/>
+                <a:latin typeface="Consolas" panose="020B0609020204030204" pitchFamily="49" charset="0"/>
+              </a:rPr>
+              <a:t>, 'hidden_dim_other2’: </a:t>
+            </a:r>
+            <a:r>
+              <a:rPr lang="en-US" altLang="ja-JP" b="1" dirty="0">
+                <a:solidFill>
+                  <a:srgbClr val="FF0000"/>
+                </a:solidFill>
+                <a:latin typeface="Consolas" panose="020B0609020204030204" pitchFamily="49" charset="0"/>
+              </a:rPr>
+              <a:t>y</a:t>
+            </a:r>
+            <a:r>
+              <a:rPr lang="en-US" altLang="ja-JP" b="0" i="0" dirty="0">
+                <a:effectLst/>
+                <a:latin typeface="Consolas" panose="020B0609020204030204" pitchFamily="49" charset="0"/>
+              </a:rPr>
+              <a:t>, '</a:t>
             </a:r>
             <a:r>
               <a:rPr lang="en-US" altLang="ja-JP" b="0" i="0" dirty="0" err="1">
@@ -8213,7 +5915,7 @@
                 <a:effectLst/>
                 <a:latin typeface="Consolas" panose="020B0609020204030204" pitchFamily="49" charset="0"/>
               </a:rPr>
-              <a:t>': 50, 'hidden_dim_out2': 50, 'times': 1, '</a:t>
+              <a:t>': 50, 'hidden_dim_out2': 50, 'times': 5, '</a:t>
             </a:r>
             <a:r>
               <a:rPr lang="en-US" altLang="ja-JP" b="0" i="0" dirty="0" err="1">
@@ -8234,7 +5936,7 @@
                 <a:effectLst/>
                 <a:latin typeface="Consolas" panose="020B0609020204030204" pitchFamily="49" charset="0"/>
               </a:rPr>
-              <a:t>pred_flux_brhc_swin_t_w_params</a:t>
+              <a:t>pred_flux_brhc_swin_t_w_params_hidden_dim_other</a:t>
             </a:r>
             <a:r>
               <a:rPr lang="en-US" altLang="ja-JP" b="0" i="0" dirty="0">
@@ -8440,7 +6142,39 @@
                 <a:effectLst/>
                 <a:latin typeface="Consolas" panose="020B0609020204030204" pitchFamily="49" charset="0"/>
               </a:rPr>
-              <a:t>': 16, 'hidden_dim_other2': 8, '</a:t>
+              <a:t>': </a:t>
+            </a:r>
+            <a:r>
+              <a:rPr lang="en-US" altLang="ja-JP" b="1" dirty="0">
+                <a:solidFill>
+                  <a:srgbClr val="FF0000"/>
+                </a:solidFill>
+                <a:latin typeface="Consolas" panose="020B0609020204030204" pitchFamily="49" charset="0"/>
+              </a:rPr>
+              <a:t>x</a:t>
+            </a:r>
+            <a:r>
+              <a:rPr lang="en-US" altLang="ja-JP" b="0" i="0" dirty="0">
+                <a:effectLst/>
+                <a:latin typeface="Consolas" panose="020B0609020204030204" pitchFamily="49" charset="0"/>
+              </a:rPr>
+              <a:t>, 'hidden_dim_other2’: </a:t>
+            </a:r>
+            <a:r>
+              <a:rPr lang="en-US" altLang="ja-JP" b="1" dirty="0">
+                <a:solidFill>
+                  <a:srgbClr val="FF0000"/>
+                </a:solidFill>
+                <a:latin typeface="Consolas" panose="020B0609020204030204" pitchFamily="49" charset="0"/>
+              </a:rPr>
+              <a:t>y</a:t>
+            </a:r>
+            <a:r>
+              <a:rPr lang="en-US" altLang="ja-JP" b="0" i="0" dirty="0">
+                <a:effectLst/>
+                <a:latin typeface="Consolas" panose="020B0609020204030204" pitchFamily="49" charset="0"/>
+              </a:rPr>
+              <a:t>, '</a:t>
             </a:r>
             <a:r>
               <a:rPr lang="en-US" altLang="ja-JP" b="0" i="0" dirty="0" err="1">
@@ -8468,7 +6202,7 @@
                 <a:effectLst/>
                 <a:latin typeface="Consolas" panose="020B0609020204030204" pitchFamily="49" charset="0"/>
               </a:rPr>
-              <a:t>': 50, 'hidden_dim_out2': 50, 'times': 1, '</a:t>
+              <a:t>': 50, 'hidden_dim_out2': 50, 'times': 5, '</a:t>
             </a:r>
             <a:r>
               <a:rPr lang="en-US" altLang="ja-JP" b="0" i="0" dirty="0" err="1">
@@ -8489,7 +6223,7 @@
                 <a:effectLst/>
                 <a:latin typeface="Consolas" panose="020B0609020204030204" pitchFamily="49" charset="0"/>
               </a:rPr>
-              <a:t>pred_ironloss_brhc_swin_t_w_params</a:t>
+              <a:t>pred_ironloss_brhc_swin_t_w_params_hidden_dim_other</a:t>
             </a:r>
             <a:r>
               <a:rPr lang="en-US" altLang="ja-JP" b="0" i="0" dirty="0">
@@ -8605,111 +6339,12 @@
           <a:chExt cx="0" cy="0"/>
         </a:xfrm>
       </p:grpSpPr>
-      <p:cxnSp>
-        <p:nvCxnSpPr>
-          <p:cNvPr id="15" name="直線コネクタ 14">
-            <a:extLst>
-              <a:ext uri="{FF2B5EF4-FFF2-40B4-BE49-F238E27FC236}">
-                <a16:creationId xmlns:a16="http://schemas.microsoft.com/office/drawing/2014/main" id="{B4E59203-1592-1E93-9ECC-AD2B68A7BCD1}"/>
-              </a:ext>
-            </a:extLst>
-          </p:cNvPr>
-          <p:cNvCxnSpPr/>
-          <p:nvPr/>
-        </p:nvCxnSpPr>
-        <p:spPr>
-          <a:xfrm>
-            <a:off x="6031521" y="416848"/>
-            <a:ext cx="0" cy="4928875"/>
-          </a:xfrm>
-          <a:prstGeom prst="line">
-            <a:avLst/>
-          </a:prstGeom>
-          <a:ln w="28575">
-            <a:solidFill>
-              <a:schemeClr val="tx1"/>
-            </a:solidFill>
-          </a:ln>
-        </p:spPr>
-        <p:style>
-          <a:lnRef idx="1">
-            <a:schemeClr val="accent1"/>
-          </a:lnRef>
-          <a:fillRef idx="0">
-            <a:schemeClr val="accent1"/>
-          </a:fillRef>
-          <a:effectRef idx="0">
-            <a:schemeClr val="accent1"/>
-          </a:effectRef>
-          <a:fontRef idx="minor">
-            <a:schemeClr val="tx1"/>
-          </a:fontRef>
-        </p:style>
-      </p:cxnSp>
-      <p:pic>
-        <p:nvPicPr>
-          <p:cNvPr id="7" name="図 6">
-            <a:extLst>
-              <a:ext uri="{FF2B5EF4-FFF2-40B4-BE49-F238E27FC236}">
-                <a16:creationId xmlns:a16="http://schemas.microsoft.com/office/drawing/2014/main" id="{47DB4A7E-77A3-338B-5163-6D0649000761}"/>
-              </a:ext>
-            </a:extLst>
-          </p:cNvPr>
-          <p:cNvPicPr>
-            <a:picLocks noChangeAspect="1"/>
-          </p:cNvPicPr>
-          <p:nvPr/>
-        </p:nvPicPr>
-        <p:blipFill rotWithShape="1">
-          <a:blip r:embed="rId2"/>
-          <a:srcRect r="50116"/>
-          <a:stretch/>
-        </p:blipFill>
-        <p:spPr>
-          <a:xfrm>
-            <a:off x="203200" y="926859"/>
-            <a:ext cx="859693" cy="3628773"/>
-          </a:xfrm>
-          <a:prstGeom prst="rect">
-            <a:avLst/>
-          </a:prstGeom>
-        </p:spPr>
-      </p:pic>
-      <p:pic>
-        <p:nvPicPr>
-          <p:cNvPr id="8" name="図 7">
-            <a:extLst>
-              <a:ext uri="{FF2B5EF4-FFF2-40B4-BE49-F238E27FC236}">
-                <a16:creationId xmlns:a16="http://schemas.microsoft.com/office/drawing/2014/main" id="{1CFAD326-E240-681A-2A02-06750FD4BB77}"/>
-              </a:ext>
-            </a:extLst>
-          </p:cNvPr>
-          <p:cNvPicPr>
-            <a:picLocks noChangeAspect="1"/>
-          </p:cNvPicPr>
-          <p:nvPr/>
-        </p:nvPicPr>
-        <p:blipFill rotWithShape="1">
-          <a:blip r:embed="rId3"/>
-          <a:srcRect r="49522"/>
-          <a:stretch/>
-        </p:blipFill>
-        <p:spPr>
-          <a:xfrm>
-            <a:off x="953477" y="926858"/>
-            <a:ext cx="2063262" cy="3628773"/>
-          </a:xfrm>
-          <a:prstGeom prst="rect">
-            <a:avLst/>
-          </a:prstGeom>
-        </p:spPr>
-      </p:pic>
-      <p:sp>
-        <p:nvSpPr>
-          <p:cNvPr id="12" name="テキスト ボックス 11">
-            <a:extLst>
-              <a:ext uri="{FF2B5EF4-FFF2-40B4-BE49-F238E27FC236}">
-                <a16:creationId xmlns:a16="http://schemas.microsoft.com/office/drawing/2014/main" id="{6A46353A-DE5E-EF71-60DB-0056EBF4F4EC}"/>
+      <p:sp>
+        <p:nvSpPr>
+          <p:cNvPr id="50" name="テキスト ボックス 49">
+            <a:extLst>
+              <a:ext uri="{FF2B5EF4-FFF2-40B4-BE49-F238E27FC236}">
+                <a16:creationId xmlns:a16="http://schemas.microsoft.com/office/drawing/2014/main" id="{AB73847C-B6D7-D5A1-5008-32636513464B}"/>
               </a:ext>
             </a:extLst>
           </p:cNvPr>
@@ -8718,599 +6353,8 @@
         </p:nvSpPr>
         <p:spPr>
           <a:xfrm>
-            <a:off x="2593057" y="221464"/>
-            <a:ext cx="1347548" cy="369332"/>
-          </a:xfrm>
-          <a:prstGeom prst="rect">
-            <a:avLst/>
-          </a:prstGeom>
-          <a:noFill/>
-          <a:ln>
-            <a:solidFill>
-              <a:schemeClr val="tx1"/>
-            </a:solidFill>
-          </a:ln>
-        </p:spPr>
-        <p:txBody>
-          <a:bodyPr wrap="none" rtlCol="0">
-            <a:spAutoFit/>
-          </a:bodyPr>
-          <a:lstStyle/>
-          <a:p>
-            <a:r>
-              <a:rPr kumimoji="1" lang="en-US" altLang="ja-JP" dirty="0">
-                <a:latin typeface="メイリオ" panose="020B0604030504040204" pitchFamily="50" charset="-128"/>
-                <a:ea typeface="メイリオ" panose="020B0604030504040204" pitchFamily="50" charset="-128"/>
-              </a:rPr>
-              <a:t>VGG-19bn</a:t>
-            </a:r>
-            <a:endParaRPr kumimoji="1" lang="ja-JP" altLang="en-US" dirty="0">
-              <a:latin typeface="メイリオ" panose="020B0604030504040204" pitchFamily="50" charset="-128"/>
-              <a:ea typeface="メイリオ" panose="020B0604030504040204" pitchFamily="50" charset="-128"/>
-            </a:endParaRPr>
-          </a:p>
-        </p:txBody>
-      </p:sp>
-      <p:sp>
-        <p:nvSpPr>
-          <p:cNvPr id="16" name="テキスト ボックス 15">
-            <a:extLst>
-              <a:ext uri="{FF2B5EF4-FFF2-40B4-BE49-F238E27FC236}">
-                <a16:creationId xmlns:a16="http://schemas.microsoft.com/office/drawing/2014/main" id="{A8B6B6C0-67AA-0EF5-A52F-3CDF21A45879}"/>
-              </a:ext>
-            </a:extLst>
-          </p:cNvPr>
-          <p:cNvSpPr txBox="1"/>
-          <p:nvPr/>
-        </p:nvSpPr>
-        <p:spPr>
-          <a:xfrm>
-            <a:off x="29182" y="4555631"/>
-            <a:ext cx="1098314" cy="646331"/>
-          </a:xfrm>
-          <a:prstGeom prst="rect">
-            <a:avLst/>
-          </a:prstGeom>
-          <a:noFill/>
-        </p:spPr>
-        <p:txBody>
-          <a:bodyPr wrap="none" rtlCol="0">
-            <a:spAutoFit/>
-          </a:bodyPr>
-          <a:lstStyle/>
-          <a:p>
-            <a:r>
-              <a:rPr lang="en-US" altLang="ja-JP" dirty="0">
-                <a:latin typeface="メイリオ" panose="020B0604030504040204" pitchFamily="50" charset="-128"/>
-                <a:ea typeface="メイリオ" panose="020B0604030504040204" pitchFamily="50" charset="-128"/>
-              </a:rPr>
-              <a:t>Transfer</a:t>
-            </a:r>
-          </a:p>
-          <a:p>
-            <a:r>
-              <a:rPr lang="en-US" altLang="ja-JP" dirty="0">
-                <a:latin typeface="メイリオ" panose="020B0604030504040204" pitchFamily="50" charset="-128"/>
-                <a:ea typeface="メイリオ" panose="020B0604030504040204" pitchFamily="50" charset="-128"/>
-              </a:rPr>
-              <a:t>learning</a:t>
-            </a:r>
-            <a:endParaRPr kumimoji="1" lang="ja-JP" altLang="en-US" dirty="0">
-              <a:latin typeface="メイリオ" panose="020B0604030504040204" pitchFamily="50" charset="-128"/>
-              <a:ea typeface="メイリオ" panose="020B0604030504040204" pitchFamily="50" charset="-128"/>
-            </a:endParaRPr>
-          </a:p>
-        </p:txBody>
-      </p:sp>
-      <p:sp>
-        <p:nvSpPr>
-          <p:cNvPr id="17" name="テキスト ボックス 16">
-            <a:extLst>
-              <a:ext uri="{FF2B5EF4-FFF2-40B4-BE49-F238E27FC236}">
-                <a16:creationId xmlns:a16="http://schemas.microsoft.com/office/drawing/2014/main" id="{FAA852E7-C84C-83B6-D1DD-E344CB94D0FF}"/>
-              </a:ext>
-            </a:extLst>
-          </p:cNvPr>
-          <p:cNvSpPr txBox="1"/>
-          <p:nvPr/>
-        </p:nvSpPr>
-        <p:spPr>
-          <a:xfrm>
-            <a:off x="1183922" y="4555631"/>
-            <a:ext cx="899605" cy="646331"/>
-          </a:xfrm>
-          <a:prstGeom prst="rect">
-            <a:avLst/>
-          </a:prstGeom>
-          <a:noFill/>
-        </p:spPr>
-        <p:txBody>
-          <a:bodyPr wrap="none" rtlCol="0">
-            <a:spAutoFit/>
-          </a:bodyPr>
-          <a:lstStyle/>
-          <a:p>
-            <a:r>
-              <a:rPr lang="en-US" altLang="ja-JP" dirty="0">
-                <a:latin typeface="メイリオ" panose="020B0604030504040204" pitchFamily="50" charset="-128"/>
-                <a:ea typeface="メイリオ" panose="020B0604030504040204" pitchFamily="50" charset="-128"/>
-              </a:rPr>
-              <a:t>Fine</a:t>
-            </a:r>
-          </a:p>
-          <a:p>
-            <a:r>
-              <a:rPr kumimoji="1" lang="en-US" altLang="ja-JP" dirty="0">
-                <a:latin typeface="メイリオ" panose="020B0604030504040204" pitchFamily="50" charset="-128"/>
-                <a:ea typeface="メイリオ" panose="020B0604030504040204" pitchFamily="50" charset="-128"/>
-              </a:rPr>
-              <a:t>tuning</a:t>
-            </a:r>
-            <a:endParaRPr kumimoji="1" lang="ja-JP" altLang="en-US" dirty="0">
-              <a:latin typeface="メイリオ" panose="020B0604030504040204" pitchFamily="50" charset="-128"/>
-              <a:ea typeface="メイリオ" panose="020B0604030504040204" pitchFamily="50" charset="-128"/>
-            </a:endParaRPr>
-          </a:p>
-        </p:txBody>
-      </p:sp>
-      <p:sp>
-        <p:nvSpPr>
-          <p:cNvPr id="18" name="テキスト ボックス 17">
-            <a:extLst>
-              <a:ext uri="{FF2B5EF4-FFF2-40B4-BE49-F238E27FC236}">
-                <a16:creationId xmlns:a16="http://schemas.microsoft.com/office/drawing/2014/main" id="{64FA2D92-BA7B-018D-2DCC-50099094890C}"/>
-              </a:ext>
-            </a:extLst>
-          </p:cNvPr>
-          <p:cNvSpPr txBox="1"/>
-          <p:nvPr/>
-        </p:nvSpPr>
-        <p:spPr>
-          <a:xfrm>
-            <a:off x="2083527" y="4694130"/>
-            <a:ext cx="974947" cy="369332"/>
-          </a:xfrm>
-          <a:prstGeom prst="rect">
-            <a:avLst/>
-          </a:prstGeom>
-          <a:noFill/>
-        </p:spPr>
-        <p:txBody>
-          <a:bodyPr wrap="none" rtlCol="0">
-            <a:spAutoFit/>
-          </a:bodyPr>
-          <a:lstStyle/>
-          <a:p>
-            <a:r>
-              <a:rPr lang="en-US" altLang="ja-JP" dirty="0">
-                <a:latin typeface="メイリオ" panose="020B0604030504040204" pitchFamily="50" charset="-128"/>
-                <a:ea typeface="メイリオ" panose="020B0604030504040204" pitchFamily="50" charset="-128"/>
-              </a:rPr>
-              <a:t>normal</a:t>
-            </a:r>
-            <a:endParaRPr kumimoji="1" lang="ja-JP" altLang="en-US" dirty="0">
-              <a:latin typeface="メイリオ" panose="020B0604030504040204" pitchFamily="50" charset="-128"/>
-              <a:ea typeface="メイリオ" panose="020B0604030504040204" pitchFamily="50" charset="-128"/>
-            </a:endParaRPr>
-          </a:p>
-        </p:txBody>
-      </p:sp>
-      <p:pic>
-        <p:nvPicPr>
-          <p:cNvPr id="9" name="図 8">
-            <a:extLst>
-              <a:ext uri="{FF2B5EF4-FFF2-40B4-BE49-F238E27FC236}">
-                <a16:creationId xmlns:a16="http://schemas.microsoft.com/office/drawing/2014/main" id="{447068E1-681F-718C-5576-6D6AD05B2374}"/>
-              </a:ext>
-            </a:extLst>
-          </p:cNvPr>
-          <p:cNvPicPr>
-            <a:picLocks noChangeAspect="1"/>
-          </p:cNvPicPr>
-          <p:nvPr/>
-        </p:nvPicPr>
-        <p:blipFill rotWithShape="1">
-          <a:blip r:embed="rId2"/>
-          <a:srcRect l="52552"/>
-          <a:stretch/>
-        </p:blipFill>
-        <p:spPr>
-          <a:xfrm>
-            <a:off x="6181846" y="926858"/>
-            <a:ext cx="978879" cy="3628773"/>
-          </a:xfrm>
-          <a:prstGeom prst="rect">
-            <a:avLst/>
-          </a:prstGeom>
-        </p:spPr>
-      </p:pic>
-      <p:pic>
-        <p:nvPicPr>
-          <p:cNvPr id="10" name="図 9">
-            <a:extLst>
-              <a:ext uri="{FF2B5EF4-FFF2-40B4-BE49-F238E27FC236}">
-                <a16:creationId xmlns:a16="http://schemas.microsoft.com/office/drawing/2014/main" id="{22E92998-E003-8F76-D31A-378E9DDC8E83}"/>
-              </a:ext>
-            </a:extLst>
-          </p:cNvPr>
-          <p:cNvPicPr>
-            <a:picLocks noChangeAspect="1"/>
-          </p:cNvPicPr>
-          <p:nvPr/>
-        </p:nvPicPr>
-        <p:blipFill rotWithShape="1">
-          <a:blip r:embed="rId3"/>
-          <a:srcRect l="51338"/>
-          <a:stretch/>
-        </p:blipFill>
-        <p:spPr>
-          <a:xfrm>
-            <a:off x="7276000" y="926858"/>
-            <a:ext cx="1989015" cy="3628773"/>
-          </a:xfrm>
-          <a:prstGeom prst="rect">
-            <a:avLst/>
-          </a:prstGeom>
-        </p:spPr>
-      </p:pic>
-      <p:sp>
-        <p:nvSpPr>
-          <p:cNvPr id="13" name="テキスト ボックス 12">
-            <a:extLst>
-              <a:ext uri="{FF2B5EF4-FFF2-40B4-BE49-F238E27FC236}">
-                <a16:creationId xmlns:a16="http://schemas.microsoft.com/office/drawing/2014/main" id="{7C9CA628-02B5-F635-4E64-8C84A202006C}"/>
-              </a:ext>
-            </a:extLst>
-          </p:cNvPr>
-          <p:cNvSpPr txBox="1"/>
-          <p:nvPr/>
-        </p:nvSpPr>
-        <p:spPr>
-          <a:xfrm>
-            <a:off x="8448612" y="221464"/>
-            <a:ext cx="911981" cy="369332"/>
-          </a:xfrm>
-          <a:prstGeom prst="rect">
-            <a:avLst/>
-          </a:prstGeom>
-          <a:noFill/>
-          <a:ln>
-            <a:solidFill>
-              <a:schemeClr val="tx1"/>
-            </a:solidFill>
-          </a:ln>
-        </p:spPr>
-        <p:txBody>
-          <a:bodyPr wrap="none" rtlCol="0">
-            <a:spAutoFit/>
-          </a:bodyPr>
-          <a:lstStyle/>
-          <a:p>
-            <a:r>
-              <a:rPr kumimoji="1" lang="en-US" altLang="ja-JP" dirty="0" err="1">
-                <a:latin typeface="メイリオ" panose="020B0604030504040204" pitchFamily="50" charset="-128"/>
-                <a:ea typeface="メイリオ" panose="020B0604030504040204" pitchFamily="50" charset="-128"/>
-              </a:rPr>
-              <a:t>Swin</a:t>
-            </a:r>
-            <a:r>
-              <a:rPr kumimoji="1" lang="en-US" altLang="ja-JP" dirty="0">
-                <a:latin typeface="メイリオ" panose="020B0604030504040204" pitchFamily="50" charset="-128"/>
-                <a:ea typeface="メイリオ" panose="020B0604030504040204" pitchFamily="50" charset="-128"/>
-              </a:rPr>
-              <a:t>-t</a:t>
-            </a:r>
-            <a:endParaRPr kumimoji="1" lang="ja-JP" altLang="en-US" dirty="0">
-              <a:latin typeface="メイリオ" panose="020B0604030504040204" pitchFamily="50" charset="-128"/>
-              <a:ea typeface="メイリオ" panose="020B0604030504040204" pitchFamily="50" charset="-128"/>
-            </a:endParaRPr>
-          </a:p>
-        </p:txBody>
-      </p:sp>
-      <p:sp>
-        <p:nvSpPr>
-          <p:cNvPr id="19" name="テキスト ボックス 18">
-            <a:extLst>
-              <a:ext uri="{FF2B5EF4-FFF2-40B4-BE49-F238E27FC236}">
-                <a16:creationId xmlns:a16="http://schemas.microsoft.com/office/drawing/2014/main" id="{6DBFD7E1-9DC6-4CCF-A7C0-E91824607C8C}"/>
-              </a:ext>
-            </a:extLst>
-          </p:cNvPr>
-          <p:cNvSpPr txBox="1"/>
-          <p:nvPr/>
-        </p:nvSpPr>
-        <p:spPr>
-          <a:xfrm>
-            <a:off x="6160480" y="4555631"/>
-            <a:ext cx="1098314" cy="646331"/>
-          </a:xfrm>
-          <a:prstGeom prst="rect">
-            <a:avLst/>
-          </a:prstGeom>
-          <a:noFill/>
-        </p:spPr>
-        <p:txBody>
-          <a:bodyPr wrap="none" rtlCol="0">
-            <a:spAutoFit/>
-          </a:bodyPr>
-          <a:lstStyle/>
-          <a:p>
-            <a:r>
-              <a:rPr lang="en-US" altLang="ja-JP" dirty="0">
-                <a:latin typeface="メイリオ" panose="020B0604030504040204" pitchFamily="50" charset="-128"/>
-                <a:ea typeface="メイリオ" panose="020B0604030504040204" pitchFamily="50" charset="-128"/>
-              </a:rPr>
-              <a:t>Transfer</a:t>
-            </a:r>
-          </a:p>
-          <a:p>
-            <a:r>
-              <a:rPr lang="en-US" altLang="ja-JP" dirty="0">
-                <a:latin typeface="メイリオ" panose="020B0604030504040204" pitchFamily="50" charset="-128"/>
-                <a:ea typeface="メイリオ" panose="020B0604030504040204" pitchFamily="50" charset="-128"/>
-              </a:rPr>
-              <a:t>learning</a:t>
-            </a:r>
-            <a:endParaRPr kumimoji="1" lang="ja-JP" altLang="en-US" dirty="0">
-              <a:latin typeface="メイリオ" panose="020B0604030504040204" pitchFamily="50" charset="-128"/>
-              <a:ea typeface="メイリオ" panose="020B0604030504040204" pitchFamily="50" charset="-128"/>
-            </a:endParaRPr>
-          </a:p>
-        </p:txBody>
-      </p:sp>
-      <p:sp>
-        <p:nvSpPr>
-          <p:cNvPr id="20" name="テキスト ボックス 19">
-            <a:extLst>
-              <a:ext uri="{FF2B5EF4-FFF2-40B4-BE49-F238E27FC236}">
-                <a16:creationId xmlns:a16="http://schemas.microsoft.com/office/drawing/2014/main" id="{6BDE990B-A156-A6F0-0498-C66866FC719E}"/>
-              </a:ext>
-            </a:extLst>
-          </p:cNvPr>
-          <p:cNvSpPr txBox="1"/>
-          <p:nvPr/>
-        </p:nvSpPr>
-        <p:spPr>
-          <a:xfrm>
-            <a:off x="7315220" y="4555631"/>
-            <a:ext cx="899605" cy="646331"/>
-          </a:xfrm>
-          <a:prstGeom prst="rect">
-            <a:avLst/>
-          </a:prstGeom>
-          <a:noFill/>
-        </p:spPr>
-        <p:txBody>
-          <a:bodyPr wrap="none" rtlCol="0">
-            <a:spAutoFit/>
-          </a:bodyPr>
-          <a:lstStyle/>
-          <a:p>
-            <a:r>
-              <a:rPr lang="en-US" altLang="ja-JP" dirty="0">
-                <a:latin typeface="メイリオ" panose="020B0604030504040204" pitchFamily="50" charset="-128"/>
-                <a:ea typeface="メイリオ" panose="020B0604030504040204" pitchFamily="50" charset="-128"/>
-              </a:rPr>
-              <a:t>Fine</a:t>
-            </a:r>
-          </a:p>
-          <a:p>
-            <a:r>
-              <a:rPr kumimoji="1" lang="en-US" altLang="ja-JP" dirty="0">
-                <a:latin typeface="メイリオ" panose="020B0604030504040204" pitchFamily="50" charset="-128"/>
-                <a:ea typeface="メイリオ" panose="020B0604030504040204" pitchFamily="50" charset="-128"/>
-              </a:rPr>
-              <a:t>tuning</a:t>
-            </a:r>
-            <a:endParaRPr kumimoji="1" lang="ja-JP" altLang="en-US" dirty="0">
-              <a:latin typeface="メイリオ" panose="020B0604030504040204" pitchFamily="50" charset="-128"/>
-              <a:ea typeface="メイリオ" panose="020B0604030504040204" pitchFamily="50" charset="-128"/>
-            </a:endParaRPr>
-          </a:p>
-        </p:txBody>
-      </p:sp>
-      <p:sp>
-        <p:nvSpPr>
-          <p:cNvPr id="21" name="テキスト ボックス 20">
-            <a:extLst>
-              <a:ext uri="{FF2B5EF4-FFF2-40B4-BE49-F238E27FC236}">
-                <a16:creationId xmlns:a16="http://schemas.microsoft.com/office/drawing/2014/main" id="{7D43544C-0276-F9C7-6603-366CDB3F4E20}"/>
-              </a:ext>
-            </a:extLst>
-          </p:cNvPr>
-          <p:cNvSpPr txBox="1"/>
-          <p:nvPr/>
-        </p:nvSpPr>
-        <p:spPr>
-          <a:xfrm>
-            <a:off x="8214825" y="4694130"/>
-            <a:ext cx="974947" cy="369332"/>
-          </a:xfrm>
-          <a:prstGeom prst="rect">
-            <a:avLst/>
-          </a:prstGeom>
-          <a:noFill/>
-        </p:spPr>
-        <p:txBody>
-          <a:bodyPr wrap="none" rtlCol="0">
-            <a:spAutoFit/>
-          </a:bodyPr>
-          <a:lstStyle/>
-          <a:p>
-            <a:r>
-              <a:rPr lang="en-US" altLang="ja-JP" dirty="0">
-                <a:latin typeface="メイリオ" panose="020B0604030504040204" pitchFamily="50" charset="-128"/>
-                <a:ea typeface="メイリオ" panose="020B0604030504040204" pitchFamily="50" charset="-128"/>
-              </a:rPr>
-              <a:t>normal</a:t>
-            </a:r>
-            <a:endParaRPr kumimoji="1" lang="ja-JP" altLang="en-US" dirty="0">
-              <a:latin typeface="メイリオ" panose="020B0604030504040204" pitchFamily="50" charset="-128"/>
-              <a:ea typeface="メイリオ" panose="020B0604030504040204" pitchFamily="50" charset="-128"/>
-            </a:endParaRPr>
-          </a:p>
-        </p:txBody>
-      </p:sp>
-      <p:pic>
-        <p:nvPicPr>
-          <p:cNvPr id="24" name="図 23">
-            <a:extLst>
-              <a:ext uri="{FF2B5EF4-FFF2-40B4-BE49-F238E27FC236}">
-                <a16:creationId xmlns:a16="http://schemas.microsoft.com/office/drawing/2014/main" id="{649E8A27-C9DD-13EE-2247-425C69845371}"/>
-              </a:ext>
-            </a:extLst>
-          </p:cNvPr>
-          <p:cNvPicPr>
-            <a:picLocks noChangeAspect="1"/>
-          </p:cNvPicPr>
-          <p:nvPr/>
-        </p:nvPicPr>
-        <p:blipFill rotWithShape="1">
-          <a:blip r:embed="rId4"/>
-          <a:srcRect l="3884" r="50753"/>
-          <a:stretch/>
-        </p:blipFill>
-        <p:spPr>
-          <a:xfrm>
-            <a:off x="3063629" y="926858"/>
-            <a:ext cx="922217" cy="3628773"/>
-          </a:xfrm>
-          <a:prstGeom prst="rect">
-            <a:avLst/>
-          </a:prstGeom>
-        </p:spPr>
-      </p:pic>
-      <p:pic>
-        <p:nvPicPr>
-          <p:cNvPr id="25" name="図 24">
-            <a:extLst>
-              <a:ext uri="{FF2B5EF4-FFF2-40B4-BE49-F238E27FC236}">
-                <a16:creationId xmlns:a16="http://schemas.microsoft.com/office/drawing/2014/main" id="{C1CEAFA4-C9DC-9831-B8B4-916A9BA7C5C6}"/>
-              </a:ext>
-            </a:extLst>
-          </p:cNvPr>
-          <p:cNvPicPr>
-            <a:picLocks noChangeAspect="1"/>
-          </p:cNvPicPr>
-          <p:nvPr/>
-        </p:nvPicPr>
-        <p:blipFill rotWithShape="1">
-          <a:blip r:embed="rId4"/>
-          <a:srcRect l="52105"/>
-          <a:stretch/>
-        </p:blipFill>
-        <p:spPr>
-          <a:xfrm>
-            <a:off x="9339385" y="926858"/>
-            <a:ext cx="973685" cy="3628773"/>
-          </a:xfrm>
-          <a:prstGeom prst="rect">
-            <a:avLst/>
-          </a:prstGeom>
-        </p:spPr>
-      </p:pic>
-      <p:cxnSp>
-        <p:nvCxnSpPr>
-          <p:cNvPr id="26" name="直線コネクタ 25">
-            <a:extLst>
-              <a:ext uri="{FF2B5EF4-FFF2-40B4-BE49-F238E27FC236}">
-                <a16:creationId xmlns:a16="http://schemas.microsoft.com/office/drawing/2014/main" id="{B8554119-C3B9-4838-C2C3-1A34A836A533}"/>
-              </a:ext>
-            </a:extLst>
-          </p:cNvPr>
-          <p:cNvCxnSpPr>
-            <a:cxnSpLocks/>
-          </p:cNvCxnSpPr>
-          <p:nvPr/>
-        </p:nvCxnSpPr>
-        <p:spPr>
-          <a:xfrm>
-            <a:off x="3058474" y="926857"/>
-            <a:ext cx="0" cy="4465758"/>
-          </a:xfrm>
-          <a:prstGeom prst="line">
-            <a:avLst/>
-          </a:prstGeom>
-          <a:ln w="28575">
-            <a:solidFill>
-              <a:srgbClr val="C00000"/>
-            </a:solidFill>
-          </a:ln>
-        </p:spPr>
-        <p:style>
-          <a:lnRef idx="1">
-            <a:schemeClr val="accent1"/>
-          </a:lnRef>
-          <a:fillRef idx="0">
-            <a:schemeClr val="accent1"/>
-          </a:fillRef>
-          <a:effectRef idx="0">
-            <a:schemeClr val="accent1"/>
-          </a:effectRef>
-          <a:fontRef idx="minor">
-            <a:schemeClr val="tx1"/>
-          </a:fontRef>
-        </p:style>
-      </p:cxnSp>
-      <p:cxnSp>
-        <p:nvCxnSpPr>
-          <p:cNvPr id="28" name="直線コネクタ 27">
-            <a:extLst>
-              <a:ext uri="{FF2B5EF4-FFF2-40B4-BE49-F238E27FC236}">
-                <a16:creationId xmlns:a16="http://schemas.microsoft.com/office/drawing/2014/main" id="{5C379EC3-B8F3-770B-B9E9-F74AFBAA5F69}"/>
-              </a:ext>
-            </a:extLst>
-          </p:cNvPr>
-          <p:cNvCxnSpPr>
-            <a:cxnSpLocks/>
-          </p:cNvCxnSpPr>
-          <p:nvPr/>
-        </p:nvCxnSpPr>
-        <p:spPr>
-          <a:xfrm>
-            <a:off x="9275489" y="926857"/>
-            <a:ext cx="0" cy="4457943"/>
-          </a:xfrm>
-          <a:prstGeom prst="line">
-            <a:avLst/>
-          </a:prstGeom>
-          <a:ln w="28575">
-            <a:solidFill>
-              <a:srgbClr val="C00000"/>
-            </a:solidFill>
-          </a:ln>
-        </p:spPr>
-        <p:style>
-          <a:lnRef idx="1">
-            <a:schemeClr val="accent1"/>
-          </a:lnRef>
-          <a:fillRef idx="0">
-            <a:schemeClr val="accent1"/>
-          </a:fillRef>
-          <a:effectRef idx="0">
-            <a:schemeClr val="accent1"/>
-          </a:effectRef>
-          <a:fontRef idx="minor">
-            <a:schemeClr val="tx1"/>
-          </a:fontRef>
-        </p:style>
-      </p:cxnSp>
-      <p:sp>
-        <p:nvSpPr>
-          <p:cNvPr id="29" name="テキスト ボックス 28">
-            <a:extLst>
-              <a:ext uri="{FF2B5EF4-FFF2-40B4-BE49-F238E27FC236}">
-                <a16:creationId xmlns:a16="http://schemas.microsoft.com/office/drawing/2014/main" id="{79E5F6A5-8FA3-6BE4-F717-6D21B516EF92}"/>
-              </a:ext>
-            </a:extLst>
-          </p:cNvPr>
-          <p:cNvSpPr txBox="1"/>
-          <p:nvPr/>
-        </p:nvSpPr>
-        <p:spPr>
-          <a:xfrm>
-            <a:off x="1101002" y="742191"/>
-            <a:ext cx="732893" cy="369332"/>
+            <a:off x="401453" y="211599"/>
+            <a:ext cx="7581900" cy="461665"/>
           </a:xfrm>
           <a:prstGeom prst="rect">
             <a:avLst/>
@@ -9321,31 +6365,135 @@
           </a:ln>
         </p:spPr>
         <p:txBody>
-          <a:bodyPr wrap="none" rtlCol="0">
+          <a:bodyPr wrap="square" rtlCol="0">
             <a:spAutoFit/>
           </a:bodyPr>
           <a:lstStyle/>
           <a:p>
             <a:r>
-              <a:rPr kumimoji="1" lang="en-US" altLang="ja-JP" dirty="0">
+              <a:rPr lang="ja-JP" altLang="en-US" sz="2400" dirty="0">
                 <a:latin typeface="メイリオ" panose="020B0604030504040204" pitchFamily="50" charset="-128"/>
                 <a:ea typeface="メイリオ" panose="020B0604030504040204" pitchFamily="50" charset="-128"/>
               </a:rPr>
-              <a:t>joule</a:t>
-            </a:r>
-            <a:endParaRPr kumimoji="1" lang="ja-JP" altLang="en-US" dirty="0">
+              <a:t>出力側</a:t>
+            </a:r>
+            <a:r>
+              <a:rPr lang="en-US" altLang="ja-JP" sz="2400" dirty="0">
+                <a:latin typeface="メイリオ" panose="020B0604030504040204" pitchFamily="50" charset="-128"/>
+                <a:ea typeface="メイリオ" panose="020B0604030504040204" pitchFamily="50" charset="-128"/>
+              </a:rPr>
+              <a:t>MLP</a:t>
+            </a:r>
+            <a:r>
+              <a:rPr lang="ja-JP" altLang="en-US" sz="2400" dirty="0">
+                <a:latin typeface="メイリオ" panose="020B0604030504040204" pitchFamily="50" charset="-128"/>
+                <a:ea typeface="メイリオ" panose="020B0604030504040204" pitchFamily="50" charset="-128"/>
+              </a:rPr>
+              <a:t>の次元調査</a:t>
+            </a:r>
+            <a:endParaRPr kumimoji="1" lang="ja-JP" altLang="en-US" sz="2400" dirty="0">
               <a:latin typeface="メイリオ" panose="020B0604030504040204" pitchFamily="50" charset="-128"/>
               <a:ea typeface="メイリオ" panose="020B0604030504040204" pitchFamily="50" charset="-128"/>
             </a:endParaRPr>
           </a:p>
         </p:txBody>
       </p:sp>
-      <p:sp>
-        <p:nvSpPr>
-          <p:cNvPr id="30" name="テキスト ボックス 29">
-            <a:extLst>
-              <a:ext uri="{FF2B5EF4-FFF2-40B4-BE49-F238E27FC236}">
-                <a16:creationId xmlns:a16="http://schemas.microsoft.com/office/drawing/2014/main" id="{62991303-206B-5576-56A5-C254E6B368F2}"/>
+      <p:pic>
+        <p:nvPicPr>
+          <p:cNvPr id="6" name="図 5">
+            <a:extLst>
+              <a:ext uri="{FF2B5EF4-FFF2-40B4-BE49-F238E27FC236}">
+                <a16:creationId xmlns:a16="http://schemas.microsoft.com/office/drawing/2014/main" id="{B30F35CD-93D3-2026-209A-5A9E5411C823}"/>
+              </a:ext>
+            </a:extLst>
+          </p:cNvPr>
+          <p:cNvPicPr>
+            <a:picLocks noChangeAspect="1"/>
+          </p:cNvPicPr>
+          <p:nvPr/>
+        </p:nvPicPr>
+        <p:blipFill>
+          <a:blip r:embed="rId2"/>
+          <a:stretch>
+            <a:fillRect/>
+          </a:stretch>
+        </p:blipFill>
+        <p:spPr>
+          <a:xfrm>
+            <a:off x="0" y="1886310"/>
+            <a:ext cx="4130472" cy="3600000"/>
+          </a:xfrm>
+          <a:prstGeom prst="rect">
+            <a:avLst/>
+          </a:prstGeom>
+        </p:spPr>
+      </p:pic>
+      <p:pic>
+        <p:nvPicPr>
+          <p:cNvPr id="8" name="図 7">
+            <a:extLst>
+              <a:ext uri="{FF2B5EF4-FFF2-40B4-BE49-F238E27FC236}">
+                <a16:creationId xmlns:a16="http://schemas.microsoft.com/office/drawing/2014/main" id="{6EB8E637-C93A-D6F7-3EC6-1D7FBBE1394B}"/>
+              </a:ext>
+            </a:extLst>
+          </p:cNvPr>
+          <p:cNvPicPr>
+            <a:picLocks noChangeAspect="1"/>
+          </p:cNvPicPr>
+          <p:nvPr/>
+        </p:nvPicPr>
+        <p:blipFill>
+          <a:blip r:embed="rId3"/>
+          <a:stretch>
+            <a:fillRect/>
+          </a:stretch>
+        </p:blipFill>
+        <p:spPr>
+          <a:xfrm>
+            <a:off x="4187676" y="1862970"/>
+            <a:ext cx="4130472" cy="3600000"/>
+          </a:xfrm>
+          <a:prstGeom prst="rect">
+            <a:avLst/>
+          </a:prstGeom>
+        </p:spPr>
+      </p:pic>
+      <p:pic>
+        <p:nvPicPr>
+          <p:cNvPr id="10" name="図 9">
+            <a:extLst>
+              <a:ext uri="{FF2B5EF4-FFF2-40B4-BE49-F238E27FC236}">
+                <a16:creationId xmlns:a16="http://schemas.microsoft.com/office/drawing/2014/main" id="{D29E6E4B-CB8B-E27F-04D2-ADA708AE5BB1}"/>
+              </a:ext>
+            </a:extLst>
+          </p:cNvPr>
+          <p:cNvPicPr>
+            <a:picLocks noChangeAspect="1"/>
+          </p:cNvPicPr>
+          <p:nvPr/>
+        </p:nvPicPr>
+        <p:blipFill>
+          <a:blip r:embed="rId4"/>
+          <a:stretch>
+            <a:fillRect/>
+          </a:stretch>
+        </p:blipFill>
+        <p:spPr>
+          <a:xfrm>
+            <a:off x="8042933" y="1827776"/>
+            <a:ext cx="4130472" cy="3600000"/>
+          </a:xfrm>
+          <a:prstGeom prst="rect">
+            <a:avLst/>
+          </a:prstGeom>
+        </p:spPr>
+      </p:pic>
+      <p:sp>
+        <p:nvSpPr>
+          <p:cNvPr id="14" name="テキスト ボックス 13">
+            <a:extLst>
+              <a:ext uri="{FF2B5EF4-FFF2-40B4-BE49-F238E27FC236}">
+                <a16:creationId xmlns:a16="http://schemas.microsoft.com/office/drawing/2014/main" id="{03E4F315-9DD5-32F8-3E22-DA8255642004}"/>
               </a:ext>
             </a:extLst>
           </p:cNvPr>
@@ -9354,8 +6502,8 @@
         </p:nvSpPr>
         <p:spPr>
           <a:xfrm>
-            <a:off x="3663088" y="742191"/>
-            <a:ext cx="1309526" cy="369332"/>
+            <a:off x="498319" y="1424645"/>
+            <a:ext cx="2704974" cy="461665"/>
           </a:xfrm>
           <a:prstGeom prst="rect">
             <a:avLst/>
@@ -9366,19 +6514,20 @@
           </a:ln>
         </p:spPr>
         <p:txBody>
-          <a:bodyPr wrap="none" rtlCol="0">
+          <a:bodyPr wrap="square" rtlCol="0">
             <a:spAutoFit/>
           </a:bodyPr>
           <a:lstStyle/>
           <a:p>
-            <a:r>
-              <a:rPr kumimoji="1" lang="en-US" altLang="ja-JP" dirty="0">
+            <a:pPr algn="ctr"/>
+            <a:r>
+              <a:rPr lang="en-US" altLang="ja-JP" sz="2400" b="1" dirty="0" err="1">
                 <a:latin typeface="メイリオ" panose="020B0604030504040204" pitchFamily="50" charset="-128"/>
                 <a:ea typeface="メイリオ" panose="020B0604030504040204" pitchFamily="50" charset="-128"/>
               </a:rPr>
-              <a:t>hysteresis</a:t>
-            </a:r>
-            <a:endParaRPr kumimoji="1" lang="ja-JP" altLang="en-US" dirty="0">
+              <a:t>Psi_d</a:t>
+            </a:r>
+            <a:endParaRPr kumimoji="1" lang="ja-JP" altLang="en-US" sz="2400" b="1" dirty="0">
               <a:latin typeface="メイリオ" panose="020B0604030504040204" pitchFamily="50" charset="-128"/>
               <a:ea typeface="メイリオ" panose="020B0604030504040204" pitchFamily="50" charset="-128"/>
             </a:endParaRPr>
@@ -9387,10 +6536,10 @@
       </p:sp>
       <p:sp>
         <p:nvSpPr>
-          <p:cNvPr id="31" name="テキスト ボックス 30">
-            <a:extLst>
-              <a:ext uri="{FF2B5EF4-FFF2-40B4-BE49-F238E27FC236}">
-                <a16:creationId xmlns:a16="http://schemas.microsoft.com/office/drawing/2014/main" id="{29C734E0-3C85-A482-76B6-644CA5197C94}"/>
+          <p:cNvPr id="15" name="テキスト ボックス 14">
+            <a:extLst>
+              <a:ext uri="{FF2B5EF4-FFF2-40B4-BE49-F238E27FC236}">
+                <a16:creationId xmlns:a16="http://schemas.microsoft.com/office/drawing/2014/main" id="{E55BEE8E-E06C-3002-8848-75A59A41B268}"/>
               </a:ext>
             </a:extLst>
           </p:cNvPr>
@@ -9399,8 +6548,8 @@
         </p:nvSpPr>
         <p:spPr>
           <a:xfrm>
-            <a:off x="7619033" y="742191"/>
-            <a:ext cx="732893" cy="369332"/>
+            <a:off x="5259512" y="1424645"/>
+            <a:ext cx="1443531" cy="461665"/>
           </a:xfrm>
           <a:prstGeom prst="rect">
             <a:avLst/>
@@ -9411,19 +6560,20 @@
           </a:ln>
         </p:spPr>
         <p:txBody>
-          <a:bodyPr wrap="none" rtlCol="0">
+          <a:bodyPr wrap="square" rtlCol="0">
             <a:spAutoFit/>
           </a:bodyPr>
           <a:lstStyle/>
           <a:p>
-            <a:r>
-              <a:rPr kumimoji="1" lang="en-US" altLang="ja-JP" dirty="0">
+            <a:pPr algn="ctr"/>
+            <a:r>
+              <a:rPr lang="en-US" altLang="ja-JP" sz="2400" b="1" dirty="0" err="1">
                 <a:latin typeface="メイリオ" panose="020B0604030504040204" pitchFamily="50" charset="-128"/>
                 <a:ea typeface="メイリオ" panose="020B0604030504040204" pitchFamily="50" charset="-128"/>
               </a:rPr>
-              <a:t>joule</a:t>
-            </a:r>
-            <a:endParaRPr kumimoji="1" lang="ja-JP" altLang="en-US" dirty="0">
+              <a:t>Psi_q</a:t>
+            </a:r>
+            <a:endParaRPr kumimoji="1" lang="ja-JP" altLang="en-US" sz="2400" b="1" dirty="0">
               <a:latin typeface="メイリオ" panose="020B0604030504040204" pitchFamily="50" charset="-128"/>
               <a:ea typeface="メイリオ" panose="020B0604030504040204" pitchFamily="50" charset="-128"/>
             </a:endParaRPr>
@@ -9432,10 +6582,10 @@
       </p:sp>
       <p:sp>
         <p:nvSpPr>
-          <p:cNvPr id="32" name="テキスト ボックス 31">
-            <a:extLst>
-              <a:ext uri="{FF2B5EF4-FFF2-40B4-BE49-F238E27FC236}">
-                <a16:creationId xmlns:a16="http://schemas.microsoft.com/office/drawing/2014/main" id="{D35203DB-2F76-3FE1-65FA-1C84FC2ADF26}"/>
+          <p:cNvPr id="16" name="テキスト ボックス 15">
+            <a:extLst>
+              <a:ext uri="{FF2B5EF4-FFF2-40B4-BE49-F238E27FC236}">
+                <a16:creationId xmlns:a16="http://schemas.microsoft.com/office/drawing/2014/main" id="{FC75AA60-1A5F-54E8-3BE2-9EF6AEF83AD3}"/>
               </a:ext>
             </a:extLst>
           </p:cNvPr>
@@ -9444,8 +6594,8 @@
         </p:nvSpPr>
         <p:spPr>
           <a:xfrm>
-            <a:off x="10181119" y="742191"/>
-            <a:ext cx="1309526" cy="369332"/>
+            <a:off x="8424967" y="1424645"/>
+            <a:ext cx="2823136" cy="461665"/>
           </a:xfrm>
           <a:prstGeom prst="rect">
             <a:avLst/>
@@ -9456,89 +6606,32 @@
           </a:ln>
         </p:spPr>
         <p:txBody>
-          <a:bodyPr wrap="none" rtlCol="0">
+          <a:bodyPr wrap="square" rtlCol="0">
             <a:spAutoFit/>
           </a:bodyPr>
           <a:lstStyle/>
           <a:p>
-            <a:r>
-              <a:rPr kumimoji="1" lang="en-US" altLang="ja-JP" dirty="0">
+            <a:pPr algn="ctr"/>
+            <a:r>
+              <a:rPr lang="en-US" altLang="ja-JP" sz="2400" b="1" dirty="0" err="1">
                 <a:latin typeface="メイリオ" panose="020B0604030504040204" pitchFamily="50" charset="-128"/>
                 <a:ea typeface="メイリオ" panose="020B0604030504040204" pitchFamily="50" charset="-128"/>
               </a:rPr>
-              <a:t>hysteresis</a:t>
-            </a:r>
-            <a:endParaRPr kumimoji="1" lang="ja-JP" altLang="en-US" dirty="0">
+              <a:t>Psi_d+Psi_q</a:t>
+            </a:r>
+            <a:endParaRPr kumimoji="1" lang="ja-JP" altLang="en-US" sz="2400" b="1" dirty="0">
               <a:latin typeface="メイリオ" panose="020B0604030504040204" pitchFamily="50" charset="-128"/>
               <a:ea typeface="メイリオ" panose="020B0604030504040204" pitchFamily="50" charset="-128"/>
             </a:endParaRPr>
           </a:p>
         </p:txBody>
       </p:sp>
-      <p:pic>
-        <p:nvPicPr>
-          <p:cNvPr id="33" name="図 32">
-            <a:extLst>
-              <a:ext uri="{FF2B5EF4-FFF2-40B4-BE49-F238E27FC236}">
-                <a16:creationId xmlns:a16="http://schemas.microsoft.com/office/drawing/2014/main" id="{1BA53A03-D81B-EBB1-9F43-FEADDD79BB39}"/>
-              </a:ext>
-            </a:extLst>
-          </p:cNvPr>
-          <p:cNvPicPr>
-            <a:picLocks noChangeAspect="1"/>
-          </p:cNvPicPr>
-          <p:nvPr/>
-        </p:nvPicPr>
-        <p:blipFill rotWithShape="1">
-          <a:blip r:embed="rId5"/>
-          <a:srcRect r="48983"/>
-          <a:stretch/>
-        </p:blipFill>
-        <p:spPr>
-          <a:xfrm>
-            <a:off x="3826984" y="926119"/>
-            <a:ext cx="1995478" cy="3628773"/>
-          </a:xfrm>
-          <a:prstGeom prst="rect">
-            <a:avLst/>
-          </a:prstGeom>
-        </p:spPr>
-      </p:pic>
-      <p:pic>
-        <p:nvPicPr>
-          <p:cNvPr id="34" name="図 33">
-            <a:extLst>
-              <a:ext uri="{FF2B5EF4-FFF2-40B4-BE49-F238E27FC236}">
-                <a16:creationId xmlns:a16="http://schemas.microsoft.com/office/drawing/2014/main" id="{87E4A9BE-8892-45F6-2AD2-54FA8AC5F53E}"/>
-              </a:ext>
-            </a:extLst>
-          </p:cNvPr>
-          <p:cNvPicPr>
-            <a:picLocks noChangeAspect="1"/>
-          </p:cNvPicPr>
-          <p:nvPr/>
-        </p:nvPicPr>
-        <p:blipFill rotWithShape="1">
-          <a:blip r:embed="rId5"/>
-          <a:srcRect l="50459"/>
-          <a:stretch/>
-        </p:blipFill>
-        <p:spPr>
-          <a:xfrm>
-            <a:off x="10199077" y="926119"/>
-            <a:ext cx="1937753" cy="3628773"/>
-          </a:xfrm>
-          <a:prstGeom prst="rect">
-            <a:avLst/>
-          </a:prstGeom>
-        </p:spPr>
-      </p:pic>
-      <p:sp>
-        <p:nvSpPr>
-          <p:cNvPr id="35" name="テキスト ボックス 34">
-            <a:extLst>
-              <a:ext uri="{FF2B5EF4-FFF2-40B4-BE49-F238E27FC236}">
-                <a16:creationId xmlns:a16="http://schemas.microsoft.com/office/drawing/2014/main" id="{5543C879-9563-FB3D-73F2-C51A447F58A2}"/>
+      <p:sp>
+        <p:nvSpPr>
+          <p:cNvPr id="17" name="テキスト ボックス 16">
+            <a:extLst>
+              <a:ext uri="{FF2B5EF4-FFF2-40B4-BE49-F238E27FC236}">
+                <a16:creationId xmlns:a16="http://schemas.microsoft.com/office/drawing/2014/main" id="{A058FCFF-0B95-A5BC-ED87-EAE04EED0CAC}"/>
               </a:ext>
             </a:extLst>
           </p:cNvPr>
@@ -9547,296 +6640,8 @@
         </p:nvSpPr>
         <p:spPr>
           <a:xfrm>
-            <a:off x="3006764" y="4555631"/>
-            <a:ext cx="1098314" cy="646331"/>
-          </a:xfrm>
-          <a:prstGeom prst="rect">
-            <a:avLst/>
-          </a:prstGeom>
-          <a:noFill/>
-        </p:spPr>
-        <p:txBody>
-          <a:bodyPr wrap="none" rtlCol="0">
-            <a:spAutoFit/>
-          </a:bodyPr>
-          <a:lstStyle/>
-          <a:p>
-            <a:r>
-              <a:rPr lang="en-US" altLang="ja-JP" dirty="0">
-                <a:latin typeface="メイリオ" panose="020B0604030504040204" pitchFamily="50" charset="-128"/>
-                <a:ea typeface="メイリオ" panose="020B0604030504040204" pitchFamily="50" charset="-128"/>
-              </a:rPr>
-              <a:t>Transfer</a:t>
-            </a:r>
-          </a:p>
-          <a:p>
-            <a:r>
-              <a:rPr lang="en-US" altLang="ja-JP" dirty="0">
-                <a:latin typeface="メイリオ" panose="020B0604030504040204" pitchFamily="50" charset="-128"/>
-                <a:ea typeface="メイリオ" panose="020B0604030504040204" pitchFamily="50" charset="-128"/>
-              </a:rPr>
-              <a:t>learning</a:t>
-            </a:r>
-            <a:endParaRPr kumimoji="1" lang="ja-JP" altLang="en-US" dirty="0">
-              <a:latin typeface="メイリオ" panose="020B0604030504040204" pitchFamily="50" charset="-128"/>
-              <a:ea typeface="メイリオ" panose="020B0604030504040204" pitchFamily="50" charset="-128"/>
-            </a:endParaRPr>
-          </a:p>
-        </p:txBody>
-      </p:sp>
-      <p:sp>
-        <p:nvSpPr>
-          <p:cNvPr id="36" name="テキスト ボックス 35">
-            <a:extLst>
-              <a:ext uri="{FF2B5EF4-FFF2-40B4-BE49-F238E27FC236}">
-                <a16:creationId xmlns:a16="http://schemas.microsoft.com/office/drawing/2014/main" id="{844C9E7E-A91B-354F-5561-AB009E5B8DC4}"/>
-              </a:ext>
-            </a:extLst>
-          </p:cNvPr>
-          <p:cNvSpPr txBox="1"/>
-          <p:nvPr/>
-        </p:nvSpPr>
-        <p:spPr>
-          <a:xfrm>
-            <a:off x="4161504" y="4555631"/>
-            <a:ext cx="899605" cy="646331"/>
-          </a:xfrm>
-          <a:prstGeom prst="rect">
-            <a:avLst/>
-          </a:prstGeom>
-          <a:noFill/>
-        </p:spPr>
-        <p:txBody>
-          <a:bodyPr wrap="none" rtlCol="0">
-            <a:spAutoFit/>
-          </a:bodyPr>
-          <a:lstStyle/>
-          <a:p>
-            <a:r>
-              <a:rPr lang="en-US" altLang="ja-JP" dirty="0">
-                <a:latin typeface="メイリオ" panose="020B0604030504040204" pitchFamily="50" charset="-128"/>
-                <a:ea typeface="メイリオ" panose="020B0604030504040204" pitchFamily="50" charset="-128"/>
-              </a:rPr>
-              <a:t>Fine</a:t>
-            </a:r>
-          </a:p>
-          <a:p>
-            <a:r>
-              <a:rPr kumimoji="1" lang="en-US" altLang="ja-JP" dirty="0">
-                <a:latin typeface="メイリオ" panose="020B0604030504040204" pitchFamily="50" charset="-128"/>
-                <a:ea typeface="メイリオ" panose="020B0604030504040204" pitchFamily="50" charset="-128"/>
-              </a:rPr>
-              <a:t>tuning</a:t>
-            </a:r>
-            <a:endParaRPr kumimoji="1" lang="ja-JP" altLang="en-US" dirty="0">
-              <a:latin typeface="メイリオ" panose="020B0604030504040204" pitchFamily="50" charset="-128"/>
-              <a:ea typeface="メイリオ" panose="020B0604030504040204" pitchFamily="50" charset="-128"/>
-            </a:endParaRPr>
-          </a:p>
-        </p:txBody>
-      </p:sp>
-      <p:sp>
-        <p:nvSpPr>
-          <p:cNvPr id="37" name="テキスト ボックス 36">
-            <a:extLst>
-              <a:ext uri="{FF2B5EF4-FFF2-40B4-BE49-F238E27FC236}">
-                <a16:creationId xmlns:a16="http://schemas.microsoft.com/office/drawing/2014/main" id="{F66459E3-3942-E686-3CE2-C0F64C46D7BC}"/>
-              </a:ext>
-            </a:extLst>
-          </p:cNvPr>
-          <p:cNvSpPr txBox="1"/>
-          <p:nvPr/>
-        </p:nvSpPr>
-        <p:spPr>
-          <a:xfrm>
-            <a:off x="5061109" y="4694130"/>
-            <a:ext cx="974947" cy="369332"/>
-          </a:xfrm>
-          <a:prstGeom prst="rect">
-            <a:avLst/>
-          </a:prstGeom>
-          <a:noFill/>
-        </p:spPr>
-        <p:txBody>
-          <a:bodyPr wrap="none" rtlCol="0">
-            <a:spAutoFit/>
-          </a:bodyPr>
-          <a:lstStyle/>
-          <a:p>
-            <a:r>
-              <a:rPr lang="en-US" altLang="ja-JP" dirty="0">
-                <a:latin typeface="メイリオ" panose="020B0604030504040204" pitchFamily="50" charset="-128"/>
-                <a:ea typeface="メイリオ" panose="020B0604030504040204" pitchFamily="50" charset="-128"/>
-              </a:rPr>
-              <a:t>normal</a:t>
-            </a:r>
-            <a:endParaRPr kumimoji="1" lang="ja-JP" altLang="en-US" dirty="0">
-              <a:latin typeface="メイリオ" panose="020B0604030504040204" pitchFamily="50" charset="-128"/>
-              <a:ea typeface="メイリオ" panose="020B0604030504040204" pitchFamily="50" charset="-128"/>
-            </a:endParaRPr>
-          </a:p>
-        </p:txBody>
-      </p:sp>
-      <p:sp>
-        <p:nvSpPr>
-          <p:cNvPr id="38" name="テキスト ボックス 37">
-            <a:extLst>
-              <a:ext uri="{FF2B5EF4-FFF2-40B4-BE49-F238E27FC236}">
-                <a16:creationId xmlns:a16="http://schemas.microsoft.com/office/drawing/2014/main" id="{51F77ACA-CF71-658F-D287-BF2E045234F4}"/>
-              </a:ext>
-            </a:extLst>
-          </p:cNvPr>
-          <p:cNvSpPr txBox="1"/>
-          <p:nvPr/>
-        </p:nvSpPr>
-        <p:spPr>
-          <a:xfrm>
-            <a:off x="9258735" y="4555631"/>
-            <a:ext cx="1098314" cy="646331"/>
-          </a:xfrm>
-          <a:prstGeom prst="rect">
-            <a:avLst/>
-          </a:prstGeom>
-          <a:noFill/>
-        </p:spPr>
-        <p:txBody>
-          <a:bodyPr wrap="none" rtlCol="0">
-            <a:spAutoFit/>
-          </a:bodyPr>
-          <a:lstStyle/>
-          <a:p>
-            <a:r>
-              <a:rPr lang="en-US" altLang="ja-JP" dirty="0">
-                <a:latin typeface="メイリオ" panose="020B0604030504040204" pitchFamily="50" charset="-128"/>
-                <a:ea typeface="メイリオ" panose="020B0604030504040204" pitchFamily="50" charset="-128"/>
-              </a:rPr>
-              <a:t>Transfer</a:t>
-            </a:r>
-          </a:p>
-          <a:p>
-            <a:r>
-              <a:rPr lang="en-US" altLang="ja-JP" dirty="0">
-                <a:latin typeface="メイリオ" panose="020B0604030504040204" pitchFamily="50" charset="-128"/>
-                <a:ea typeface="メイリオ" panose="020B0604030504040204" pitchFamily="50" charset="-128"/>
-              </a:rPr>
-              <a:t>learning</a:t>
-            </a:r>
-            <a:endParaRPr kumimoji="1" lang="ja-JP" altLang="en-US" dirty="0">
-              <a:latin typeface="メイリオ" panose="020B0604030504040204" pitchFamily="50" charset="-128"/>
-              <a:ea typeface="メイリオ" panose="020B0604030504040204" pitchFamily="50" charset="-128"/>
-            </a:endParaRPr>
-          </a:p>
-        </p:txBody>
-      </p:sp>
-      <p:sp>
-        <p:nvSpPr>
-          <p:cNvPr id="39" name="テキスト ボックス 38">
-            <a:extLst>
-              <a:ext uri="{FF2B5EF4-FFF2-40B4-BE49-F238E27FC236}">
-                <a16:creationId xmlns:a16="http://schemas.microsoft.com/office/drawing/2014/main" id="{20B577A9-0FE2-2C30-D532-00493CCEA277}"/>
-              </a:ext>
-            </a:extLst>
-          </p:cNvPr>
-          <p:cNvSpPr txBox="1"/>
-          <p:nvPr/>
-        </p:nvSpPr>
-        <p:spPr>
-          <a:xfrm>
-            <a:off x="10413475" y="4555631"/>
-            <a:ext cx="899605" cy="646331"/>
-          </a:xfrm>
-          <a:prstGeom prst="rect">
-            <a:avLst/>
-          </a:prstGeom>
-          <a:noFill/>
-        </p:spPr>
-        <p:txBody>
-          <a:bodyPr wrap="none" rtlCol="0">
-            <a:spAutoFit/>
-          </a:bodyPr>
-          <a:lstStyle/>
-          <a:p>
-            <a:r>
-              <a:rPr lang="en-US" altLang="ja-JP" dirty="0">
-                <a:latin typeface="メイリオ" panose="020B0604030504040204" pitchFamily="50" charset="-128"/>
-                <a:ea typeface="メイリオ" panose="020B0604030504040204" pitchFamily="50" charset="-128"/>
-              </a:rPr>
-              <a:t>Fine</a:t>
-            </a:r>
-          </a:p>
-          <a:p>
-            <a:r>
-              <a:rPr kumimoji="1" lang="en-US" altLang="ja-JP" dirty="0">
-                <a:latin typeface="メイリオ" panose="020B0604030504040204" pitchFamily="50" charset="-128"/>
-                <a:ea typeface="メイリオ" panose="020B0604030504040204" pitchFamily="50" charset="-128"/>
-              </a:rPr>
-              <a:t>tuning</a:t>
-            </a:r>
-            <a:endParaRPr kumimoji="1" lang="ja-JP" altLang="en-US" dirty="0">
-              <a:latin typeface="メイリオ" panose="020B0604030504040204" pitchFamily="50" charset="-128"/>
-              <a:ea typeface="メイリオ" panose="020B0604030504040204" pitchFamily="50" charset="-128"/>
-            </a:endParaRPr>
-          </a:p>
-        </p:txBody>
-      </p:sp>
-      <p:sp>
-        <p:nvSpPr>
-          <p:cNvPr id="40" name="テキスト ボックス 39">
-            <a:extLst>
-              <a:ext uri="{FF2B5EF4-FFF2-40B4-BE49-F238E27FC236}">
-                <a16:creationId xmlns:a16="http://schemas.microsoft.com/office/drawing/2014/main" id="{3A623B52-81EC-31D4-3C32-079171C82D39}"/>
-              </a:ext>
-            </a:extLst>
-          </p:cNvPr>
-          <p:cNvSpPr txBox="1"/>
-          <p:nvPr/>
-        </p:nvSpPr>
-        <p:spPr>
-          <a:xfrm>
-            <a:off x="11313080" y="4694130"/>
-            <a:ext cx="974947" cy="369332"/>
-          </a:xfrm>
-          <a:prstGeom prst="rect">
-            <a:avLst/>
-          </a:prstGeom>
-          <a:noFill/>
-        </p:spPr>
-        <p:txBody>
-          <a:bodyPr wrap="none" rtlCol="0">
-            <a:spAutoFit/>
-          </a:bodyPr>
-          <a:lstStyle/>
-          <a:p>
-            <a:r>
-              <a:rPr lang="en-US" altLang="ja-JP" dirty="0">
-                <a:latin typeface="メイリオ" panose="020B0604030504040204" pitchFamily="50" charset="-128"/>
-                <a:ea typeface="メイリオ" panose="020B0604030504040204" pitchFamily="50" charset="-128"/>
-              </a:rPr>
-              <a:t>normal</a:t>
-            </a:r>
-            <a:endParaRPr kumimoji="1" lang="ja-JP" altLang="en-US" dirty="0">
-              <a:latin typeface="メイリオ" panose="020B0604030504040204" pitchFamily="50" charset="-128"/>
-              <a:ea typeface="メイリオ" panose="020B0604030504040204" pitchFamily="50" charset="-128"/>
-            </a:endParaRPr>
-          </a:p>
-        </p:txBody>
-      </p:sp>
-      <p:sp>
-        <p:nvSpPr>
-          <p:cNvPr id="43" name="テキスト ボックス 42">
-            <a:extLst>
-              <a:ext uri="{FF2B5EF4-FFF2-40B4-BE49-F238E27FC236}">
-                <a16:creationId xmlns:a16="http://schemas.microsoft.com/office/drawing/2014/main" id="{A7AC58E8-EF9E-C324-5A64-1DBE8DBAEEB2}"/>
-              </a:ext>
-            </a:extLst>
-          </p:cNvPr>
-          <p:cNvSpPr txBox="1"/>
-          <p:nvPr/>
-        </p:nvSpPr>
-        <p:spPr>
-          <a:xfrm>
-            <a:off x="3058474" y="6108536"/>
-            <a:ext cx="7581900" cy="461665"/>
+            <a:off x="4077082" y="865219"/>
+            <a:ext cx="3808390" cy="461665"/>
           </a:xfrm>
           <a:prstGeom prst="rect">
             <a:avLst/>
@@ -9852,42 +6657,15 @@
           </a:bodyPr>
           <a:lstStyle/>
           <a:p>
-            <a:r>
-              <a:rPr lang="ja-JP" altLang="en-US" sz="2400" dirty="0">
+            <a:pPr algn="ctr"/>
+            <a:r>
+              <a:rPr lang="en-US" altLang="ja-JP" sz="2400" b="1" dirty="0">
                 <a:latin typeface="メイリオ" panose="020B0604030504040204" pitchFamily="50" charset="-128"/>
                 <a:ea typeface="メイリオ" panose="020B0604030504040204" pitchFamily="50" charset="-128"/>
               </a:rPr>
-              <a:t>転移</a:t>
-            </a:r>
-            <a:r>
-              <a:rPr lang="en-US" altLang="ja-JP" sz="2400" dirty="0">
-                <a:latin typeface="メイリオ" panose="020B0604030504040204" pitchFamily="50" charset="-128"/>
-                <a:ea typeface="メイリオ" panose="020B0604030504040204" pitchFamily="50" charset="-128"/>
-              </a:rPr>
-              <a:t>vs</a:t>
-            </a:r>
-            <a:r>
-              <a:rPr lang="ja-JP" altLang="en-US" sz="2400" dirty="0">
-                <a:latin typeface="メイリオ" panose="020B0604030504040204" pitchFamily="50" charset="-128"/>
-                <a:ea typeface="メイリオ" panose="020B0604030504040204" pitchFamily="50" charset="-128"/>
-              </a:rPr>
-              <a:t>微調整</a:t>
-            </a:r>
-            <a:r>
-              <a:rPr lang="en-US" altLang="ja-JP" sz="2400" dirty="0">
-                <a:latin typeface="メイリオ" panose="020B0604030504040204" pitchFamily="50" charset="-128"/>
-                <a:ea typeface="メイリオ" panose="020B0604030504040204" pitchFamily="50" charset="-128"/>
-              </a:rPr>
-              <a:t>vs</a:t>
-            </a:r>
-            <a:r>
-              <a:rPr lang="ja-JP" altLang="en-US" sz="2400" dirty="0">
-                <a:latin typeface="メイリオ" panose="020B0604030504040204" pitchFamily="50" charset="-128"/>
-                <a:ea typeface="メイリオ" panose="020B0604030504040204" pitchFamily="50" charset="-128"/>
-              </a:rPr>
-              <a:t>そのまま：影響大、転移学習が良い</a:t>
-            </a:r>
-            <a:endParaRPr kumimoji="1" lang="ja-JP" altLang="en-US" sz="2400" dirty="0">
+              <a:t>Validation loss</a:t>
+            </a:r>
+            <a:endParaRPr kumimoji="1" lang="ja-JP" altLang="en-US" sz="2400" b="1" dirty="0">
               <a:latin typeface="メイリオ" panose="020B0604030504040204" pitchFamily="50" charset="-128"/>
               <a:ea typeface="メイリオ" panose="020B0604030504040204" pitchFamily="50" charset="-128"/>
             </a:endParaRPr>
@@ -9897,7 +6675,7 @@
     </p:spTree>
     <p:extLst>
       <p:ext uri="{BB962C8B-B14F-4D97-AF65-F5344CB8AC3E}">
-        <p14:creationId xmlns:p14="http://schemas.microsoft.com/office/powerpoint/2010/main" val="2029831653"/>
+        <p14:creationId xmlns:p14="http://schemas.microsoft.com/office/powerpoint/2010/main" val="3885674538"/>
       </p:ext>
     </p:extLst>
   </p:cSld>
@@ -9924,12 +6702,71 @@
           <a:chExt cx="0" cy="0"/>
         </a:xfrm>
       </p:grpSpPr>
+      <p:sp>
+        <p:nvSpPr>
+          <p:cNvPr id="50" name="テキスト ボックス 49">
+            <a:extLst>
+              <a:ext uri="{FF2B5EF4-FFF2-40B4-BE49-F238E27FC236}">
+                <a16:creationId xmlns:a16="http://schemas.microsoft.com/office/drawing/2014/main" id="{AB73847C-B6D7-D5A1-5008-32636513464B}"/>
+              </a:ext>
+            </a:extLst>
+          </p:cNvPr>
+          <p:cNvSpPr txBox="1"/>
+          <p:nvPr/>
+        </p:nvSpPr>
+        <p:spPr>
+          <a:xfrm>
+            <a:off x="401453" y="211599"/>
+            <a:ext cx="7581900" cy="461665"/>
+          </a:xfrm>
+          <a:prstGeom prst="rect">
+            <a:avLst/>
+          </a:prstGeom>
+          <a:noFill/>
+          <a:ln>
+            <a:noFill/>
+          </a:ln>
+        </p:spPr>
+        <p:txBody>
+          <a:bodyPr wrap="square" rtlCol="0">
+            <a:spAutoFit/>
+          </a:bodyPr>
+          <a:lstStyle/>
+          <a:p>
+            <a:r>
+              <a:rPr lang="ja-JP" altLang="en-US" sz="2400" dirty="0">
+                <a:latin typeface="メイリオ" panose="020B0604030504040204" pitchFamily="50" charset="-128"/>
+                <a:ea typeface="メイリオ" panose="020B0604030504040204" pitchFamily="50" charset="-128"/>
+              </a:rPr>
+              <a:t>出力側</a:t>
+            </a:r>
+            <a:r>
+              <a:rPr lang="en-US" altLang="ja-JP" sz="2400" dirty="0">
+                <a:latin typeface="メイリオ" panose="020B0604030504040204" pitchFamily="50" charset="-128"/>
+                <a:ea typeface="メイリオ" panose="020B0604030504040204" pitchFamily="50" charset="-128"/>
+              </a:rPr>
+              <a:t>MLP</a:t>
+            </a:r>
+            <a:r>
+              <a:rPr lang="ja-JP" altLang="en-US" sz="2400" dirty="0">
+                <a:latin typeface="メイリオ" panose="020B0604030504040204" pitchFamily="50" charset="-128"/>
+                <a:ea typeface="メイリオ" panose="020B0604030504040204" pitchFamily="50" charset="-128"/>
+              </a:rPr>
+              <a:t>の次元調査</a:t>
+            </a:r>
+            <a:endParaRPr kumimoji="1" lang="ja-JP" altLang="en-US" sz="2400" dirty="0">
+              <a:latin typeface="メイリオ" panose="020B0604030504040204" pitchFamily="50" charset="-128"/>
+              <a:ea typeface="メイリオ" panose="020B0604030504040204" pitchFamily="50" charset="-128"/>
+            </a:endParaRPr>
+          </a:p>
+        </p:txBody>
+      </p:sp>
       <p:pic>
         <p:nvPicPr>
-          <p:cNvPr id="2" name="図 1">
-            <a:extLst>
-              <a:ext uri="{FF2B5EF4-FFF2-40B4-BE49-F238E27FC236}">
-                <a16:creationId xmlns:a16="http://schemas.microsoft.com/office/drawing/2014/main" id="{60C72CFC-537D-AFA1-B234-8B7E2B01006E}"/>
+          <p:cNvPr id="11" name="図 10">
+            <a:extLst>
+              <a:ext uri="{FF2B5EF4-FFF2-40B4-BE49-F238E27FC236}">
+                <a16:creationId xmlns:a16="http://schemas.microsoft.com/office/drawing/2014/main" id="{8B65A7AE-03C1-518A-056D-0DF34B462A9C}"/>
               </a:ext>
             </a:extLst>
           </p:cNvPr>
@@ -9946,8 +6783,8 @@
         </p:blipFill>
         <p:spPr>
           <a:xfrm>
-            <a:off x="491392" y="0"/>
-            <a:ext cx="11459308" cy="3410698"/>
+            <a:off x="8015177" y="1791662"/>
+            <a:ext cx="4176823" cy="3600000"/>
           </a:xfrm>
           <a:prstGeom prst="rect">
             <a:avLst/>
@@ -9956,10 +6793,10 @@
       </p:pic>
       <p:pic>
         <p:nvPicPr>
-          <p:cNvPr id="3" name="図 2">
-            <a:extLst>
-              <a:ext uri="{FF2B5EF4-FFF2-40B4-BE49-F238E27FC236}">
-                <a16:creationId xmlns:a16="http://schemas.microsoft.com/office/drawing/2014/main" id="{6BF9AB8D-468D-8A4D-2038-F727456550D1}"/>
+          <p:cNvPr id="12" name="図 11">
+            <a:extLst>
+              <a:ext uri="{FF2B5EF4-FFF2-40B4-BE49-F238E27FC236}">
+                <a16:creationId xmlns:a16="http://schemas.microsoft.com/office/drawing/2014/main" id="{C1873897-4C65-B1A0-0A0B-200AE956F992}"/>
               </a:ext>
             </a:extLst>
           </p:cNvPr>
@@ -9976,63 +6813,50 @@
         </p:blipFill>
         <p:spPr>
           <a:xfrm>
-            <a:off x="491392" y="3410698"/>
-            <a:ext cx="11459308" cy="3410698"/>
+            <a:off x="61931" y="1755221"/>
+            <a:ext cx="4130472" cy="3600000"/>
           </a:xfrm>
           <a:prstGeom prst="rect">
             <a:avLst/>
           </a:prstGeom>
         </p:spPr>
       </p:pic>
-      <p:cxnSp>
-        <p:nvCxnSpPr>
-          <p:cNvPr id="4" name="直線コネクタ 3">
-            <a:extLst>
-              <a:ext uri="{FF2B5EF4-FFF2-40B4-BE49-F238E27FC236}">
-                <a16:creationId xmlns:a16="http://schemas.microsoft.com/office/drawing/2014/main" id="{66535EDB-1DD4-08E9-854F-B7ECD04E4C1E}"/>
-              </a:ext>
-            </a:extLst>
-          </p:cNvPr>
-          <p:cNvCxnSpPr>
-            <a:cxnSpLocks/>
-          </p:cNvCxnSpPr>
+      <p:pic>
+        <p:nvPicPr>
+          <p:cNvPr id="13" name="図 12">
+            <a:extLst>
+              <a:ext uri="{FF2B5EF4-FFF2-40B4-BE49-F238E27FC236}">
+                <a16:creationId xmlns:a16="http://schemas.microsoft.com/office/drawing/2014/main" id="{541F27C8-D32C-515F-A866-98090FC1B832}"/>
+              </a:ext>
+            </a:extLst>
+          </p:cNvPr>
+          <p:cNvPicPr>
+            <a:picLocks noChangeAspect="1"/>
+          </p:cNvPicPr>
           <p:nvPr/>
-        </p:nvCxnSpPr>
-        <p:spPr>
-          <a:xfrm>
-            <a:off x="4450394" y="81037"/>
-            <a:ext cx="0" cy="6830303"/>
-          </a:xfrm>
-          <a:prstGeom prst="line">
+        </p:nvPicPr>
+        <p:blipFill>
+          <a:blip r:embed="rId4"/>
+          <a:stretch>
+            <a:fillRect/>
+          </a:stretch>
+        </p:blipFill>
+        <p:spPr>
+          <a:xfrm>
+            <a:off x="4030764" y="1791662"/>
+            <a:ext cx="4130472" cy="3600000"/>
+          </a:xfrm>
+          <a:prstGeom prst="rect">
             <a:avLst/>
           </a:prstGeom>
-          <a:ln w="28575">
-            <a:solidFill>
-              <a:srgbClr val="C00000"/>
-            </a:solidFill>
-          </a:ln>
-        </p:spPr>
-        <p:style>
-          <a:lnRef idx="1">
-            <a:schemeClr val="accent1"/>
-          </a:lnRef>
-          <a:fillRef idx="0">
-            <a:schemeClr val="accent1"/>
-          </a:fillRef>
-          <a:effectRef idx="0">
-            <a:schemeClr val="accent1"/>
-          </a:effectRef>
-          <a:fontRef idx="minor">
-            <a:schemeClr val="tx1"/>
-          </a:fontRef>
-        </p:style>
-      </p:cxnSp>
-      <p:sp>
-        <p:nvSpPr>
-          <p:cNvPr id="5" name="テキスト ボックス 4">
-            <a:extLst>
-              <a:ext uri="{FF2B5EF4-FFF2-40B4-BE49-F238E27FC236}">
-                <a16:creationId xmlns:a16="http://schemas.microsoft.com/office/drawing/2014/main" id="{E5EB65BF-4FD1-3A0B-4732-0903E064E7EC}"/>
+        </p:spPr>
+      </p:pic>
+      <p:sp>
+        <p:nvSpPr>
+          <p:cNvPr id="2" name="テキスト ボックス 1">
+            <a:extLst>
+              <a:ext uri="{FF2B5EF4-FFF2-40B4-BE49-F238E27FC236}">
+                <a16:creationId xmlns:a16="http://schemas.microsoft.com/office/drawing/2014/main" id="{A46777A7-E61D-63F4-66FD-CAA60148531F}"/>
               </a:ext>
             </a:extLst>
           </p:cNvPr>
@@ -10040,9 +6864,9 @@
           <p:nvPr/>
         </p:nvSpPr>
         <p:spPr>
-          <a:xfrm rot="16200000">
-            <a:off x="-11357" y="1194754"/>
-            <a:ext cx="732893" cy="369332"/>
+          <a:xfrm>
+            <a:off x="498319" y="1424645"/>
+            <a:ext cx="2704974" cy="461665"/>
           </a:xfrm>
           <a:prstGeom prst="rect">
             <a:avLst/>
@@ -10053,117 +6877,32 @@
           </a:ln>
         </p:spPr>
         <p:txBody>
-          <a:bodyPr wrap="none" rtlCol="0">
+          <a:bodyPr wrap="square" rtlCol="0">
             <a:spAutoFit/>
           </a:bodyPr>
           <a:lstStyle/>
           <a:p>
-            <a:r>
-              <a:rPr kumimoji="1" lang="en-US" altLang="ja-JP" dirty="0">
+            <a:pPr algn="ctr"/>
+            <a:r>
+              <a:rPr lang="en-US" altLang="ja-JP" sz="2400" b="1" dirty="0">
                 <a:latin typeface="メイリオ" panose="020B0604030504040204" pitchFamily="50" charset="-128"/>
                 <a:ea typeface="メイリオ" panose="020B0604030504040204" pitchFamily="50" charset="-128"/>
               </a:rPr>
-              <a:t>joule</a:t>
-            </a:r>
-            <a:endParaRPr kumimoji="1" lang="ja-JP" altLang="en-US" dirty="0">
+              <a:t>hysteresis</a:t>
+            </a:r>
+            <a:endParaRPr kumimoji="1" lang="ja-JP" altLang="en-US" sz="2400" b="1" dirty="0">
               <a:latin typeface="メイリオ" panose="020B0604030504040204" pitchFamily="50" charset="-128"/>
               <a:ea typeface="メイリオ" panose="020B0604030504040204" pitchFamily="50" charset="-128"/>
             </a:endParaRPr>
           </a:p>
         </p:txBody>
       </p:sp>
-      <p:cxnSp>
-        <p:nvCxnSpPr>
-          <p:cNvPr id="14" name="直線コネクタ 13">
-            <a:extLst>
-              <a:ext uri="{FF2B5EF4-FFF2-40B4-BE49-F238E27FC236}">
-                <a16:creationId xmlns:a16="http://schemas.microsoft.com/office/drawing/2014/main" id="{9921417F-C6F5-62DF-A3CE-1BBF6053F468}"/>
-              </a:ext>
-            </a:extLst>
-          </p:cNvPr>
-          <p:cNvCxnSpPr>
-            <a:cxnSpLocks/>
-          </p:cNvCxnSpPr>
-          <p:nvPr/>
-        </p:nvCxnSpPr>
-        <p:spPr>
-          <a:xfrm>
-            <a:off x="6337300" y="81037"/>
-            <a:ext cx="0" cy="6830303"/>
-          </a:xfrm>
-          <a:prstGeom prst="line">
-            <a:avLst/>
-          </a:prstGeom>
-          <a:ln w="28575">
-            <a:solidFill>
-              <a:schemeClr val="tx1"/>
-            </a:solidFill>
-          </a:ln>
-        </p:spPr>
-        <p:style>
-          <a:lnRef idx="1">
-            <a:schemeClr val="accent1"/>
-          </a:lnRef>
-          <a:fillRef idx="0">
-            <a:schemeClr val="accent1"/>
-          </a:fillRef>
-          <a:effectRef idx="0">
-            <a:schemeClr val="accent1"/>
-          </a:effectRef>
-          <a:fontRef idx="minor">
-            <a:schemeClr val="tx1"/>
-          </a:fontRef>
-        </p:style>
-      </p:cxnSp>
-      <p:cxnSp>
-        <p:nvCxnSpPr>
-          <p:cNvPr id="22" name="直線コネクタ 21">
-            <a:extLst>
-              <a:ext uri="{FF2B5EF4-FFF2-40B4-BE49-F238E27FC236}">
-                <a16:creationId xmlns:a16="http://schemas.microsoft.com/office/drawing/2014/main" id="{5A1A1B30-B2ED-387F-29AD-961EBE4AA0C4}"/>
-              </a:ext>
-            </a:extLst>
-          </p:cNvPr>
-          <p:cNvCxnSpPr>
-            <a:cxnSpLocks/>
-          </p:cNvCxnSpPr>
-          <p:nvPr/>
-        </p:nvCxnSpPr>
-        <p:spPr>
-          <a:xfrm>
-            <a:off x="9552940" y="81037"/>
-            <a:ext cx="0" cy="6830303"/>
-          </a:xfrm>
-          <a:prstGeom prst="line">
-            <a:avLst/>
-          </a:prstGeom>
-          <a:ln w="28575">
-            <a:solidFill>
-              <a:srgbClr val="C00000"/>
-            </a:solidFill>
-          </a:ln>
-        </p:spPr>
-        <p:style>
-          <a:lnRef idx="1">
-            <a:schemeClr val="accent1"/>
-          </a:lnRef>
-          <a:fillRef idx="0">
-            <a:schemeClr val="accent1"/>
-          </a:fillRef>
-          <a:effectRef idx="0">
-            <a:schemeClr val="accent1"/>
-          </a:effectRef>
-          <a:fontRef idx="minor">
-            <a:schemeClr val="tx1"/>
-          </a:fontRef>
-        </p:style>
-      </p:cxnSp>
-      <p:sp>
-        <p:nvSpPr>
-          <p:cNvPr id="23" name="テキスト ボックス 22">
-            <a:extLst>
-              <a:ext uri="{FF2B5EF4-FFF2-40B4-BE49-F238E27FC236}">
-                <a16:creationId xmlns:a16="http://schemas.microsoft.com/office/drawing/2014/main" id="{4D18875D-D5A7-DA84-C9B6-27AF2DCA3E36}"/>
+      <p:sp>
+        <p:nvSpPr>
+          <p:cNvPr id="3" name="テキスト ボックス 2">
+            <a:extLst>
+              <a:ext uri="{FF2B5EF4-FFF2-40B4-BE49-F238E27FC236}">
+                <a16:creationId xmlns:a16="http://schemas.microsoft.com/office/drawing/2014/main" id="{5A4C76C1-35C0-35D8-5488-000F898509E2}"/>
               </a:ext>
             </a:extLst>
           </p:cNvPr>
@@ -10172,113 +6911,8 @@
         </p:nvSpPr>
         <p:spPr>
           <a:xfrm>
-            <a:off x="3249243" y="30480"/>
-            <a:ext cx="1347548" cy="369332"/>
-          </a:xfrm>
-          <a:prstGeom prst="rect">
-            <a:avLst/>
-          </a:prstGeom>
-          <a:solidFill>
-            <a:schemeClr val="bg1"/>
-          </a:solidFill>
-          <a:ln>
-            <a:solidFill>
-              <a:schemeClr val="tx1"/>
-            </a:solidFill>
-          </a:ln>
-        </p:spPr>
-        <p:txBody>
-          <a:bodyPr wrap="none" rtlCol="0">
-            <a:spAutoFit/>
-          </a:bodyPr>
-          <a:lstStyle/>
-          <a:p>
-            <a:r>
-              <a:rPr kumimoji="1" lang="en-US" altLang="ja-JP" dirty="0">
-                <a:latin typeface="メイリオ" panose="020B0604030504040204" pitchFamily="50" charset="-128"/>
-                <a:ea typeface="メイリオ" panose="020B0604030504040204" pitchFamily="50" charset="-128"/>
-              </a:rPr>
-              <a:t>VGG-19bn</a:t>
-            </a:r>
-            <a:endParaRPr kumimoji="1" lang="ja-JP" altLang="en-US" dirty="0">
-              <a:latin typeface="メイリオ" panose="020B0604030504040204" pitchFamily="50" charset="-128"/>
-              <a:ea typeface="メイリオ" panose="020B0604030504040204" pitchFamily="50" charset="-128"/>
-            </a:endParaRPr>
-          </a:p>
-        </p:txBody>
-      </p:sp>
-      <p:sp>
-        <p:nvSpPr>
-          <p:cNvPr id="24" name="テキスト ボックス 23">
-            <a:extLst>
-              <a:ext uri="{FF2B5EF4-FFF2-40B4-BE49-F238E27FC236}">
-                <a16:creationId xmlns:a16="http://schemas.microsoft.com/office/drawing/2014/main" id="{7990B953-0AD9-F0B1-2697-5324AE1A7C8C}"/>
-              </a:ext>
-            </a:extLst>
-          </p:cNvPr>
-          <p:cNvSpPr txBox="1"/>
-          <p:nvPr/>
-        </p:nvSpPr>
-        <p:spPr>
-          <a:xfrm>
-            <a:off x="8744620" y="36604"/>
-            <a:ext cx="911981" cy="369332"/>
-          </a:xfrm>
-          <a:prstGeom prst="rect">
-            <a:avLst/>
-          </a:prstGeom>
-          <a:solidFill>
-            <a:schemeClr val="bg1"/>
-          </a:solidFill>
-          <a:ln>
-            <a:solidFill>
-              <a:schemeClr val="tx1"/>
-            </a:solidFill>
-          </a:ln>
-        </p:spPr>
-        <p:txBody>
-          <a:bodyPr wrap="none" rtlCol="0">
-            <a:spAutoFit/>
-          </a:bodyPr>
-          <a:lstStyle/>
-          <a:p>
-            <a:r>
-              <a:rPr kumimoji="1" lang="en-US" altLang="ja-JP" dirty="0" err="1">
-                <a:latin typeface="メイリオ" panose="020B0604030504040204" pitchFamily="50" charset="-128"/>
-                <a:ea typeface="メイリオ" panose="020B0604030504040204" pitchFamily="50" charset="-128"/>
-              </a:rPr>
-              <a:t>Swin</a:t>
-            </a:r>
-            <a:r>
-              <a:rPr kumimoji="1" lang="en-US" altLang="ja-JP" dirty="0">
-                <a:latin typeface="メイリオ" panose="020B0604030504040204" pitchFamily="50" charset="-128"/>
-                <a:ea typeface="メイリオ" panose="020B0604030504040204" pitchFamily="50" charset="-128"/>
-              </a:rPr>
-              <a:t>-t</a:t>
-            </a:r>
-            <a:endParaRPr kumimoji="1" lang="ja-JP" altLang="en-US" dirty="0">
-              <a:latin typeface="メイリオ" panose="020B0604030504040204" pitchFamily="50" charset="-128"/>
-              <a:ea typeface="メイリオ" panose="020B0604030504040204" pitchFamily="50" charset="-128"/>
-            </a:endParaRPr>
-          </a:p>
-        </p:txBody>
-      </p:sp>
-      <p:sp>
-        <p:nvSpPr>
-          <p:cNvPr id="25" name="テキスト ボックス 24">
-            <a:extLst>
-              <a:ext uri="{FF2B5EF4-FFF2-40B4-BE49-F238E27FC236}">
-                <a16:creationId xmlns:a16="http://schemas.microsoft.com/office/drawing/2014/main" id="{BBDEE2D8-052B-BCB9-6764-9B68CDC2440E}"/>
-              </a:ext>
-            </a:extLst>
-          </p:cNvPr>
-          <p:cNvSpPr txBox="1"/>
-          <p:nvPr/>
-        </p:nvSpPr>
-        <p:spPr>
-          <a:xfrm rot="16200000">
-            <a:off x="-299671" y="4928556"/>
-            <a:ext cx="1309526" cy="369332"/>
+            <a:off x="5259512" y="1424645"/>
+            <a:ext cx="1443531" cy="461665"/>
           </a:xfrm>
           <a:prstGeom prst="rect">
             <a:avLst/>
@@ -10289,19 +6923,20 @@
           </a:ln>
         </p:spPr>
         <p:txBody>
-          <a:bodyPr wrap="none" rtlCol="0">
+          <a:bodyPr wrap="square" rtlCol="0">
             <a:spAutoFit/>
           </a:bodyPr>
           <a:lstStyle/>
           <a:p>
-            <a:r>
-              <a:rPr kumimoji="1" lang="en-US" altLang="ja-JP" dirty="0">
+            <a:pPr algn="ctr"/>
+            <a:r>
+              <a:rPr lang="en-US" altLang="ja-JP" sz="2400" b="1" dirty="0">
                 <a:latin typeface="メイリオ" panose="020B0604030504040204" pitchFamily="50" charset="-128"/>
                 <a:ea typeface="メイリオ" panose="020B0604030504040204" pitchFamily="50" charset="-128"/>
               </a:rPr>
-              <a:t>hysteresis</a:t>
-            </a:r>
-            <a:endParaRPr kumimoji="1" lang="ja-JP" altLang="en-US" dirty="0">
+              <a:t>joule</a:t>
+            </a:r>
+            <a:endParaRPr kumimoji="1" lang="ja-JP" altLang="en-US" sz="2400" b="1" dirty="0">
               <a:latin typeface="メイリオ" panose="020B0604030504040204" pitchFamily="50" charset="-128"/>
               <a:ea typeface="メイリオ" panose="020B0604030504040204" pitchFamily="50" charset="-128"/>
             </a:endParaRPr>
@@ -10310,10 +6945,10 @@
       </p:sp>
       <p:sp>
         <p:nvSpPr>
-          <p:cNvPr id="26" name="テキスト ボックス 25">
-            <a:extLst>
-              <a:ext uri="{FF2B5EF4-FFF2-40B4-BE49-F238E27FC236}">
-                <a16:creationId xmlns:a16="http://schemas.microsoft.com/office/drawing/2014/main" id="{E4A1D3CE-5E6F-203D-731A-06B19D9781B1}"/>
+          <p:cNvPr id="4" name="テキスト ボックス 3">
+            <a:extLst>
+              <a:ext uri="{FF2B5EF4-FFF2-40B4-BE49-F238E27FC236}">
+                <a16:creationId xmlns:a16="http://schemas.microsoft.com/office/drawing/2014/main" id="{F4C0D566-ED77-5C22-7E0D-8B19CD8E61F2}"/>
               </a:ext>
             </a:extLst>
           </p:cNvPr>
@@ -10322,924 +6957,8 @@
         </p:nvSpPr>
         <p:spPr>
           <a:xfrm>
-            <a:off x="1150935" y="3476625"/>
-            <a:ext cx="631520" cy="369332"/>
-          </a:xfrm>
-          <a:prstGeom prst="rect">
-            <a:avLst/>
-          </a:prstGeom>
-          <a:solidFill>
-            <a:schemeClr val="bg1"/>
-          </a:solidFill>
-          <a:ln>
-            <a:solidFill>
-              <a:schemeClr val="tx1"/>
-            </a:solidFill>
-          </a:ln>
-        </p:spPr>
-        <p:txBody>
-          <a:bodyPr wrap="none" rtlCol="0">
-            <a:spAutoFit/>
-          </a:bodyPr>
-          <a:lstStyle/>
-          <a:p>
-            <a:r>
-              <a:rPr kumimoji="1" lang="en-US" altLang="ja-JP" dirty="0">
-                <a:latin typeface="メイリオ" panose="020B0604030504040204" pitchFamily="50" charset="-128"/>
-                <a:ea typeface="メイリオ" panose="020B0604030504040204" pitchFamily="50" charset="-128"/>
-              </a:rPr>
-              <a:t>aft1</a:t>
-            </a:r>
-            <a:endParaRPr kumimoji="1" lang="ja-JP" altLang="en-US" dirty="0">
-              <a:latin typeface="メイリオ" panose="020B0604030504040204" pitchFamily="50" charset="-128"/>
-              <a:ea typeface="メイリオ" panose="020B0604030504040204" pitchFamily="50" charset="-128"/>
-            </a:endParaRPr>
-          </a:p>
-        </p:txBody>
-      </p:sp>
-      <p:sp>
-        <p:nvSpPr>
-          <p:cNvPr id="27" name="テキスト ボックス 26">
-            <a:extLst>
-              <a:ext uri="{FF2B5EF4-FFF2-40B4-BE49-F238E27FC236}">
-                <a16:creationId xmlns:a16="http://schemas.microsoft.com/office/drawing/2014/main" id="{2469AF48-8F4E-7643-7CB5-68F3720474A7}"/>
-              </a:ext>
-            </a:extLst>
-          </p:cNvPr>
-          <p:cNvSpPr txBox="1"/>
-          <p:nvPr/>
-        </p:nvSpPr>
-        <p:spPr>
-          <a:xfrm>
-            <a:off x="1839373" y="3476625"/>
-            <a:ext cx="631520" cy="369332"/>
-          </a:xfrm>
-          <a:prstGeom prst="rect">
-            <a:avLst/>
-          </a:prstGeom>
-          <a:solidFill>
-            <a:schemeClr val="bg1"/>
-          </a:solidFill>
-          <a:ln>
-            <a:solidFill>
-              <a:schemeClr val="tx1"/>
-            </a:solidFill>
-          </a:ln>
-        </p:spPr>
-        <p:txBody>
-          <a:bodyPr wrap="none" rtlCol="0">
-            <a:spAutoFit/>
-          </a:bodyPr>
-          <a:lstStyle/>
-          <a:p>
-            <a:r>
-              <a:rPr kumimoji="1" lang="en-US" altLang="ja-JP" dirty="0">
-                <a:latin typeface="メイリオ" panose="020B0604030504040204" pitchFamily="50" charset="-128"/>
-                <a:ea typeface="メイリオ" panose="020B0604030504040204" pitchFamily="50" charset="-128"/>
-              </a:rPr>
-              <a:t>aft2</a:t>
-            </a:r>
-            <a:endParaRPr kumimoji="1" lang="ja-JP" altLang="en-US" dirty="0">
-              <a:latin typeface="メイリオ" panose="020B0604030504040204" pitchFamily="50" charset="-128"/>
-              <a:ea typeface="メイリオ" panose="020B0604030504040204" pitchFamily="50" charset="-128"/>
-            </a:endParaRPr>
-          </a:p>
-        </p:txBody>
-      </p:sp>
-      <p:sp>
-        <p:nvSpPr>
-          <p:cNvPr id="28" name="テキスト ボックス 27">
-            <a:extLst>
-              <a:ext uri="{FF2B5EF4-FFF2-40B4-BE49-F238E27FC236}">
-                <a16:creationId xmlns:a16="http://schemas.microsoft.com/office/drawing/2014/main" id="{2D0E73D6-32CC-2ACE-E665-69830394E16B}"/>
-              </a:ext>
-            </a:extLst>
-          </p:cNvPr>
-          <p:cNvSpPr txBox="1"/>
-          <p:nvPr/>
-        </p:nvSpPr>
-        <p:spPr>
-          <a:xfrm>
-            <a:off x="2494693" y="3476625"/>
-            <a:ext cx="631520" cy="369332"/>
-          </a:xfrm>
-          <a:prstGeom prst="rect">
-            <a:avLst/>
-          </a:prstGeom>
-          <a:solidFill>
-            <a:schemeClr val="bg1"/>
-          </a:solidFill>
-          <a:ln>
-            <a:solidFill>
-              <a:schemeClr val="tx1"/>
-            </a:solidFill>
-          </a:ln>
-        </p:spPr>
-        <p:txBody>
-          <a:bodyPr wrap="none" rtlCol="0">
-            <a:spAutoFit/>
-          </a:bodyPr>
-          <a:lstStyle/>
-          <a:p>
-            <a:r>
-              <a:rPr kumimoji="1" lang="en-US" altLang="ja-JP" dirty="0">
-                <a:latin typeface="メイリオ" panose="020B0604030504040204" pitchFamily="50" charset="-128"/>
-                <a:ea typeface="メイリオ" panose="020B0604030504040204" pitchFamily="50" charset="-128"/>
-              </a:rPr>
-              <a:t>aft3</a:t>
-            </a:r>
-            <a:endParaRPr kumimoji="1" lang="ja-JP" altLang="en-US" dirty="0">
-              <a:latin typeface="メイリオ" panose="020B0604030504040204" pitchFamily="50" charset="-128"/>
-              <a:ea typeface="メイリオ" panose="020B0604030504040204" pitchFamily="50" charset="-128"/>
-            </a:endParaRPr>
-          </a:p>
-        </p:txBody>
-      </p:sp>
-      <p:sp>
-        <p:nvSpPr>
-          <p:cNvPr id="29" name="テキスト ボックス 28">
-            <a:extLst>
-              <a:ext uri="{FF2B5EF4-FFF2-40B4-BE49-F238E27FC236}">
-                <a16:creationId xmlns:a16="http://schemas.microsoft.com/office/drawing/2014/main" id="{853DDE85-6940-1B4D-86CC-2E7BDF675C26}"/>
-              </a:ext>
-            </a:extLst>
-          </p:cNvPr>
-          <p:cNvSpPr txBox="1"/>
-          <p:nvPr/>
-        </p:nvSpPr>
-        <p:spPr>
-          <a:xfrm>
-            <a:off x="3157633" y="3476625"/>
-            <a:ext cx="631520" cy="369332"/>
-          </a:xfrm>
-          <a:prstGeom prst="rect">
-            <a:avLst/>
-          </a:prstGeom>
-          <a:solidFill>
-            <a:schemeClr val="bg1"/>
-          </a:solidFill>
-          <a:ln>
-            <a:solidFill>
-              <a:schemeClr val="tx1"/>
-            </a:solidFill>
-          </a:ln>
-        </p:spPr>
-        <p:txBody>
-          <a:bodyPr wrap="none" rtlCol="0">
-            <a:spAutoFit/>
-          </a:bodyPr>
-          <a:lstStyle/>
-          <a:p>
-            <a:r>
-              <a:rPr kumimoji="1" lang="en-US" altLang="ja-JP" dirty="0">
-                <a:latin typeface="メイリオ" panose="020B0604030504040204" pitchFamily="50" charset="-128"/>
-                <a:ea typeface="メイリオ" panose="020B0604030504040204" pitchFamily="50" charset="-128"/>
-              </a:rPr>
-              <a:t>aft4</a:t>
-            </a:r>
-            <a:endParaRPr kumimoji="1" lang="ja-JP" altLang="en-US" dirty="0">
-              <a:latin typeface="メイリオ" panose="020B0604030504040204" pitchFamily="50" charset="-128"/>
-              <a:ea typeface="メイリオ" panose="020B0604030504040204" pitchFamily="50" charset="-128"/>
-            </a:endParaRPr>
-          </a:p>
-        </p:txBody>
-      </p:sp>
-      <p:sp>
-        <p:nvSpPr>
-          <p:cNvPr id="30" name="テキスト ボックス 29">
-            <a:extLst>
-              <a:ext uri="{FF2B5EF4-FFF2-40B4-BE49-F238E27FC236}">
-                <a16:creationId xmlns:a16="http://schemas.microsoft.com/office/drawing/2014/main" id="{76FAC73F-4FF8-2877-2891-9F79FACC4D9C}"/>
-              </a:ext>
-            </a:extLst>
-          </p:cNvPr>
-          <p:cNvSpPr txBox="1"/>
-          <p:nvPr/>
-        </p:nvSpPr>
-        <p:spPr>
-          <a:xfrm>
-            <a:off x="3805333" y="3476625"/>
-            <a:ext cx="631520" cy="369332"/>
-          </a:xfrm>
-          <a:prstGeom prst="rect">
-            <a:avLst/>
-          </a:prstGeom>
-          <a:solidFill>
-            <a:schemeClr val="bg1"/>
-          </a:solidFill>
-          <a:ln>
-            <a:solidFill>
-              <a:schemeClr val="tx1"/>
-            </a:solidFill>
-          </a:ln>
-        </p:spPr>
-        <p:txBody>
-          <a:bodyPr wrap="none" rtlCol="0">
-            <a:spAutoFit/>
-          </a:bodyPr>
-          <a:lstStyle/>
-          <a:p>
-            <a:r>
-              <a:rPr kumimoji="1" lang="en-US" altLang="ja-JP" dirty="0">
-                <a:latin typeface="メイリオ" panose="020B0604030504040204" pitchFamily="50" charset="-128"/>
-                <a:ea typeface="メイリオ" panose="020B0604030504040204" pitchFamily="50" charset="-128"/>
-              </a:rPr>
-              <a:t>aft5</a:t>
-            </a:r>
-            <a:endParaRPr kumimoji="1" lang="ja-JP" altLang="en-US" dirty="0">
-              <a:latin typeface="メイリオ" panose="020B0604030504040204" pitchFamily="50" charset="-128"/>
-              <a:ea typeface="メイリオ" panose="020B0604030504040204" pitchFamily="50" charset="-128"/>
-            </a:endParaRPr>
-          </a:p>
-        </p:txBody>
-      </p:sp>
-      <p:sp>
-        <p:nvSpPr>
-          <p:cNvPr id="31" name="テキスト ボックス 30">
-            <a:extLst>
-              <a:ext uri="{FF2B5EF4-FFF2-40B4-BE49-F238E27FC236}">
-                <a16:creationId xmlns:a16="http://schemas.microsoft.com/office/drawing/2014/main" id="{FADA4763-ACCD-DE2A-663F-078B627AFC3C}"/>
-              </a:ext>
-            </a:extLst>
-          </p:cNvPr>
-          <p:cNvSpPr txBox="1"/>
-          <p:nvPr/>
-        </p:nvSpPr>
-        <p:spPr>
-          <a:xfrm>
-            <a:off x="6302162" y="3476625"/>
-            <a:ext cx="631520" cy="369332"/>
-          </a:xfrm>
-          <a:prstGeom prst="rect">
-            <a:avLst/>
-          </a:prstGeom>
-          <a:solidFill>
-            <a:schemeClr val="bg1"/>
-          </a:solidFill>
-          <a:ln>
-            <a:solidFill>
-              <a:schemeClr val="tx1"/>
-            </a:solidFill>
-          </a:ln>
-        </p:spPr>
-        <p:txBody>
-          <a:bodyPr wrap="none" rtlCol="0">
-            <a:spAutoFit/>
-          </a:bodyPr>
-          <a:lstStyle/>
-          <a:p>
-            <a:r>
-              <a:rPr kumimoji="1" lang="en-US" altLang="ja-JP" dirty="0">
-                <a:latin typeface="メイリオ" panose="020B0604030504040204" pitchFamily="50" charset="-128"/>
-                <a:ea typeface="メイリオ" panose="020B0604030504040204" pitchFamily="50" charset="-128"/>
-              </a:rPr>
-              <a:t>aft1</a:t>
-            </a:r>
-            <a:endParaRPr kumimoji="1" lang="ja-JP" altLang="en-US" dirty="0">
-              <a:latin typeface="メイリオ" panose="020B0604030504040204" pitchFamily="50" charset="-128"/>
-              <a:ea typeface="メイリオ" panose="020B0604030504040204" pitchFamily="50" charset="-128"/>
-            </a:endParaRPr>
-          </a:p>
-        </p:txBody>
-      </p:sp>
-      <p:sp>
-        <p:nvSpPr>
-          <p:cNvPr id="32" name="テキスト ボックス 31">
-            <a:extLst>
-              <a:ext uri="{FF2B5EF4-FFF2-40B4-BE49-F238E27FC236}">
-                <a16:creationId xmlns:a16="http://schemas.microsoft.com/office/drawing/2014/main" id="{F2818D58-A32C-5FF1-1E26-65D099D468A9}"/>
-              </a:ext>
-            </a:extLst>
-          </p:cNvPr>
-          <p:cNvSpPr txBox="1"/>
-          <p:nvPr/>
-        </p:nvSpPr>
-        <p:spPr>
-          <a:xfrm>
-            <a:off x="6990600" y="3476625"/>
-            <a:ext cx="631520" cy="369332"/>
-          </a:xfrm>
-          <a:prstGeom prst="rect">
-            <a:avLst/>
-          </a:prstGeom>
-          <a:solidFill>
-            <a:schemeClr val="bg1"/>
-          </a:solidFill>
-          <a:ln>
-            <a:solidFill>
-              <a:schemeClr val="tx1"/>
-            </a:solidFill>
-          </a:ln>
-        </p:spPr>
-        <p:txBody>
-          <a:bodyPr wrap="none" rtlCol="0">
-            <a:spAutoFit/>
-          </a:bodyPr>
-          <a:lstStyle/>
-          <a:p>
-            <a:r>
-              <a:rPr kumimoji="1" lang="en-US" altLang="ja-JP" dirty="0">
-                <a:latin typeface="メイリオ" panose="020B0604030504040204" pitchFamily="50" charset="-128"/>
-                <a:ea typeface="メイリオ" panose="020B0604030504040204" pitchFamily="50" charset="-128"/>
-              </a:rPr>
-              <a:t>aft2</a:t>
-            </a:r>
-            <a:endParaRPr kumimoji="1" lang="ja-JP" altLang="en-US" dirty="0">
-              <a:latin typeface="メイリオ" panose="020B0604030504040204" pitchFamily="50" charset="-128"/>
-              <a:ea typeface="メイリオ" panose="020B0604030504040204" pitchFamily="50" charset="-128"/>
-            </a:endParaRPr>
-          </a:p>
-        </p:txBody>
-      </p:sp>
-      <p:sp>
-        <p:nvSpPr>
-          <p:cNvPr id="33" name="テキスト ボックス 32">
-            <a:extLst>
-              <a:ext uri="{FF2B5EF4-FFF2-40B4-BE49-F238E27FC236}">
-                <a16:creationId xmlns:a16="http://schemas.microsoft.com/office/drawing/2014/main" id="{2874C9A3-1876-FEFC-D555-96C7DCB0B169}"/>
-              </a:ext>
-            </a:extLst>
-          </p:cNvPr>
-          <p:cNvSpPr txBox="1"/>
-          <p:nvPr/>
-        </p:nvSpPr>
-        <p:spPr>
-          <a:xfrm>
-            <a:off x="7645920" y="3476625"/>
-            <a:ext cx="631520" cy="369332"/>
-          </a:xfrm>
-          <a:prstGeom prst="rect">
-            <a:avLst/>
-          </a:prstGeom>
-          <a:solidFill>
-            <a:schemeClr val="bg1"/>
-          </a:solidFill>
-          <a:ln>
-            <a:solidFill>
-              <a:schemeClr val="tx1"/>
-            </a:solidFill>
-          </a:ln>
-        </p:spPr>
-        <p:txBody>
-          <a:bodyPr wrap="none" rtlCol="0">
-            <a:spAutoFit/>
-          </a:bodyPr>
-          <a:lstStyle/>
-          <a:p>
-            <a:r>
-              <a:rPr kumimoji="1" lang="en-US" altLang="ja-JP" dirty="0">
-                <a:latin typeface="メイリオ" panose="020B0604030504040204" pitchFamily="50" charset="-128"/>
-                <a:ea typeface="メイリオ" panose="020B0604030504040204" pitchFamily="50" charset="-128"/>
-              </a:rPr>
-              <a:t>aft3</a:t>
-            </a:r>
-            <a:endParaRPr kumimoji="1" lang="ja-JP" altLang="en-US" dirty="0">
-              <a:latin typeface="メイリオ" panose="020B0604030504040204" pitchFamily="50" charset="-128"/>
-              <a:ea typeface="メイリオ" panose="020B0604030504040204" pitchFamily="50" charset="-128"/>
-            </a:endParaRPr>
-          </a:p>
-        </p:txBody>
-      </p:sp>
-      <p:sp>
-        <p:nvSpPr>
-          <p:cNvPr id="34" name="テキスト ボックス 33">
-            <a:extLst>
-              <a:ext uri="{FF2B5EF4-FFF2-40B4-BE49-F238E27FC236}">
-                <a16:creationId xmlns:a16="http://schemas.microsoft.com/office/drawing/2014/main" id="{F31FE870-7A2B-160E-D6FA-5FFFB6CB025A}"/>
-              </a:ext>
-            </a:extLst>
-          </p:cNvPr>
-          <p:cNvSpPr txBox="1"/>
-          <p:nvPr/>
-        </p:nvSpPr>
-        <p:spPr>
-          <a:xfrm>
-            <a:off x="8308860" y="3476625"/>
-            <a:ext cx="631520" cy="369332"/>
-          </a:xfrm>
-          <a:prstGeom prst="rect">
-            <a:avLst/>
-          </a:prstGeom>
-          <a:solidFill>
-            <a:schemeClr val="bg1"/>
-          </a:solidFill>
-          <a:ln>
-            <a:solidFill>
-              <a:schemeClr val="tx1"/>
-            </a:solidFill>
-          </a:ln>
-        </p:spPr>
-        <p:txBody>
-          <a:bodyPr wrap="none" rtlCol="0">
-            <a:spAutoFit/>
-          </a:bodyPr>
-          <a:lstStyle/>
-          <a:p>
-            <a:r>
-              <a:rPr kumimoji="1" lang="en-US" altLang="ja-JP" dirty="0">
-                <a:latin typeface="メイリオ" panose="020B0604030504040204" pitchFamily="50" charset="-128"/>
-                <a:ea typeface="メイリオ" panose="020B0604030504040204" pitchFamily="50" charset="-128"/>
-              </a:rPr>
-              <a:t>aft4</a:t>
-            </a:r>
-            <a:endParaRPr kumimoji="1" lang="ja-JP" altLang="en-US" dirty="0">
-              <a:latin typeface="メイリオ" panose="020B0604030504040204" pitchFamily="50" charset="-128"/>
-              <a:ea typeface="メイリオ" panose="020B0604030504040204" pitchFamily="50" charset="-128"/>
-            </a:endParaRPr>
-          </a:p>
-        </p:txBody>
-      </p:sp>
-      <p:sp>
-        <p:nvSpPr>
-          <p:cNvPr id="35" name="テキスト ボックス 34">
-            <a:extLst>
-              <a:ext uri="{FF2B5EF4-FFF2-40B4-BE49-F238E27FC236}">
-                <a16:creationId xmlns:a16="http://schemas.microsoft.com/office/drawing/2014/main" id="{02A1E9BF-C328-3C11-AF9B-06625F4A52EE}"/>
-              </a:ext>
-            </a:extLst>
-          </p:cNvPr>
-          <p:cNvSpPr txBox="1"/>
-          <p:nvPr/>
-        </p:nvSpPr>
-        <p:spPr>
-          <a:xfrm>
-            <a:off x="8956560" y="3476625"/>
-            <a:ext cx="631520" cy="369332"/>
-          </a:xfrm>
-          <a:prstGeom prst="rect">
-            <a:avLst/>
-          </a:prstGeom>
-          <a:solidFill>
-            <a:schemeClr val="bg1"/>
-          </a:solidFill>
-          <a:ln>
-            <a:solidFill>
-              <a:schemeClr val="tx1"/>
-            </a:solidFill>
-          </a:ln>
-        </p:spPr>
-        <p:txBody>
-          <a:bodyPr wrap="none" rtlCol="0">
-            <a:spAutoFit/>
-          </a:bodyPr>
-          <a:lstStyle/>
-          <a:p>
-            <a:r>
-              <a:rPr kumimoji="1" lang="en-US" altLang="ja-JP" dirty="0">
-                <a:latin typeface="メイリオ" panose="020B0604030504040204" pitchFamily="50" charset="-128"/>
-                <a:ea typeface="メイリオ" panose="020B0604030504040204" pitchFamily="50" charset="-128"/>
-              </a:rPr>
-              <a:t>aft5</a:t>
-            </a:r>
-            <a:endParaRPr kumimoji="1" lang="ja-JP" altLang="en-US" dirty="0">
-              <a:latin typeface="メイリオ" panose="020B0604030504040204" pitchFamily="50" charset="-128"/>
-              <a:ea typeface="メイリオ" panose="020B0604030504040204" pitchFamily="50" charset="-128"/>
-            </a:endParaRPr>
-          </a:p>
-        </p:txBody>
-      </p:sp>
-      <p:sp>
-        <p:nvSpPr>
-          <p:cNvPr id="36" name="テキスト ボックス 35">
-            <a:extLst>
-              <a:ext uri="{FF2B5EF4-FFF2-40B4-BE49-F238E27FC236}">
-                <a16:creationId xmlns:a16="http://schemas.microsoft.com/office/drawing/2014/main" id="{13D15337-9FE0-A519-4C97-610CF1106D8E}"/>
-              </a:ext>
-            </a:extLst>
-          </p:cNvPr>
-          <p:cNvSpPr txBox="1"/>
-          <p:nvPr/>
-        </p:nvSpPr>
-        <p:spPr>
-          <a:xfrm>
-            <a:off x="4378321" y="2974975"/>
-            <a:ext cx="716186" cy="369332"/>
-          </a:xfrm>
-          <a:prstGeom prst="rect">
-            <a:avLst/>
-          </a:prstGeom>
-          <a:solidFill>
-            <a:schemeClr val="bg1"/>
-          </a:solidFill>
-          <a:ln>
-            <a:solidFill>
-              <a:schemeClr val="tx1"/>
-            </a:solidFill>
-          </a:ln>
-        </p:spPr>
-        <p:txBody>
-          <a:bodyPr wrap="square" rtlCol="0">
-            <a:spAutoFit/>
-          </a:bodyPr>
-          <a:lstStyle/>
-          <a:p>
-            <a:r>
-              <a:rPr lang="en-US" altLang="ja-JP" dirty="0">
-                <a:latin typeface="メイリオ" panose="020B0604030504040204" pitchFamily="50" charset="-128"/>
-                <a:ea typeface="メイリオ" panose="020B0604030504040204" pitchFamily="50" charset="-128"/>
-              </a:rPr>
-              <a:t>bfr</a:t>
-            </a:r>
-            <a:r>
-              <a:rPr kumimoji="1" lang="en-US" altLang="ja-JP" dirty="0">
-                <a:latin typeface="メイリオ" panose="020B0604030504040204" pitchFamily="50" charset="-128"/>
-                <a:ea typeface="メイリオ" panose="020B0604030504040204" pitchFamily="50" charset="-128"/>
-              </a:rPr>
-              <a:t>1</a:t>
-            </a:r>
-            <a:endParaRPr kumimoji="1" lang="ja-JP" altLang="en-US" dirty="0">
-              <a:latin typeface="メイリオ" panose="020B0604030504040204" pitchFamily="50" charset="-128"/>
-              <a:ea typeface="メイリオ" panose="020B0604030504040204" pitchFamily="50" charset="-128"/>
-            </a:endParaRPr>
-          </a:p>
-        </p:txBody>
-      </p:sp>
-      <p:sp>
-        <p:nvSpPr>
-          <p:cNvPr id="37" name="テキスト ボックス 36">
-            <a:extLst>
-              <a:ext uri="{FF2B5EF4-FFF2-40B4-BE49-F238E27FC236}">
-                <a16:creationId xmlns:a16="http://schemas.microsoft.com/office/drawing/2014/main" id="{A32566C0-F5DD-7DE1-2639-AF8CD7F73D46}"/>
-              </a:ext>
-            </a:extLst>
-          </p:cNvPr>
-          <p:cNvSpPr txBox="1"/>
-          <p:nvPr/>
-        </p:nvSpPr>
-        <p:spPr>
-          <a:xfrm>
-            <a:off x="5013419" y="2974975"/>
-            <a:ext cx="716186" cy="369332"/>
-          </a:xfrm>
-          <a:prstGeom prst="rect">
-            <a:avLst/>
-          </a:prstGeom>
-          <a:solidFill>
-            <a:schemeClr val="bg1"/>
-          </a:solidFill>
-          <a:ln>
-            <a:solidFill>
-              <a:schemeClr val="tx1"/>
-            </a:solidFill>
-          </a:ln>
-        </p:spPr>
-        <p:txBody>
-          <a:bodyPr wrap="square" rtlCol="0">
-            <a:spAutoFit/>
-          </a:bodyPr>
-          <a:lstStyle/>
-          <a:p>
-            <a:r>
-              <a:rPr lang="en-US" altLang="ja-JP" dirty="0">
-                <a:latin typeface="メイリオ" panose="020B0604030504040204" pitchFamily="50" charset="-128"/>
-                <a:ea typeface="メイリオ" panose="020B0604030504040204" pitchFamily="50" charset="-128"/>
-              </a:rPr>
-              <a:t>bfr</a:t>
-            </a:r>
-            <a:r>
-              <a:rPr kumimoji="1" lang="en-US" altLang="ja-JP" dirty="0">
-                <a:latin typeface="メイリオ" panose="020B0604030504040204" pitchFamily="50" charset="-128"/>
-                <a:ea typeface="メイリオ" panose="020B0604030504040204" pitchFamily="50" charset="-128"/>
-              </a:rPr>
-              <a:t>2</a:t>
-            </a:r>
-            <a:endParaRPr kumimoji="1" lang="ja-JP" altLang="en-US" dirty="0">
-              <a:latin typeface="メイリオ" panose="020B0604030504040204" pitchFamily="50" charset="-128"/>
-              <a:ea typeface="メイリオ" panose="020B0604030504040204" pitchFamily="50" charset="-128"/>
-            </a:endParaRPr>
-          </a:p>
-        </p:txBody>
-      </p:sp>
-      <p:sp>
-        <p:nvSpPr>
-          <p:cNvPr id="38" name="テキスト ボックス 37">
-            <a:extLst>
-              <a:ext uri="{FF2B5EF4-FFF2-40B4-BE49-F238E27FC236}">
-                <a16:creationId xmlns:a16="http://schemas.microsoft.com/office/drawing/2014/main" id="{2D65B031-14B6-7A5B-7FF1-D1C7CC7E26A0}"/>
-              </a:ext>
-            </a:extLst>
-          </p:cNvPr>
-          <p:cNvSpPr txBox="1"/>
-          <p:nvPr/>
-        </p:nvSpPr>
-        <p:spPr>
-          <a:xfrm>
-            <a:off x="5668739" y="2974975"/>
-            <a:ext cx="716186" cy="369332"/>
-          </a:xfrm>
-          <a:prstGeom prst="rect">
-            <a:avLst/>
-          </a:prstGeom>
-          <a:solidFill>
-            <a:schemeClr val="bg1"/>
-          </a:solidFill>
-          <a:ln>
-            <a:solidFill>
-              <a:schemeClr val="tx1"/>
-            </a:solidFill>
-          </a:ln>
-        </p:spPr>
-        <p:txBody>
-          <a:bodyPr wrap="square" rtlCol="0">
-            <a:spAutoFit/>
-          </a:bodyPr>
-          <a:lstStyle/>
-          <a:p>
-            <a:r>
-              <a:rPr kumimoji="1" lang="en-US" altLang="ja-JP" dirty="0">
-                <a:latin typeface="メイリオ" panose="020B0604030504040204" pitchFamily="50" charset="-128"/>
-                <a:ea typeface="メイリオ" panose="020B0604030504040204" pitchFamily="50" charset="-128"/>
-              </a:rPr>
-              <a:t>bfr3</a:t>
-            </a:r>
-            <a:endParaRPr kumimoji="1" lang="ja-JP" altLang="en-US" dirty="0">
-              <a:latin typeface="メイリオ" panose="020B0604030504040204" pitchFamily="50" charset="-128"/>
-              <a:ea typeface="メイリオ" panose="020B0604030504040204" pitchFamily="50" charset="-128"/>
-            </a:endParaRPr>
-          </a:p>
-        </p:txBody>
-      </p:sp>
-      <p:sp>
-        <p:nvSpPr>
-          <p:cNvPr id="39" name="テキスト ボックス 38">
-            <a:extLst>
-              <a:ext uri="{FF2B5EF4-FFF2-40B4-BE49-F238E27FC236}">
-                <a16:creationId xmlns:a16="http://schemas.microsoft.com/office/drawing/2014/main" id="{BBC95309-3EA8-040C-704A-632B08D4F471}"/>
-              </a:ext>
-            </a:extLst>
-          </p:cNvPr>
-          <p:cNvSpPr txBox="1"/>
-          <p:nvPr/>
-        </p:nvSpPr>
-        <p:spPr>
-          <a:xfrm>
-            <a:off x="9474196" y="2974975"/>
-            <a:ext cx="716186" cy="369332"/>
-          </a:xfrm>
-          <a:prstGeom prst="rect">
-            <a:avLst/>
-          </a:prstGeom>
-          <a:solidFill>
-            <a:schemeClr val="bg1"/>
-          </a:solidFill>
-          <a:ln>
-            <a:solidFill>
-              <a:schemeClr val="tx1"/>
-            </a:solidFill>
-          </a:ln>
-        </p:spPr>
-        <p:txBody>
-          <a:bodyPr wrap="square" rtlCol="0">
-            <a:spAutoFit/>
-          </a:bodyPr>
-          <a:lstStyle/>
-          <a:p>
-            <a:r>
-              <a:rPr lang="en-US" altLang="ja-JP" dirty="0">
-                <a:latin typeface="メイリオ" panose="020B0604030504040204" pitchFamily="50" charset="-128"/>
-                <a:ea typeface="メイリオ" panose="020B0604030504040204" pitchFamily="50" charset="-128"/>
-              </a:rPr>
-              <a:t>bfr</a:t>
-            </a:r>
-            <a:r>
-              <a:rPr kumimoji="1" lang="en-US" altLang="ja-JP" dirty="0">
-                <a:latin typeface="メイリオ" panose="020B0604030504040204" pitchFamily="50" charset="-128"/>
-                <a:ea typeface="メイリオ" panose="020B0604030504040204" pitchFamily="50" charset="-128"/>
-              </a:rPr>
-              <a:t>1</a:t>
-            </a:r>
-            <a:endParaRPr kumimoji="1" lang="ja-JP" altLang="en-US" dirty="0">
-              <a:latin typeface="メイリオ" panose="020B0604030504040204" pitchFamily="50" charset="-128"/>
-              <a:ea typeface="メイリオ" panose="020B0604030504040204" pitchFamily="50" charset="-128"/>
-            </a:endParaRPr>
-          </a:p>
-        </p:txBody>
-      </p:sp>
-      <p:sp>
-        <p:nvSpPr>
-          <p:cNvPr id="40" name="テキスト ボックス 39">
-            <a:extLst>
-              <a:ext uri="{FF2B5EF4-FFF2-40B4-BE49-F238E27FC236}">
-                <a16:creationId xmlns:a16="http://schemas.microsoft.com/office/drawing/2014/main" id="{D505C694-E6B5-4562-F77C-74E84BB1A287}"/>
-              </a:ext>
-            </a:extLst>
-          </p:cNvPr>
-          <p:cNvSpPr txBox="1"/>
-          <p:nvPr/>
-        </p:nvSpPr>
-        <p:spPr>
-          <a:xfrm>
-            <a:off x="10109294" y="2974975"/>
-            <a:ext cx="716186" cy="369332"/>
-          </a:xfrm>
-          <a:prstGeom prst="rect">
-            <a:avLst/>
-          </a:prstGeom>
-          <a:solidFill>
-            <a:schemeClr val="bg1"/>
-          </a:solidFill>
-          <a:ln>
-            <a:solidFill>
-              <a:schemeClr val="tx1"/>
-            </a:solidFill>
-          </a:ln>
-        </p:spPr>
-        <p:txBody>
-          <a:bodyPr wrap="square" rtlCol="0">
-            <a:spAutoFit/>
-          </a:bodyPr>
-          <a:lstStyle/>
-          <a:p>
-            <a:r>
-              <a:rPr lang="en-US" altLang="ja-JP" dirty="0">
-                <a:latin typeface="メイリオ" panose="020B0604030504040204" pitchFamily="50" charset="-128"/>
-                <a:ea typeface="メイリオ" panose="020B0604030504040204" pitchFamily="50" charset="-128"/>
-              </a:rPr>
-              <a:t>bfr</a:t>
-            </a:r>
-            <a:r>
-              <a:rPr kumimoji="1" lang="en-US" altLang="ja-JP" dirty="0">
-                <a:latin typeface="メイリオ" panose="020B0604030504040204" pitchFamily="50" charset="-128"/>
-                <a:ea typeface="メイリオ" panose="020B0604030504040204" pitchFamily="50" charset="-128"/>
-              </a:rPr>
-              <a:t>2</a:t>
-            </a:r>
-            <a:endParaRPr kumimoji="1" lang="ja-JP" altLang="en-US" dirty="0">
-              <a:latin typeface="メイリオ" panose="020B0604030504040204" pitchFamily="50" charset="-128"/>
-              <a:ea typeface="メイリオ" panose="020B0604030504040204" pitchFamily="50" charset="-128"/>
-            </a:endParaRPr>
-          </a:p>
-        </p:txBody>
-      </p:sp>
-      <p:sp>
-        <p:nvSpPr>
-          <p:cNvPr id="41" name="テキスト ボックス 40">
-            <a:extLst>
-              <a:ext uri="{FF2B5EF4-FFF2-40B4-BE49-F238E27FC236}">
-                <a16:creationId xmlns:a16="http://schemas.microsoft.com/office/drawing/2014/main" id="{2AEC3AEF-7674-CE8D-FD7E-94F3CDD0BF36}"/>
-              </a:ext>
-            </a:extLst>
-          </p:cNvPr>
-          <p:cNvSpPr txBox="1"/>
-          <p:nvPr/>
-        </p:nvSpPr>
-        <p:spPr>
-          <a:xfrm>
-            <a:off x="10764614" y="2974975"/>
-            <a:ext cx="716186" cy="369332"/>
-          </a:xfrm>
-          <a:prstGeom prst="rect">
-            <a:avLst/>
-          </a:prstGeom>
-          <a:solidFill>
-            <a:schemeClr val="bg1"/>
-          </a:solidFill>
-          <a:ln>
-            <a:solidFill>
-              <a:schemeClr val="tx1"/>
-            </a:solidFill>
-          </a:ln>
-        </p:spPr>
-        <p:txBody>
-          <a:bodyPr wrap="square" rtlCol="0">
-            <a:spAutoFit/>
-          </a:bodyPr>
-          <a:lstStyle/>
-          <a:p>
-            <a:r>
-              <a:rPr kumimoji="1" lang="en-US" altLang="ja-JP" dirty="0">
-                <a:latin typeface="メイリオ" panose="020B0604030504040204" pitchFamily="50" charset="-128"/>
-                <a:ea typeface="メイリオ" panose="020B0604030504040204" pitchFamily="50" charset="-128"/>
-              </a:rPr>
-              <a:t>bfr3</a:t>
-            </a:r>
-            <a:endParaRPr kumimoji="1" lang="ja-JP" altLang="en-US" dirty="0">
-              <a:latin typeface="メイリオ" panose="020B0604030504040204" pitchFamily="50" charset="-128"/>
-              <a:ea typeface="メイリオ" panose="020B0604030504040204" pitchFamily="50" charset="-128"/>
-            </a:endParaRPr>
-          </a:p>
-        </p:txBody>
-      </p:sp>
-      <p:sp>
-        <p:nvSpPr>
-          <p:cNvPr id="44" name="正方形/長方形 43">
-            <a:extLst>
-              <a:ext uri="{FF2B5EF4-FFF2-40B4-BE49-F238E27FC236}">
-                <a16:creationId xmlns:a16="http://schemas.microsoft.com/office/drawing/2014/main" id="{09C0226C-B32C-9218-0845-3571A65DBF7A}"/>
-              </a:ext>
-            </a:extLst>
-          </p:cNvPr>
-          <p:cNvSpPr/>
-          <p:nvPr/>
-        </p:nvSpPr>
-        <p:spPr>
-          <a:xfrm>
-            <a:off x="2494693" y="399812"/>
-            <a:ext cx="658082" cy="6401038"/>
-          </a:xfrm>
-          <a:prstGeom prst="rect">
-            <a:avLst/>
-          </a:prstGeom>
-          <a:noFill/>
-          <a:ln w="28575">
-            <a:solidFill>
-              <a:srgbClr val="00B050"/>
-            </a:solidFill>
-          </a:ln>
-        </p:spPr>
-        <p:style>
-          <a:lnRef idx="2">
-            <a:schemeClr val="accent1">
-              <a:shade val="50000"/>
-            </a:schemeClr>
-          </a:lnRef>
-          <a:fillRef idx="1">
-            <a:schemeClr val="accent1"/>
-          </a:fillRef>
-          <a:effectRef idx="0">
-            <a:schemeClr val="accent1"/>
-          </a:effectRef>
-          <a:fontRef idx="minor">
-            <a:schemeClr val="lt1"/>
-          </a:fontRef>
-        </p:style>
-        <p:txBody>
-          <a:bodyPr rtlCol="0" anchor="ctr"/>
-          <a:lstStyle/>
-          <a:p>
-            <a:pPr algn="ctr"/>
-            <a:endParaRPr kumimoji="1" lang="ja-JP" altLang="en-US"/>
-          </a:p>
-        </p:txBody>
-      </p:sp>
-      <p:sp>
-        <p:nvSpPr>
-          <p:cNvPr id="47" name="正方形/長方形 46">
-            <a:extLst>
-              <a:ext uri="{FF2B5EF4-FFF2-40B4-BE49-F238E27FC236}">
-                <a16:creationId xmlns:a16="http://schemas.microsoft.com/office/drawing/2014/main" id="{1E0F284A-2D72-1382-61F5-387C704874BA}"/>
-              </a:ext>
-            </a:extLst>
-          </p:cNvPr>
-          <p:cNvSpPr/>
-          <p:nvPr/>
-        </p:nvSpPr>
-        <p:spPr>
-          <a:xfrm>
-            <a:off x="7638193" y="399812"/>
-            <a:ext cx="658082" cy="6401038"/>
-          </a:xfrm>
-          <a:prstGeom prst="rect">
-            <a:avLst/>
-          </a:prstGeom>
-          <a:noFill/>
-          <a:ln w="28575">
-            <a:solidFill>
-              <a:srgbClr val="00B050"/>
-            </a:solidFill>
-          </a:ln>
-        </p:spPr>
-        <p:style>
-          <a:lnRef idx="2">
-            <a:schemeClr val="accent1">
-              <a:shade val="50000"/>
-            </a:schemeClr>
-          </a:lnRef>
-          <a:fillRef idx="1">
-            <a:schemeClr val="accent1"/>
-          </a:fillRef>
-          <a:effectRef idx="0">
-            <a:schemeClr val="accent1"/>
-          </a:effectRef>
-          <a:fontRef idx="minor">
-            <a:schemeClr val="lt1"/>
-          </a:fontRef>
-        </p:style>
-        <p:txBody>
-          <a:bodyPr rtlCol="0" anchor="ctr"/>
-          <a:lstStyle/>
-          <a:p>
-            <a:pPr algn="ctr"/>
-            <a:endParaRPr kumimoji="1" lang="ja-JP" altLang="en-US"/>
-          </a:p>
-        </p:txBody>
-      </p:sp>
-      <p:sp>
-        <p:nvSpPr>
-          <p:cNvPr id="48" name="テキスト ボックス 47">
-            <a:extLst>
-              <a:ext uri="{FF2B5EF4-FFF2-40B4-BE49-F238E27FC236}">
-                <a16:creationId xmlns:a16="http://schemas.microsoft.com/office/drawing/2014/main" id="{E798AFCC-D2EF-7607-4C12-E4C52A76997D}"/>
-              </a:ext>
-            </a:extLst>
-          </p:cNvPr>
-          <p:cNvSpPr txBox="1"/>
-          <p:nvPr/>
-        </p:nvSpPr>
-        <p:spPr>
-          <a:xfrm>
-            <a:off x="2446064" y="72401"/>
-            <a:ext cx="708848" cy="369332"/>
+            <a:off x="8759263" y="1424645"/>
+            <a:ext cx="2154544" cy="461665"/>
           </a:xfrm>
           <a:prstGeom prst="rect">
             <a:avLst/>
@@ -11250,25 +6969,20 @@
           </a:ln>
         </p:spPr>
         <p:txBody>
-          <a:bodyPr wrap="none" rtlCol="0">
+          <a:bodyPr wrap="square" rtlCol="0">
             <a:spAutoFit/>
           </a:bodyPr>
           <a:lstStyle/>
           <a:p>
-            <a:r>
-              <a:rPr kumimoji="1" lang="en-US" altLang="ja-JP" dirty="0">
-                <a:solidFill>
-                  <a:srgbClr val="00B050"/>
-                </a:solidFill>
+            <a:pPr algn="ctr"/>
+            <a:r>
+              <a:rPr lang="en-US" altLang="ja-JP" sz="2400" b="1" dirty="0" err="1">
                 <a:latin typeface="メイリオ" panose="020B0604030504040204" pitchFamily="50" charset="-128"/>
                 <a:ea typeface="メイリオ" panose="020B0604030504040204" pitchFamily="50" charset="-128"/>
               </a:rPr>
-              <a:t>base</a:t>
-            </a:r>
-            <a:endParaRPr kumimoji="1" lang="ja-JP" altLang="en-US" dirty="0">
-              <a:solidFill>
-                <a:srgbClr val="00B050"/>
-              </a:solidFill>
+              <a:t>Hys+jou</a:t>
+            </a:r>
+            <a:endParaRPr kumimoji="1" lang="ja-JP" altLang="en-US" sz="2400" b="1" dirty="0">
               <a:latin typeface="メイリオ" panose="020B0604030504040204" pitchFamily="50" charset="-128"/>
               <a:ea typeface="メイリオ" panose="020B0604030504040204" pitchFamily="50" charset="-128"/>
             </a:endParaRPr>
@@ -11277,10 +6991,10 @@
       </p:sp>
       <p:sp>
         <p:nvSpPr>
-          <p:cNvPr id="49" name="テキスト ボックス 48">
-            <a:extLst>
-              <a:ext uri="{FF2B5EF4-FFF2-40B4-BE49-F238E27FC236}">
-                <a16:creationId xmlns:a16="http://schemas.microsoft.com/office/drawing/2014/main" id="{7273E29F-2E47-BAB2-294A-E027C7B4E574}"/>
+          <p:cNvPr id="5" name="テキスト ボックス 4">
+            <a:extLst>
+              <a:ext uri="{FF2B5EF4-FFF2-40B4-BE49-F238E27FC236}">
+                <a16:creationId xmlns:a16="http://schemas.microsoft.com/office/drawing/2014/main" id="{65902978-D47A-6D6D-51F8-9255936B384F}"/>
               </a:ext>
             </a:extLst>
           </p:cNvPr>
@@ -11289,8 +7003,8 @@
         </p:nvSpPr>
         <p:spPr>
           <a:xfrm>
-            <a:off x="7560989" y="72401"/>
-            <a:ext cx="708848" cy="369332"/>
+            <a:off x="4077082" y="865219"/>
+            <a:ext cx="3808390" cy="461665"/>
           </a:xfrm>
           <a:prstGeom prst="rect">
             <a:avLst/>
@@ -11301,80 +7015,30 @@
           </a:ln>
         </p:spPr>
         <p:txBody>
-          <a:bodyPr wrap="none" rtlCol="0">
+          <a:bodyPr wrap="square" rtlCol="0">
             <a:spAutoFit/>
           </a:bodyPr>
           <a:lstStyle/>
           <a:p>
-            <a:r>
-              <a:rPr kumimoji="1" lang="en-US" altLang="ja-JP" dirty="0">
-                <a:solidFill>
-                  <a:srgbClr val="00B050"/>
-                </a:solidFill>
+            <a:pPr algn="ctr"/>
+            <a:r>
+              <a:rPr lang="en-US" altLang="ja-JP" sz="2400" b="1" dirty="0">
                 <a:latin typeface="メイリオ" panose="020B0604030504040204" pitchFamily="50" charset="-128"/>
                 <a:ea typeface="メイリオ" panose="020B0604030504040204" pitchFamily="50" charset="-128"/>
               </a:rPr>
-              <a:t>base</a:t>
-            </a:r>
-            <a:endParaRPr kumimoji="1" lang="ja-JP" altLang="en-US" dirty="0">
-              <a:solidFill>
-                <a:srgbClr val="00B050"/>
-              </a:solidFill>
+              <a:t>Validation loss</a:t>
+            </a:r>
+            <a:endParaRPr kumimoji="1" lang="ja-JP" altLang="en-US" sz="2400" b="1" dirty="0">
               <a:latin typeface="メイリオ" panose="020B0604030504040204" pitchFamily="50" charset="-128"/>
               <a:ea typeface="メイリオ" panose="020B0604030504040204" pitchFamily="50" charset="-128"/>
             </a:endParaRPr>
           </a:p>
         </p:txBody>
       </p:sp>
-      <p:sp>
-        <p:nvSpPr>
-          <p:cNvPr id="50" name="テキスト ボックス 49">
-            <a:extLst>
-              <a:ext uri="{FF2B5EF4-FFF2-40B4-BE49-F238E27FC236}">
-                <a16:creationId xmlns:a16="http://schemas.microsoft.com/office/drawing/2014/main" id="{AB73847C-B6D7-D5A1-5008-32636513464B}"/>
-              </a:ext>
-            </a:extLst>
-          </p:cNvPr>
-          <p:cNvSpPr txBox="1"/>
-          <p:nvPr/>
-        </p:nvSpPr>
-        <p:spPr>
-          <a:xfrm>
-            <a:off x="2800488" y="5887404"/>
-            <a:ext cx="7581900" cy="461665"/>
-          </a:xfrm>
-          <a:prstGeom prst="rect">
-            <a:avLst/>
-          </a:prstGeom>
-          <a:noFill/>
-          <a:ln>
-            <a:noFill/>
-          </a:ln>
-        </p:spPr>
-        <p:txBody>
-          <a:bodyPr wrap="square" rtlCol="0">
-            <a:spAutoFit/>
-          </a:bodyPr>
-          <a:lstStyle/>
-          <a:p>
-            <a:r>
-              <a:rPr lang="ja-JP" altLang="en-US" sz="2400" dirty="0">
-                <a:latin typeface="メイリオ" panose="020B0604030504040204" pitchFamily="50" charset="-128"/>
-                <a:ea typeface="メイリオ" panose="020B0604030504040204" pitchFamily="50" charset="-128"/>
-              </a:rPr>
-              <a:t>前と後ろの層数：そんなに影響がない</a:t>
-            </a:r>
-            <a:endParaRPr kumimoji="1" lang="ja-JP" altLang="en-US" sz="2400" dirty="0">
-              <a:latin typeface="メイリオ" panose="020B0604030504040204" pitchFamily="50" charset="-128"/>
-              <a:ea typeface="メイリオ" panose="020B0604030504040204" pitchFamily="50" charset="-128"/>
-            </a:endParaRPr>
-          </a:p>
-        </p:txBody>
-      </p:sp>
     </p:spTree>
     <p:extLst>
       <p:ext uri="{BB962C8B-B14F-4D97-AF65-F5344CB8AC3E}">
-        <p14:creationId xmlns:p14="http://schemas.microsoft.com/office/powerpoint/2010/main" val="3884599378"/>
+        <p14:creationId xmlns:p14="http://schemas.microsoft.com/office/powerpoint/2010/main" val="1563298668"/>
       </p:ext>
     </p:extLst>
   </p:cSld>
@@ -11403,10 +7067,10 @@
       </p:grpSpPr>
       <p:sp>
         <p:nvSpPr>
-          <p:cNvPr id="2" name="テキスト ボックス 1">
-            <a:extLst>
-              <a:ext uri="{FF2B5EF4-FFF2-40B4-BE49-F238E27FC236}">
-                <a16:creationId xmlns:a16="http://schemas.microsoft.com/office/drawing/2014/main" id="{A39E3E4B-09A9-F905-6368-CF672885A17D}"/>
+          <p:cNvPr id="50" name="テキスト ボックス 49">
+            <a:extLst>
+              <a:ext uri="{FF2B5EF4-FFF2-40B4-BE49-F238E27FC236}">
+                <a16:creationId xmlns:a16="http://schemas.microsoft.com/office/drawing/2014/main" id="{AB73847C-B6D7-D5A1-5008-32636513464B}"/>
               </a:ext>
             </a:extLst>
           </p:cNvPr>
@@ -11415,8 +7079,8 @@
         </p:nvSpPr>
         <p:spPr>
           <a:xfrm>
-            <a:off x="1034803" y="592261"/>
-            <a:ext cx="9717437" cy="3785652"/>
+            <a:off x="401453" y="211599"/>
+            <a:ext cx="7581900" cy="461665"/>
           </a:xfrm>
           <a:prstGeom prst="rect">
             <a:avLst/>
@@ -11433,240 +7097,527 @@
           <a:lstStyle/>
           <a:p>
             <a:r>
+              <a:rPr lang="ja-JP" altLang="en-US" sz="2400" dirty="0">
+                <a:latin typeface="メイリオ" panose="020B0604030504040204" pitchFamily="50" charset="-128"/>
+                <a:ea typeface="メイリオ" panose="020B0604030504040204" pitchFamily="50" charset="-128"/>
+              </a:rPr>
+              <a:t>出力側</a:t>
+            </a:r>
+            <a:r>
               <a:rPr lang="en-US" altLang="ja-JP" sz="2400" dirty="0">
                 <a:latin typeface="メイリオ" panose="020B0604030504040204" pitchFamily="50" charset="-128"/>
                 <a:ea typeface="メイリオ" panose="020B0604030504040204" pitchFamily="50" charset="-128"/>
               </a:rPr>
-              <a:t>Joule</a:t>
+              <a:t>MLP</a:t>
             </a:r>
             <a:r>
               <a:rPr lang="ja-JP" altLang="en-US" sz="2400" dirty="0">
                 <a:latin typeface="メイリオ" panose="020B0604030504040204" pitchFamily="50" charset="-128"/>
                 <a:ea typeface="メイリオ" panose="020B0604030504040204" pitchFamily="50" charset="-128"/>
               </a:rPr>
-              <a:t>と</a:t>
-            </a:r>
-            <a:r>
-              <a:rPr lang="en-US" altLang="ja-JP" sz="2400" dirty="0" err="1">
-                <a:latin typeface="メイリオ" panose="020B0604030504040204" pitchFamily="50" charset="-128"/>
-                <a:ea typeface="メイリオ" panose="020B0604030504040204" pitchFamily="50" charset="-128"/>
-              </a:rPr>
-              <a:t>hys</a:t>
-            </a:r>
-            <a:r>
-              <a:rPr lang="ja-JP" altLang="en-US" sz="2400" dirty="0">
-                <a:latin typeface="メイリオ" panose="020B0604030504040204" pitchFamily="50" charset="-128"/>
-                <a:ea typeface="メイリオ" panose="020B0604030504040204" pitchFamily="50" charset="-128"/>
-              </a:rPr>
-              <a:t>で層数同じ、次元は可変</a:t>
-            </a:r>
-            <a:endParaRPr lang="en-US" altLang="ja-JP" sz="2400" dirty="0">
+              <a:t>の次元調査</a:t>
+            </a:r>
+            <a:endParaRPr kumimoji="1" lang="ja-JP" altLang="en-US" sz="2400" dirty="0">
               <a:latin typeface="メイリオ" panose="020B0604030504040204" pitchFamily="50" charset="-128"/>
               <a:ea typeface="メイリオ" panose="020B0604030504040204" pitchFamily="50" charset="-128"/>
             </a:endParaRPr>
           </a:p>
-          <a:p>
-            <a:endParaRPr kumimoji="1" lang="en-US" altLang="ja-JP" sz="2400" dirty="0">
+        </p:txBody>
+      </p:sp>
+      <p:sp>
+        <p:nvSpPr>
+          <p:cNvPr id="4" name="テキスト ボックス 3">
+            <a:extLst>
+              <a:ext uri="{FF2B5EF4-FFF2-40B4-BE49-F238E27FC236}">
+                <a16:creationId xmlns:a16="http://schemas.microsoft.com/office/drawing/2014/main" id="{F4C0D566-ED77-5C22-7E0D-8B19CD8E61F2}"/>
+              </a:ext>
+            </a:extLst>
+          </p:cNvPr>
+          <p:cNvSpPr txBox="1"/>
+          <p:nvPr/>
+        </p:nvSpPr>
+        <p:spPr>
+          <a:xfrm>
+            <a:off x="7147057" y="1426742"/>
+            <a:ext cx="2154544" cy="461665"/>
+          </a:xfrm>
+          <a:prstGeom prst="rect">
+            <a:avLst/>
+          </a:prstGeom>
+          <a:noFill/>
+          <a:ln>
+            <a:noFill/>
+          </a:ln>
+        </p:spPr>
+        <p:txBody>
+          <a:bodyPr wrap="square" rtlCol="0">
+            <a:spAutoFit/>
+          </a:bodyPr>
+          <a:lstStyle/>
+          <a:p>
+            <a:pPr algn="ctr"/>
+            <a:r>
+              <a:rPr lang="en-US" altLang="ja-JP" sz="2400" b="1" dirty="0" err="1">
+                <a:latin typeface="メイリオ" panose="020B0604030504040204" pitchFamily="50" charset="-128"/>
+                <a:ea typeface="メイリオ" panose="020B0604030504040204" pitchFamily="50" charset="-128"/>
+              </a:rPr>
+              <a:t>Hys+jou</a:t>
+            </a:r>
+            <a:endParaRPr kumimoji="1" lang="ja-JP" altLang="en-US" sz="2400" b="1" dirty="0">
               <a:latin typeface="メイリオ" panose="020B0604030504040204" pitchFamily="50" charset="-128"/>
               <a:ea typeface="メイリオ" panose="020B0604030504040204" pitchFamily="50" charset="-128"/>
             </a:endParaRPr>
           </a:p>
-          <a:p>
-            <a:endParaRPr lang="en-US" altLang="ja-JP" sz="2400" dirty="0">
+        </p:txBody>
+      </p:sp>
+      <p:pic>
+        <p:nvPicPr>
+          <p:cNvPr id="6" name="図 5">
+            <a:extLst>
+              <a:ext uri="{FF2B5EF4-FFF2-40B4-BE49-F238E27FC236}">
+                <a16:creationId xmlns:a16="http://schemas.microsoft.com/office/drawing/2014/main" id="{343DC916-81A7-54D4-D8F2-A2343B2FBFF4}"/>
+              </a:ext>
+            </a:extLst>
+          </p:cNvPr>
+          <p:cNvPicPr>
+            <a:picLocks noChangeAspect="1"/>
+          </p:cNvPicPr>
+          <p:nvPr/>
+        </p:nvPicPr>
+        <p:blipFill>
+          <a:blip r:embed="rId2"/>
+          <a:stretch>
+            <a:fillRect/>
+          </a:stretch>
+        </p:blipFill>
+        <p:spPr>
+          <a:xfrm>
+            <a:off x="797177" y="1818914"/>
+            <a:ext cx="5372088" cy="4682155"/>
+          </a:xfrm>
+          <a:prstGeom prst="rect">
+            <a:avLst/>
+          </a:prstGeom>
+        </p:spPr>
+      </p:pic>
+      <p:pic>
+        <p:nvPicPr>
+          <p:cNvPr id="7" name="図 6">
+            <a:extLst>
+              <a:ext uri="{FF2B5EF4-FFF2-40B4-BE49-F238E27FC236}">
+                <a16:creationId xmlns:a16="http://schemas.microsoft.com/office/drawing/2014/main" id="{F976CD7B-7A90-5C60-0947-5773F8545246}"/>
+              </a:ext>
+            </a:extLst>
+          </p:cNvPr>
+          <p:cNvPicPr>
+            <a:picLocks noChangeAspect="1"/>
+          </p:cNvPicPr>
+          <p:nvPr/>
+        </p:nvPicPr>
+        <p:blipFill>
+          <a:blip r:embed="rId3"/>
+          <a:stretch>
+            <a:fillRect/>
+          </a:stretch>
+        </p:blipFill>
+        <p:spPr>
+          <a:xfrm>
+            <a:off x="7071313" y="2000082"/>
+            <a:ext cx="4819171" cy="4247921"/>
+          </a:xfrm>
+          <a:prstGeom prst="rect">
+            <a:avLst/>
+          </a:prstGeom>
+        </p:spPr>
+      </p:pic>
+      <p:sp>
+        <p:nvSpPr>
+          <p:cNvPr id="8" name="テキスト ボックス 7">
+            <a:extLst>
+              <a:ext uri="{FF2B5EF4-FFF2-40B4-BE49-F238E27FC236}">
+                <a16:creationId xmlns:a16="http://schemas.microsoft.com/office/drawing/2014/main" id="{BD9AD60D-A24E-337E-90DD-44F8EEFAB490}"/>
+              </a:ext>
+            </a:extLst>
+          </p:cNvPr>
+          <p:cNvSpPr txBox="1"/>
+          <p:nvPr/>
+        </p:nvSpPr>
+        <p:spPr>
+          <a:xfrm>
+            <a:off x="4070554" y="854432"/>
+            <a:ext cx="3808390" cy="461665"/>
+          </a:xfrm>
+          <a:prstGeom prst="rect">
+            <a:avLst/>
+          </a:prstGeom>
+          <a:noFill/>
+          <a:ln>
+            <a:noFill/>
+          </a:ln>
+        </p:spPr>
+        <p:txBody>
+          <a:bodyPr wrap="square" rtlCol="0">
+            <a:spAutoFit/>
+          </a:bodyPr>
+          <a:lstStyle/>
+          <a:p>
+            <a:pPr algn="ctr"/>
+            <a:r>
+              <a:rPr lang="en-US" altLang="ja-JP" sz="2400" b="1" dirty="0">
+                <a:latin typeface="メイリオ" panose="020B0604030504040204" pitchFamily="50" charset="-128"/>
+                <a:ea typeface="メイリオ" panose="020B0604030504040204" pitchFamily="50" charset="-128"/>
+              </a:rPr>
+              <a:t>Train loss</a:t>
+            </a:r>
+            <a:endParaRPr kumimoji="1" lang="ja-JP" altLang="en-US" sz="2400" b="1" dirty="0">
               <a:latin typeface="メイリオ" panose="020B0604030504040204" pitchFamily="50" charset="-128"/>
               <a:ea typeface="メイリオ" panose="020B0604030504040204" pitchFamily="50" charset="-128"/>
             </a:endParaRPr>
           </a:p>
-          <a:p>
-            <a:r>
-              <a:rPr kumimoji="1" lang="en-US" altLang="ja-JP" sz="2400" dirty="0">
+        </p:txBody>
+      </p:sp>
+      <p:sp>
+        <p:nvSpPr>
+          <p:cNvPr id="9" name="テキスト ボックス 8">
+            <a:extLst>
+              <a:ext uri="{FF2B5EF4-FFF2-40B4-BE49-F238E27FC236}">
+                <a16:creationId xmlns:a16="http://schemas.microsoft.com/office/drawing/2014/main" id="{3F274FF3-4DBC-ACC7-E9F4-73E97BE9278F}"/>
+              </a:ext>
+            </a:extLst>
+          </p:cNvPr>
+          <p:cNvSpPr txBox="1"/>
+          <p:nvPr/>
+        </p:nvSpPr>
+        <p:spPr>
+          <a:xfrm>
+            <a:off x="2788992" y="1426743"/>
+            <a:ext cx="2806822" cy="461665"/>
+          </a:xfrm>
+          <a:prstGeom prst="rect">
+            <a:avLst/>
+          </a:prstGeom>
+          <a:noFill/>
+          <a:ln>
+            <a:noFill/>
+          </a:ln>
+        </p:spPr>
+        <p:txBody>
+          <a:bodyPr wrap="square" rtlCol="0">
+            <a:spAutoFit/>
+          </a:bodyPr>
+          <a:lstStyle/>
+          <a:p>
+            <a:pPr algn="ctr"/>
+            <a:r>
+              <a:rPr lang="en-US" altLang="ja-JP" sz="2400" b="1" dirty="0" err="1">
                 <a:latin typeface="メイリオ" panose="020B0604030504040204" pitchFamily="50" charset="-128"/>
                 <a:ea typeface="メイリオ" panose="020B0604030504040204" pitchFamily="50" charset="-128"/>
               </a:rPr>
-              <a:t>Best</a:t>
-            </a:r>
-            <a:r>
-              <a:rPr kumimoji="1" lang="ja-JP" altLang="en-US" sz="2400" dirty="0">
+              <a:t>Psi_d</a:t>
+            </a:r>
+            <a:r>
+              <a:rPr lang="en-US" altLang="ja-JP" sz="2400" b="1" dirty="0">
                 <a:latin typeface="メイリオ" panose="020B0604030504040204" pitchFamily="50" charset="-128"/>
                 <a:ea typeface="メイリオ" panose="020B0604030504040204" pitchFamily="50" charset="-128"/>
               </a:rPr>
-              <a:t>の定義は</a:t>
-            </a:r>
-            <a:r>
-              <a:rPr lang="ja-JP" altLang="en-US" sz="2400" dirty="0">
+              <a:t>+ </a:t>
+            </a:r>
+            <a:r>
+              <a:rPr lang="en-US" altLang="ja-JP" sz="2400" b="1" dirty="0" err="1">
                 <a:latin typeface="メイリオ" panose="020B0604030504040204" pitchFamily="50" charset="-128"/>
                 <a:ea typeface="メイリオ" panose="020B0604030504040204" pitchFamily="50" charset="-128"/>
               </a:rPr>
-              <a:t>？</a:t>
-            </a:r>
-            <a:endParaRPr lang="en-US" altLang="ja-JP" sz="2400" dirty="0">
+              <a:t>Psi_q</a:t>
+            </a:r>
+            <a:endParaRPr kumimoji="1" lang="ja-JP" altLang="en-US" sz="2400" b="1" dirty="0">
               <a:latin typeface="メイリオ" panose="020B0604030504040204" pitchFamily="50" charset="-128"/>
               <a:ea typeface="メイリオ" panose="020B0604030504040204" pitchFamily="50" charset="-128"/>
             </a:endParaRPr>
           </a:p>
-          <a:p>
-            <a:r>
-              <a:rPr kumimoji="1" lang="ja-JP" altLang="en-US" sz="2400" dirty="0">
+        </p:txBody>
+      </p:sp>
+      <p:pic>
+        <p:nvPicPr>
+          <p:cNvPr id="10" name="図 9">
+            <a:extLst>
+              <a:ext uri="{FF2B5EF4-FFF2-40B4-BE49-F238E27FC236}">
+                <a16:creationId xmlns:a16="http://schemas.microsoft.com/office/drawing/2014/main" id="{99B50298-1A18-A8F1-192D-F8E2E8D70574}"/>
+              </a:ext>
+            </a:extLst>
+          </p:cNvPr>
+          <p:cNvPicPr>
+            <a:picLocks noChangeAspect="1"/>
+          </p:cNvPicPr>
+          <p:nvPr/>
+        </p:nvPicPr>
+        <p:blipFill>
+          <a:blip r:embed="rId4"/>
+          <a:stretch>
+            <a:fillRect/>
+          </a:stretch>
+        </p:blipFill>
+        <p:spPr>
+          <a:xfrm>
+            <a:off x="-40999" y="673264"/>
+            <a:ext cx="2912247" cy="2538230"/>
+          </a:xfrm>
+          <a:prstGeom prst="rect">
+            <a:avLst/>
+          </a:prstGeom>
+        </p:spPr>
+      </p:pic>
+      <p:pic>
+        <p:nvPicPr>
+          <p:cNvPr id="14" name="図 13">
+            <a:extLst>
+              <a:ext uri="{FF2B5EF4-FFF2-40B4-BE49-F238E27FC236}">
+                <a16:creationId xmlns:a16="http://schemas.microsoft.com/office/drawing/2014/main" id="{84B5E02E-6510-C6EF-4D5A-17C6C25328B3}"/>
+              </a:ext>
+            </a:extLst>
+          </p:cNvPr>
+          <p:cNvPicPr>
+            <a:picLocks noChangeAspect="1"/>
+          </p:cNvPicPr>
+          <p:nvPr/>
+        </p:nvPicPr>
+        <p:blipFill>
+          <a:blip r:embed="rId5"/>
+          <a:stretch>
+            <a:fillRect/>
+          </a:stretch>
+        </p:blipFill>
+        <p:spPr>
+          <a:xfrm>
+            <a:off x="8961145" y="211599"/>
+            <a:ext cx="3266751" cy="2815610"/>
+          </a:xfrm>
+          <a:prstGeom prst="rect">
+            <a:avLst/>
+          </a:prstGeom>
+        </p:spPr>
+      </p:pic>
+      <p:sp>
+        <p:nvSpPr>
+          <p:cNvPr id="15" name="正方形/長方形 14">
+            <a:extLst>
+              <a:ext uri="{FF2B5EF4-FFF2-40B4-BE49-F238E27FC236}">
+                <a16:creationId xmlns:a16="http://schemas.microsoft.com/office/drawing/2014/main" id="{8D112651-4466-D2BD-0788-D79235CDA703}"/>
+              </a:ext>
+            </a:extLst>
+          </p:cNvPr>
+          <p:cNvSpPr/>
+          <p:nvPr/>
+        </p:nvSpPr>
+        <p:spPr>
+          <a:xfrm>
+            <a:off x="663550" y="2424039"/>
+            <a:ext cx="654611" cy="603170"/>
+          </a:xfrm>
+          <a:prstGeom prst="rect">
+            <a:avLst/>
+          </a:prstGeom>
+          <a:noFill/>
+          <a:ln w="28575">
+            <a:solidFill>
+              <a:srgbClr val="00B050"/>
+            </a:solidFill>
+          </a:ln>
+        </p:spPr>
+        <p:style>
+          <a:lnRef idx="2">
+            <a:schemeClr val="accent1">
+              <a:shade val="15000"/>
+            </a:schemeClr>
+          </a:lnRef>
+          <a:fillRef idx="1">
+            <a:schemeClr val="accent1"/>
+          </a:fillRef>
+          <a:effectRef idx="0">
+            <a:schemeClr val="accent1"/>
+          </a:effectRef>
+          <a:fontRef idx="minor">
+            <a:schemeClr val="lt1"/>
+          </a:fontRef>
+        </p:style>
+        <p:txBody>
+          <a:bodyPr rtlCol="0" anchor="ctr"/>
+          <a:lstStyle/>
+          <a:p>
+            <a:pPr algn="ctr"/>
+            <a:endParaRPr kumimoji="1" lang="ja-JP" altLang="en-US"/>
+          </a:p>
+        </p:txBody>
+      </p:sp>
+      <p:sp>
+        <p:nvSpPr>
+          <p:cNvPr id="16" name="テキスト ボックス 15">
+            <a:extLst>
+              <a:ext uri="{FF2B5EF4-FFF2-40B4-BE49-F238E27FC236}">
+                <a16:creationId xmlns:a16="http://schemas.microsoft.com/office/drawing/2014/main" id="{7135E398-1145-CB57-2AB2-D1C020D3D123}"/>
+              </a:ext>
+            </a:extLst>
+          </p:cNvPr>
+          <p:cNvSpPr txBox="1"/>
+          <p:nvPr/>
+        </p:nvSpPr>
+        <p:spPr>
+          <a:xfrm>
+            <a:off x="121290" y="3027209"/>
+            <a:ext cx="1884490" cy="461665"/>
+          </a:xfrm>
+          <a:prstGeom prst="rect">
+            <a:avLst/>
+          </a:prstGeom>
+          <a:noFill/>
+          <a:ln>
+            <a:noFill/>
+          </a:ln>
+        </p:spPr>
+        <p:txBody>
+          <a:bodyPr wrap="square" rtlCol="0">
+            <a:spAutoFit/>
+          </a:bodyPr>
+          <a:lstStyle/>
+          <a:p>
+            <a:pPr algn="ctr"/>
+            <a:r>
+              <a:rPr kumimoji="1" lang="en-US" altLang="ja-JP" sz="2400" b="1" dirty="0">
+                <a:solidFill>
+                  <a:srgbClr val="00B050"/>
+                </a:solidFill>
                 <a:latin typeface="メイリオ" panose="020B0604030504040204" pitchFamily="50" charset="-128"/>
                 <a:ea typeface="メイリオ" panose="020B0604030504040204" pitchFamily="50" charset="-128"/>
               </a:rPr>
-              <a:t>・</a:t>
-            </a:r>
-            <a:r>
-              <a:rPr kumimoji="1" lang="en-US" altLang="ja-JP" sz="2400" dirty="0">
-                <a:latin typeface="メイリオ" panose="020B0604030504040204" pitchFamily="50" charset="-128"/>
-                <a:ea typeface="メイリオ" panose="020B0604030504040204" pitchFamily="50" charset="-128"/>
-              </a:rPr>
-              <a:t>parametric analysis</a:t>
-            </a:r>
-            <a:r>
-              <a:rPr kumimoji="1" lang="ja-JP" altLang="en-US" sz="2400" dirty="0">
-                <a:latin typeface="メイリオ" panose="020B0604030504040204" pitchFamily="50" charset="-128"/>
-                <a:ea typeface="メイリオ" panose="020B0604030504040204" pitchFamily="50" charset="-128"/>
-              </a:rPr>
-              <a:t>したときに、</a:t>
-            </a:r>
-            <a:r>
-              <a:rPr kumimoji="1" lang="en-US" altLang="ja-JP" sz="2400" dirty="0">
-                <a:latin typeface="メイリオ" panose="020B0604030504040204" pitchFamily="50" charset="-128"/>
-                <a:ea typeface="メイリオ" panose="020B0604030504040204" pitchFamily="50" charset="-128"/>
-              </a:rPr>
-              <a:t>validation</a:t>
-            </a:r>
-            <a:r>
-              <a:rPr lang="ja-JP" altLang="en-US" sz="2400" dirty="0">
-                <a:latin typeface="メイリオ" panose="020B0604030504040204" pitchFamily="50" charset="-128"/>
-                <a:ea typeface="メイリオ" panose="020B0604030504040204" pitchFamily="50" charset="-128"/>
-              </a:rPr>
-              <a:t> </a:t>
-            </a:r>
-            <a:r>
-              <a:rPr lang="en-US" altLang="ja-JP" sz="2400" dirty="0">
-                <a:latin typeface="メイリオ" panose="020B0604030504040204" pitchFamily="50" charset="-128"/>
-                <a:ea typeface="メイリオ" panose="020B0604030504040204" pitchFamily="50" charset="-128"/>
-              </a:rPr>
-              <a:t>loss</a:t>
-            </a:r>
-            <a:r>
-              <a:rPr lang="ja-JP" altLang="en-US" sz="2400" dirty="0">
-                <a:latin typeface="メイリオ" panose="020B0604030504040204" pitchFamily="50" charset="-128"/>
-                <a:ea typeface="メイリオ" panose="020B0604030504040204" pitchFamily="50" charset="-128"/>
-              </a:rPr>
-              <a:t>が</a:t>
-            </a:r>
-            <a:r>
-              <a:rPr lang="en-US" altLang="ja-JP" sz="2400" dirty="0" err="1">
-                <a:latin typeface="メイリオ" panose="020B0604030504040204" pitchFamily="50" charset="-128"/>
-                <a:ea typeface="メイリオ" panose="020B0604030504040204" pitchFamily="50" charset="-128"/>
-              </a:rPr>
-              <a:t>minimam</a:t>
-            </a:r>
-            <a:endParaRPr kumimoji="1" lang="en-US" altLang="ja-JP" sz="2400" dirty="0">
+              <a:t>8×16</a:t>
+            </a:r>
+            <a:endParaRPr kumimoji="1" lang="ja-JP" altLang="en-US" sz="2400" b="1" dirty="0">
+              <a:solidFill>
+                <a:srgbClr val="00B050"/>
+              </a:solidFill>
               <a:latin typeface="メイリオ" panose="020B0604030504040204" pitchFamily="50" charset="-128"/>
               <a:ea typeface="メイリオ" panose="020B0604030504040204" pitchFamily="50" charset="-128"/>
             </a:endParaRPr>
           </a:p>
-          <a:p>
-            <a:r>
-              <a:rPr lang="ja-JP" altLang="en-US" sz="2400" dirty="0">
+        </p:txBody>
+      </p:sp>
+      <p:sp>
+        <p:nvSpPr>
+          <p:cNvPr id="17" name="正方形/長方形 16">
+            <a:extLst>
+              <a:ext uri="{FF2B5EF4-FFF2-40B4-BE49-F238E27FC236}">
+                <a16:creationId xmlns:a16="http://schemas.microsoft.com/office/drawing/2014/main" id="{F3471407-DFCE-C85F-665A-BBDAA0B8C8D0}"/>
+              </a:ext>
+            </a:extLst>
+          </p:cNvPr>
+          <p:cNvSpPr/>
+          <p:nvPr/>
+        </p:nvSpPr>
+        <p:spPr>
+          <a:xfrm>
+            <a:off x="10417150" y="2193206"/>
+            <a:ext cx="654611" cy="603170"/>
+          </a:xfrm>
+          <a:prstGeom prst="rect">
+            <a:avLst/>
+          </a:prstGeom>
+          <a:noFill/>
+          <a:ln w="28575">
+            <a:solidFill>
+              <a:srgbClr val="00B050"/>
+            </a:solidFill>
+          </a:ln>
+        </p:spPr>
+        <p:style>
+          <a:lnRef idx="2">
+            <a:schemeClr val="accent1">
+              <a:shade val="15000"/>
+            </a:schemeClr>
+          </a:lnRef>
+          <a:fillRef idx="1">
+            <a:schemeClr val="accent1"/>
+          </a:fillRef>
+          <a:effectRef idx="0">
+            <a:schemeClr val="accent1"/>
+          </a:effectRef>
+          <a:fontRef idx="minor">
+            <a:schemeClr val="lt1"/>
+          </a:fontRef>
+        </p:style>
+        <p:txBody>
+          <a:bodyPr rtlCol="0" anchor="ctr"/>
+          <a:lstStyle/>
+          <a:p>
+            <a:pPr algn="ctr"/>
+            <a:endParaRPr kumimoji="1" lang="ja-JP" altLang="en-US"/>
+          </a:p>
+        </p:txBody>
+      </p:sp>
+      <p:sp>
+        <p:nvSpPr>
+          <p:cNvPr id="18" name="テキスト ボックス 17">
+            <a:extLst>
+              <a:ext uri="{FF2B5EF4-FFF2-40B4-BE49-F238E27FC236}">
+                <a16:creationId xmlns:a16="http://schemas.microsoft.com/office/drawing/2014/main" id="{220FB917-90F9-3127-014E-6FA43B1F03E7}"/>
+              </a:ext>
+            </a:extLst>
+          </p:cNvPr>
+          <p:cNvSpPr txBox="1"/>
+          <p:nvPr/>
+        </p:nvSpPr>
+        <p:spPr>
+          <a:xfrm>
+            <a:off x="9874890" y="2796376"/>
+            <a:ext cx="1884490" cy="461665"/>
+          </a:xfrm>
+          <a:prstGeom prst="rect">
+            <a:avLst/>
+          </a:prstGeom>
+          <a:noFill/>
+          <a:ln>
+            <a:noFill/>
+          </a:ln>
+        </p:spPr>
+        <p:txBody>
+          <a:bodyPr wrap="square" rtlCol="0">
+            <a:spAutoFit/>
+          </a:bodyPr>
+          <a:lstStyle/>
+          <a:p>
+            <a:pPr algn="ctr"/>
+            <a:r>
+              <a:rPr lang="en-US" altLang="ja-JP" sz="2400" b="1" dirty="0">
+                <a:solidFill>
+                  <a:srgbClr val="00B050"/>
+                </a:solidFill>
                 <a:latin typeface="メイリオ" panose="020B0604030504040204" pitchFamily="50" charset="-128"/>
                 <a:ea typeface="メイリオ" panose="020B0604030504040204" pitchFamily="50" charset="-128"/>
               </a:rPr>
-              <a:t>⇒</a:t>
-            </a:r>
-            <a:r>
-              <a:rPr lang="en-US" altLang="ja-JP" sz="2400" dirty="0">
+              <a:t>12</a:t>
+            </a:r>
+            <a:r>
+              <a:rPr kumimoji="1" lang="en-US" altLang="ja-JP" sz="2400" b="1" dirty="0">
+                <a:solidFill>
+                  <a:srgbClr val="00B050"/>
+                </a:solidFill>
                 <a:latin typeface="メイリオ" panose="020B0604030504040204" pitchFamily="50" charset="-128"/>
                 <a:ea typeface="メイリオ" panose="020B0604030504040204" pitchFamily="50" charset="-128"/>
               </a:rPr>
-              <a:t>must</a:t>
-            </a:r>
-          </a:p>
-          <a:p>
-            <a:r>
-              <a:rPr lang="ja-JP" altLang="en-US" sz="2400" dirty="0">
-                <a:latin typeface="メイリオ" panose="020B0604030504040204" pitchFamily="50" charset="-128"/>
-                <a:ea typeface="メイリオ" panose="020B0604030504040204" pitchFamily="50" charset="-128"/>
-              </a:rPr>
-              <a:t>・最適化した結果の</a:t>
-            </a:r>
-            <a:r>
-              <a:rPr lang="en-US" altLang="ja-JP" sz="2400" dirty="0">
-                <a:latin typeface="メイリオ" panose="020B0604030504040204" pitchFamily="50" charset="-128"/>
-                <a:ea typeface="メイリオ" panose="020B0604030504040204" pitchFamily="50" charset="-128"/>
-              </a:rPr>
-              <a:t>FEA</a:t>
-            </a:r>
-            <a:r>
-              <a:rPr lang="ja-JP" altLang="en-US" sz="2400" dirty="0">
-                <a:latin typeface="メイリオ" panose="020B0604030504040204" pitchFamily="50" charset="-128"/>
-                <a:ea typeface="メイリオ" panose="020B0604030504040204" pitchFamily="50" charset="-128"/>
-              </a:rPr>
-              <a:t>が実機モデル相当、</a:t>
-            </a:r>
-            <a:r>
-              <a:rPr lang="en-US" altLang="ja-JP" sz="2400" dirty="0">
-                <a:latin typeface="メイリオ" panose="020B0604030504040204" pitchFamily="50" charset="-128"/>
-                <a:ea typeface="メイリオ" panose="020B0604030504040204" pitchFamily="50" charset="-128"/>
-              </a:rPr>
-              <a:t>2D</a:t>
-            </a:r>
-            <a:r>
-              <a:rPr lang="ja-JP" altLang="en-US" sz="2400" dirty="0">
-                <a:latin typeface="メイリオ" panose="020B0604030504040204" pitchFamily="50" charset="-128"/>
-                <a:ea typeface="メイリオ" panose="020B0604030504040204" pitchFamily="50" charset="-128"/>
-              </a:rPr>
-              <a:t>が複数でると</a:t>
-            </a:r>
-            <a:r>
-              <a:rPr lang="en-US" altLang="ja-JP" sz="2400" dirty="0">
-                <a:latin typeface="メイリオ" panose="020B0604030504040204" pitchFamily="50" charset="-128"/>
-                <a:ea typeface="メイリオ" panose="020B0604030504040204" pitchFamily="50" charset="-128"/>
-              </a:rPr>
-              <a:t>good</a:t>
-            </a:r>
-          </a:p>
-          <a:p>
-            <a:r>
-              <a:rPr kumimoji="1" lang="ja-JP" altLang="en-US" sz="2400" dirty="0">
-                <a:latin typeface="メイリオ" panose="020B0604030504040204" pitchFamily="50" charset="-128"/>
-                <a:ea typeface="メイリオ" panose="020B0604030504040204" pitchFamily="50" charset="-128"/>
-              </a:rPr>
-              <a:t>⇒</a:t>
-            </a:r>
-            <a:r>
-              <a:rPr kumimoji="1" lang="en-US" altLang="ja-JP" sz="2400" dirty="0">
-                <a:latin typeface="メイリオ" panose="020B0604030504040204" pitchFamily="50" charset="-128"/>
-                <a:ea typeface="メイリオ" panose="020B0604030504040204" pitchFamily="50" charset="-128"/>
-              </a:rPr>
-              <a:t>want to</a:t>
-            </a:r>
-          </a:p>
-          <a:p>
-            <a:endParaRPr lang="en-US" altLang="ja-JP" sz="2400" dirty="0">
+              <a:t>×16</a:t>
+            </a:r>
+            <a:endParaRPr kumimoji="1" lang="ja-JP" altLang="en-US" sz="2400" b="1" dirty="0">
+              <a:solidFill>
+                <a:srgbClr val="00B050"/>
+              </a:solidFill>
               <a:latin typeface="メイリオ" panose="020B0604030504040204" pitchFamily="50" charset="-128"/>
               <a:ea typeface="メイリオ" panose="020B0604030504040204" pitchFamily="50" charset="-128"/>
             </a:endParaRPr>
           </a:p>
-          <a:p>
-            <a:r>
-              <a:rPr kumimoji="1" lang="ja-JP" altLang="en-US" sz="2400" dirty="0">
-                <a:latin typeface="メイリオ" panose="020B0604030504040204" pitchFamily="50" charset="-128"/>
-                <a:ea typeface="メイリオ" panose="020B0604030504040204" pitchFamily="50" charset="-128"/>
-              </a:rPr>
-              <a:t>・スタインメッツとの比較もしたいな</a:t>
-            </a:r>
-            <a:endParaRPr kumimoji="1" lang="en-US" altLang="ja-JP" sz="2400" dirty="0">
-              <a:latin typeface="メイリオ" panose="020B0604030504040204" pitchFamily="50" charset="-128"/>
-              <a:ea typeface="メイリオ" panose="020B0604030504040204" pitchFamily="50" charset="-128"/>
-            </a:endParaRPr>
-          </a:p>
         </p:txBody>
       </p:sp>
     </p:spTree>
     <p:extLst>
       <p:ext uri="{BB962C8B-B14F-4D97-AF65-F5344CB8AC3E}">
-        <p14:creationId xmlns:p14="http://schemas.microsoft.com/office/powerpoint/2010/main" val="2974368337"/>
+        <p14:creationId xmlns:p14="http://schemas.microsoft.com/office/powerpoint/2010/main" val="1359510656"/>
       </p:ext>
     </p:extLst>
   </p:cSld>
@@ -11695,10 +7646,10 @@
       </p:grpSpPr>
       <p:sp>
         <p:nvSpPr>
-          <p:cNvPr id="43" name="テキスト ボックス 42">
-            <a:extLst>
-              <a:ext uri="{FF2B5EF4-FFF2-40B4-BE49-F238E27FC236}">
-                <a16:creationId xmlns:a16="http://schemas.microsoft.com/office/drawing/2014/main" id="{A7AC58E8-EF9E-C324-5A64-1DBE8DBAEEB2}"/>
+          <p:cNvPr id="50" name="テキスト ボックス 49">
+            <a:extLst>
+              <a:ext uri="{FF2B5EF4-FFF2-40B4-BE49-F238E27FC236}">
+                <a16:creationId xmlns:a16="http://schemas.microsoft.com/office/drawing/2014/main" id="{AB73847C-B6D7-D5A1-5008-32636513464B}"/>
               </a:ext>
             </a:extLst>
           </p:cNvPr>
@@ -11707,8 +7658,8 @@
         </p:nvSpPr>
         <p:spPr>
           <a:xfrm>
-            <a:off x="344851" y="939463"/>
-            <a:ext cx="11299158" cy="5632311"/>
+            <a:off x="401453" y="211599"/>
+            <a:ext cx="7581900" cy="461665"/>
           </a:xfrm>
           <a:prstGeom prst="rect">
             <a:avLst/>
@@ -11724,469 +7675,606 @@
           </a:bodyPr>
           <a:lstStyle/>
           <a:p>
-            <a:pPr marL="457200" indent="-457200">
-              <a:buAutoNum type="arabicPeriod"/>
-            </a:pPr>
+            <a:r>
+              <a:rPr lang="ja-JP" altLang="en-US" sz="2400" dirty="0">
+                <a:latin typeface="メイリオ" panose="020B0604030504040204" pitchFamily="50" charset="-128"/>
+                <a:ea typeface="メイリオ" panose="020B0604030504040204" pitchFamily="50" charset="-128"/>
+              </a:rPr>
+              <a:t>出力側</a:t>
+            </a:r>
+            <a:r>
+              <a:rPr lang="en-US" altLang="ja-JP" sz="2400" dirty="0">
+                <a:latin typeface="メイリオ" panose="020B0604030504040204" pitchFamily="50" charset="-128"/>
+                <a:ea typeface="メイリオ" panose="020B0604030504040204" pitchFamily="50" charset="-128"/>
+              </a:rPr>
+              <a:t>MLP</a:t>
+            </a:r>
+            <a:r>
+              <a:rPr lang="ja-JP" altLang="en-US" sz="2400" dirty="0">
+                <a:latin typeface="メイリオ" panose="020B0604030504040204" pitchFamily="50" charset="-128"/>
+                <a:ea typeface="メイリオ" panose="020B0604030504040204" pitchFamily="50" charset="-128"/>
+              </a:rPr>
+              <a:t>の次元調査</a:t>
+            </a:r>
+            <a:endParaRPr kumimoji="1" lang="ja-JP" altLang="en-US" sz="2400" dirty="0">
+              <a:latin typeface="メイリオ" panose="020B0604030504040204" pitchFamily="50" charset="-128"/>
+              <a:ea typeface="メイリオ" panose="020B0604030504040204" pitchFamily="50" charset="-128"/>
+            </a:endParaRPr>
+          </a:p>
+        </p:txBody>
+      </p:sp>
+      <p:pic>
+        <p:nvPicPr>
+          <p:cNvPr id="2" name="図 1">
+            <a:extLst>
+              <a:ext uri="{FF2B5EF4-FFF2-40B4-BE49-F238E27FC236}">
+                <a16:creationId xmlns:a16="http://schemas.microsoft.com/office/drawing/2014/main" id="{CE162CE2-FBB7-16FD-F683-A66CE521F7CF}"/>
+              </a:ext>
+            </a:extLst>
+          </p:cNvPr>
+          <p:cNvPicPr>
+            <a:picLocks noChangeAspect="1"/>
+          </p:cNvPicPr>
+          <p:nvPr/>
+        </p:nvPicPr>
+        <p:blipFill>
+          <a:blip r:embed="rId2"/>
+          <a:stretch>
+            <a:fillRect/>
+          </a:stretch>
+        </p:blipFill>
+        <p:spPr>
+          <a:xfrm>
+            <a:off x="463237" y="673264"/>
+            <a:ext cx="4064723" cy="3055599"/>
+          </a:xfrm>
+          <a:prstGeom prst="rect">
+            <a:avLst/>
+          </a:prstGeom>
+        </p:spPr>
+      </p:pic>
+      <p:pic>
+        <p:nvPicPr>
+          <p:cNvPr id="3" name="図 2">
+            <a:extLst>
+              <a:ext uri="{FF2B5EF4-FFF2-40B4-BE49-F238E27FC236}">
+                <a16:creationId xmlns:a16="http://schemas.microsoft.com/office/drawing/2014/main" id="{6817209B-9811-0ADF-A5EA-015973FB1F99}"/>
+              </a:ext>
+            </a:extLst>
+          </p:cNvPr>
+          <p:cNvPicPr>
+            <a:picLocks noChangeAspect="1"/>
+          </p:cNvPicPr>
+          <p:nvPr/>
+        </p:nvPicPr>
+        <p:blipFill>
+          <a:blip r:embed="rId3"/>
+          <a:stretch>
+            <a:fillRect/>
+          </a:stretch>
+        </p:blipFill>
+        <p:spPr>
+          <a:xfrm>
+            <a:off x="489346" y="3590802"/>
+            <a:ext cx="4064723" cy="3055599"/>
+          </a:xfrm>
+          <a:prstGeom prst="rect">
+            <a:avLst/>
+          </a:prstGeom>
+        </p:spPr>
+      </p:pic>
+      <p:pic>
+        <p:nvPicPr>
+          <p:cNvPr id="5" name="図 4">
+            <a:extLst>
+              <a:ext uri="{FF2B5EF4-FFF2-40B4-BE49-F238E27FC236}">
+                <a16:creationId xmlns:a16="http://schemas.microsoft.com/office/drawing/2014/main" id="{7FBC6486-294F-421E-A132-D9A577922B35}"/>
+              </a:ext>
+            </a:extLst>
+          </p:cNvPr>
+          <p:cNvPicPr>
+            <a:picLocks noChangeAspect="1"/>
+          </p:cNvPicPr>
+          <p:nvPr/>
+        </p:nvPicPr>
+        <p:blipFill>
+          <a:blip r:embed="rId4"/>
+          <a:stretch>
+            <a:fillRect/>
+          </a:stretch>
+        </p:blipFill>
+        <p:spPr>
+          <a:xfrm>
+            <a:off x="6304150" y="577889"/>
+            <a:ext cx="4128234" cy="3055599"/>
+          </a:xfrm>
+          <a:prstGeom prst="rect">
+            <a:avLst/>
+          </a:prstGeom>
+        </p:spPr>
+      </p:pic>
+      <p:pic>
+        <p:nvPicPr>
+          <p:cNvPr id="11" name="図 10">
+            <a:extLst>
+              <a:ext uri="{FF2B5EF4-FFF2-40B4-BE49-F238E27FC236}">
+                <a16:creationId xmlns:a16="http://schemas.microsoft.com/office/drawing/2014/main" id="{5A04C763-E5CA-5FAC-BD5E-FF717858D83E}"/>
+              </a:ext>
+            </a:extLst>
+          </p:cNvPr>
+          <p:cNvPicPr>
+            <a:picLocks noChangeAspect="1"/>
+          </p:cNvPicPr>
+          <p:nvPr/>
+        </p:nvPicPr>
+        <p:blipFill>
+          <a:blip r:embed="rId5"/>
+          <a:stretch>
+            <a:fillRect/>
+          </a:stretch>
+        </p:blipFill>
+        <p:spPr>
+          <a:xfrm>
+            <a:off x="6304150" y="3429000"/>
+            <a:ext cx="4128234" cy="3055599"/>
+          </a:xfrm>
+          <a:prstGeom prst="rect">
+            <a:avLst/>
+          </a:prstGeom>
+        </p:spPr>
+      </p:pic>
+      <p:sp>
+        <p:nvSpPr>
+          <p:cNvPr id="12" name="テキスト ボックス 11">
+            <a:extLst>
+              <a:ext uri="{FF2B5EF4-FFF2-40B4-BE49-F238E27FC236}">
+                <a16:creationId xmlns:a16="http://schemas.microsoft.com/office/drawing/2014/main" id="{C8C73F82-8D7B-6522-B8A4-ADF422146B5D}"/>
+              </a:ext>
+            </a:extLst>
+          </p:cNvPr>
+          <p:cNvSpPr txBox="1"/>
+          <p:nvPr/>
+        </p:nvSpPr>
+        <p:spPr>
+          <a:xfrm>
+            <a:off x="3917437" y="211599"/>
+            <a:ext cx="3808390" cy="461665"/>
+          </a:xfrm>
+          <a:prstGeom prst="rect">
+            <a:avLst/>
+          </a:prstGeom>
+          <a:noFill/>
+          <a:ln>
+            <a:noFill/>
+          </a:ln>
+        </p:spPr>
+        <p:txBody>
+          <a:bodyPr wrap="square" rtlCol="0">
+            <a:spAutoFit/>
+          </a:bodyPr>
+          <a:lstStyle/>
+          <a:p>
+            <a:pPr algn="ctr"/>
+            <a:r>
+              <a:rPr lang="en-US" altLang="ja-JP" sz="2400" b="1" dirty="0">
+                <a:latin typeface="メイリオ" panose="020B0604030504040204" pitchFamily="50" charset="-128"/>
+                <a:ea typeface="メイリオ" panose="020B0604030504040204" pitchFamily="50" charset="-128"/>
+              </a:rPr>
+              <a:t>Validation loss</a:t>
+            </a:r>
+            <a:endParaRPr kumimoji="1" lang="ja-JP" altLang="en-US" sz="2400" b="1" dirty="0">
+              <a:latin typeface="メイリオ" panose="020B0604030504040204" pitchFamily="50" charset="-128"/>
+              <a:ea typeface="メイリオ" panose="020B0604030504040204" pitchFamily="50" charset="-128"/>
+            </a:endParaRPr>
+          </a:p>
+        </p:txBody>
+      </p:sp>
+      <p:sp>
+        <p:nvSpPr>
+          <p:cNvPr id="13" name="テキスト ボックス 12">
+            <a:extLst>
+              <a:ext uri="{FF2B5EF4-FFF2-40B4-BE49-F238E27FC236}">
+                <a16:creationId xmlns:a16="http://schemas.microsoft.com/office/drawing/2014/main" id="{277B4F09-6520-0B11-C3E7-CFEC9C34B3AF}"/>
+              </a:ext>
+            </a:extLst>
+          </p:cNvPr>
+          <p:cNvSpPr txBox="1"/>
+          <p:nvPr/>
+        </p:nvSpPr>
+        <p:spPr>
+          <a:xfrm>
+            <a:off x="313558" y="802702"/>
+            <a:ext cx="2704974" cy="461665"/>
+          </a:xfrm>
+          <a:prstGeom prst="rect">
+            <a:avLst/>
+          </a:prstGeom>
+          <a:noFill/>
+          <a:ln>
+            <a:noFill/>
+          </a:ln>
+        </p:spPr>
+        <p:txBody>
+          <a:bodyPr wrap="square" rtlCol="0">
+            <a:spAutoFit/>
+          </a:bodyPr>
+          <a:lstStyle/>
+          <a:p>
+            <a:pPr algn="ctr"/>
             <a:r>
               <a:rPr lang="en-US" altLang="ja-JP" sz="2400" b="1" dirty="0" err="1">
                 <a:latin typeface="メイリオ" panose="020B0604030504040204" pitchFamily="50" charset="-128"/>
                 <a:ea typeface="メイリオ" panose="020B0604030504040204" pitchFamily="50" charset="-128"/>
               </a:rPr>
-              <a:t>Swin</a:t>
-            </a:r>
+              <a:t>Psi_d</a:t>
+            </a:r>
+            <a:endParaRPr kumimoji="1" lang="ja-JP" altLang="en-US" sz="2400" b="1" dirty="0">
+              <a:latin typeface="メイリオ" panose="020B0604030504040204" pitchFamily="50" charset="-128"/>
+              <a:ea typeface="メイリオ" panose="020B0604030504040204" pitchFamily="50" charset="-128"/>
+            </a:endParaRPr>
+          </a:p>
+        </p:txBody>
+      </p:sp>
+      <p:sp>
+        <p:nvSpPr>
+          <p:cNvPr id="19" name="テキスト ボックス 18">
+            <a:extLst>
+              <a:ext uri="{FF2B5EF4-FFF2-40B4-BE49-F238E27FC236}">
+                <a16:creationId xmlns:a16="http://schemas.microsoft.com/office/drawing/2014/main" id="{A8032420-37CF-744D-8911-A0C8E90502DA}"/>
+              </a:ext>
+            </a:extLst>
+          </p:cNvPr>
+          <p:cNvSpPr txBox="1"/>
+          <p:nvPr/>
+        </p:nvSpPr>
+        <p:spPr>
+          <a:xfrm>
+            <a:off x="1799941" y="3728863"/>
+            <a:ext cx="1443531" cy="461665"/>
+          </a:xfrm>
+          <a:prstGeom prst="rect">
+            <a:avLst/>
+          </a:prstGeom>
+          <a:noFill/>
+          <a:ln>
+            <a:noFill/>
+          </a:ln>
+        </p:spPr>
+        <p:txBody>
+          <a:bodyPr wrap="square" rtlCol="0">
+            <a:spAutoFit/>
+          </a:bodyPr>
+          <a:lstStyle/>
+          <a:p>
+            <a:pPr algn="ctr"/>
+            <a:r>
+              <a:rPr lang="en-US" altLang="ja-JP" sz="2400" b="1" dirty="0" err="1">
+                <a:latin typeface="メイリオ" panose="020B0604030504040204" pitchFamily="50" charset="-128"/>
+                <a:ea typeface="メイリオ" panose="020B0604030504040204" pitchFamily="50" charset="-128"/>
+              </a:rPr>
+              <a:t>Psi_q</a:t>
+            </a:r>
+            <a:endParaRPr kumimoji="1" lang="ja-JP" altLang="en-US" sz="2400" b="1" dirty="0">
+              <a:latin typeface="メイリオ" panose="020B0604030504040204" pitchFamily="50" charset="-128"/>
+              <a:ea typeface="メイリオ" panose="020B0604030504040204" pitchFamily="50" charset="-128"/>
+            </a:endParaRPr>
+          </a:p>
+        </p:txBody>
+      </p:sp>
+      <p:sp>
+        <p:nvSpPr>
+          <p:cNvPr id="20" name="テキスト ボックス 19">
+            <a:extLst>
+              <a:ext uri="{FF2B5EF4-FFF2-40B4-BE49-F238E27FC236}">
+                <a16:creationId xmlns:a16="http://schemas.microsoft.com/office/drawing/2014/main" id="{F60555AF-3838-E74E-BA93-AC9DE7165799}"/>
+              </a:ext>
+            </a:extLst>
+          </p:cNvPr>
+          <p:cNvSpPr txBox="1"/>
+          <p:nvPr/>
+        </p:nvSpPr>
+        <p:spPr>
+          <a:xfrm>
+            <a:off x="7407566" y="442431"/>
+            <a:ext cx="2704974" cy="461665"/>
+          </a:xfrm>
+          <a:prstGeom prst="rect">
+            <a:avLst/>
+          </a:prstGeom>
+          <a:noFill/>
+          <a:ln>
+            <a:noFill/>
+          </a:ln>
+        </p:spPr>
+        <p:txBody>
+          <a:bodyPr wrap="square" rtlCol="0">
+            <a:spAutoFit/>
+          </a:bodyPr>
+          <a:lstStyle/>
+          <a:p>
+            <a:pPr algn="ctr"/>
             <a:r>
               <a:rPr lang="en-US" altLang="ja-JP" sz="2400" b="1" dirty="0">
                 <a:latin typeface="メイリオ" panose="020B0604030504040204" pitchFamily="50" charset="-128"/>
                 <a:ea typeface="メイリオ" panose="020B0604030504040204" pitchFamily="50" charset="-128"/>
               </a:rPr>
-              <a:t>-T</a:t>
-            </a:r>
-            <a:r>
-              <a:rPr lang="ja-JP" altLang="en-US" sz="2400" b="1" dirty="0">
-                <a:latin typeface="メイリオ" panose="020B0604030504040204" pitchFamily="50" charset="-128"/>
-                <a:ea typeface="メイリオ" panose="020B0604030504040204" pitchFamily="50" charset="-128"/>
-              </a:rPr>
-              <a:t>ベースで</a:t>
-            </a:r>
+              <a:t>hysteresis</a:t>
+            </a:r>
+            <a:endParaRPr kumimoji="1" lang="ja-JP" altLang="en-US" sz="2400" b="1" dirty="0">
+              <a:latin typeface="メイリオ" panose="020B0604030504040204" pitchFamily="50" charset="-128"/>
+              <a:ea typeface="メイリオ" panose="020B0604030504040204" pitchFamily="50" charset="-128"/>
+            </a:endParaRPr>
+          </a:p>
+        </p:txBody>
+      </p:sp>
+      <p:sp>
+        <p:nvSpPr>
+          <p:cNvPr id="21" name="テキスト ボックス 20">
+            <a:extLst>
+              <a:ext uri="{FF2B5EF4-FFF2-40B4-BE49-F238E27FC236}">
+                <a16:creationId xmlns:a16="http://schemas.microsoft.com/office/drawing/2014/main" id="{993F53B3-7F30-F173-3BCC-DD7B2A7C2804}"/>
+              </a:ext>
+            </a:extLst>
+          </p:cNvPr>
+          <p:cNvSpPr txBox="1"/>
+          <p:nvPr/>
+        </p:nvSpPr>
+        <p:spPr>
+          <a:xfrm>
+            <a:off x="7862976" y="3359969"/>
+            <a:ext cx="1443531" cy="461665"/>
+          </a:xfrm>
+          <a:prstGeom prst="rect">
+            <a:avLst/>
+          </a:prstGeom>
+          <a:noFill/>
+          <a:ln>
+            <a:noFill/>
+          </a:ln>
+        </p:spPr>
+        <p:txBody>
+          <a:bodyPr wrap="square" rtlCol="0">
+            <a:spAutoFit/>
+          </a:bodyPr>
+          <a:lstStyle/>
+          <a:p>
+            <a:pPr algn="ctr"/>
             <a:r>
               <a:rPr lang="en-US" altLang="ja-JP" sz="2400" b="1" dirty="0">
                 <a:latin typeface="メイリオ" panose="020B0604030504040204" pitchFamily="50" charset="-128"/>
                 <a:ea typeface="メイリオ" panose="020B0604030504040204" pitchFamily="50" charset="-128"/>
               </a:rPr>
-              <a:t>initial </a:t>
-            </a:r>
-            <a:r>
-              <a:rPr lang="en-US" altLang="ja-JP" sz="2400" b="1" dirty="0" err="1">
-                <a:latin typeface="メイリオ" panose="020B0604030504040204" pitchFamily="50" charset="-128"/>
-                <a:ea typeface="メイリオ" panose="020B0604030504040204" pitchFamily="50" charset="-128"/>
-              </a:rPr>
-              <a:t>optuna</a:t>
-            </a:r>
-            <a:endParaRPr lang="en-US" altLang="ja-JP" sz="2400" b="1" dirty="0">
+              <a:t>joule</a:t>
+            </a:r>
+            <a:endParaRPr kumimoji="1" lang="ja-JP" altLang="en-US" sz="2400" b="1" dirty="0">
               <a:latin typeface="メイリオ" panose="020B0604030504040204" pitchFamily="50" charset="-128"/>
               <a:ea typeface="メイリオ" panose="020B0604030504040204" pitchFamily="50" charset="-128"/>
             </a:endParaRPr>
           </a:p>
-          <a:p>
-            <a:r>
-              <a:rPr kumimoji="1" lang="ja-JP" altLang="en-US" sz="2400" dirty="0">
+        </p:txBody>
+      </p:sp>
+      <p:sp>
+        <p:nvSpPr>
+          <p:cNvPr id="22" name="正方形/長方形 21">
+            <a:extLst>
+              <a:ext uri="{FF2B5EF4-FFF2-40B4-BE49-F238E27FC236}">
+                <a16:creationId xmlns:a16="http://schemas.microsoft.com/office/drawing/2014/main" id="{B123C6E9-4A40-F97E-EBE2-9D92B0786AC6}"/>
+              </a:ext>
+            </a:extLst>
+          </p:cNvPr>
+          <p:cNvSpPr/>
+          <p:nvPr/>
+        </p:nvSpPr>
+        <p:spPr>
+          <a:xfrm>
+            <a:off x="2527077" y="1264367"/>
+            <a:ext cx="182611" cy="5211624"/>
+          </a:xfrm>
+          <a:prstGeom prst="rect">
+            <a:avLst/>
+          </a:prstGeom>
+          <a:noFill/>
+          <a:ln w="28575">
+            <a:solidFill>
+              <a:srgbClr val="00B050"/>
+            </a:solidFill>
+          </a:ln>
+        </p:spPr>
+        <p:style>
+          <a:lnRef idx="2">
+            <a:schemeClr val="accent1">
+              <a:shade val="15000"/>
+            </a:schemeClr>
+          </a:lnRef>
+          <a:fillRef idx="1">
+            <a:schemeClr val="accent1"/>
+          </a:fillRef>
+          <a:effectRef idx="0">
+            <a:schemeClr val="accent1"/>
+          </a:effectRef>
+          <a:fontRef idx="minor">
+            <a:schemeClr val="lt1"/>
+          </a:fontRef>
+        </p:style>
+        <p:txBody>
+          <a:bodyPr rtlCol="0" anchor="ctr"/>
+          <a:lstStyle/>
+          <a:p>
+            <a:pPr algn="ctr"/>
+            <a:endParaRPr kumimoji="1" lang="ja-JP" altLang="en-US"/>
+          </a:p>
+        </p:txBody>
+      </p:sp>
+      <p:sp>
+        <p:nvSpPr>
+          <p:cNvPr id="23" name="テキスト ボックス 22">
+            <a:extLst>
+              <a:ext uri="{FF2B5EF4-FFF2-40B4-BE49-F238E27FC236}">
+                <a16:creationId xmlns:a16="http://schemas.microsoft.com/office/drawing/2014/main" id="{FC3782E9-E10A-310C-3C2F-08B09891F14B}"/>
+              </a:ext>
+            </a:extLst>
+          </p:cNvPr>
+          <p:cNvSpPr txBox="1"/>
+          <p:nvPr/>
+        </p:nvSpPr>
+        <p:spPr>
+          <a:xfrm>
+            <a:off x="1759616" y="4218144"/>
+            <a:ext cx="1884490" cy="461665"/>
+          </a:xfrm>
+          <a:prstGeom prst="rect">
+            <a:avLst/>
+          </a:prstGeom>
+          <a:noFill/>
+          <a:ln>
+            <a:noFill/>
+          </a:ln>
+        </p:spPr>
+        <p:txBody>
+          <a:bodyPr wrap="square" rtlCol="0">
+            <a:spAutoFit/>
+          </a:bodyPr>
+          <a:lstStyle/>
+          <a:p>
+            <a:pPr algn="ctr"/>
+            <a:r>
+              <a:rPr kumimoji="1" lang="en-US" altLang="ja-JP" sz="2400" b="1" dirty="0">
+                <a:solidFill>
+                  <a:srgbClr val="00B050"/>
+                </a:solidFill>
                 <a:latin typeface="メイリオ" panose="020B0604030504040204" pitchFamily="50" charset="-128"/>
                 <a:ea typeface="メイリオ" panose="020B0604030504040204" pitchFamily="50" charset="-128"/>
               </a:rPr>
-              <a:t>⇒</a:t>
-            </a:r>
-            <a:r>
-              <a:rPr lang="en-US" altLang="ja-JP" sz="2400" b="0" i="0" dirty="0">
-                <a:effectLst/>
-                <a:latin typeface="Consolas" panose="020B0609020204030204" pitchFamily="49" charset="0"/>
-              </a:rPr>
-              <a:t>{'</a:t>
-            </a:r>
-            <a:r>
-              <a:rPr lang="en-US" altLang="ja-JP" sz="2400" b="0" i="0" dirty="0" err="1">
-                <a:effectLst/>
-                <a:latin typeface="Consolas" panose="020B0609020204030204" pitchFamily="49" charset="0"/>
-              </a:rPr>
-              <a:t>batch_size</a:t>
-            </a:r>
-            <a:r>
-              <a:rPr lang="en-US" altLang="ja-JP" sz="2400" b="0" i="0" dirty="0">
-                <a:effectLst/>
-                <a:latin typeface="Consolas" panose="020B0609020204030204" pitchFamily="49" charset="0"/>
-              </a:rPr>
-              <a:t>': 128, '</a:t>
-            </a:r>
-            <a:r>
-              <a:rPr lang="en-US" altLang="ja-JP" sz="2400" b="0" i="0" dirty="0" err="1">
-                <a:effectLst/>
-                <a:latin typeface="Consolas" panose="020B0609020204030204" pitchFamily="49" charset="0"/>
-              </a:rPr>
-              <a:t>epochs_optuna</a:t>
-            </a:r>
-            <a:r>
-              <a:rPr lang="en-US" altLang="ja-JP" sz="2400" b="0" i="0" dirty="0">
-                <a:effectLst/>
-                <a:latin typeface="Consolas" panose="020B0609020204030204" pitchFamily="49" charset="0"/>
-              </a:rPr>
-              <a:t>': 50, '</a:t>
-            </a:r>
-            <a:r>
-              <a:rPr lang="en-US" altLang="ja-JP" sz="2400" b="0" i="0" dirty="0" err="1">
-                <a:effectLst/>
-                <a:latin typeface="Consolas" panose="020B0609020204030204" pitchFamily="49" charset="0"/>
-              </a:rPr>
-              <a:t>epochs_check</a:t>
-            </a:r>
-            <a:r>
-              <a:rPr lang="en-US" altLang="ja-JP" sz="2400" b="0" i="0" dirty="0">
-                <a:effectLst/>
-                <a:latin typeface="Consolas" panose="020B0609020204030204" pitchFamily="49" charset="0"/>
-              </a:rPr>
-              <a:t>': 100, '</a:t>
-            </a:r>
-            <a:r>
-              <a:rPr lang="en-US" altLang="ja-JP" sz="2400" b="0" i="0" dirty="0" err="1">
-                <a:effectLst/>
-                <a:latin typeface="Consolas" panose="020B0609020204030204" pitchFamily="49" charset="0"/>
-              </a:rPr>
-              <a:t>save_every</a:t>
-            </a:r>
-            <a:r>
-              <a:rPr lang="en-US" altLang="ja-JP" sz="2400" b="0" i="0" dirty="0">
-                <a:effectLst/>
-                <a:latin typeface="Consolas" panose="020B0609020204030204" pitchFamily="49" charset="0"/>
-              </a:rPr>
-              <a:t>': 10, '</a:t>
-            </a:r>
-            <a:r>
-              <a:rPr lang="en-US" altLang="ja-JP" sz="2400" b="0" i="0" dirty="0" err="1">
-                <a:effectLst/>
-                <a:latin typeface="Consolas" panose="020B0609020204030204" pitchFamily="49" charset="0"/>
-              </a:rPr>
-              <a:t>n_trials</a:t>
-            </a:r>
-            <a:r>
-              <a:rPr lang="en-US" altLang="ja-JP" sz="2400" b="0" i="0" dirty="0">
-                <a:effectLst/>
-                <a:latin typeface="Consolas" panose="020B0609020204030204" pitchFamily="49" charset="0"/>
-              </a:rPr>
-              <a:t>': 100, '</a:t>
-            </a:r>
-            <a:r>
-              <a:rPr lang="en-US" altLang="ja-JP" sz="2400" b="0" i="0" dirty="0" err="1">
-                <a:effectLst/>
-                <a:latin typeface="Consolas" panose="020B0609020204030204" pitchFamily="49" charset="0"/>
-              </a:rPr>
-              <a:t>result_name</a:t>
-            </a:r>
-            <a:r>
-              <a:rPr lang="en-US" altLang="ja-JP" sz="2400" b="0" i="0" dirty="0">
-                <a:effectLst/>
-                <a:latin typeface="Consolas" panose="020B0609020204030204" pitchFamily="49" charset="0"/>
-              </a:rPr>
-              <a:t>': 'ironloss_2DVNabla_swin_t_optuna3', '</a:t>
-            </a:r>
-            <a:r>
-              <a:rPr lang="en-US" altLang="ja-JP" sz="2400" b="0" i="0" dirty="0" err="1">
-                <a:effectLst/>
-                <a:latin typeface="Consolas" panose="020B0609020204030204" pitchFamily="49" charset="0"/>
-              </a:rPr>
-              <a:t>modelname</a:t>
-            </a:r>
-            <a:r>
-              <a:rPr lang="en-US" altLang="ja-JP" sz="2400" b="0" i="0" dirty="0">
-                <a:effectLst/>
-                <a:latin typeface="Consolas" panose="020B0609020204030204" pitchFamily="49" charset="0"/>
-              </a:rPr>
-              <a:t>': '</a:t>
-            </a:r>
-            <a:r>
-              <a:rPr lang="en-US" altLang="ja-JP" sz="2400" b="0" i="0" dirty="0" err="1">
-                <a:effectLst/>
-                <a:latin typeface="Consolas" panose="020B0609020204030204" pitchFamily="49" charset="0"/>
-              </a:rPr>
-              <a:t>swin_t</a:t>
-            </a:r>
-            <a:r>
-              <a:rPr lang="en-US" altLang="ja-JP" sz="2400" b="0" i="0" dirty="0">
-                <a:effectLst/>
-                <a:latin typeface="Consolas" panose="020B0609020204030204" pitchFamily="49" charset="0"/>
-              </a:rPr>
-              <a:t>', '</a:t>
-            </a:r>
-            <a:r>
-              <a:rPr lang="en-US" altLang="ja-JP" sz="2400" b="0" i="0" dirty="0" err="1">
-                <a:effectLst/>
-                <a:latin typeface="Consolas" panose="020B0609020204030204" pitchFamily="49" charset="0"/>
-              </a:rPr>
-              <a:t>typename</a:t>
-            </a:r>
-            <a:r>
-              <a:rPr lang="en-US" altLang="ja-JP" sz="2400" b="0" i="0" dirty="0">
-                <a:effectLst/>
-                <a:latin typeface="Consolas" panose="020B0609020204030204" pitchFamily="49" charset="0"/>
-              </a:rPr>
-              <a:t>': '</a:t>
-            </a:r>
-            <a:r>
-              <a:rPr lang="en-US" altLang="ja-JP" sz="2400" b="0" i="0" dirty="0" err="1">
-                <a:effectLst/>
-                <a:latin typeface="Consolas" panose="020B0609020204030204" pitchFamily="49" charset="0"/>
-              </a:rPr>
-              <a:t>transfer_learning</a:t>
-            </a:r>
-            <a:r>
-              <a:rPr lang="en-US" altLang="ja-JP" sz="2400" b="0" i="0" dirty="0">
-                <a:effectLst/>
-                <a:latin typeface="Consolas" panose="020B0609020204030204" pitchFamily="49" charset="0"/>
-              </a:rPr>
-              <a:t>', '</a:t>
-            </a:r>
-            <a:r>
-              <a:rPr lang="en-US" altLang="ja-JP" sz="2400" b="0" i="0" dirty="0" err="1">
-                <a:effectLst/>
-                <a:latin typeface="Consolas" panose="020B0609020204030204" pitchFamily="49" charset="0"/>
-              </a:rPr>
-              <a:t>pathmodel</a:t>
-            </a:r>
-            <a:r>
-              <a:rPr lang="en-US" altLang="ja-JP" sz="2400" b="0" i="0" dirty="0">
-                <a:effectLst/>
-                <a:latin typeface="Consolas" panose="020B0609020204030204" pitchFamily="49" charset="0"/>
-              </a:rPr>
-              <a:t>': None}</a:t>
-            </a:r>
-          </a:p>
-          <a:p>
-            <a:r>
-              <a:rPr lang="en-US" altLang="ja-JP" sz="2400" b="0" i="0" dirty="0">
-                <a:effectLst/>
-                <a:latin typeface="Consolas" panose="020B0609020204030204" pitchFamily="49" charset="0"/>
-              </a:rPr>
-              <a:t>{'</a:t>
-            </a:r>
-            <a:r>
-              <a:rPr lang="en-US" altLang="ja-JP" sz="2400" b="0" i="0" dirty="0" err="1">
-                <a:effectLst/>
-                <a:latin typeface="Consolas" panose="020B0609020204030204" pitchFamily="49" charset="0"/>
-              </a:rPr>
-              <a:t>hidden_dim_init</a:t>
-            </a:r>
-            <a:r>
-              <a:rPr lang="en-US" altLang="ja-JP" sz="2400" b="0" i="0" dirty="0">
-                <a:effectLst/>
-                <a:latin typeface="Consolas" panose="020B0609020204030204" pitchFamily="49" charset="0"/>
-              </a:rPr>
-              <a:t>': 8, '</a:t>
-            </a:r>
-            <a:r>
-              <a:rPr lang="en-US" altLang="ja-JP" sz="2400" b="0" i="0" dirty="0" err="1">
-                <a:effectLst/>
-                <a:latin typeface="Consolas" panose="020B0609020204030204" pitchFamily="49" charset="0"/>
-              </a:rPr>
-              <a:t>num_hidden_dims</a:t>
-            </a:r>
-            <a:r>
-              <a:rPr lang="en-US" altLang="ja-JP" sz="2400" b="0" i="0" dirty="0">
-                <a:effectLst/>
-                <a:latin typeface="Consolas" panose="020B0609020204030204" pitchFamily="49" charset="0"/>
-              </a:rPr>
-              <a:t>': 2, '</a:t>
-            </a:r>
-            <a:r>
-              <a:rPr lang="en-US" altLang="ja-JP" sz="2400" b="0" i="0" dirty="0" err="1">
-                <a:effectLst/>
-                <a:latin typeface="Consolas" panose="020B0609020204030204" pitchFamily="49" charset="0"/>
-              </a:rPr>
-              <a:t>hidden_dim_out</a:t>
-            </a:r>
-            <a:r>
-              <a:rPr lang="en-US" altLang="ja-JP" sz="2400" b="0" i="0" dirty="0">
-                <a:effectLst/>
-                <a:latin typeface="Consolas" panose="020B0609020204030204" pitchFamily="49" charset="0"/>
-              </a:rPr>
-              <a:t>': 90, '</a:t>
-            </a:r>
-            <a:r>
-              <a:rPr lang="en-US" altLang="ja-JP" sz="2400" b="0" i="0" dirty="0" err="1">
-                <a:effectLst/>
-                <a:latin typeface="Consolas" panose="020B0609020204030204" pitchFamily="49" charset="0"/>
-              </a:rPr>
-              <a:t>hidden_dim_other</a:t>
-            </a:r>
-            <a:r>
-              <a:rPr lang="en-US" altLang="ja-JP" sz="2400" b="0" i="0" dirty="0">
-                <a:effectLst/>
-                <a:latin typeface="Consolas" panose="020B0609020204030204" pitchFamily="49" charset="0"/>
-              </a:rPr>
-              <a:t>': 25, 'hidden_dim_out2': 60, 'hidden_dim_other2': 35, '</a:t>
-            </a:r>
-            <a:r>
-              <a:rPr lang="en-US" altLang="ja-JP" sz="2400" b="0" i="0" dirty="0" err="1">
-                <a:effectLst/>
-                <a:latin typeface="Consolas" panose="020B0609020204030204" pitchFamily="49" charset="0"/>
-              </a:rPr>
-              <a:t>learning_rate</a:t>
-            </a:r>
-            <a:r>
-              <a:rPr lang="en-US" altLang="ja-JP" sz="2400" b="0" i="0" dirty="0">
-                <a:effectLst/>
-                <a:latin typeface="Consolas" panose="020B0609020204030204" pitchFamily="49" charset="0"/>
-              </a:rPr>
-              <a:t>': 0.0004015850423910483}</a:t>
-            </a:r>
-          </a:p>
-          <a:p>
-            <a:endParaRPr kumimoji="1" lang="en-US" altLang="ja-JP" sz="2400" dirty="0">
-              <a:latin typeface="Consolas" panose="020B0609020204030204" pitchFamily="49" charset="0"/>
+              <a:t>8×16</a:t>
+            </a:r>
+            <a:endParaRPr kumimoji="1" lang="ja-JP" altLang="en-US" sz="2400" b="1" dirty="0">
+              <a:solidFill>
+                <a:srgbClr val="00B050"/>
+              </a:solidFill>
+              <a:latin typeface="メイリオ" panose="020B0604030504040204" pitchFamily="50" charset="-128"/>
               <a:ea typeface="メイリオ" panose="020B0604030504040204" pitchFamily="50" charset="-128"/>
             </a:endParaRPr>
           </a:p>
-          <a:p>
-            <a:r>
-              <a:rPr kumimoji="1" lang="ja-JP" altLang="en-US" sz="2400" dirty="0">
+        </p:txBody>
+      </p:sp>
+      <p:sp>
+        <p:nvSpPr>
+          <p:cNvPr id="25" name="テキスト ボックス 24">
+            <a:extLst>
+              <a:ext uri="{FF2B5EF4-FFF2-40B4-BE49-F238E27FC236}">
+                <a16:creationId xmlns:a16="http://schemas.microsoft.com/office/drawing/2014/main" id="{25E2C3F1-09B9-524E-B0B2-42E780ED0721}"/>
+              </a:ext>
+            </a:extLst>
+          </p:cNvPr>
+          <p:cNvSpPr txBox="1"/>
+          <p:nvPr/>
+        </p:nvSpPr>
+        <p:spPr>
+          <a:xfrm>
+            <a:off x="7780433" y="883957"/>
+            <a:ext cx="1884490" cy="461665"/>
+          </a:xfrm>
+          <a:prstGeom prst="rect">
+            <a:avLst/>
+          </a:prstGeom>
+          <a:noFill/>
+          <a:ln>
+            <a:noFill/>
+          </a:ln>
+        </p:spPr>
+        <p:txBody>
+          <a:bodyPr wrap="square" rtlCol="0">
+            <a:spAutoFit/>
+          </a:bodyPr>
+          <a:lstStyle/>
+          <a:p>
+            <a:pPr algn="ctr"/>
+            <a:r>
+              <a:rPr lang="en-US" altLang="ja-JP" sz="2400" b="1" dirty="0">
+                <a:solidFill>
+                  <a:srgbClr val="00B050"/>
+                </a:solidFill>
                 <a:latin typeface="メイリオ" panose="020B0604030504040204" pitchFamily="50" charset="-128"/>
                 <a:ea typeface="メイリオ" panose="020B0604030504040204" pitchFamily="50" charset="-128"/>
               </a:rPr>
-              <a:t>⇒</a:t>
-            </a:r>
-            <a:r>
-              <a:rPr lang="en-US" altLang="ja-JP" sz="2400" b="0" i="0" dirty="0">
-                <a:effectLst/>
-                <a:latin typeface="Consolas" panose="020B0609020204030204" pitchFamily="49" charset="0"/>
-              </a:rPr>
-              <a:t> ‘</a:t>
-            </a:r>
-            <a:r>
-              <a:rPr lang="en-US" altLang="ja-JP" sz="2400" b="0" i="0" dirty="0" err="1">
-                <a:effectLst/>
-                <a:latin typeface="Consolas" panose="020B0609020204030204" pitchFamily="49" charset="0"/>
-              </a:rPr>
-              <a:t>learning_rate</a:t>
-            </a:r>
-            <a:r>
-              <a:rPr lang="en-US" altLang="ja-JP" sz="2400" b="0" i="0" dirty="0">
-                <a:effectLst/>
-                <a:latin typeface="Consolas" panose="020B0609020204030204" pitchFamily="49" charset="0"/>
-              </a:rPr>
-              <a:t>’: 0.0004</a:t>
-            </a:r>
-            <a:r>
-              <a:rPr lang="ja-JP" altLang="en-US" sz="2400" b="0" i="0" dirty="0">
-                <a:effectLst/>
-                <a:latin typeface="Consolas" panose="020B0609020204030204" pitchFamily="49" charset="0"/>
-              </a:rPr>
-              <a:t>でとりあえず</a:t>
-            </a:r>
-            <a:endParaRPr lang="en-US" altLang="ja-JP" sz="2400" b="0" i="0" dirty="0">
-              <a:effectLst/>
-              <a:latin typeface="Consolas" panose="020B0609020204030204" pitchFamily="49" charset="0"/>
-            </a:endParaRPr>
-          </a:p>
-          <a:p>
-            <a:endParaRPr kumimoji="1" lang="en-US" altLang="ja-JP" sz="2400" dirty="0">
-              <a:latin typeface="Consolas" panose="020B0609020204030204" pitchFamily="49" charset="0"/>
+              <a:t>12</a:t>
+            </a:r>
+            <a:r>
+              <a:rPr kumimoji="1" lang="en-US" altLang="ja-JP" sz="2400" b="1" dirty="0">
+                <a:solidFill>
+                  <a:srgbClr val="00B050"/>
+                </a:solidFill>
+                <a:latin typeface="メイリオ" panose="020B0604030504040204" pitchFamily="50" charset="-128"/>
+                <a:ea typeface="メイリオ" panose="020B0604030504040204" pitchFamily="50" charset="-128"/>
+              </a:rPr>
+              <a:t>×16</a:t>
+            </a:r>
+            <a:endParaRPr kumimoji="1" lang="ja-JP" altLang="en-US" sz="2400" b="1" dirty="0">
+              <a:solidFill>
+                <a:srgbClr val="00B050"/>
+              </a:solidFill>
+              <a:latin typeface="メイリオ" panose="020B0604030504040204" pitchFamily="50" charset="-128"/>
               <a:ea typeface="メイリオ" panose="020B0604030504040204" pitchFamily="50" charset="-128"/>
             </a:endParaRPr>
           </a:p>
-          <a:p>
-            <a:r>
-              <a:rPr kumimoji="1" lang="ja-JP" altLang="en-US" sz="2400" dirty="0">
-                <a:latin typeface="Consolas" panose="020B0609020204030204" pitchFamily="49" charset="0"/>
-                <a:ea typeface="メイリオ" panose="020B0604030504040204" pitchFamily="50" charset="-128"/>
-              </a:rPr>
-              <a:t>先に決めたい：</a:t>
-            </a:r>
-            <a:r>
-              <a:rPr lang="en-US" altLang="ja-JP" sz="2400" b="0" i="0" dirty="0">
-                <a:effectLst/>
-                <a:latin typeface="Consolas" panose="020B0609020204030204" pitchFamily="49" charset="0"/>
-              </a:rPr>
-              <a:t> '</a:t>
-            </a:r>
-            <a:r>
-              <a:rPr lang="en-US" altLang="ja-JP" sz="2400" b="0" i="0" dirty="0" err="1">
-                <a:effectLst/>
-                <a:latin typeface="Consolas" panose="020B0609020204030204" pitchFamily="49" charset="0"/>
-              </a:rPr>
-              <a:t>hidden_dim_init</a:t>
-            </a:r>
-            <a:r>
-              <a:rPr lang="en-US" altLang="ja-JP" sz="2400" b="0" i="0" dirty="0">
-                <a:effectLst/>
-                <a:latin typeface="Consolas" panose="020B0609020204030204" pitchFamily="49" charset="0"/>
-              </a:rPr>
-              <a:t>': 8, '</a:t>
-            </a:r>
-            <a:r>
-              <a:rPr lang="en-US" altLang="ja-JP" sz="2400" b="0" i="0" dirty="0" err="1">
-                <a:effectLst/>
-                <a:latin typeface="Consolas" panose="020B0609020204030204" pitchFamily="49" charset="0"/>
-              </a:rPr>
-              <a:t>hidden_dim_other</a:t>
-            </a:r>
-            <a:r>
-              <a:rPr lang="en-US" altLang="ja-JP" sz="2400" b="0" i="0" dirty="0">
-                <a:effectLst/>
-                <a:latin typeface="Consolas" panose="020B0609020204030204" pitchFamily="49" charset="0"/>
-              </a:rPr>
-              <a:t>': 25,  'hidden_dim_other2': 35</a:t>
-            </a:r>
-          </a:p>
-          <a:p>
-            <a:endParaRPr kumimoji="1" lang="en-US" altLang="ja-JP" sz="2400" dirty="0">
-              <a:latin typeface="Consolas" panose="020B0609020204030204" pitchFamily="49" charset="0"/>
-              <a:ea typeface="メイリオ" panose="020B0604030504040204" pitchFamily="50" charset="-128"/>
-            </a:endParaRPr>
-          </a:p>
-          <a:p>
-            <a:r>
-              <a:rPr lang="ja-JP" altLang="en-US" sz="2400" dirty="0">
-                <a:latin typeface="メイリオ" panose="020B0604030504040204" pitchFamily="50" charset="-128"/>
-                <a:ea typeface="メイリオ" panose="020B0604030504040204" pitchFamily="50" charset="-128"/>
-              </a:rPr>
-              <a:t>後でつじつま：学習タイプ（転移）、モデル（</a:t>
-            </a:r>
-            <a:r>
-              <a:rPr lang="en-US" altLang="ja-JP" sz="2400" dirty="0" err="1">
-                <a:latin typeface="メイリオ" panose="020B0604030504040204" pitchFamily="50" charset="-128"/>
-                <a:ea typeface="メイリオ" panose="020B0604030504040204" pitchFamily="50" charset="-128"/>
-              </a:rPr>
-              <a:t>swin_t</a:t>
-            </a:r>
-            <a:r>
-              <a:rPr lang="ja-JP" altLang="en-US" sz="2400" dirty="0">
-                <a:latin typeface="メイリオ" panose="020B0604030504040204" pitchFamily="50" charset="-128"/>
-                <a:ea typeface="メイリオ" panose="020B0604030504040204" pitchFamily="50" charset="-128"/>
-              </a:rPr>
-              <a:t>）、</a:t>
-            </a:r>
-            <a:r>
-              <a:rPr lang="en-US" altLang="ja-JP" sz="2400" dirty="0" err="1">
-                <a:latin typeface="メイリオ" panose="020B0604030504040204" pitchFamily="50" charset="-128"/>
-                <a:ea typeface="メイリオ" panose="020B0604030504040204" pitchFamily="50" charset="-128"/>
-              </a:rPr>
-              <a:t>bfr</a:t>
-            </a:r>
-            <a:r>
-              <a:rPr lang="en-US" altLang="ja-JP" sz="2400" dirty="0">
-                <a:latin typeface="メイリオ" panose="020B0604030504040204" pitchFamily="50" charset="-128"/>
-                <a:ea typeface="メイリオ" panose="020B0604030504040204" pitchFamily="50" charset="-128"/>
-              </a:rPr>
-              <a:t>/aft</a:t>
-            </a:r>
-            <a:r>
-              <a:rPr lang="ja-JP" altLang="en-US" sz="2400" dirty="0">
-                <a:latin typeface="メイリオ" panose="020B0604030504040204" pitchFamily="50" charset="-128"/>
-                <a:ea typeface="メイリオ" panose="020B0604030504040204" pitchFamily="50" charset="-128"/>
-              </a:rPr>
-              <a:t>層数、</a:t>
-            </a:r>
-            <a:r>
-              <a:rPr lang="en-US" altLang="ja-JP" sz="2400" dirty="0">
-                <a:latin typeface="メイリオ" panose="020B0604030504040204" pitchFamily="50" charset="-128"/>
-                <a:ea typeface="メイリオ" panose="020B0604030504040204" pitchFamily="50" charset="-128"/>
-              </a:rPr>
-              <a:t>FEA</a:t>
-            </a:r>
-            <a:r>
-              <a:rPr lang="ja-JP" altLang="en-US" sz="2400" dirty="0">
-                <a:latin typeface="メイリオ" panose="020B0604030504040204" pitchFamily="50" charset="-128"/>
-                <a:ea typeface="メイリオ" panose="020B0604030504040204" pitchFamily="50" charset="-128"/>
-              </a:rPr>
-              <a:t>結果</a:t>
-            </a:r>
-            <a:endParaRPr lang="en-US" altLang="ja-JP" sz="2400" dirty="0">
-              <a:latin typeface="Consolas" panose="020B0609020204030204" pitchFamily="49" charset="0"/>
-              <a:ea typeface="メイリオ" panose="020B0604030504040204" pitchFamily="50" charset="-128"/>
-            </a:endParaRPr>
+        </p:txBody>
+      </p:sp>
+      <p:sp>
+        <p:nvSpPr>
+          <p:cNvPr id="26" name="正方形/長方形 25">
+            <a:extLst>
+              <a:ext uri="{FF2B5EF4-FFF2-40B4-BE49-F238E27FC236}">
+                <a16:creationId xmlns:a16="http://schemas.microsoft.com/office/drawing/2014/main" id="{A68BB1E4-F8B3-1806-0D5D-71EEED19654E}"/>
+              </a:ext>
+            </a:extLst>
+          </p:cNvPr>
+          <p:cNvSpPr/>
+          <p:nvPr/>
+        </p:nvSpPr>
+        <p:spPr>
+          <a:xfrm>
+            <a:off x="9235513" y="1264367"/>
+            <a:ext cx="182611" cy="5211624"/>
+          </a:xfrm>
+          <a:prstGeom prst="rect">
+            <a:avLst/>
+          </a:prstGeom>
+          <a:noFill/>
+          <a:ln w="28575">
+            <a:solidFill>
+              <a:srgbClr val="00B050"/>
+            </a:solidFill>
+          </a:ln>
+        </p:spPr>
+        <p:style>
+          <a:lnRef idx="2">
+            <a:schemeClr val="accent1">
+              <a:shade val="15000"/>
+            </a:schemeClr>
+          </a:lnRef>
+          <a:fillRef idx="1">
+            <a:schemeClr val="accent1"/>
+          </a:fillRef>
+          <a:effectRef idx="0">
+            <a:schemeClr val="accent1"/>
+          </a:effectRef>
+          <a:fontRef idx="minor">
+            <a:schemeClr val="lt1"/>
+          </a:fontRef>
+        </p:style>
+        <p:txBody>
+          <a:bodyPr rtlCol="0" anchor="ctr"/>
+          <a:lstStyle/>
+          <a:p>
+            <a:pPr algn="ctr"/>
+            <a:endParaRPr kumimoji="1" lang="ja-JP" altLang="en-US"/>
           </a:p>
         </p:txBody>
       </p:sp>
     </p:spTree>
     <p:extLst>
       <p:ext uri="{BB962C8B-B14F-4D97-AF65-F5344CB8AC3E}">
-        <p14:creationId xmlns:p14="http://schemas.microsoft.com/office/powerpoint/2010/main" val="2120596531"/>
+        <p14:creationId xmlns:p14="http://schemas.microsoft.com/office/powerpoint/2010/main" val="1096230937"/>
       </p:ext>
     </p:extLst>
   </p:cSld>
@@ -12215,10 +8303,10 @@
       </p:grpSpPr>
       <p:sp>
         <p:nvSpPr>
-          <p:cNvPr id="43" name="テキスト ボックス 42">
-            <a:extLst>
-              <a:ext uri="{FF2B5EF4-FFF2-40B4-BE49-F238E27FC236}">
-                <a16:creationId xmlns:a16="http://schemas.microsoft.com/office/drawing/2014/main" id="{A7AC58E8-EF9E-C324-5A64-1DBE8DBAEEB2}"/>
+          <p:cNvPr id="50" name="テキスト ボックス 49">
+            <a:extLst>
+              <a:ext uri="{FF2B5EF4-FFF2-40B4-BE49-F238E27FC236}">
+                <a16:creationId xmlns:a16="http://schemas.microsoft.com/office/drawing/2014/main" id="{AB73847C-B6D7-D5A1-5008-32636513464B}"/>
               </a:ext>
             </a:extLst>
           </p:cNvPr>
@@ -12227,8 +8315,8 @@
         </p:nvSpPr>
         <p:spPr>
           <a:xfrm>
-            <a:off x="267030" y="268255"/>
-            <a:ext cx="11153243" cy="5632311"/>
+            <a:off x="401453" y="211599"/>
+            <a:ext cx="7581900" cy="461665"/>
           </a:xfrm>
           <a:prstGeom prst="rect">
             <a:avLst/>
@@ -12245,389 +8333,700 @@
           <a:lstStyle/>
           <a:p>
             <a:r>
-              <a:rPr lang="en-US" altLang="ja-JP" sz="2400" b="1" dirty="0">
+              <a:rPr lang="ja-JP" altLang="en-US" sz="2400" dirty="0">
                 <a:latin typeface="メイリオ" panose="020B0604030504040204" pitchFamily="50" charset="-128"/>
                 <a:ea typeface="メイリオ" panose="020B0604030504040204" pitchFamily="50" charset="-128"/>
               </a:rPr>
-              <a:t>2. MLP</a:t>
-            </a:r>
-            <a:r>
-              <a:rPr lang="ja-JP" altLang="en-US" sz="2400" b="1" dirty="0">
+              <a:t>出力側</a:t>
+            </a:r>
+            <a:r>
+              <a:rPr lang="en-US" altLang="ja-JP" sz="2400" dirty="0">
                 <a:latin typeface="メイリオ" panose="020B0604030504040204" pitchFamily="50" charset="-128"/>
                 <a:ea typeface="メイリオ" panose="020B0604030504040204" pitchFamily="50" charset="-128"/>
               </a:rPr>
-              <a:t>の次元、</a:t>
-            </a:r>
-            <a:r>
-              <a:rPr lang="en-US" altLang="ja-JP" sz="2400" b="1" dirty="0">
+              <a:t>MLP</a:t>
+            </a:r>
+            <a:r>
+              <a:rPr lang="ja-JP" altLang="en-US" sz="2400" dirty="0">
                 <a:latin typeface="メイリオ" panose="020B0604030504040204" pitchFamily="50" charset="-128"/>
                 <a:ea typeface="メイリオ" panose="020B0604030504040204" pitchFamily="50" charset="-128"/>
               </a:rPr>
-              <a:t>We</a:t>
-            </a:r>
-            <a:r>
-              <a:rPr lang="ja-JP" altLang="en-US" sz="2400" b="1" dirty="0">
+              <a:t>の層数調査：</a:t>
+            </a:r>
+            <a:r>
+              <a:rPr lang="en-US" altLang="ja-JP" sz="2400" dirty="0">
                 <a:latin typeface="メイリオ" panose="020B0604030504040204" pitchFamily="50" charset="-128"/>
                 <a:ea typeface="メイリオ" panose="020B0604030504040204" pitchFamily="50" charset="-128"/>
               </a:rPr>
-              <a:t>と</a:t>
-            </a:r>
-            <a:r>
-              <a:rPr lang="en-US" altLang="ja-JP" sz="2400" b="1" dirty="0" err="1">
+              <a:t>[2,3,4,5,6]</a:t>
+            </a:r>
+            <a:endParaRPr kumimoji="1" lang="ja-JP" altLang="en-US" sz="2400" dirty="0">
+              <a:latin typeface="メイリオ" panose="020B0604030504040204" pitchFamily="50" charset="-128"/>
+              <a:ea typeface="メイリオ" panose="020B0604030504040204" pitchFamily="50" charset="-128"/>
+            </a:endParaRPr>
+          </a:p>
+        </p:txBody>
+      </p:sp>
+      <p:sp>
+        <p:nvSpPr>
+          <p:cNvPr id="2" name="テキスト ボックス 1">
+            <a:extLst>
+              <a:ext uri="{FF2B5EF4-FFF2-40B4-BE49-F238E27FC236}">
+                <a16:creationId xmlns:a16="http://schemas.microsoft.com/office/drawing/2014/main" id="{30CDFC66-C0C4-2046-841A-6C9C40239373}"/>
+              </a:ext>
+            </a:extLst>
+          </p:cNvPr>
+          <p:cNvSpPr txBox="1"/>
+          <p:nvPr/>
+        </p:nvSpPr>
+        <p:spPr>
+          <a:xfrm>
+            <a:off x="401453" y="996946"/>
+            <a:ext cx="1443531" cy="461665"/>
+          </a:xfrm>
+          <a:prstGeom prst="rect">
+            <a:avLst/>
+          </a:prstGeom>
+          <a:noFill/>
+          <a:ln>
+            <a:noFill/>
+          </a:ln>
+        </p:spPr>
+        <p:txBody>
+          <a:bodyPr wrap="square" rtlCol="0">
+            <a:spAutoFit/>
+          </a:bodyPr>
+          <a:lstStyle/>
+          <a:p>
+            <a:r>
+              <a:rPr lang="en-US" altLang="ja-JP" sz="2400" dirty="0">
                 <a:latin typeface="メイリオ" panose="020B0604030504040204" pitchFamily="50" charset="-128"/>
                 <a:ea typeface="メイリオ" panose="020B0604030504040204" pitchFamily="50" charset="-128"/>
               </a:rPr>
-              <a:t>Wh</a:t>
-            </a:r>
-            <a:r>
-              <a:rPr lang="ja-JP" altLang="en-US" sz="2400" b="1" dirty="0">
+              <a:t>flux</a:t>
+            </a:r>
+            <a:endParaRPr kumimoji="1" lang="ja-JP" altLang="en-US" sz="2400" dirty="0">
+              <a:latin typeface="メイリオ" panose="020B0604030504040204" pitchFamily="50" charset="-128"/>
+              <a:ea typeface="メイリオ" panose="020B0604030504040204" pitchFamily="50" charset="-128"/>
+            </a:endParaRPr>
+          </a:p>
+        </p:txBody>
+      </p:sp>
+      <p:sp>
+        <p:nvSpPr>
+          <p:cNvPr id="3" name="テキスト ボックス 2">
+            <a:extLst>
+              <a:ext uri="{FF2B5EF4-FFF2-40B4-BE49-F238E27FC236}">
+                <a16:creationId xmlns:a16="http://schemas.microsoft.com/office/drawing/2014/main" id="{524EE9AF-A166-6005-A6C4-D8BB02AB1E18}"/>
+              </a:ext>
+            </a:extLst>
+          </p:cNvPr>
+          <p:cNvSpPr txBox="1"/>
+          <p:nvPr/>
+        </p:nvSpPr>
+        <p:spPr>
+          <a:xfrm>
+            <a:off x="450006" y="4025413"/>
+            <a:ext cx="2357931" cy="461665"/>
+          </a:xfrm>
+          <a:prstGeom prst="rect">
+            <a:avLst/>
+          </a:prstGeom>
+          <a:noFill/>
+          <a:ln>
+            <a:noFill/>
+          </a:ln>
+        </p:spPr>
+        <p:txBody>
+          <a:bodyPr wrap="square" rtlCol="0">
+            <a:spAutoFit/>
+          </a:bodyPr>
+          <a:lstStyle/>
+          <a:p>
+            <a:r>
+              <a:rPr lang="en-US" altLang="ja-JP" sz="2400" dirty="0">
                 <a:latin typeface="メイリオ" panose="020B0604030504040204" pitchFamily="50" charset="-128"/>
                 <a:ea typeface="メイリオ" panose="020B0604030504040204" pitchFamily="50" charset="-128"/>
               </a:rPr>
-              <a:t>でｸﾛﾊﾞﾘ</a:t>
-            </a:r>
-          </a:p>
-          <a:p>
-            <a:endParaRPr kumimoji="1" lang="en-US" altLang="ja-JP" sz="2400" dirty="0">
-              <a:latin typeface="Consolas" panose="020B0609020204030204" pitchFamily="49" charset="0"/>
+              <a:t>Iron loss</a:t>
+            </a:r>
+            <a:endParaRPr kumimoji="1" lang="ja-JP" altLang="en-US" sz="2400" dirty="0">
+              <a:latin typeface="メイリオ" panose="020B0604030504040204" pitchFamily="50" charset="-128"/>
               <a:ea typeface="メイリオ" panose="020B0604030504040204" pitchFamily="50" charset="-128"/>
             </a:endParaRPr>
           </a:p>
-          <a:p>
-            <a:r>
-              <a:rPr lang="en-US" altLang="ja-JP" sz="2400" b="0" i="0" dirty="0">
-                <a:effectLst/>
-                <a:latin typeface="Consolas" panose="020B0609020204030204" pitchFamily="49" charset="0"/>
-              </a:rPr>
-              <a:t>'hidden_dim_other’×'hidden_dim_other2‘</a:t>
-            </a:r>
-            <a:endParaRPr lang="en-US" altLang="ja-JP" sz="2400" dirty="0">
-              <a:latin typeface="Consolas" panose="020B0609020204030204" pitchFamily="49" charset="0"/>
+        </p:txBody>
+      </p:sp>
+      <p:sp>
+        <p:nvSpPr>
+          <p:cNvPr id="4" name="テキスト ボックス 3">
+            <a:extLst>
+              <a:ext uri="{FF2B5EF4-FFF2-40B4-BE49-F238E27FC236}">
+                <a16:creationId xmlns:a16="http://schemas.microsoft.com/office/drawing/2014/main" id="{2B7E3E40-B78A-AFB1-792D-E40A3DFA9BF1}"/>
+              </a:ext>
+            </a:extLst>
+          </p:cNvPr>
+          <p:cNvSpPr txBox="1"/>
+          <p:nvPr/>
+        </p:nvSpPr>
+        <p:spPr>
+          <a:xfrm>
+            <a:off x="733225" y="1579573"/>
+            <a:ext cx="10903120" cy="1477328"/>
+          </a:xfrm>
+          <a:prstGeom prst="rect">
+            <a:avLst/>
+          </a:prstGeom>
+          <a:noFill/>
+          <a:ln>
+            <a:noFill/>
+          </a:ln>
+        </p:spPr>
+        <p:txBody>
+          <a:bodyPr wrap="square" rtlCol="0">
+            <a:spAutoFit/>
+          </a:bodyPr>
+          <a:lstStyle/>
+          <a:p>
+            <a:r>
+              <a:rPr lang="en-US" altLang="ja-JP" b="0" i="0" dirty="0">
+                <a:effectLst/>
+                <a:latin typeface="Consolas" panose="020B0609020204030204" pitchFamily="49" charset="0"/>
+              </a:rPr>
+              <a:t>{'</a:t>
+            </a:r>
+            <a:r>
+              <a:rPr lang="en-US" altLang="ja-JP" b="0" i="0" dirty="0" err="1">
+                <a:effectLst/>
+                <a:latin typeface="Consolas" panose="020B0609020204030204" pitchFamily="49" charset="0"/>
+              </a:rPr>
+              <a:t>batch_size</a:t>
+            </a:r>
+            <a:r>
+              <a:rPr lang="en-US" altLang="ja-JP" b="0" i="0" dirty="0">
+                <a:effectLst/>
+                <a:latin typeface="Consolas" panose="020B0609020204030204" pitchFamily="49" charset="0"/>
+              </a:rPr>
+              <a:t>': 128, '</a:t>
+            </a:r>
+            <a:r>
+              <a:rPr lang="en-US" altLang="ja-JP" b="0" i="0" dirty="0" err="1">
+                <a:effectLst/>
+                <a:latin typeface="Consolas" panose="020B0609020204030204" pitchFamily="49" charset="0"/>
+              </a:rPr>
+              <a:t>epochs_check</a:t>
+            </a:r>
+            <a:r>
+              <a:rPr lang="en-US" altLang="ja-JP" b="0" i="0" dirty="0">
+                <a:effectLst/>
+                <a:latin typeface="Consolas" panose="020B0609020204030204" pitchFamily="49" charset="0"/>
+              </a:rPr>
+              <a:t>': 100, '</a:t>
+            </a:r>
+            <a:r>
+              <a:rPr lang="en-US" altLang="ja-JP" b="0" i="0" dirty="0" err="1">
+                <a:effectLst/>
+                <a:latin typeface="Consolas" panose="020B0609020204030204" pitchFamily="49" charset="0"/>
+              </a:rPr>
+              <a:t>save_every</a:t>
+            </a:r>
+            <a:r>
+              <a:rPr lang="en-US" altLang="ja-JP" b="0" i="0" dirty="0">
+                <a:effectLst/>
+                <a:latin typeface="Consolas" panose="020B0609020204030204" pitchFamily="49" charset="0"/>
+              </a:rPr>
+              <a:t>': 10, '</a:t>
+            </a:r>
+            <a:r>
+              <a:rPr lang="en-US" altLang="ja-JP" b="0" i="0" dirty="0" err="1">
+                <a:effectLst/>
+                <a:latin typeface="Consolas" panose="020B0609020204030204" pitchFamily="49" charset="0"/>
+              </a:rPr>
+              <a:t>hidden_dim_init</a:t>
+            </a:r>
+            <a:r>
+              <a:rPr lang="en-US" altLang="ja-JP" b="0" i="0" dirty="0">
+                <a:effectLst/>
+                <a:latin typeface="Consolas" panose="020B0609020204030204" pitchFamily="49" charset="0"/>
+              </a:rPr>
+              <a:t>': 4, '</a:t>
+            </a:r>
+            <a:r>
+              <a:rPr lang="en-US" altLang="ja-JP" b="0" i="0" dirty="0" err="1">
+                <a:effectLst/>
+                <a:latin typeface="Consolas" panose="020B0609020204030204" pitchFamily="49" charset="0"/>
+              </a:rPr>
+              <a:t>num_hidden_dims</a:t>
+            </a:r>
+            <a:r>
+              <a:rPr lang="en-US" altLang="ja-JP" b="0" i="0" dirty="0">
+                <a:effectLst/>
+                <a:latin typeface="Consolas" panose="020B0609020204030204" pitchFamily="49" charset="0"/>
+              </a:rPr>
+              <a:t>': 4, '</a:t>
+            </a:r>
+            <a:r>
+              <a:rPr lang="en-US" altLang="ja-JP" b="0" i="0" dirty="0" err="1">
+                <a:effectLst/>
+                <a:latin typeface="Consolas" panose="020B0609020204030204" pitchFamily="49" charset="0"/>
+              </a:rPr>
+              <a:t>hidden_dim_other</a:t>
+            </a:r>
+            <a:r>
+              <a:rPr lang="en-US" altLang="ja-JP" b="0" i="0" dirty="0">
+                <a:effectLst/>
+                <a:latin typeface="Consolas" panose="020B0609020204030204" pitchFamily="49" charset="0"/>
+              </a:rPr>
+              <a:t>’: </a:t>
+            </a:r>
+            <a:r>
+              <a:rPr lang="en-US" altLang="ja-JP" b="1" dirty="0">
+                <a:solidFill>
+                  <a:srgbClr val="FF0000"/>
+                </a:solidFill>
+                <a:latin typeface="Consolas" panose="020B0609020204030204" pitchFamily="49" charset="0"/>
+              </a:rPr>
+              <a:t>x</a:t>
+            </a:r>
+            <a:r>
+              <a:rPr lang="en-US" altLang="ja-JP" b="0" i="0" dirty="0">
+                <a:effectLst/>
+                <a:latin typeface="Consolas" panose="020B0609020204030204" pitchFamily="49" charset="0"/>
+              </a:rPr>
+              <a:t>, 'hidden_dim_other2’: </a:t>
+            </a:r>
+            <a:r>
+              <a:rPr lang="en-US" altLang="ja-JP" b="1" dirty="0">
+                <a:solidFill>
+                  <a:srgbClr val="FF0000"/>
+                </a:solidFill>
+                <a:latin typeface="Consolas" panose="020B0609020204030204" pitchFamily="49" charset="0"/>
+              </a:rPr>
+              <a:t>y</a:t>
+            </a:r>
+            <a:r>
+              <a:rPr lang="en-US" altLang="ja-JP" b="0" i="0" dirty="0">
+                <a:effectLst/>
+                <a:latin typeface="Consolas" panose="020B0609020204030204" pitchFamily="49" charset="0"/>
+              </a:rPr>
+              <a:t>, '</a:t>
+            </a:r>
+            <a:r>
+              <a:rPr lang="en-US" altLang="ja-JP" b="0" i="0" dirty="0" err="1">
+                <a:effectLst/>
+                <a:latin typeface="Consolas" panose="020B0609020204030204" pitchFamily="49" charset="0"/>
+              </a:rPr>
+              <a:t>learning_rate</a:t>
+            </a:r>
+            <a:r>
+              <a:rPr lang="en-US" altLang="ja-JP" b="0" i="0" dirty="0">
+                <a:effectLst/>
+                <a:latin typeface="Consolas" panose="020B0609020204030204" pitchFamily="49" charset="0"/>
+              </a:rPr>
+              <a:t>': 0.001, '</a:t>
+            </a:r>
+            <a:r>
+              <a:rPr lang="en-US" altLang="ja-JP" b="0" i="0" dirty="0" err="1">
+                <a:effectLst/>
+                <a:latin typeface="Consolas" panose="020B0609020204030204" pitchFamily="49" charset="0"/>
+              </a:rPr>
+              <a:t>hidden_dim_out</a:t>
+            </a:r>
+            <a:r>
+              <a:rPr lang="en-US" altLang="ja-JP" b="0" i="0" dirty="0">
+                <a:effectLst/>
+                <a:latin typeface="Consolas" panose="020B0609020204030204" pitchFamily="49" charset="0"/>
+              </a:rPr>
+              <a:t>': 50, 'hidden_dim_out2': 50, 'times': 5, '</a:t>
+            </a:r>
+            <a:r>
+              <a:rPr lang="en-US" altLang="ja-JP" b="0" i="0" dirty="0" err="1">
+                <a:effectLst/>
+                <a:latin typeface="Consolas" panose="020B0609020204030204" pitchFamily="49" charset="0"/>
+              </a:rPr>
+              <a:t>result_name</a:t>
+            </a:r>
+            <a:r>
+              <a:rPr lang="en-US" altLang="ja-JP" b="0" i="0" dirty="0">
+                <a:effectLst/>
+                <a:latin typeface="Consolas" panose="020B0609020204030204" pitchFamily="49" charset="0"/>
+              </a:rPr>
+              <a:t>': '</a:t>
+            </a:r>
+            <a:r>
+              <a:rPr lang="en-US" altLang="ja-JP" b="0" i="0" dirty="0" err="1">
+                <a:effectLst/>
+                <a:latin typeface="Consolas" panose="020B0609020204030204" pitchFamily="49" charset="0"/>
+              </a:rPr>
+              <a:t>pred_flux_brhc_swin_t_w_params_hidden_dim_other</a:t>
+            </a:r>
+            <a:r>
+              <a:rPr lang="en-US" altLang="ja-JP" b="0" i="0" dirty="0">
+                <a:effectLst/>
+                <a:latin typeface="Consolas" panose="020B0609020204030204" pitchFamily="49" charset="0"/>
+              </a:rPr>
+              <a:t>', '</a:t>
+            </a:r>
+            <a:r>
+              <a:rPr lang="en-US" altLang="ja-JP" b="0" i="0" dirty="0" err="1">
+                <a:effectLst/>
+                <a:latin typeface="Consolas" panose="020B0609020204030204" pitchFamily="49" charset="0"/>
+              </a:rPr>
+              <a:t>modelname</a:t>
+            </a:r>
+            <a:r>
+              <a:rPr lang="en-US" altLang="ja-JP" b="0" i="0" dirty="0">
+                <a:effectLst/>
+                <a:latin typeface="Consolas" panose="020B0609020204030204" pitchFamily="49" charset="0"/>
+              </a:rPr>
+              <a:t>': '</a:t>
+            </a:r>
+            <a:r>
+              <a:rPr lang="en-US" altLang="ja-JP" b="0" i="0" dirty="0" err="1">
+                <a:effectLst/>
+                <a:latin typeface="Consolas" panose="020B0609020204030204" pitchFamily="49" charset="0"/>
+              </a:rPr>
+              <a:t>swin_t</a:t>
+            </a:r>
+            <a:r>
+              <a:rPr lang="en-US" altLang="ja-JP" b="0" i="0" dirty="0">
+                <a:effectLst/>
+                <a:latin typeface="Consolas" panose="020B0609020204030204" pitchFamily="49" charset="0"/>
+              </a:rPr>
+              <a:t>', '</a:t>
+            </a:r>
+            <a:r>
+              <a:rPr lang="en-US" altLang="ja-JP" b="0" i="0" dirty="0" err="1">
+                <a:effectLst/>
+                <a:latin typeface="Consolas" panose="020B0609020204030204" pitchFamily="49" charset="0"/>
+              </a:rPr>
+              <a:t>typename</a:t>
+            </a:r>
+            <a:r>
+              <a:rPr lang="en-US" altLang="ja-JP" b="0" i="0" dirty="0">
+                <a:effectLst/>
+                <a:latin typeface="Consolas" panose="020B0609020204030204" pitchFamily="49" charset="0"/>
+              </a:rPr>
+              <a:t>': '</a:t>
+            </a:r>
+            <a:r>
+              <a:rPr lang="en-US" altLang="ja-JP" b="0" i="0" dirty="0" err="1">
+                <a:effectLst/>
+                <a:latin typeface="Consolas" panose="020B0609020204030204" pitchFamily="49" charset="0"/>
+              </a:rPr>
+              <a:t>transfer_learning</a:t>
+            </a:r>
+            <a:r>
+              <a:rPr lang="en-US" altLang="ja-JP" b="0" i="0" dirty="0">
+                <a:effectLst/>
+                <a:latin typeface="Consolas" panose="020B0609020204030204" pitchFamily="49" charset="0"/>
+              </a:rPr>
+              <a:t>', '</a:t>
+            </a:r>
+            <a:r>
+              <a:rPr lang="en-US" altLang="ja-JP" b="0" i="0" dirty="0" err="1">
+                <a:effectLst/>
+                <a:latin typeface="Consolas" panose="020B0609020204030204" pitchFamily="49" charset="0"/>
+              </a:rPr>
+              <a:t>pathmodel</a:t>
+            </a:r>
+            <a:r>
+              <a:rPr lang="en-US" altLang="ja-JP" b="0" i="0" dirty="0">
+                <a:effectLst/>
+                <a:latin typeface="Consolas" panose="020B0609020204030204" pitchFamily="49" charset="0"/>
+              </a:rPr>
+              <a:t>': None}</a:t>
+            </a:r>
+            <a:endParaRPr kumimoji="1" lang="ja-JP" altLang="en-US" dirty="0">
+              <a:latin typeface="メイリオ" panose="020B0604030504040204" pitchFamily="50" charset="-128"/>
+              <a:ea typeface="メイリオ" panose="020B0604030504040204" pitchFamily="50" charset="-128"/>
             </a:endParaRPr>
           </a:p>
-          <a:p>
-            <a:r>
-              <a:rPr lang="ja-JP" altLang="en-US" sz="2400" dirty="0">
-                <a:latin typeface="Consolas" panose="020B0609020204030204" pitchFamily="49" charset="0"/>
-              </a:rPr>
-              <a:t>各</a:t>
-            </a:r>
-            <a:r>
-              <a:rPr lang="en-US" altLang="ja-JP" sz="2400" b="0" i="0" dirty="0">
-                <a:effectLst/>
-                <a:latin typeface="Consolas" panose="020B0609020204030204" pitchFamily="49" charset="0"/>
-              </a:rPr>
-              <a:t>(10,20,30,40)</a:t>
-            </a:r>
-            <a:r>
-              <a:rPr lang="ja-JP" altLang="en-US" sz="2400" b="0" i="0" dirty="0">
-                <a:effectLst/>
-                <a:latin typeface="Consolas" panose="020B0609020204030204" pitchFamily="49" charset="0"/>
-              </a:rPr>
-              <a:t>⇒</a:t>
-            </a:r>
-            <a:r>
-              <a:rPr lang="en-US" altLang="ja-JP" sz="2400" b="0" i="0" dirty="0">
-                <a:effectLst/>
-                <a:latin typeface="Consolas" panose="020B0609020204030204" pitchFamily="49" charset="0"/>
-              </a:rPr>
-              <a:t>4^2=16</a:t>
-            </a:r>
-            <a:r>
-              <a:rPr lang="ja-JP" altLang="en-US" sz="2400" b="0" i="0" dirty="0">
-                <a:effectLst/>
-                <a:latin typeface="Consolas" panose="020B0609020204030204" pitchFamily="49" charset="0"/>
-              </a:rPr>
-              <a:t>通り</a:t>
-            </a:r>
-            <a:r>
-              <a:rPr lang="en-US" altLang="ja-JP" sz="2400" b="0" i="0" dirty="0">
-                <a:effectLst/>
-                <a:latin typeface="Consolas" panose="020B0609020204030204" pitchFamily="49" charset="0"/>
-              </a:rPr>
-              <a:t>×10times=160</a:t>
-            </a:r>
-            <a:r>
-              <a:rPr lang="ja-JP" altLang="en-US" sz="2400" b="0" i="0" dirty="0">
-                <a:effectLst/>
-                <a:latin typeface="Consolas" panose="020B0609020204030204" pitchFamily="49" charset="0"/>
-              </a:rPr>
-              <a:t>回</a:t>
-            </a:r>
-            <a:endParaRPr lang="en-US" altLang="ja-JP" sz="2400" b="0" i="0" dirty="0">
-              <a:effectLst/>
-              <a:latin typeface="Consolas" panose="020B0609020204030204" pitchFamily="49" charset="0"/>
-            </a:endParaRPr>
-          </a:p>
-          <a:p>
-            <a:endParaRPr lang="en-US" altLang="ja-JP" sz="2400" dirty="0">
-              <a:latin typeface="Consolas" panose="020B0609020204030204" pitchFamily="49" charset="0"/>
-            </a:endParaRPr>
-          </a:p>
-          <a:p>
-            <a:r>
-              <a:rPr lang="ja-JP" altLang="en-US" sz="2400" b="0" i="0" dirty="0">
-                <a:effectLst/>
-                <a:latin typeface="Consolas" panose="020B0609020204030204" pitchFamily="49" charset="0"/>
-              </a:rPr>
-              <a:t>他</a:t>
-            </a:r>
-            <a:r>
-              <a:rPr lang="en-US" altLang="ja-JP" sz="2400" b="0" i="0" dirty="0">
+        </p:txBody>
+      </p:sp>
+      <p:sp>
+        <p:nvSpPr>
+          <p:cNvPr id="5" name="テキスト ボックス 4">
+            <a:extLst>
+              <a:ext uri="{FF2B5EF4-FFF2-40B4-BE49-F238E27FC236}">
+                <a16:creationId xmlns:a16="http://schemas.microsoft.com/office/drawing/2014/main" id="{1DC5232A-7672-589E-830D-A7C5E40C4D6D}"/>
+              </a:ext>
+            </a:extLst>
+          </p:cNvPr>
+          <p:cNvSpPr txBox="1"/>
+          <p:nvPr/>
+        </p:nvSpPr>
+        <p:spPr>
+          <a:xfrm>
+            <a:off x="733225" y="4630270"/>
+            <a:ext cx="10903120" cy="1477328"/>
+          </a:xfrm>
+          <a:prstGeom prst="rect">
+            <a:avLst/>
+          </a:prstGeom>
+          <a:noFill/>
+          <a:ln>
+            <a:noFill/>
+          </a:ln>
+        </p:spPr>
+        <p:txBody>
+          <a:bodyPr wrap="square" rtlCol="0">
+            <a:spAutoFit/>
+          </a:bodyPr>
+          <a:lstStyle/>
+          <a:p>
+            <a:r>
+              <a:rPr lang="en-US" altLang="ja-JP" b="0" i="0" dirty="0">
                 <a:effectLst/>
                 <a:latin typeface="Consolas" panose="020B0609020204030204" pitchFamily="49" charset="0"/>
               </a:rPr>
               <a:t>{'</a:t>
             </a:r>
             <a:r>
-              <a:rPr lang="en-US" altLang="ja-JP" sz="2400" b="0" i="0" dirty="0" err="1">
+              <a:rPr lang="en-US" altLang="ja-JP" b="0" i="0" dirty="0" err="1">
                 <a:effectLst/>
                 <a:latin typeface="Consolas" panose="020B0609020204030204" pitchFamily="49" charset="0"/>
               </a:rPr>
               <a:t>batch_size</a:t>
             </a:r>
             <a:r>
-              <a:rPr lang="en-US" altLang="ja-JP" sz="2400" b="0" i="0" dirty="0">
-                <a:effectLst/>
-                <a:latin typeface="Consolas" panose="020B0609020204030204" pitchFamily="49" charset="0"/>
-              </a:rPr>
-              <a:t>': 128, 'epochs’: 100, '</a:t>
-            </a:r>
-            <a:r>
-              <a:rPr lang="en-US" altLang="ja-JP" sz="2400" b="0" i="0" dirty="0" err="1">
+              <a:rPr lang="en-US" altLang="ja-JP" b="0" i="0" dirty="0">
+                <a:effectLst/>
+                <a:latin typeface="Consolas" panose="020B0609020204030204" pitchFamily="49" charset="0"/>
+              </a:rPr>
+              <a:t>': 128, '</a:t>
+            </a:r>
+            <a:r>
+              <a:rPr lang="en-US" altLang="ja-JP" b="0" i="0" dirty="0" err="1">
+                <a:effectLst/>
+                <a:latin typeface="Consolas" panose="020B0609020204030204" pitchFamily="49" charset="0"/>
+              </a:rPr>
+              <a:t>epochs_check</a:t>
+            </a:r>
+            <a:r>
+              <a:rPr lang="en-US" altLang="ja-JP" b="0" i="0" dirty="0">
+                <a:effectLst/>
+                <a:latin typeface="Consolas" panose="020B0609020204030204" pitchFamily="49" charset="0"/>
+              </a:rPr>
+              <a:t>': 100, '</a:t>
+            </a:r>
+            <a:r>
+              <a:rPr lang="en-US" altLang="ja-JP" b="0" i="0" dirty="0" err="1">
                 <a:effectLst/>
                 <a:latin typeface="Consolas" panose="020B0609020204030204" pitchFamily="49" charset="0"/>
               </a:rPr>
               <a:t>save_every</a:t>
             </a:r>
             <a:r>
-              <a:rPr lang="en-US" altLang="ja-JP" sz="2400" b="0" i="0" dirty="0">
-                <a:effectLst/>
-                <a:latin typeface="Consolas" panose="020B0609020204030204" pitchFamily="49" charset="0"/>
-              </a:rPr>
-              <a:t>’: 50, '</a:t>
-            </a:r>
-            <a:r>
-              <a:rPr lang="en-US" altLang="ja-JP" sz="2400" b="0" i="0" dirty="0" err="1">
+              <a:rPr lang="en-US" altLang="ja-JP" b="0" i="0" dirty="0">
+                <a:effectLst/>
+                <a:latin typeface="Consolas" panose="020B0609020204030204" pitchFamily="49" charset="0"/>
+              </a:rPr>
+              <a:t>': 10, '</a:t>
+            </a:r>
+            <a:r>
+              <a:rPr lang="en-US" altLang="ja-JP" b="0" i="0" dirty="0" err="1">
+                <a:effectLst/>
+                <a:latin typeface="Consolas" panose="020B0609020204030204" pitchFamily="49" charset="0"/>
+              </a:rPr>
+              <a:t>hidden_dim_init</a:t>
+            </a:r>
+            <a:r>
+              <a:rPr lang="en-US" altLang="ja-JP" b="0" i="0" dirty="0">
+                <a:effectLst/>
+                <a:latin typeface="Consolas" panose="020B0609020204030204" pitchFamily="49" charset="0"/>
+              </a:rPr>
+              <a:t>': 8, '</a:t>
+            </a:r>
+            <a:r>
+              <a:rPr lang="en-US" altLang="ja-JP" b="0" i="0" dirty="0" err="1">
+                <a:effectLst/>
+                <a:latin typeface="Consolas" panose="020B0609020204030204" pitchFamily="49" charset="0"/>
+              </a:rPr>
+              <a:t>num_hidden_dims</a:t>
+            </a:r>
+            <a:r>
+              <a:rPr lang="en-US" altLang="ja-JP" b="0" i="0" dirty="0">
+                <a:effectLst/>
+                <a:latin typeface="Consolas" panose="020B0609020204030204" pitchFamily="49" charset="0"/>
+              </a:rPr>
+              <a:t>': 2, '</a:t>
+            </a:r>
+            <a:r>
+              <a:rPr lang="en-US" altLang="ja-JP" b="0" i="0" dirty="0" err="1">
+                <a:effectLst/>
+                <a:latin typeface="Consolas" panose="020B0609020204030204" pitchFamily="49" charset="0"/>
+              </a:rPr>
+              <a:t>hidden_dim_other</a:t>
+            </a:r>
+            <a:r>
+              <a:rPr lang="en-US" altLang="ja-JP" b="0" i="0" dirty="0">
+                <a:effectLst/>
+                <a:latin typeface="Consolas" panose="020B0609020204030204" pitchFamily="49" charset="0"/>
+              </a:rPr>
+              <a:t>': </a:t>
+            </a:r>
+            <a:r>
+              <a:rPr lang="en-US" altLang="ja-JP" b="1" dirty="0">
+                <a:solidFill>
+                  <a:srgbClr val="FF0000"/>
+                </a:solidFill>
+                <a:latin typeface="Consolas" panose="020B0609020204030204" pitchFamily="49" charset="0"/>
+              </a:rPr>
+              <a:t>x</a:t>
+            </a:r>
+            <a:r>
+              <a:rPr lang="en-US" altLang="ja-JP" b="0" i="0" dirty="0">
+                <a:effectLst/>
+                <a:latin typeface="Consolas" panose="020B0609020204030204" pitchFamily="49" charset="0"/>
+              </a:rPr>
+              <a:t>, 'hidden_dim_other2’: </a:t>
+            </a:r>
+            <a:r>
+              <a:rPr lang="en-US" altLang="ja-JP" b="1" dirty="0">
+                <a:solidFill>
+                  <a:srgbClr val="FF0000"/>
+                </a:solidFill>
+                <a:latin typeface="Consolas" panose="020B0609020204030204" pitchFamily="49" charset="0"/>
+              </a:rPr>
+              <a:t>y</a:t>
+            </a:r>
+            <a:r>
+              <a:rPr lang="en-US" altLang="ja-JP" b="0" i="0" dirty="0">
+                <a:effectLst/>
+                <a:latin typeface="Consolas" panose="020B0609020204030204" pitchFamily="49" charset="0"/>
+              </a:rPr>
+              <a:t>, '</a:t>
+            </a:r>
+            <a:r>
+              <a:rPr lang="en-US" altLang="ja-JP" b="0" i="0" dirty="0" err="1">
+                <a:effectLst/>
+                <a:latin typeface="Consolas" panose="020B0609020204030204" pitchFamily="49" charset="0"/>
+              </a:rPr>
+              <a:t>learning_rate</a:t>
+            </a:r>
+            <a:r>
+              <a:rPr lang="en-US" altLang="ja-JP" b="0" i="0" dirty="0">
+                <a:effectLst/>
+                <a:latin typeface="Consolas" panose="020B0609020204030204" pitchFamily="49" charset="0"/>
+              </a:rPr>
+              <a:t>': 0.006325, '</a:t>
+            </a:r>
+            <a:r>
+              <a:rPr lang="en-US" altLang="ja-JP" b="0" i="0" dirty="0" err="1">
+                <a:effectLst/>
+                <a:latin typeface="Consolas" panose="020B0609020204030204" pitchFamily="49" charset="0"/>
+              </a:rPr>
+              <a:t>hidden_dim_out</a:t>
+            </a:r>
+            <a:r>
+              <a:rPr lang="en-US" altLang="ja-JP" b="0" i="0" dirty="0">
+                <a:effectLst/>
+                <a:latin typeface="Consolas" panose="020B0609020204030204" pitchFamily="49" charset="0"/>
+              </a:rPr>
+              <a:t>': 50, 'hidden_dim_out2': 50, 'times': 5, '</a:t>
+            </a:r>
+            <a:r>
+              <a:rPr lang="en-US" altLang="ja-JP" b="0" i="0" dirty="0" err="1">
                 <a:effectLst/>
                 <a:latin typeface="Consolas" panose="020B0609020204030204" pitchFamily="49" charset="0"/>
               </a:rPr>
               <a:t>result_name</a:t>
             </a:r>
             <a:r>
-              <a:rPr lang="en-US" altLang="ja-JP" sz="2400" b="0" i="0" dirty="0">
-                <a:effectLst/>
-                <a:latin typeface="Consolas" panose="020B0609020204030204" pitchFamily="49" charset="0"/>
-              </a:rPr>
-              <a:t>': 'ironloss_2DVNabla_swin_t_aft_cat_dim', '</a:t>
-            </a:r>
-            <a:r>
-              <a:rPr lang="en-US" altLang="ja-JP" sz="2400" b="0" i="0" dirty="0" err="1">
+              <a:rPr lang="en-US" altLang="ja-JP" b="0" i="0" dirty="0">
+                <a:effectLst/>
+                <a:latin typeface="Consolas" panose="020B0609020204030204" pitchFamily="49" charset="0"/>
+              </a:rPr>
+              <a:t>': '</a:t>
+            </a:r>
+            <a:r>
+              <a:rPr lang="en-US" altLang="ja-JP" b="0" i="0" dirty="0" err="1">
+                <a:effectLst/>
+                <a:latin typeface="Consolas" panose="020B0609020204030204" pitchFamily="49" charset="0"/>
+              </a:rPr>
+              <a:t>pred_ironloss_brhc_swin_t_w_params_hidden_dim_other</a:t>
+            </a:r>
+            <a:r>
+              <a:rPr lang="en-US" altLang="ja-JP" b="0" i="0" dirty="0">
+                <a:effectLst/>
+                <a:latin typeface="Consolas" panose="020B0609020204030204" pitchFamily="49" charset="0"/>
+              </a:rPr>
+              <a:t>', '</a:t>
+            </a:r>
+            <a:r>
+              <a:rPr lang="en-US" altLang="ja-JP" b="0" i="0" dirty="0" err="1">
                 <a:effectLst/>
                 <a:latin typeface="Consolas" panose="020B0609020204030204" pitchFamily="49" charset="0"/>
               </a:rPr>
               <a:t>modelname</a:t>
             </a:r>
             <a:r>
-              <a:rPr lang="en-US" altLang="ja-JP" sz="2400" b="0" i="0" dirty="0">
+              <a:rPr lang="en-US" altLang="ja-JP" b="0" i="0" dirty="0">
                 <a:effectLst/>
                 <a:latin typeface="Consolas" panose="020B0609020204030204" pitchFamily="49" charset="0"/>
               </a:rPr>
               <a:t>': '</a:t>
             </a:r>
             <a:r>
-              <a:rPr lang="en-US" altLang="ja-JP" sz="2400" b="0" i="0" dirty="0" err="1">
+              <a:rPr lang="en-US" altLang="ja-JP" b="0" i="0" dirty="0" err="1">
                 <a:effectLst/>
                 <a:latin typeface="Consolas" panose="020B0609020204030204" pitchFamily="49" charset="0"/>
               </a:rPr>
               <a:t>swin_t</a:t>
             </a:r>
             <a:r>
-              <a:rPr lang="en-US" altLang="ja-JP" sz="2400" b="0" i="0" dirty="0">
+              <a:rPr lang="en-US" altLang="ja-JP" b="0" i="0" dirty="0">
                 <a:effectLst/>
                 <a:latin typeface="Consolas" panose="020B0609020204030204" pitchFamily="49" charset="0"/>
               </a:rPr>
               <a:t>', '</a:t>
             </a:r>
             <a:r>
-              <a:rPr lang="en-US" altLang="ja-JP" sz="2400" b="0" i="0" dirty="0" err="1">
+              <a:rPr lang="en-US" altLang="ja-JP" b="0" i="0" dirty="0" err="1">
                 <a:effectLst/>
                 <a:latin typeface="Consolas" panose="020B0609020204030204" pitchFamily="49" charset="0"/>
               </a:rPr>
               <a:t>typename</a:t>
             </a:r>
             <a:r>
-              <a:rPr lang="en-US" altLang="ja-JP" sz="2400" b="0" i="0" dirty="0">
+              <a:rPr lang="en-US" altLang="ja-JP" b="0" i="0" dirty="0">
                 <a:effectLst/>
                 <a:latin typeface="Consolas" panose="020B0609020204030204" pitchFamily="49" charset="0"/>
               </a:rPr>
               <a:t>': '</a:t>
             </a:r>
             <a:r>
-              <a:rPr lang="en-US" altLang="ja-JP" sz="2400" b="0" i="0" dirty="0" err="1">
+              <a:rPr lang="en-US" altLang="ja-JP" b="0" i="0" dirty="0" err="1">
                 <a:effectLst/>
                 <a:latin typeface="Consolas" panose="020B0609020204030204" pitchFamily="49" charset="0"/>
               </a:rPr>
               <a:t>transfer_learning</a:t>
             </a:r>
             <a:r>
-              <a:rPr lang="en-US" altLang="ja-JP" sz="2400" b="0" i="0" dirty="0">
-                <a:effectLst/>
-                <a:latin typeface="Consolas" panose="020B0609020204030204" pitchFamily="49" charset="0"/>
-              </a:rPr>
-              <a:t>'}</a:t>
-            </a:r>
-          </a:p>
-          <a:p>
-            <a:r>
-              <a:rPr lang="en-US" altLang="ja-JP" sz="2400" b="0" i="0" dirty="0">
-                <a:effectLst/>
-                <a:latin typeface="Consolas" panose="020B0609020204030204" pitchFamily="49" charset="0"/>
-              </a:rPr>
-              <a:t>{'</a:t>
-            </a:r>
-            <a:r>
-              <a:rPr lang="en-US" altLang="ja-JP" sz="2400" b="0" i="0" dirty="0" err="1">
-                <a:effectLst/>
-                <a:latin typeface="Consolas" panose="020B0609020204030204" pitchFamily="49" charset="0"/>
-              </a:rPr>
-              <a:t>hidden_dim_init</a:t>
-            </a:r>
-            <a:r>
-              <a:rPr lang="en-US" altLang="ja-JP" sz="2400" b="0" i="0" dirty="0">
-                <a:effectLst/>
-                <a:latin typeface="Consolas" panose="020B0609020204030204" pitchFamily="49" charset="0"/>
-              </a:rPr>
-              <a:t>': </a:t>
-            </a:r>
-            <a:r>
-              <a:rPr lang="en-US" altLang="ja-JP" sz="2400" b="1" i="0" dirty="0">
-                <a:effectLst/>
-                <a:latin typeface="Consolas" panose="020B0609020204030204" pitchFamily="49" charset="0"/>
-              </a:rPr>
-              <a:t>8</a:t>
-            </a:r>
-            <a:r>
-              <a:rPr lang="en-US" altLang="ja-JP" sz="2400" b="0" i="0" dirty="0">
-                <a:effectLst/>
-                <a:latin typeface="Consolas" panose="020B0609020204030204" pitchFamily="49" charset="0"/>
-              </a:rPr>
-              <a:t>, '</a:t>
-            </a:r>
-            <a:r>
-              <a:rPr lang="en-US" altLang="ja-JP" sz="2400" b="0" i="0" dirty="0" err="1">
-                <a:effectLst/>
-                <a:latin typeface="Consolas" panose="020B0609020204030204" pitchFamily="49" charset="0"/>
-              </a:rPr>
-              <a:t>num_hidden_dims</a:t>
-            </a:r>
-            <a:r>
-              <a:rPr lang="en-US" altLang="ja-JP" sz="2400" b="0" i="0" dirty="0">
-                <a:effectLst/>
-                <a:latin typeface="Consolas" panose="020B0609020204030204" pitchFamily="49" charset="0"/>
-              </a:rPr>
-              <a:t>': 2, '</a:t>
-            </a:r>
-            <a:r>
-              <a:rPr lang="en-US" altLang="ja-JP" sz="2400" b="0" i="0" dirty="0" err="1">
-                <a:effectLst/>
-                <a:latin typeface="Consolas" panose="020B0609020204030204" pitchFamily="49" charset="0"/>
-              </a:rPr>
-              <a:t>hidden_dim_out</a:t>
-            </a:r>
-            <a:r>
-              <a:rPr lang="en-US" altLang="ja-JP" sz="2400" b="0" i="0" dirty="0">
-                <a:effectLst/>
-                <a:latin typeface="Consolas" panose="020B0609020204030204" pitchFamily="49" charset="0"/>
-              </a:rPr>
-              <a:t>’: 50, '</a:t>
-            </a:r>
-            <a:r>
-              <a:rPr lang="en-US" altLang="ja-JP" sz="2400" b="0" i="0" dirty="0" err="1">
-                <a:effectLst/>
-                <a:latin typeface="Consolas" panose="020B0609020204030204" pitchFamily="49" charset="0"/>
-              </a:rPr>
-              <a:t>hidden_dim_other</a:t>
-            </a:r>
-            <a:r>
-              <a:rPr lang="en-US" altLang="ja-JP" sz="2400" b="0" i="0" dirty="0">
-                <a:effectLst/>
-                <a:latin typeface="Consolas" panose="020B0609020204030204" pitchFamily="49" charset="0"/>
-              </a:rPr>
-              <a:t>’: </a:t>
-            </a:r>
-            <a:r>
-              <a:rPr lang="en-US" altLang="ja-JP" sz="2400" b="1" i="0" dirty="0">
-                <a:solidFill>
-                  <a:srgbClr val="C00000"/>
-                </a:solidFill>
-                <a:effectLst/>
-                <a:latin typeface="Consolas" panose="020B0609020204030204" pitchFamily="49" charset="0"/>
-              </a:rPr>
-              <a:t>xx</a:t>
-            </a:r>
-            <a:r>
-              <a:rPr lang="en-US" altLang="ja-JP" sz="2400" b="0" i="0" dirty="0">
-                <a:effectLst/>
-                <a:latin typeface="Consolas" panose="020B0609020204030204" pitchFamily="49" charset="0"/>
-              </a:rPr>
-              <a:t>, 'hidden_dim_out2’: 50, 'hidden_dim_other2’: </a:t>
-            </a:r>
-            <a:r>
-              <a:rPr lang="en-US" altLang="ja-JP" sz="2400" b="1" i="0" dirty="0">
-                <a:solidFill>
-                  <a:srgbClr val="C00000"/>
-                </a:solidFill>
-                <a:effectLst/>
-                <a:latin typeface="Consolas" panose="020B0609020204030204" pitchFamily="49" charset="0"/>
-              </a:rPr>
-              <a:t>xx</a:t>
-            </a:r>
-            <a:r>
-              <a:rPr lang="en-US" altLang="ja-JP" sz="2400" b="0" i="0" dirty="0">
-                <a:effectLst/>
-                <a:latin typeface="Consolas" panose="020B0609020204030204" pitchFamily="49" charset="0"/>
-              </a:rPr>
-              <a:t>, '</a:t>
-            </a:r>
-            <a:r>
-              <a:rPr lang="en-US" altLang="ja-JP" sz="2400" b="0" i="0" dirty="0" err="1">
-                <a:effectLst/>
-                <a:latin typeface="Consolas" panose="020B0609020204030204" pitchFamily="49" charset="0"/>
-              </a:rPr>
-              <a:t>learning_rate</a:t>
-            </a:r>
-            <a:r>
-              <a:rPr lang="en-US" altLang="ja-JP" sz="2400" b="0" i="0" dirty="0">
-                <a:effectLst/>
-                <a:latin typeface="Consolas" panose="020B0609020204030204" pitchFamily="49" charset="0"/>
-              </a:rPr>
-              <a:t>': 0.0004}</a:t>
-            </a:r>
-          </a:p>
-          <a:p>
-            <a:endParaRPr lang="en-US" altLang="ja-JP" sz="2400" b="0" i="0" dirty="0">
-              <a:effectLst/>
-              <a:latin typeface="Consolas" panose="020B0609020204030204" pitchFamily="49" charset="0"/>
-            </a:endParaRPr>
-          </a:p>
-          <a:p>
-            <a:endParaRPr lang="en-US" altLang="ja-JP" sz="2400" dirty="0">
-              <a:latin typeface="Consolas" panose="020B0609020204030204" pitchFamily="49" charset="0"/>
-            </a:endParaRPr>
-          </a:p>
-          <a:p>
-            <a:r>
-              <a:rPr lang="en-US" altLang="ja-JP" sz="2400" dirty="0">
-                <a:latin typeface="Consolas" panose="020B0609020204030204" pitchFamily="49" charset="0"/>
-              </a:rPr>
-              <a:t>ironloss_2DVNabla_prediction_w_params_comp_aft_cat_dim.py</a:t>
-            </a:r>
-          </a:p>
-          <a:p>
-            <a:endParaRPr lang="en-US" altLang="ja-JP" sz="2400" b="0" i="0" dirty="0">
-              <a:effectLst/>
-              <a:latin typeface="Consolas" panose="020B0609020204030204" pitchFamily="49" charset="0"/>
+              <a:rPr lang="en-US" altLang="ja-JP" b="0" i="0" dirty="0">
+                <a:effectLst/>
+                <a:latin typeface="Consolas" panose="020B0609020204030204" pitchFamily="49" charset="0"/>
+              </a:rPr>
+              <a:t>', '</a:t>
+            </a:r>
+            <a:r>
+              <a:rPr lang="en-US" altLang="ja-JP" b="0" i="0" dirty="0" err="1">
+                <a:effectLst/>
+                <a:latin typeface="Consolas" panose="020B0609020204030204" pitchFamily="49" charset="0"/>
+              </a:rPr>
+              <a:t>pathmodel</a:t>
+            </a:r>
+            <a:r>
+              <a:rPr lang="en-US" altLang="ja-JP" b="0" i="0" dirty="0">
+                <a:effectLst/>
+                <a:latin typeface="Consolas" panose="020B0609020204030204" pitchFamily="49" charset="0"/>
+              </a:rPr>
+              <a:t>': None}</a:t>
+            </a:r>
+            <a:endParaRPr kumimoji="1" lang="en-US" altLang="ja-JP" dirty="0">
+              <a:latin typeface="メイリオ" panose="020B0604030504040204" pitchFamily="50" charset="-128"/>
+              <a:ea typeface="メイリオ" panose="020B0604030504040204" pitchFamily="50" charset="-128"/>
             </a:endParaRPr>
           </a:p>
         </p:txBody>
@@ -12635,7 +9034,7 @@
     </p:spTree>
     <p:extLst>
       <p:ext uri="{BB962C8B-B14F-4D97-AF65-F5344CB8AC3E}">
-        <p14:creationId xmlns:p14="http://schemas.microsoft.com/office/powerpoint/2010/main" val="418426161"/>
+        <p14:creationId xmlns:p14="http://schemas.microsoft.com/office/powerpoint/2010/main" val="629488244"/>
       </p:ext>
     </p:extLst>
   </p:cSld>
@@ -12664,10 +9063,10 @@
       </p:grpSpPr>
       <p:sp>
         <p:nvSpPr>
-          <p:cNvPr id="43" name="テキスト ボックス 42">
-            <a:extLst>
-              <a:ext uri="{FF2B5EF4-FFF2-40B4-BE49-F238E27FC236}">
-                <a16:creationId xmlns:a16="http://schemas.microsoft.com/office/drawing/2014/main" id="{A7AC58E8-EF9E-C324-5A64-1DBE8DBAEEB2}"/>
+          <p:cNvPr id="50" name="テキスト ボックス 49">
+            <a:extLst>
+              <a:ext uri="{FF2B5EF4-FFF2-40B4-BE49-F238E27FC236}">
+                <a16:creationId xmlns:a16="http://schemas.microsoft.com/office/drawing/2014/main" id="{AB73847C-B6D7-D5A1-5008-32636513464B}"/>
               </a:ext>
             </a:extLst>
           </p:cNvPr>
@@ -12676,8 +9075,8 @@
         </p:nvSpPr>
         <p:spPr>
           <a:xfrm>
-            <a:off x="267030" y="268255"/>
-            <a:ext cx="11153243" cy="830997"/>
+            <a:off x="401453" y="211599"/>
+            <a:ext cx="7581900" cy="461665"/>
           </a:xfrm>
           <a:prstGeom prst="rect">
             <a:avLst/>
@@ -12694,133 +9093,39 @@
           <a:lstStyle/>
           <a:p>
             <a:r>
-              <a:rPr lang="en-US" altLang="ja-JP" sz="2400" b="1" dirty="0">
+              <a:rPr lang="en-US" altLang="ja-JP" sz="2400" dirty="0">
                 <a:latin typeface="メイリオ" panose="020B0604030504040204" pitchFamily="50" charset="-128"/>
                 <a:ea typeface="メイリオ" panose="020B0604030504040204" pitchFamily="50" charset="-128"/>
               </a:rPr>
-              <a:t>2. MLP</a:t>
-            </a:r>
-            <a:r>
-              <a:rPr lang="ja-JP" altLang="en-US" sz="2400" b="1" dirty="0">
+              <a:t>MLP</a:t>
+            </a:r>
+            <a:r>
+              <a:rPr lang="ja-JP" altLang="en-US" sz="2400" dirty="0">
                 <a:latin typeface="メイリオ" panose="020B0604030504040204" pitchFamily="50" charset="-128"/>
                 <a:ea typeface="メイリオ" panose="020B0604030504040204" pitchFamily="50" charset="-128"/>
               </a:rPr>
-              <a:t>の次元、</a:t>
-            </a:r>
-            <a:r>
-              <a:rPr lang="en-US" altLang="ja-JP" sz="2400" b="1" dirty="0">
+              <a:t>入力層の次元：</a:t>
+            </a:r>
+            <a:r>
+              <a:rPr lang="en-US" altLang="ja-JP" sz="2400" dirty="0">
                 <a:latin typeface="メイリオ" panose="020B0604030504040204" pitchFamily="50" charset="-128"/>
                 <a:ea typeface="メイリオ" panose="020B0604030504040204" pitchFamily="50" charset="-128"/>
               </a:rPr>
-              <a:t>We</a:t>
-            </a:r>
-            <a:r>
-              <a:rPr lang="ja-JP" altLang="en-US" sz="2400" b="1" dirty="0">
-                <a:latin typeface="メイリオ" panose="020B0604030504040204" pitchFamily="50" charset="-128"/>
-                <a:ea typeface="メイリオ" panose="020B0604030504040204" pitchFamily="50" charset="-128"/>
-              </a:rPr>
-              <a:t>と</a:t>
-            </a:r>
-            <a:r>
-              <a:rPr lang="en-US" altLang="ja-JP" sz="2400" b="1" dirty="0" err="1">
-                <a:latin typeface="メイリオ" panose="020B0604030504040204" pitchFamily="50" charset="-128"/>
-                <a:ea typeface="メイリオ" panose="020B0604030504040204" pitchFamily="50" charset="-128"/>
-              </a:rPr>
-              <a:t>Wh</a:t>
-            </a:r>
-            <a:r>
-              <a:rPr lang="ja-JP" altLang="en-US" sz="2400" b="1" dirty="0">
-                <a:latin typeface="メイリオ" panose="020B0604030504040204" pitchFamily="50" charset="-128"/>
-                <a:ea typeface="メイリオ" panose="020B0604030504040204" pitchFamily="50" charset="-128"/>
-              </a:rPr>
-              <a:t>でｸﾛﾊﾞﾘ　結果　</a:t>
-            </a:r>
-            <a:r>
-              <a:rPr lang="en-US" altLang="ja-JP" sz="2400" b="1" dirty="0">
-                <a:latin typeface="メイリオ" panose="020B0604030504040204" pitchFamily="50" charset="-128"/>
-                <a:ea typeface="メイリオ" panose="020B0604030504040204" pitchFamily="50" charset="-128"/>
-              </a:rPr>
-              <a:t>epoch=100(better than 50)</a:t>
-            </a:r>
-            <a:endParaRPr lang="ja-JP" altLang="en-US" sz="2400" b="1" dirty="0">
+              <a:t>[]</a:t>
+            </a:r>
+            <a:endParaRPr kumimoji="1" lang="ja-JP" altLang="en-US" sz="2400" dirty="0">
               <a:latin typeface="メイリオ" panose="020B0604030504040204" pitchFamily="50" charset="-128"/>
               <a:ea typeface="メイリオ" panose="020B0604030504040204" pitchFamily="50" charset="-128"/>
             </a:endParaRPr>
           </a:p>
-          <a:p>
-            <a:endParaRPr lang="en-US" altLang="ja-JP" sz="2400" b="0" i="0" dirty="0">
-              <a:effectLst/>
-              <a:latin typeface="Consolas" panose="020B0609020204030204" pitchFamily="49" charset="0"/>
-            </a:endParaRPr>
-          </a:p>
-        </p:txBody>
-      </p:sp>
-      <p:pic>
-        <p:nvPicPr>
-          <p:cNvPr id="2" name="図 1">
-            <a:extLst>
-              <a:ext uri="{FF2B5EF4-FFF2-40B4-BE49-F238E27FC236}">
-                <a16:creationId xmlns:a16="http://schemas.microsoft.com/office/drawing/2014/main" id="{08002212-9A40-1A69-9742-F265DC0D2B53}"/>
-              </a:ext>
-            </a:extLst>
-          </p:cNvPr>
-          <p:cNvPicPr>
-            <a:picLocks noChangeAspect="1"/>
-          </p:cNvPicPr>
-          <p:nvPr/>
-        </p:nvPicPr>
-        <p:blipFill>
-          <a:blip r:embed="rId2"/>
-          <a:stretch>
-            <a:fillRect/>
-          </a:stretch>
-        </p:blipFill>
-        <p:spPr>
-          <a:xfrm>
-            <a:off x="240324" y="3604565"/>
-            <a:ext cx="6465276" cy="1902131"/>
-          </a:xfrm>
-          <a:prstGeom prst="rect">
-            <a:avLst/>
-          </a:prstGeom>
-        </p:spPr>
-      </p:pic>
-      <p:pic>
-        <p:nvPicPr>
-          <p:cNvPr id="3" name="図 2">
-            <a:extLst>
-              <a:ext uri="{FF2B5EF4-FFF2-40B4-BE49-F238E27FC236}">
-                <a16:creationId xmlns:a16="http://schemas.microsoft.com/office/drawing/2014/main" id="{80281443-D686-F26C-0194-61FCCF584F58}"/>
-              </a:ext>
-            </a:extLst>
-          </p:cNvPr>
-          <p:cNvPicPr>
-            <a:picLocks noChangeAspect="1"/>
-          </p:cNvPicPr>
-          <p:nvPr/>
-        </p:nvPicPr>
-        <p:blipFill>
-          <a:blip r:embed="rId3"/>
-          <a:stretch>
-            <a:fillRect/>
-          </a:stretch>
-        </p:blipFill>
-        <p:spPr>
-          <a:xfrm>
-            <a:off x="209739" y="1226901"/>
-            <a:ext cx="6465277" cy="1902131"/>
-          </a:xfrm>
-          <a:prstGeom prst="rect">
-            <a:avLst/>
-          </a:prstGeom>
-        </p:spPr>
-      </p:pic>
-      <p:sp>
-        <p:nvSpPr>
-          <p:cNvPr id="4" name="テキスト ボックス 3">
-            <a:extLst>
-              <a:ext uri="{FF2B5EF4-FFF2-40B4-BE49-F238E27FC236}">
-                <a16:creationId xmlns:a16="http://schemas.microsoft.com/office/drawing/2014/main" id="{95CFD041-FC69-5ADA-2797-A960BE338D83}"/>
+        </p:txBody>
+      </p:sp>
+      <p:sp>
+        <p:nvSpPr>
+          <p:cNvPr id="2" name="テキスト ボックス 1">
+            <a:extLst>
+              <a:ext uri="{FF2B5EF4-FFF2-40B4-BE49-F238E27FC236}">
+                <a16:creationId xmlns:a16="http://schemas.microsoft.com/office/drawing/2014/main" id="{30CDFC66-C0C4-2046-841A-6C9C40239373}"/>
               </a:ext>
             </a:extLst>
           </p:cNvPr>
@@ -12829,94 +9134,8 @@
         </p:nvSpPr>
         <p:spPr>
           <a:xfrm>
-            <a:off x="730379" y="3077213"/>
-            <a:ext cx="11468204" cy="230832"/>
-          </a:xfrm>
-          <a:prstGeom prst="rect">
-            <a:avLst/>
-          </a:prstGeom>
-          <a:noFill/>
-        </p:spPr>
-        <p:txBody>
-          <a:bodyPr wrap="none" rtlCol="0">
-            <a:spAutoFit/>
-          </a:bodyPr>
-          <a:lstStyle/>
-          <a:p>
-            <a:r>
-              <a:rPr lang="pt-BR" altLang="ja-JP" sz="900" b="0" i="0" dirty="0">
-                <a:effectLst/>
-                <a:latin typeface="メイリオ" panose="020B0604030504040204" pitchFamily="50" charset="-128"/>
-                <a:ea typeface="メイリオ" panose="020B0604030504040204" pitchFamily="50" charset="-128"/>
-              </a:rPr>
-              <a:t>'dim10_10', 'dim10_20', 'dim10_30', 'dim10_40', 'dim20_10', 'dim20_20', 'dim20_30', 'dim20_40', 'dim30_10', 'dim30_20', 'dim30_30', 'dim30_40', 'dim40_10', 'dim40_20', 'dim40_30', 'dim40_40'</a:t>
-            </a:r>
-            <a:endParaRPr kumimoji="1" lang="ja-JP" altLang="en-US" sz="900" dirty="0">
-              <a:latin typeface="メイリオ" panose="020B0604030504040204" pitchFamily="50" charset="-128"/>
-              <a:ea typeface="メイリオ" panose="020B0604030504040204" pitchFamily="50" charset="-128"/>
-            </a:endParaRPr>
-          </a:p>
-        </p:txBody>
-      </p:sp>
-      <p:cxnSp>
-        <p:nvCxnSpPr>
-          <p:cNvPr id="5" name="直線コネクタ 4">
-            <a:extLst>
-              <a:ext uri="{FF2B5EF4-FFF2-40B4-BE49-F238E27FC236}">
-                <a16:creationId xmlns:a16="http://schemas.microsoft.com/office/drawing/2014/main" id="{F13C0FA3-D06E-501D-D2CE-262788DE85DA}"/>
-              </a:ext>
-            </a:extLst>
-          </p:cNvPr>
-          <p:cNvCxnSpPr>
-            <a:cxnSpLocks/>
-          </p:cNvCxnSpPr>
-          <p:nvPr/>
-        </p:nvCxnSpPr>
-        <p:spPr>
-          <a:xfrm>
-            <a:off x="150470" y="1152929"/>
-            <a:ext cx="0" cy="4465758"/>
-          </a:xfrm>
-          <a:prstGeom prst="line">
-            <a:avLst/>
-          </a:prstGeom>
-          <a:ln w="28575">
-            <a:solidFill>
-              <a:srgbClr val="C00000"/>
-            </a:solidFill>
-          </a:ln>
-        </p:spPr>
-        <p:style>
-          <a:lnRef idx="1">
-            <a:schemeClr val="accent1"/>
-          </a:lnRef>
-          <a:fillRef idx="0">
-            <a:schemeClr val="accent1"/>
-          </a:fillRef>
-          <a:effectRef idx="0">
-            <a:schemeClr val="accent1"/>
-          </a:effectRef>
-          <a:fontRef idx="minor">
-            <a:schemeClr val="tx1"/>
-          </a:fontRef>
-        </p:style>
-      </p:cxnSp>
-      <p:sp>
-        <p:nvSpPr>
-          <p:cNvPr id="6" name="テキスト ボックス 5">
-            <a:extLst>
-              <a:ext uri="{FF2B5EF4-FFF2-40B4-BE49-F238E27FC236}">
-                <a16:creationId xmlns:a16="http://schemas.microsoft.com/office/drawing/2014/main" id="{3E7C6C65-D71F-C3C4-ABC6-2E1C309108EE}"/>
-              </a:ext>
-            </a:extLst>
-          </p:cNvPr>
-          <p:cNvSpPr txBox="1"/>
-          <p:nvPr/>
-        </p:nvSpPr>
-        <p:spPr>
-          <a:xfrm>
-            <a:off x="4306140" y="986878"/>
-            <a:ext cx="792205" cy="369332"/>
+            <a:off x="401453" y="996946"/>
+            <a:ext cx="1443531" cy="461665"/>
           </a:xfrm>
           <a:prstGeom prst="rect">
             <a:avLst/>
@@ -12927,19 +9146,19 @@
           </a:ln>
         </p:spPr>
         <p:txBody>
-          <a:bodyPr wrap="none" rtlCol="0">
+          <a:bodyPr wrap="square" rtlCol="0">
             <a:spAutoFit/>
           </a:bodyPr>
           <a:lstStyle/>
           <a:p>
             <a:r>
-              <a:rPr kumimoji="1" lang="en-US" altLang="ja-JP" b="1" dirty="0">
+              <a:rPr lang="en-US" altLang="ja-JP" sz="2400" dirty="0">
                 <a:latin typeface="メイリオ" panose="020B0604030504040204" pitchFamily="50" charset="-128"/>
                 <a:ea typeface="メイリオ" panose="020B0604030504040204" pitchFamily="50" charset="-128"/>
               </a:rPr>
-              <a:t>joule</a:t>
-            </a:r>
-            <a:endParaRPr kumimoji="1" lang="ja-JP" altLang="en-US" b="1" dirty="0">
+              <a:t>flux</a:t>
+            </a:r>
+            <a:endParaRPr kumimoji="1" lang="ja-JP" altLang="en-US" sz="2400" dirty="0">
               <a:latin typeface="メイリオ" panose="020B0604030504040204" pitchFamily="50" charset="-128"/>
               <a:ea typeface="メイリオ" panose="020B0604030504040204" pitchFamily="50" charset="-128"/>
             </a:endParaRPr>
@@ -12948,10 +9167,10 @@
       </p:sp>
       <p:sp>
         <p:nvSpPr>
-          <p:cNvPr id="7" name="テキスト ボックス 6">
-            <a:extLst>
-              <a:ext uri="{FF2B5EF4-FFF2-40B4-BE49-F238E27FC236}">
-                <a16:creationId xmlns:a16="http://schemas.microsoft.com/office/drawing/2014/main" id="{71FA6FF8-7675-C115-1A29-948C6E3B1168}"/>
+          <p:cNvPr id="3" name="テキスト ボックス 2">
+            <a:extLst>
+              <a:ext uri="{FF2B5EF4-FFF2-40B4-BE49-F238E27FC236}">
+                <a16:creationId xmlns:a16="http://schemas.microsoft.com/office/drawing/2014/main" id="{524EE9AF-A166-6005-A6C4-D8BB02AB1E18}"/>
               </a:ext>
             </a:extLst>
           </p:cNvPr>
@@ -12960,8 +9179,8 @@
         </p:nvSpPr>
         <p:spPr>
           <a:xfrm>
-            <a:off x="3924460" y="3385808"/>
-            <a:ext cx="1422441" cy="369332"/>
+            <a:off x="450006" y="4025413"/>
+            <a:ext cx="2357931" cy="461665"/>
           </a:xfrm>
           <a:prstGeom prst="rect">
             <a:avLst/>
@@ -12972,29 +9191,119 @@
           </a:ln>
         </p:spPr>
         <p:txBody>
-          <a:bodyPr wrap="none" rtlCol="0">
+          <a:bodyPr wrap="square" rtlCol="0">
             <a:spAutoFit/>
           </a:bodyPr>
           <a:lstStyle/>
           <a:p>
             <a:r>
-              <a:rPr kumimoji="1" lang="en-US" altLang="ja-JP" b="1" dirty="0">
+              <a:rPr lang="en-US" altLang="ja-JP" sz="2400" dirty="0">
                 <a:latin typeface="メイリオ" panose="020B0604030504040204" pitchFamily="50" charset="-128"/>
                 <a:ea typeface="メイリオ" panose="020B0604030504040204" pitchFamily="50" charset="-128"/>
               </a:rPr>
-              <a:t>hysteresis</a:t>
-            </a:r>
-            <a:endParaRPr kumimoji="1" lang="ja-JP" altLang="en-US" b="1" dirty="0">
+              <a:t>Iron loss</a:t>
+            </a:r>
+            <a:endParaRPr kumimoji="1" lang="ja-JP" altLang="en-US" sz="2400" dirty="0">
               <a:latin typeface="メイリオ" panose="020B0604030504040204" pitchFamily="50" charset="-128"/>
               <a:ea typeface="メイリオ" panose="020B0604030504040204" pitchFamily="50" charset="-128"/>
             </a:endParaRPr>
           </a:p>
         </p:txBody>
       </p:sp>
+      <p:sp>
+        <p:nvSpPr>
+          <p:cNvPr id="4" name="テキスト ボックス 3">
+            <a:extLst>
+              <a:ext uri="{FF2B5EF4-FFF2-40B4-BE49-F238E27FC236}">
+                <a16:creationId xmlns:a16="http://schemas.microsoft.com/office/drawing/2014/main" id="{2B7E3E40-B78A-AFB1-792D-E40A3DFA9BF1}"/>
+              </a:ext>
+            </a:extLst>
+          </p:cNvPr>
+          <p:cNvSpPr txBox="1"/>
+          <p:nvPr/>
+        </p:nvSpPr>
+        <p:spPr>
+          <a:xfrm>
+            <a:off x="733225" y="1579573"/>
+            <a:ext cx="10903120" cy="369332"/>
+          </a:xfrm>
+          <a:prstGeom prst="rect">
+            <a:avLst/>
+          </a:prstGeom>
+          <a:noFill/>
+          <a:ln>
+            <a:noFill/>
+          </a:ln>
+        </p:spPr>
+        <p:txBody>
+          <a:bodyPr wrap="square" rtlCol="0">
+            <a:spAutoFit/>
+          </a:bodyPr>
+          <a:lstStyle/>
+          <a:p>
+            <a:r>
+              <a:rPr lang="en-US" altLang="ja-JP" b="0" i="0" dirty="0">
+                <a:effectLst/>
+                <a:latin typeface="Consolas" panose="020B0609020204030204" pitchFamily="49" charset="0"/>
+              </a:rPr>
+              <a:t>{'batch_</a:t>
+            </a:r>
+            <a:endParaRPr kumimoji="1" lang="ja-JP" altLang="en-US" dirty="0">
+              <a:latin typeface="メイリオ" panose="020B0604030504040204" pitchFamily="50" charset="-128"/>
+              <a:ea typeface="メイリオ" panose="020B0604030504040204" pitchFamily="50" charset="-128"/>
+            </a:endParaRPr>
+          </a:p>
+        </p:txBody>
+      </p:sp>
+      <p:sp>
+        <p:nvSpPr>
+          <p:cNvPr id="5" name="テキスト ボックス 4">
+            <a:extLst>
+              <a:ext uri="{FF2B5EF4-FFF2-40B4-BE49-F238E27FC236}">
+                <a16:creationId xmlns:a16="http://schemas.microsoft.com/office/drawing/2014/main" id="{1DC5232A-7672-589E-830D-A7C5E40C4D6D}"/>
+              </a:ext>
+            </a:extLst>
+          </p:cNvPr>
+          <p:cNvSpPr txBox="1"/>
+          <p:nvPr/>
+        </p:nvSpPr>
+        <p:spPr>
+          <a:xfrm>
+            <a:off x="733225" y="4630270"/>
+            <a:ext cx="10903120" cy="369332"/>
+          </a:xfrm>
+          <a:prstGeom prst="rect">
+            <a:avLst/>
+          </a:prstGeom>
+          <a:noFill/>
+          <a:ln>
+            <a:noFill/>
+          </a:ln>
+        </p:spPr>
+        <p:txBody>
+          <a:bodyPr wrap="square" rtlCol="0">
+            <a:spAutoFit/>
+          </a:bodyPr>
+          <a:lstStyle/>
+          <a:p>
+            <a:r>
+              <a:rPr lang="en-US" altLang="ja-JP" b="0" i="0" dirty="0">
+                <a:effectLst/>
+                <a:latin typeface="Consolas" panose="020B0609020204030204" pitchFamily="49" charset="0"/>
+              </a:rPr>
+              <a:t>{'batch_</a:t>
+            </a:r>
+            <a:endParaRPr kumimoji="1" lang="en-US" altLang="ja-JP" dirty="0">
+              <a:latin typeface="メイリオ" panose="020B0604030504040204" pitchFamily="50" charset="-128"/>
+              <a:ea typeface="メイリオ" panose="020B0604030504040204" pitchFamily="50" charset="-128"/>
+            </a:endParaRPr>
+          </a:p>
+        </p:txBody>
+      </p:sp>
     </p:spTree>
     <p:extLst>
       <p:ext uri="{BB962C8B-B14F-4D97-AF65-F5344CB8AC3E}">
-        <p14:creationId xmlns:p14="http://schemas.microsoft.com/office/powerpoint/2010/main" val="1577804923"/>
+        <p14:creationId xmlns:p14="http://schemas.microsoft.com/office/powerpoint/2010/main" val="677212300"/>
       </p:ext>
     </p:extLst>
   </p:cSld>

--- a/hyperparameter_optimization.pptx
+++ b/hyperparameter_optimization.pptx
@@ -13,10 +13,11 @@
     <p:sldId id="276" r:id="rId7"/>
     <p:sldId id="277" r:id="rId8"/>
     <p:sldId id="278" r:id="rId9"/>
-    <p:sldId id="279" r:id="rId10"/>
-    <p:sldId id="280" r:id="rId11"/>
-    <p:sldId id="281" r:id="rId12"/>
-    <p:sldId id="282" r:id="rId13"/>
+    <p:sldId id="284" r:id="rId10"/>
+    <p:sldId id="279" r:id="rId11"/>
+    <p:sldId id="280" r:id="rId12"/>
+    <p:sldId id="281" r:id="rId13"/>
+    <p:sldId id="282" r:id="rId14"/>
   </p:sldIdLst>
   <p:sldSz cx="12192000" cy="6858000"/>
   <p:notesSz cx="6858000" cy="9144000"/>
@@ -270,7 +271,7 @@
           <a:p>
             <a:fld id="{E75D6A42-5BFC-449E-8AB4-357282606635}" type="datetimeFigureOut">
               <a:rPr kumimoji="1" lang="ja-JP" altLang="en-US" smtClean="0"/>
-              <a:t>2023/12/23</a:t>
+              <a:t>2023/12/25</a:t>
             </a:fld>
             <a:endParaRPr kumimoji="1" lang="ja-JP" altLang="en-US"/>
           </a:p>
@@ -500,7 +501,7 @@
           <a:p>
             <a:fld id="{E75D6A42-5BFC-449E-8AB4-357282606635}" type="datetimeFigureOut">
               <a:rPr kumimoji="1" lang="ja-JP" altLang="en-US" smtClean="0"/>
-              <a:t>2023/12/23</a:t>
+              <a:t>2023/12/25</a:t>
             </a:fld>
             <a:endParaRPr kumimoji="1" lang="ja-JP" altLang="en-US"/>
           </a:p>
@@ -740,7 +741,7 @@
           <a:p>
             <a:fld id="{E75D6A42-5BFC-449E-8AB4-357282606635}" type="datetimeFigureOut">
               <a:rPr kumimoji="1" lang="ja-JP" altLang="en-US" smtClean="0"/>
-              <a:t>2023/12/23</a:t>
+              <a:t>2023/12/25</a:t>
             </a:fld>
             <a:endParaRPr kumimoji="1" lang="ja-JP" altLang="en-US"/>
           </a:p>
@@ -970,7 +971,7 @@
           <a:p>
             <a:fld id="{E75D6A42-5BFC-449E-8AB4-357282606635}" type="datetimeFigureOut">
               <a:rPr kumimoji="1" lang="ja-JP" altLang="en-US" smtClean="0"/>
-              <a:t>2023/12/23</a:t>
+              <a:t>2023/12/25</a:t>
             </a:fld>
             <a:endParaRPr kumimoji="1" lang="ja-JP" altLang="en-US"/>
           </a:p>
@@ -1245,7 +1246,7 @@
           <a:p>
             <a:fld id="{E75D6A42-5BFC-449E-8AB4-357282606635}" type="datetimeFigureOut">
               <a:rPr kumimoji="1" lang="ja-JP" altLang="en-US" smtClean="0"/>
-              <a:t>2023/12/23</a:t>
+              <a:t>2023/12/25</a:t>
             </a:fld>
             <a:endParaRPr kumimoji="1" lang="ja-JP" altLang="en-US"/>
           </a:p>
@@ -1574,7 +1575,7 @@
           <a:p>
             <a:fld id="{E75D6A42-5BFC-449E-8AB4-357282606635}" type="datetimeFigureOut">
               <a:rPr kumimoji="1" lang="ja-JP" altLang="en-US" smtClean="0"/>
-              <a:t>2023/12/23</a:t>
+              <a:t>2023/12/25</a:t>
             </a:fld>
             <a:endParaRPr kumimoji="1" lang="ja-JP" altLang="en-US"/>
           </a:p>
@@ -2050,7 +2051,7 @@
           <a:p>
             <a:fld id="{E75D6A42-5BFC-449E-8AB4-357282606635}" type="datetimeFigureOut">
               <a:rPr kumimoji="1" lang="ja-JP" altLang="en-US" smtClean="0"/>
-              <a:t>2023/12/23</a:t>
+              <a:t>2023/12/25</a:t>
             </a:fld>
             <a:endParaRPr kumimoji="1" lang="ja-JP" altLang="en-US"/>
           </a:p>
@@ -2191,7 +2192,7 @@
           <a:p>
             <a:fld id="{E75D6A42-5BFC-449E-8AB4-357282606635}" type="datetimeFigureOut">
               <a:rPr kumimoji="1" lang="ja-JP" altLang="en-US" smtClean="0"/>
-              <a:t>2023/12/23</a:t>
+              <a:t>2023/12/25</a:t>
             </a:fld>
             <a:endParaRPr kumimoji="1" lang="ja-JP" altLang="en-US"/>
           </a:p>
@@ -2304,7 +2305,7 @@
           <a:p>
             <a:fld id="{E75D6A42-5BFC-449E-8AB4-357282606635}" type="datetimeFigureOut">
               <a:rPr kumimoji="1" lang="ja-JP" altLang="en-US" smtClean="0"/>
-              <a:t>2023/12/23</a:t>
+              <a:t>2023/12/25</a:t>
             </a:fld>
             <a:endParaRPr kumimoji="1" lang="ja-JP" altLang="en-US"/>
           </a:p>
@@ -2647,7 +2648,7 @@
           <a:p>
             <a:fld id="{E75D6A42-5BFC-449E-8AB4-357282606635}" type="datetimeFigureOut">
               <a:rPr kumimoji="1" lang="ja-JP" altLang="en-US" smtClean="0"/>
-              <a:t>2023/12/23</a:t>
+              <a:t>2023/12/25</a:t>
             </a:fld>
             <a:endParaRPr kumimoji="1" lang="ja-JP" altLang="en-US"/>
           </a:p>
@@ -2935,7 +2936,7 @@
           <a:p>
             <a:fld id="{E75D6A42-5BFC-449E-8AB4-357282606635}" type="datetimeFigureOut">
               <a:rPr kumimoji="1" lang="ja-JP" altLang="en-US" smtClean="0"/>
-              <a:t>2023/12/23</a:t>
+              <a:t>2023/12/25</a:t>
             </a:fld>
             <a:endParaRPr kumimoji="1" lang="ja-JP" altLang="en-US"/>
           </a:p>
@@ -3208,7 +3209,7 @@
           <a:p>
             <a:fld id="{E75D6A42-5BFC-449E-8AB4-357282606635}" type="datetimeFigureOut">
               <a:rPr kumimoji="1" lang="ja-JP" altLang="en-US" smtClean="0"/>
-              <a:t>2023/12/23</a:t>
+              <a:t>2023/12/25</a:t>
             </a:fld>
             <a:endParaRPr kumimoji="1" lang="ja-JP" altLang="en-US"/>
           </a:p>
@@ -4332,25 +4333,18 @@
           <a:lstStyle/>
           <a:p>
             <a:r>
-              <a:rPr lang="en-US" altLang="ja-JP" sz="2400" dirty="0">
+              <a:rPr kumimoji="1" lang="ja-JP" altLang="en-US" sz="2400" dirty="0">
                 <a:latin typeface="メイリオ" panose="020B0604030504040204" pitchFamily="50" charset="-128"/>
                 <a:ea typeface="メイリオ" panose="020B0604030504040204" pitchFamily="50" charset="-128"/>
               </a:rPr>
-              <a:t>MLP</a:t>
-            </a:r>
-            <a:r>
-              <a:rPr lang="ja-JP" altLang="en-US" sz="2400" dirty="0">
+              <a:t>他パラメータの</a:t>
+            </a:r>
+            <a:r>
+              <a:rPr kumimoji="1" lang="en-US" altLang="ja-JP" sz="2400" dirty="0" err="1">
                 <a:latin typeface="メイリオ" panose="020B0604030504040204" pitchFamily="50" charset="-128"/>
                 <a:ea typeface="メイリオ" panose="020B0604030504040204" pitchFamily="50" charset="-128"/>
               </a:rPr>
-              <a:t>出力層の次元：</a:t>
-            </a:r>
-            <a:r>
-              <a:rPr lang="en-US" altLang="ja-JP" sz="2400" dirty="0">
-                <a:latin typeface="メイリオ" panose="020B0604030504040204" pitchFamily="50" charset="-128"/>
-                <a:ea typeface="メイリオ" panose="020B0604030504040204" pitchFamily="50" charset="-128"/>
-              </a:rPr>
-              <a:t>[]</a:t>
+              <a:t>optuna</a:t>
             </a:r>
             <a:endParaRPr kumimoji="1" lang="ja-JP" altLang="en-US" sz="2400" dirty="0">
               <a:latin typeface="メイリオ" panose="020B0604030504040204" pitchFamily="50" charset="-128"/>
@@ -4542,7 +4536,7 @@
     </p:spTree>
     <p:extLst>
       <p:ext uri="{BB962C8B-B14F-4D97-AF65-F5344CB8AC3E}">
-        <p14:creationId xmlns:p14="http://schemas.microsoft.com/office/powerpoint/2010/main" val="3913324261"/>
+        <p14:creationId xmlns:p14="http://schemas.microsoft.com/office/powerpoint/2010/main" val="677212300"/>
       </p:ext>
     </p:extLst>
   </p:cSld>
@@ -4605,6 +4599,275 @@
                 <a:latin typeface="メイリオ" panose="020B0604030504040204" pitchFamily="50" charset="-128"/>
                 <a:ea typeface="メイリオ" panose="020B0604030504040204" pitchFamily="50" charset="-128"/>
               </a:rPr>
+              <a:t>MLP</a:t>
+            </a:r>
+            <a:r>
+              <a:rPr lang="ja-JP" altLang="en-US" sz="2400" dirty="0">
+                <a:latin typeface="メイリオ" panose="020B0604030504040204" pitchFamily="50" charset="-128"/>
+                <a:ea typeface="メイリオ" panose="020B0604030504040204" pitchFamily="50" charset="-128"/>
+              </a:rPr>
+              <a:t>出力層の次元：</a:t>
+            </a:r>
+            <a:r>
+              <a:rPr lang="en-US" altLang="ja-JP" sz="2400" dirty="0">
+                <a:latin typeface="メイリオ" panose="020B0604030504040204" pitchFamily="50" charset="-128"/>
+                <a:ea typeface="メイリオ" panose="020B0604030504040204" pitchFamily="50" charset="-128"/>
+              </a:rPr>
+              <a:t>[]</a:t>
+            </a:r>
+            <a:endParaRPr kumimoji="1" lang="ja-JP" altLang="en-US" sz="2400" dirty="0">
+              <a:latin typeface="メイリオ" panose="020B0604030504040204" pitchFamily="50" charset="-128"/>
+              <a:ea typeface="メイリオ" panose="020B0604030504040204" pitchFamily="50" charset="-128"/>
+            </a:endParaRPr>
+          </a:p>
+        </p:txBody>
+      </p:sp>
+      <p:sp>
+        <p:nvSpPr>
+          <p:cNvPr id="2" name="テキスト ボックス 1">
+            <a:extLst>
+              <a:ext uri="{FF2B5EF4-FFF2-40B4-BE49-F238E27FC236}">
+                <a16:creationId xmlns:a16="http://schemas.microsoft.com/office/drawing/2014/main" id="{30CDFC66-C0C4-2046-841A-6C9C40239373}"/>
+              </a:ext>
+            </a:extLst>
+          </p:cNvPr>
+          <p:cNvSpPr txBox="1"/>
+          <p:nvPr/>
+        </p:nvSpPr>
+        <p:spPr>
+          <a:xfrm>
+            <a:off x="401453" y="996946"/>
+            <a:ext cx="1443531" cy="461665"/>
+          </a:xfrm>
+          <a:prstGeom prst="rect">
+            <a:avLst/>
+          </a:prstGeom>
+          <a:noFill/>
+          <a:ln>
+            <a:noFill/>
+          </a:ln>
+        </p:spPr>
+        <p:txBody>
+          <a:bodyPr wrap="square" rtlCol="0">
+            <a:spAutoFit/>
+          </a:bodyPr>
+          <a:lstStyle/>
+          <a:p>
+            <a:r>
+              <a:rPr lang="en-US" altLang="ja-JP" sz="2400" dirty="0">
+                <a:latin typeface="メイリオ" panose="020B0604030504040204" pitchFamily="50" charset="-128"/>
+                <a:ea typeface="メイリオ" panose="020B0604030504040204" pitchFamily="50" charset="-128"/>
+              </a:rPr>
+              <a:t>flux</a:t>
+            </a:r>
+            <a:endParaRPr kumimoji="1" lang="ja-JP" altLang="en-US" sz="2400" dirty="0">
+              <a:latin typeface="メイリオ" panose="020B0604030504040204" pitchFamily="50" charset="-128"/>
+              <a:ea typeface="メイリオ" panose="020B0604030504040204" pitchFamily="50" charset="-128"/>
+            </a:endParaRPr>
+          </a:p>
+        </p:txBody>
+      </p:sp>
+      <p:sp>
+        <p:nvSpPr>
+          <p:cNvPr id="3" name="テキスト ボックス 2">
+            <a:extLst>
+              <a:ext uri="{FF2B5EF4-FFF2-40B4-BE49-F238E27FC236}">
+                <a16:creationId xmlns:a16="http://schemas.microsoft.com/office/drawing/2014/main" id="{524EE9AF-A166-6005-A6C4-D8BB02AB1E18}"/>
+              </a:ext>
+            </a:extLst>
+          </p:cNvPr>
+          <p:cNvSpPr txBox="1"/>
+          <p:nvPr/>
+        </p:nvSpPr>
+        <p:spPr>
+          <a:xfrm>
+            <a:off x="450006" y="4025413"/>
+            <a:ext cx="2357931" cy="461665"/>
+          </a:xfrm>
+          <a:prstGeom prst="rect">
+            <a:avLst/>
+          </a:prstGeom>
+          <a:noFill/>
+          <a:ln>
+            <a:noFill/>
+          </a:ln>
+        </p:spPr>
+        <p:txBody>
+          <a:bodyPr wrap="square" rtlCol="0">
+            <a:spAutoFit/>
+          </a:bodyPr>
+          <a:lstStyle/>
+          <a:p>
+            <a:r>
+              <a:rPr lang="en-US" altLang="ja-JP" sz="2400" dirty="0">
+                <a:latin typeface="メイリオ" panose="020B0604030504040204" pitchFamily="50" charset="-128"/>
+                <a:ea typeface="メイリオ" panose="020B0604030504040204" pitchFamily="50" charset="-128"/>
+              </a:rPr>
+              <a:t>Iron loss</a:t>
+            </a:r>
+            <a:endParaRPr kumimoji="1" lang="ja-JP" altLang="en-US" sz="2400" dirty="0">
+              <a:latin typeface="メイリオ" panose="020B0604030504040204" pitchFamily="50" charset="-128"/>
+              <a:ea typeface="メイリオ" panose="020B0604030504040204" pitchFamily="50" charset="-128"/>
+            </a:endParaRPr>
+          </a:p>
+        </p:txBody>
+      </p:sp>
+      <p:sp>
+        <p:nvSpPr>
+          <p:cNvPr id="4" name="テキスト ボックス 3">
+            <a:extLst>
+              <a:ext uri="{FF2B5EF4-FFF2-40B4-BE49-F238E27FC236}">
+                <a16:creationId xmlns:a16="http://schemas.microsoft.com/office/drawing/2014/main" id="{2B7E3E40-B78A-AFB1-792D-E40A3DFA9BF1}"/>
+              </a:ext>
+            </a:extLst>
+          </p:cNvPr>
+          <p:cNvSpPr txBox="1"/>
+          <p:nvPr/>
+        </p:nvSpPr>
+        <p:spPr>
+          <a:xfrm>
+            <a:off x="733225" y="1579573"/>
+            <a:ext cx="10903120" cy="369332"/>
+          </a:xfrm>
+          <a:prstGeom prst="rect">
+            <a:avLst/>
+          </a:prstGeom>
+          <a:noFill/>
+          <a:ln>
+            <a:noFill/>
+          </a:ln>
+        </p:spPr>
+        <p:txBody>
+          <a:bodyPr wrap="square" rtlCol="0">
+            <a:spAutoFit/>
+          </a:bodyPr>
+          <a:lstStyle/>
+          <a:p>
+            <a:r>
+              <a:rPr lang="en-US" altLang="ja-JP" b="0" i="0" dirty="0">
+                <a:effectLst/>
+                <a:latin typeface="Consolas" panose="020B0609020204030204" pitchFamily="49" charset="0"/>
+              </a:rPr>
+              <a:t>{'batch_</a:t>
+            </a:r>
+            <a:endParaRPr kumimoji="1" lang="ja-JP" altLang="en-US" dirty="0">
+              <a:latin typeface="メイリオ" panose="020B0604030504040204" pitchFamily="50" charset="-128"/>
+              <a:ea typeface="メイリオ" panose="020B0604030504040204" pitchFamily="50" charset="-128"/>
+            </a:endParaRPr>
+          </a:p>
+        </p:txBody>
+      </p:sp>
+      <p:sp>
+        <p:nvSpPr>
+          <p:cNvPr id="5" name="テキスト ボックス 4">
+            <a:extLst>
+              <a:ext uri="{FF2B5EF4-FFF2-40B4-BE49-F238E27FC236}">
+                <a16:creationId xmlns:a16="http://schemas.microsoft.com/office/drawing/2014/main" id="{1DC5232A-7672-589E-830D-A7C5E40C4D6D}"/>
+              </a:ext>
+            </a:extLst>
+          </p:cNvPr>
+          <p:cNvSpPr txBox="1"/>
+          <p:nvPr/>
+        </p:nvSpPr>
+        <p:spPr>
+          <a:xfrm>
+            <a:off x="733225" y="4630270"/>
+            <a:ext cx="10903120" cy="369332"/>
+          </a:xfrm>
+          <a:prstGeom prst="rect">
+            <a:avLst/>
+          </a:prstGeom>
+          <a:noFill/>
+          <a:ln>
+            <a:noFill/>
+          </a:ln>
+        </p:spPr>
+        <p:txBody>
+          <a:bodyPr wrap="square" rtlCol="0">
+            <a:spAutoFit/>
+          </a:bodyPr>
+          <a:lstStyle/>
+          <a:p>
+            <a:r>
+              <a:rPr lang="en-US" altLang="ja-JP" b="0" i="0" dirty="0">
+                <a:effectLst/>
+                <a:latin typeface="Consolas" panose="020B0609020204030204" pitchFamily="49" charset="0"/>
+              </a:rPr>
+              <a:t>{'batch_</a:t>
+            </a:r>
+            <a:endParaRPr kumimoji="1" lang="en-US" altLang="ja-JP" dirty="0">
+              <a:latin typeface="メイリオ" panose="020B0604030504040204" pitchFamily="50" charset="-128"/>
+              <a:ea typeface="メイリオ" panose="020B0604030504040204" pitchFamily="50" charset="-128"/>
+            </a:endParaRPr>
+          </a:p>
+        </p:txBody>
+      </p:sp>
+    </p:spTree>
+    <p:extLst>
+      <p:ext uri="{BB962C8B-B14F-4D97-AF65-F5344CB8AC3E}">
+        <p14:creationId xmlns:p14="http://schemas.microsoft.com/office/powerpoint/2010/main" val="3913324261"/>
+      </p:ext>
+    </p:extLst>
+  </p:cSld>
+  <p:clrMapOvr>
+    <a:masterClrMapping/>
+  </p:clrMapOvr>
+</p:sld>
+</file>
+
+<file path=ppt/slides/slide12.xml><?xml version="1.0" encoding="utf-8"?>
+<p:sld xmlns:a="http://schemas.openxmlformats.org/drawingml/2006/main" xmlns:r="http://schemas.openxmlformats.org/officeDocument/2006/relationships" xmlns:p="http://schemas.openxmlformats.org/presentationml/2006/main">
+  <p:cSld>
+    <p:spTree>
+      <p:nvGrpSpPr>
+        <p:cNvPr id="1" name=""/>
+        <p:cNvGrpSpPr/>
+        <p:nvPr/>
+      </p:nvGrpSpPr>
+      <p:grpSpPr>
+        <a:xfrm>
+          <a:off x="0" y="0"/>
+          <a:ext cx="0" cy="0"/>
+          <a:chOff x="0" y="0"/>
+          <a:chExt cx="0" cy="0"/>
+        </a:xfrm>
+      </p:grpSpPr>
+      <p:sp>
+        <p:nvSpPr>
+          <p:cNvPr id="50" name="テキスト ボックス 49">
+            <a:extLst>
+              <a:ext uri="{FF2B5EF4-FFF2-40B4-BE49-F238E27FC236}">
+                <a16:creationId xmlns:a16="http://schemas.microsoft.com/office/drawing/2014/main" id="{AB73847C-B6D7-D5A1-5008-32636513464B}"/>
+              </a:ext>
+            </a:extLst>
+          </p:cNvPr>
+          <p:cNvSpPr txBox="1"/>
+          <p:nvPr/>
+        </p:nvSpPr>
+        <p:spPr>
+          <a:xfrm>
+            <a:off x="401453" y="211599"/>
+            <a:ext cx="7581900" cy="461665"/>
+          </a:xfrm>
+          <a:prstGeom prst="rect">
+            <a:avLst/>
+          </a:prstGeom>
+          <a:noFill/>
+          <a:ln>
+            <a:noFill/>
+          </a:ln>
+        </p:spPr>
+        <p:txBody>
+          <a:bodyPr wrap="square" rtlCol="0">
+            <a:spAutoFit/>
+          </a:bodyPr>
+          <a:lstStyle/>
+          <a:p>
+            <a:r>
+              <a:rPr lang="en-US" altLang="ja-JP" sz="2400" dirty="0">
+                <a:latin typeface="メイリオ" panose="020B0604030504040204" pitchFamily="50" charset="-128"/>
+                <a:ea typeface="メイリオ" panose="020B0604030504040204" pitchFamily="50" charset="-128"/>
+              </a:rPr>
               <a:t>Lr, </a:t>
             </a:r>
             <a:r>
@@ -4828,7 +5091,7 @@
 </p:sld>
 </file>
 
-<file path=ppt/slides/slide12.xml><?xml version="1.0" encoding="utf-8"?>
+<file path=ppt/slides/slide13.xml><?xml version="1.0" encoding="utf-8"?>
 <p:sld xmlns:a="http://schemas.openxmlformats.org/drawingml/2006/main" xmlns:r="http://schemas.openxmlformats.org/officeDocument/2006/relationships" xmlns:p="http://schemas.openxmlformats.org/presentationml/2006/main">
   <p:cSld>
     <p:spTree>
@@ -8563,21 +8826,7 @@
                 <a:effectLst/>
                 <a:latin typeface="Consolas" panose="020B0609020204030204" pitchFamily="49" charset="0"/>
               </a:rPr>
-              <a:t>': 4, '</a:t>
-            </a:r>
-            <a:r>
-              <a:rPr lang="en-US" altLang="ja-JP" b="0" i="0" dirty="0" err="1">
-                <a:effectLst/>
-                <a:latin typeface="Consolas" panose="020B0609020204030204" pitchFamily="49" charset="0"/>
-              </a:rPr>
-              <a:t>hidden_dim_other</a:t>
-            </a:r>
-            <a:r>
-              <a:rPr lang="en-US" altLang="ja-JP" b="0" i="0" dirty="0">
-                <a:effectLst/>
-                <a:latin typeface="Consolas" panose="020B0609020204030204" pitchFamily="49" charset="0"/>
-              </a:rPr>
-              <a:t>’: </a:t>
+              <a:t>': </a:t>
             </a:r>
             <a:r>
               <a:rPr lang="en-US" altLang="ja-JP" b="1" dirty="0">
@@ -8593,22 +8842,6 @@
                 <a:effectLst/>
                 <a:latin typeface="Consolas" panose="020B0609020204030204" pitchFamily="49" charset="0"/>
               </a:rPr>
-              <a:t>, 'hidden_dim_other2’: </a:t>
-            </a:r>
-            <a:r>
-              <a:rPr lang="en-US" altLang="ja-JP" b="1" dirty="0">
-                <a:solidFill>
-                  <a:srgbClr val="FF0000"/>
-                </a:solidFill>
-                <a:latin typeface="Consolas" panose="020B0609020204030204" pitchFamily="49" charset="0"/>
-              </a:rPr>
-              <a:t>y</a:t>
-            </a:r>
-            <a:r>
-              <a:rPr lang="en-US" altLang="ja-JP" b="0" i="0" dirty="0">
-                <a:effectLst/>
-                <a:latin typeface="Consolas" panose="020B0609020204030204" pitchFamily="49" charset="0"/>
-              </a:rPr>
               <a:t>, '</a:t>
             </a:r>
             <a:r>
@@ -8616,6 +8849,20 @@
                 <a:effectLst/>
                 <a:latin typeface="Consolas" panose="020B0609020204030204" pitchFamily="49" charset="0"/>
               </a:rPr>
+              <a:t>hidden_dim_other</a:t>
+            </a:r>
+            <a:r>
+              <a:rPr lang="en-US" altLang="ja-JP" b="0" i="0" dirty="0">
+                <a:effectLst/>
+                <a:latin typeface="Consolas" panose="020B0609020204030204" pitchFamily="49" charset="0"/>
+              </a:rPr>
+              <a:t>': 16, 'hidden_dim_other2': 8, '</a:t>
+            </a:r>
+            <a:r>
+              <a:rPr lang="en-US" altLang="ja-JP" b="0" i="0" dirty="0" err="1">
+                <a:effectLst/>
+                <a:latin typeface="Consolas" panose="020B0609020204030204" pitchFamily="49" charset="0"/>
+              </a:rPr>
               <a:t>learning_rate</a:t>
             </a:r>
             <a:r>
@@ -8658,7 +8905,7 @@
                 <a:effectLst/>
                 <a:latin typeface="Consolas" panose="020B0609020204030204" pitchFamily="49" charset="0"/>
               </a:rPr>
-              <a:t>pred_flux_brhc_swin_t_w_params_hidden_dim_other</a:t>
+              <a:t>pred_flux_brhc_swin_t_w_params_num_hidden_dims</a:t>
             </a:r>
             <a:r>
               <a:rPr lang="en-US" altLang="ja-JP" b="0" i="0" dirty="0">
@@ -8737,10 +8984,6 @@
               </a:rPr>
               <a:t>': None}</a:t>
             </a:r>
-            <a:endParaRPr kumimoji="1" lang="ja-JP" altLang="en-US" dirty="0">
-              <a:latin typeface="メイリオ" panose="020B0604030504040204" pitchFamily="50" charset="-128"/>
-              <a:ea typeface="メイリオ" panose="020B0604030504040204" pitchFamily="50" charset="-128"/>
-            </a:endParaRPr>
           </a:p>
         </p:txBody>
       </p:sp>
@@ -8850,20 +9093,6 @@
                 <a:effectLst/>
                 <a:latin typeface="Consolas" panose="020B0609020204030204" pitchFamily="49" charset="0"/>
               </a:rPr>
-              <a:t>': 2, '</a:t>
-            </a:r>
-            <a:r>
-              <a:rPr lang="en-US" altLang="ja-JP" b="0" i="0" dirty="0" err="1">
-                <a:effectLst/>
-                <a:latin typeface="Consolas" panose="020B0609020204030204" pitchFamily="49" charset="0"/>
-              </a:rPr>
-              <a:t>hidden_dim_other</a:t>
-            </a:r>
-            <a:r>
-              <a:rPr lang="en-US" altLang="ja-JP" b="0" i="0" dirty="0">
-                <a:effectLst/>
-                <a:latin typeface="Consolas" panose="020B0609020204030204" pitchFamily="49" charset="0"/>
-              </a:rPr>
               <a:t>': </a:t>
             </a:r>
             <a:r>
@@ -8880,22 +9109,6 @@
                 <a:effectLst/>
                 <a:latin typeface="Consolas" panose="020B0609020204030204" pitchFamily="49" charset="0"/>
               </a:rPr>
-              <a:t>, 'hidden_dim_other2’: </a:t>
-            </a:r>
-            <a:r>
-              <a:rPr lang="en-US" altLang="ja-JP" b="1" dirty="0">
-                <a:solidFill>
-                  <a:srgbClr val="FF0000"/>
-                </a:solidFill>
-                <a:latin typeface="Consolas" panose="020B0609020204030204" pitchFamily="49" charset="0"/>
-              </a:rPr>
-              <a:t>y</a:t>
-            </a:r>
-            <a:r>
-              <a:rPr lang="en-US" altLang="ja-JP" b="0" i="0" dirty="0">
-                <a:effectLst/>
-                <a:latin typeface="Consolas" panose="020B0609020204030204" pitchFamily="49" charset="0"/>
-              </a:rPr>
               <a:t>, '</a:t>
             </a:r>
             <a:r>
@@ -8903,6 +9116,20 @@
                 <a:effectLst/>
                 <a:latin typeface="Consolas" panose="020B0609020204030204" pitchFamily="49" charset="0"/>
               </a:rPr>
+              <a:t>hidden_dim_other</a:t>
+            </a:r>
+            <a:r>
+              <a:rPr lang="en-US" altLang="ja-JP" b="0" i="0" dirty="0">
+                <a:effectLst/>
+                <a:latin typeface="Consolas" panose="020B0609020204030204" pitchFamily="49" charset="0"/>
+              </a:rPr>
+              <a:t>': 12, 'hidden_dim_other2': 16, '</a:t>
+            </a:r>
+            <a:r>
+              <a:rPr lang="en-US" altLang="ja-JP" b="0" i="0" dirty="0" err="1">
+                <a:effectLst/>
+                <a:latin typeface="Consolas" panose="020B0609020204030204" pitchFamily="49" charset="0"/>
+              </a:rPr>
               <a:t>learning_rate</a:t>
             </a:r>
             <a:r>
@@ -8945,7 +9172,7 @@
                 <a:effectLst/>
                 <a:latin typeface="Consolas" panose="020B0609020204030204" pitchFamily="49" charset="0"/>
               </a:rPr>
-              <a:t>pred_ironloss_brhc_swin_t_w_params_hidden_dim_other</a:t>
+              <a:t>pred_ironloss_brhc_swin_t_w_params_num_hidden_dims</a:t>
             </a:r>
             <a:r>
               <a:rPr lang="en-US" altLang="ja-JP" b="0" i="0" dirty="0">
@@ -9024,10 +9251,6 @@
               </a:rPr>
               <a:t>': None}</a:t>
             </a:r>
-            <a:endParaRPr kumimoji="1" lang="en-US" altLang="ja-JP" dirty="0">
-              <a:latin typeface="メイリオ" panose="020B0604030504040204" pitchFamily="50" charset="-128"/>
-              <a:ea typeface="メイリオ" panose="020B0604030504040204" pitchFamily="50" charset="-128"/>
-            </a:endParaRPr>
           </a:p>
         </p:txBody>
       </p:sp>
@@ -9093,6 +9316,13 @@
           <a:lstStyle/>
           <a:p>
             <a:r>
+              <a:rPr lang="ja-JP" altLang="en-US" sz="2400" dirty="0">
+                <a:latin typeface="メイリオ" panose="020B0604030504040204" pitchFamily="50" charset="-128"/>
+                <a:ea typeface="メイリオ" panose="020B0604030504040204" pitchFamily="50" charset="-128"/>
+              </a:rPr>
+              <a:t>出力側</a:t>
+            </a:r>
+            <a:r>
               <a:rPr lang="en-US" altLang="ja-JP" sz="2400" dirty="0">
                 <a:latin typeface="メイリオ" panose="020B0604030504040204" pitchFamily="50" charset="-128"/>
                 <a:ea typeface="メイリオ" panose="020B0604030504040204" pitchFamily="50" charset="-128"/>
@@ -9104,14 +9334,14 @@
                 <a:latin typeface="メイリオ" panose="020B0604030504040204" pitchFamily="50" charset="-128"/>
                 <a:ea typeface="メイリオ" panose="020B0604030504040204" pitchFamily="50" charset="-128"/>
               </a:rPr>
-              <a:t>入力層の次元：</a:t>
+              <a:t>の層数調査：</a:t>
             </a:r>
             <a:r>
               <a:rPr lang="en-US" altLang="ja-JP" sz="2400" dirty="0">
                 <a:latin typeface="メイリオ" panose="020B0604030504040204" pitchFamily="50" charset="-128"/>
                 <a:ea typeface="メイリオ" panose="020B0604030504040204" pitchFamily="50" charset="-128"/>
               </a:rPr>
-              <a:t>[]</a:t>
+              <a:t>[2,3,4,5,6]</a:t>
             </a:r>
             <a:endParaRPr kumimoji="1" lang="ja-JP" altLang="en-US" sz="2400" dirty="0">
               <a:latin typeface="メイリオ" panose="020B0604030504040204" pitchFamily="50" charset="-128"/>
@@ -9179,7 +9409,7 @@
         </p:nvSpPr>
         <p:spPr>
           <a:xfrm>
-            <a:off x="450006" y="4025413"/>
+            <a:off x="6533172" y="996946"/>
             <a:ext cx="2357931" cy="461665"/>
           </a:xfrm>
           <a:prstGeom prst="rect">
@@ -9210,12 +9440,124 @@
           </a:p>
         </p:txBody>
       </p:sp>
-      <p:sp>
-        <p:nvSpPr>
-          <p:cNvPr id="4" name="テキスト ボックス 3">
-            <a:extLst>
-              <a:ext uri="{FF2B5EF4-FFF2-40B4-BE49-F238E27FC236}">
-                <a16:creationId xmlns:a16="http://schemas.microsoft.com/office/drawing/2014/main" id="{2B7E3E40-B78A-AFB1-792D-E40A3DFA9BF1}"/>
+      <p:pic>
+        <p:nvPicPr>
+          <p:cNvPr id="6" name="図 5">
+            <a:extLst>
+              <a:ext uri="{FF2B5EF4-FFF2-40B4-BE49-F238E27FC236}">
+                <a16:creationId xmlns:a16="http://schemas.microsoft.com/office/drawing/2014/main" id="{0FDD7441-F32A-01A1-0B6E-2E9BE0E3EDE8}"/>
+              </a:ext>
+            </a:extLst>
+          </p:cNvPr>
+          <p:cNvPicPr>
+            <a:picLocks noChangeAspect="1"/>
+          </p:cNvPicPr>
+          <p:nvPr/>
+        </p:nvPicPr>
+        <p:blipFill>
+          <a:blip r:embed="rId2"/>
+          <a:stretch>
+            <a:fillRect/>
+          </a:stretch>
+        </p:blipFill>
+        <p:spPr>
+          <a:xfrm>
+            <a:off x="1707282" y="1458611"/>
+            <a:ext cx="3733800" cy="2514600"/>
+          </a:xfrm>
+          <a:prstGeom prst="rect">
+            <a:avLst/>
+          </a:prstGeom>
+        </p:spPr>
+      </p:pic>
+      <p:pic>
+        <p:nvPicPr>
+          <p:cNvPr id="7" name="図 6">
+            <a:extLst>
+              <a:ext uri="{FF2B5EF4-FFF2-40B4-BE49-F238E27FC236}">
+                <a16:creationId xmlns:a16="http://schemas.microsoft.com/office/drawing/2014/main" id="{07C3FA0F-C2D0-A327-D973-35A1834A1029}"/>
+              </a:ext>
+            </a:extLst>
+          </p:cNvPr>
+          <p:cNvPicPr>
+            <a:picLocks noChangeAspect="1"/>
+          </p:cNvPicPr>
+          <p:nvPr/>
+        </p:nvPicPr>
+        <p:blipFill>
+          <a:blip r:embed="rId3"/>
+          <a:stretch>
+            <a:fillRect/>
+          </a:stretch>
+        </p:blipFill>
+        <p:spPr>
+          <a:xfrm>
+            <a:off x="1707282" y="4131801"/>
+            <a:ext cx="3733800" cy="2514600"/>
+          </a:xfrm>
+          <a:prstGeom prst="rect">
+            <a:avLst/>
+          </a:prstGeom>
+        </p:spPr>
+      </p:pic>
+      <p:sp>
+        <p:nvSpPr>
+          <p:cNvPr id="8" name="正方形/長方形 7">
+            <a:extLst>
+              <a:ext uri="{FF2B5EF4-FFF2-40B4-BE49-F238E27FC236}">
+                <a16:creationId xmlns:a16="http://schemas.microsoft.com/office/drawing/2014/main" id="{88EBE5FE-71C3-9A43-F6CE-8C88A2890DAD}"/>
+              </a:ext>
+            </a:extLst>
+          </p:cNvPr>
+          <p:cNvSpPr/>
+          <p:nvPr/>
+        </p:nvSpPr>
+        <p:spPr>
+          <a:xfrm>
+            <a:off x="2884268" y="2416736"/>
+            <a:ext cx="609703" cy="4224623"/>
+          </a:xfrm>
+          <a:prstGeom prst="rect">
+            <a:avLst/>
+          </a:prstGeom>
+          <a:noFill/>
+          <a:ln w="28575">
+            <a:solidFill>
+              <a:srgbClr val="00B050"/>
+            </a:solidFill>
+          </a:ln>
+        </p:spPr>
+        <p:style>
+          <a:lnRef idx="2">
+            <a:schemeClr val="accent1">
+              <a:shade val="15000"/>
+            </a:schemeClr>
+          </a:lnRef>
+          <a:fillRef idx="1">
+            <a:schemeClr val="accent1"/>
+          </a:fillRef>
+          <a:effectRef idx="0">
+            <a:schemeClr val="accent1"/>
+          </a:effectRef>
+          <a:fontRef idx="minor">
+            <a:schemeClr val="lt1"/>
+          </a:fontRef>
+        </p:style>
+        <p:txBody>
+          <a:bodyPr rtlCol="0" anchor="ctr"/>
+          <a:lstStyle/>
+          <a:p>
+            <a:pPr algn="ctr"/>
+            <a:endParaRPr kumimoji="1" lang="ja-JP" altLang="en-US"/>
+          </a:p>
+        </p:txBody>
+      </p:sp>
+      <p:sp>
+        <p:nvSpPr>
+          <p:cNvPr id="9" name="テキスト ボックス 8">
+            <a:extLst>
+              <a:ext uri="{FF2B5EF4-FFF2-40B4-BE49-F238E27FC236}">
+                <a16:creationId xmlns:a16="http://schemas.microsoft.com/office/drawing/2014/main" id="{5A6E7DA0-4C35-274A-98F9-3ACC660A15F9}"/>
               </a:ext>
             </a:extLst>
           </p:cNvPr>
@@ -9224,8 +9566,8 @@
         </p:nvSpPr>
         <p:spPr>
           <a:xfrm>
-            <a:off x="733225" y="1579573"/>
-            <a:ext cx="10903120" cy="369332"/>
+            <a:off x="2087931" y="1904651"/>
+            <a:ext cx="1884490" cy="461665"/>
           </a:xfrm>
           <a:prstGeom prst="rect">
             <a:avLst/>
@@ -9241,69 +9583,24 @@
           </a:bodyPr>
           <a:lstStyle/>
           <a:p>
-            <a:r>
-              <a:rPr lang="en-US" altLang="ja-JP" b="0" i="0" dirty="0">
-                <a:effectLst/>
-                <a:latin typeface="Consolas" panose="020B0609020204030204" pitchFamily="49" charset="0"/>
-              </a:rPr>
-              <a:t>{'batch_</a:t>
-            </a:r>
-            <a:endParaRPr kumimoji="1" lang="ja-JP" altLang="en-US" dirty="0">
-              <a:latin typeface="メイリオ" panose="020B0604030504040204" pitchFamily="50" charset="-128"/>
-              <a:ea typeface="メイリオ" panose="020B0604030504040204" pitchFamily="50" charset="-128"/>
-            </a:endParaRPr>
-          </a:p>
-        </p:txBody>
-      </p:sp>
-      <p:sp>
-        <p:nvSpPr>
-          <p:cNvPr id="5" name="テキスト ボックス 4">
-            <a:extLst>
-              <a:ext uri="{FF2B5EF4-FFF2-40B4-BE49-F238E27FC236}">
-                <a16:creationId xmlns:a16="http://schemas.microsoft.com/office/drawing/2014/main" id="{1DC5232A-7672-589E-830D-A7C5E40C4D6D}"/>
-              </a:ext>
-            </a:extLst>
-          </p:cNvPr>
-          <p:cNvSpPr txBox="1"/>
-          <p:nvPr/>
-        </p:nvSpPr>
-        <p:spPr>
-          <a:xfrm>
-            <a:off x="733225" y="4630270"/>
-            <a:ext cx="10903120" cy="369332"/>
-          </a:xfrm>
-          <a:prstGeom prst="rect">
-            <a:avLst/>
-          </a:prstGeom>
-          <a:noFill/>
-          <a:ln>
-            <a:noFill/>
-          </a:ln>
-        </p:spPr>
-        <p:txBody>
-          <a:bodyPr wrap="square" rtlCol="0">
-            <a:spAutoFit/>
-          </a:bodyPr>
-          <a:lstStyle/>
-          <a:p>
-            <a:r>
-              <a:rPr lang="en-US" altLang="ja-JP" b="0" i="0" dirty="0">
-                <a:effectLst/>
-                <a:latin typeface="Consolas" panose="020B0609020204030204" pitchFamily="49" charset="0"/>
-              </a:rPr>
-              <a:t>{'batch_</a:t>
-            </a:r>
-            <a:endParaRPr kumimoji="1" lang="en-US" altLang="ja-JP" dirty="0">
-              <a:latin typeface="メイリオ" panose="020B0604030504040204" pitchFamily="50" charset="-128"/>
-              <a:ea typeface="メイリオ" panose="020B0604030504040204" pitchFamily="50" charset="-128"/>
-            </a:endParaRPr>
+            <a:pPr algn="ctr"/>
+            <a:r>
+              <a:rPr kumimoji="1" lang="ja-JP" altLang="en-US" sz="2400" b="1" dirty="0">
+                <a:solidFill>
+                  <a:srgbClr val="00B050"/>
+                </a:solidFill>
+                <a:latin typeface="メイリオ" panose="020B0604030504040204" pitchFamily="50" charset="-128"/>
+                <a:ea typeface="メイリオ" panose="020B0604030504040204" pitchFamily="50" charset="-128"/>
+              </a:rPr>
+              <a:t>３</a:t>
+            </a:r>
           </a:p>
         </p:txBody>
       </p:sp>
     </p:spTree>
     <p:extLst>
       <p:ext uri="{BB962C8B-B14F-4D97-AF65-F5344CB8AC3E}">
-        <p14:creationId xmlns:p14="http://schemas.microsoft.com/office/powerpoint/2010/main" val="677212300"/>
+        <p14:creationId xmlns:p14="http://schemas.microsoft.com/office/powerpoint/2010/main" val="1186652012"/>
       </p:ext>
     </p:extLst>
   </p:cSld>

--- a/hyperparameter_optimization.pptx
+++ b/hyperparameter_optimization.pptx
@@ -14,10 +14,12 @@
     <p:sldId id="277" r:id="rId8"/>
     <p:sldId id="278" r:id="rId9"/>
     <p:sldId id="284" r:id="rId10"/>
-    <p:sldId id="279" r:id="rId11"/>
-    <p:sldId id="280" r:id="rId12"/>
-    <p:sldId id="281" r:id="rId13"/>
-    <p:sldId id="282" r:id="rId14"/>
+    <p:sldId id="285" r:id="rId11"/>
+    <p:sldId id="286" r:id="rId12"/>
+    <p:sldId id="279" r:id="rId13"/>
+    <p:sldId id="280" r:id="rId14"/>
+    <p:sldId id="281" r:id="rId15"/>
+    <p:sldId id="282" r:id="rId16"/>
   </p:sldIdLst>
   <p:sldSz cx="12192000" cy="6858000"/>
   <p:notesSz cx="6858000" cy="9144000"/>
@@ -271,7 +273,7 @@
           <a:p>
             <a:fld id="{E75D6A42-5BFC-449E-8AB4-357282606635}" type="datetimeFigureOut">
               <a:rPr kumimoji="1" lang="ja-JP" altLang="en-US" smtClean="0"/>
-              <a:t>2023/12/25</a:t>
+              <a:t>2023/12/27</a:t>
             </a:fld>
             <a:endParaRPr kumimoji="1" lang="ja-JP" altLang="en-US"/>
           </a:p>
@@ -501,7 +503,7 @@
           <a:p>
             <a:fld id="{E75D6A42-5BFC-449E-8AB4-357282606635}" type="datetimeFigureOut">
               <a:rPr kumimoji="1" lang="ja-JP" altLang="en-US" smtClean="0"/>
-              <a:t>2023/12/25</a:t>
+              <a:t>2023/12/27</a:t>
             </a:fld>
             <a:endParaRPr kumimoji="1" lang="ja-JP" altLang="en-US"/>
           </a:p>
@@ -741,7 +743,7 @@
           <a:p>
             <a:fld id="{E75D6A42-5BFC-449E-8AB4-357282606635}" type="datetimeFigureOut">
               <a:rPr kumimoji="1" lang="ja-JP" altLang="en-US" smtClean="0"/>
-              <a:t>2023/12/25</a:t>
+              <a:t>2023/12/27</a:t>
             </a:fld>
             <a:endParaRPr kumimoji="1" lang="ja-JP" altLang="en-US"/>
           </a:p>
@@ -971,7 +973,7 @@
           <a:p>
             <a:fld id="{E75D6A42-5BFC-449E-8AB4-357282606635}" type="datetimeFigureOut">
               <a:rPr kumimoji="1" lang="ja-JP" altLang="en-US" smtClean="0"/>
-              <a:t>2023/12/25</a:t>
+              <a:t>2023/12/27</a:t>
             </a:fld>
             <a:endParaRPr kumimoji="1" lang="ja-JP" altLang="en-US"/>
           </a:p>
@@ -1246,7 +1248,7 @@
           <a:p>
             <a:fld id="{E75D6A42-5BFC-449E-8AB4-357282606635}" type="datetimeFigureOut">
               <a:rPr kumimoji="1" lang="ja-JP" altLang="en-US" smtClean="0"/>
-              <a:t>2023/12/25</a:t>
+              <a:t>2023/12/27</a:t>
             </a:fld>
             <a:endParaRPr kumimoji="1" lang="ja-JP" altLang="en-US"/>
           </a:p>
@@ -1575,7 +1577,7 @@
           <a:p>
             <a:fld id="{E75D6A42-5BFC-449E-8AB4-357282606635}" type="datetimeFigureOut">
               <a:rPr kumimoji="1" lang="ja-JP" altLang="en-US" smtClean="0"/>
-              <a:t>2023/12/25</a:t>
+              <a:t>2023/12/27</a:t>
             </a:fld>
             <a:endParaRPr kumimoji="1" lang="ja-JP" altLang="en-US"/>
           </a:p>
@@ -2051,7 +2053,7 @@
           <a:p>
             <a:fld id="{E75D6A42-5BFC-449E-8AB4-357282606635}" type="datetimeFigureOut">
               <a:rPr kumimoji="1" lang="ja-JP" altLang="en-US" smtClean="0"/>
-              <a:t>2023/12/25</a:t>
+              <a:t>2023/12/27</a:t>
             </a:fld>
             <a:endParaRPr kumimoji="1" lang="ja-JP" altLang="en-US"/>
           </a:p>
@@ -2192,7 +2194,7 @@
           <a:p>
             <a:fld id="{E75D6A42-5BFC-449E-8AB4-357282606635}" type="datetimeFigureOut">
               <a:rPr kumimoji="1" lang="ja-JP" altLang="en-US" smtClean="0"/>
-              <a:t>2023/12/25</a:t>
+              <a:t>2023/12/27</a:t>
             </a:fld>
             <a:endParaRPr kumimoji="1" lang="ja-JP" altLang="en-US"/>
           </a:p>
@@ -2305,7 +2307,7 @@
           <a:p>
             <a:fld id="{E75D6A42-5BFC-449E-8AB4-357282606635}" type="datetimeFigureOut">
               <a:rPr kumimoji="1" lang="ja-JP" altLang="en-US" smtClean="0"/>
-              <a:t>2023/12/25</a:t>
+              <a:t>2023/12/27</a:t>
             </a:fld>
             <a:endParaRPr kumimoji="1" lang="ja-JP" altLang="en-US"/>
           </a:p>
@@ -2648,7 +2650,7 @@
           <a:p>
             <a:fld id="{E75D6A42-5BFC-449E-8AB4-357282606635}" type="datetimeFigureOut">
               <a:rPr kumimoji="1" lang="ja-JP" altLang="en-US" smtClean="0"/>
-              <a:t>2023/12/25</a:t>
+              <a:t>2023/12/27</a:t>
             </a:fld>
             <a:endParaRPr kumimoji="1" lang="ja-JP" altLang="en-US"/>
           </a:p>
@@ -2936,7 +2938,7 @@
           <a:p>
             <a:fld id="{E75D6A42-5BFC-449E-8AB4-357282606635}" type="datetimeFigureOut">
               <a:rPr kumimoji="1" lang="ja-JP" altLang="en-US" smtClean="0"/>
-              <a:t>2023/12/25</a:t>
+              <a:t>2023/12/27</a:t>
             </a:fld>
             <a:endParaRPr kumimoji="1" lang="ja-JP" altLang="en-US"/>
           </a:p>
@@ -3209,7 +3211,7 @@
           <a:p>
             <a:fld id="{E75D6A42-5BFC-449E-8AB4-357282606635}" type="datetimeFigureOut">
               <a:rPr kumimoji="1" lang="ja-JP" altLang="en-US" smtClean="0"/>
-              <a:t>2023/12/25</a:t>
+              <a:t>2023/12/27</a:t>
             </a:fld>
             <a:endParaRPr kumimoji="1" lang="ja-JP" altLang="en-US"/>
           </a:p>
@@ -4333,18 +4335,32 @@
           <a:lstStyle/>
           <a:p>
             <a:r>
-              <a:rPr kumimoji="1" lang="ja-JP" altLang="en-US" sz="2400" dirty="0">
+              <a:rPr lang="ja-JP" altLang="en-US" sz="2400" dirty="0">
                 <a:latin typeface="メイリオ" panose="020B0604030504040204" pitchFamily="50" charset="-128"/>
                 <a:ea typeface="メイリオ" panose="020B0604030504040204" pitchFamily="50" charset="-128"/>
               </a:rPr>
-              <a:t>他パラメータの</a:t>
-            </a:r>
-            <a:r>
-              <a:rPr kumimoji="1" lang="en-US" altLang="ja-JP" sz="2400" dirty="0" err="1">
+              <a:t>出力側</a:t>
+            </a:r>
+            <a:r>
+              <a:rPr lang="en-US" altLang="ja-JP" sz="2400" dirty="0">
                 <a:latin typeface="メイリオ" panose="020B0604030504040204" pitchFamily="50" charset="-128"/>
                 <a:ea typeface="メイリオ" panose="020B0604030504040204" pitchFamily="50" charset="-128"/>
               </a:rPr>
-              <a:t>optuna</a:t>
+              <a:t>MLP</a:t>
+            </a:r>
+            <a:r>
+              <a:rPr lang="ja-JP" altLang="en-US" sz="2400" dirty="0">
+                <a:latin typeface="メイリオ" panose="020B0604030504040204" pitchFamily="50" charset="-128"/>
+                <a:ea typeface="メイリオ" panose="020B0604030504040204" pitchFamily="50" charset="-128"/>
+              </a:rPr>
+              <a:t>の入力次元：</a:t>
+            </a:r>
+            <a:r>
+              <a:rPr lang="en-US" altLang="ja-JP" sz="2400" dirty="0">
+                <a:latin typeface="メイリオ" panose="020B0604030504040204" pitchFamily="50" charset="-128"/>
+                <a:ea typeface="メイリオ" panose="020B0604030504040204" pitchFamily="50" charset="-128"/>
+              </a:rPr>
+              <a:t>[2,4,6,8,10,12]</a:t>
             </a:r>
             <a:endParaRPr kumimoji="1" lang="ja-JP" altLang="en-US" sz="2400" dirty="0">
               <a:latin typeface="メイリオ" panose="020B0604030504040204" pitchFamily="50" charset="-128"/>
@@ -4458,7 +4474,7 @@
         <p:spPr>
           <a:xfrm>
             <a:off x="733225" y="1579573"/>
-            <a:ext cx="10903120" cy="369332"/>
+            <a:ext cx="10903120" cy="1477328"/>
           </a:xfrm>
           <a:prstGeom prst="rect">
             <a:avLst/>
@@ -4479,7 +4495,234 @@
                 <a:effectLst/>
                 <a:latin typeface="Consolas" panose="020B0609020204030204" pitchFamily="49" charset="0"/>
               </a:rPr>
-              <a:t>{'batch_</a:t>
+              <a:t>{'</a:t>
+            </a:r>
+            <a:r>
+              <a:rPr lang="en-US" altLang="ja-JP" b="0" i="0" dirty="0" err="1">
+                <a:effectLst/>
+                <a:latin typeface="Consolas" panose="020B0609020204030204" pitchFamily="49" charset="0"/>
+              </a:rPr>
+              <a:t>batch_size</a:t>
+            </a:r>
+            <a:r>
+              <a:rPr lang="en-US" altLang="ja-JP" b="0" i="0" dirty="0">
+                <a:effectLst/>
+                <a:latin typeface="Consolas" panose="020B0609020204030204" pitchFamily="49" charset="0"/>
+              </a:rPr>
+              <a:t>': 128, '</a:t>
+            </a:r>
+            <a:r>
+              <a:rPr lang="en-US" altLang="ja-JP" b="0" i="0" dirty="0" err="1">
+                <a:effectLst/>
+                <a:latin typeface="Consolas" panose="020B0609020204030204" pitchFamily="49" charset="0"/>
+              </a:rPr>
+              <a:t>epochs_check</a:t>
+            </a:r>
+            <a:r>
+              <a:rPr lang="en-US" altLang="ja-JP" b="0" i="0" dirty="0">
+                <a:effectLst/>
+                <a:latin typeface="Consolas" panose="020B0609020204030204" pitchFamily="49" charset="0"/>
+              </a:rPr>
+              <a:t>': 100, '</a:t>
+            </a:r>
+            <a:r>
+              <a:rPr lang="en-US" altLang="ja-JP" b="0" i="0" dirty="0" err="1">
+                <a:effectLst/>
+                <a:latin typeface="Consolas" panose="020B0609020204030204" pitchFamily="49" charset="0"/>
+              </a:rPr>
+              <a:t>save_every</a:t>
+            </a:r>
+            <a:r>
+              <a:rPr lang="en-US" altLang="ja-JP" b="0" i="0" dirty="0">
+                <a:effectLst/>
+                <a:latin typeface="Consolas" panose="020B0609020204030204" pitchFamily="49" charset="0"/>
+              </a:rPr>
+              <a:t>': 10, '</a:t>
+            </a:r>
+            <a:r>
+              <a:rPr lang="en-US" altLang="ja-JP" b="0" i="0" dirty="0" err="1">
+                <a:effectLst/>
+                <a:latin typeface="Consolas" panose="020B0609020204030204" pitchFamily="49" charset="0"/>
+              </a:rPr>
+              <a:t>hidden_dim_init</a:t>
+            </a:r>
+            <a:r>
+              <a:rPr lang="en-US" altLang="ja-JP" b="0" i="0" dirty="0">
+                <a:effectLst/>
+                <a:latin typeface="Consolas" panose="020B0609020204030204" pitchFamily="49" charset="0"/>
+              </a:rPr>
+              <a:t>’: </a:t>
+            </a:r>
+            <a:r>
+              <a:rPr lang="en-US" altLang="ja-JP" b="1" i="0" dirty="0">
+                <a:solidFill>
+                  <a:srgbClr val="FF0000"/>
+                </a:solidFill>
+                <a:effectLst/>
+                <a:latin typeface="Consolas" panose="020B0609020204030204" pitchFamily="49" charset="0"/>
+              </a:rPr>
+              <a:t>x</a:t>
+            </a:r>
+            <a:r>
+              <a:rPr lang="en-US" altLang="ja-JP" b="0" i="0" dirty="0">
+                <a:effectLst/>
+                <a:latin typeface="Consolas" panose="020B0609020204030204" pitchFamily="49" charset="0"/>
+              </a:rPr>
+              <a:t>, '</a:t>
+            </a:r>
+            <a:r>
+              <a:rPr lang="en-US" altLang="ja-JP" b="0" i="0" dirty="0" err="1">
+                <a:effectLst/>
+                <a:latin typeface="Consolas" panose="020B0609020204030204" pitchFamily="49" charset="0"/>
+              </a:rPr>
+              <a:t>num_hidden_dims</a:t>
+            </a:r>
+            <a:r>
+              <a:rPr lang="en-US" altLang="ja-JP" b="0" i="0" dirty="0">
+                <a:effectLst/>
+                <a:latin typeface="Consolas" panose="020B0609020204030204" pitchFamily="49" charset="0"/>
+              </a:rPr>
+              <a:t>': 3, '</a:t>
+            </a:r>
+            <a:r>
+              <a:rPr lang="en-US" altLang="ja-JP" b="0" i="0" dirty="0" err="1">
+                <a:effectLst/>
+                <a:latin typeface="Consolas" panose="020B0609020204030204" pitchFamily="49" charset="0"/>
+              </a:rPr>
+              <a:t>hidden_dim_other</a:t>
+            </a:r>
+            <a:r>
+              <a:rPr lang="en-US" altLang="ja-JP" b="0" i="0" dirty="0">
+                <a:effectLst/>
+                <a:latin typeface="Consolas" panose="020B0609020204030204" pitchFamily="49" charset="0"/>
+              </a:rPr>
+              <a:t>': 8, 'hidden_dim_other2': 16, '</a:t>
+            </a:r>
+            <a:r>
+              <a:rPr lang="en-US" altLang="ja-JP" b="0" i="0" dirty="0" err="1">
+                <a:effectLst/>
+                <a:latin typeface="Consolas" panose="020B0609020204030204" pitchFamily="49" charset="0"/>
+              </a:rPr>
+              <a:t>learning_rate</a:t>
+            </a:r>
+            <a:r>
+              <a:rPr lang="en-US" altLang="ja-JP" b="0" i="0" dirty="0">
+                <a:effectLst/>
+                <a:latin typeface="Consolas" panose="020B0609020204030204" pitchFamily="49" charset="0"/>
+              </a:rPr>
+              <a:t>': 0.001, '</a:t>
+            </a:r>
+            <a:r>
+              <a:rPr lang="en-US" altLang="ja-JP" b="0" i="0" dirty="0" err="1">
+                <a:effectLst/>
+                <a:latin typeface="Consolas" panose="020B0609020204030204" pitchFamily="49" charset="0"/>
+              </a:rPr>
+              <a:t>hidden_dim_out</a:t>
+            </a:r>
+            <a:r>
+              <a:rPr lang="en-US" altLang="ja-JP" b="0" i="0" dirty="0">
+                <a:effectLst/>
+                <a:latin typeface="Consolas" panose="020B0609020204030204" pitchFamily="49" charset="0"/>
+              </a:rPr>
+              <a:t>': 50, 'hidden_dim_out2': 50, 'times': 5, '</a:t>
+            </a:r>
+            <a:r>
+              <a:rPr lang="en-US" altLang="ja-JP" b="0" i="0" dirty="0" err="1">
+                <a:effectLst/>
+                <a:latin typeface="Consolas" panose="020B0609020204030204" pitchFamily="49" charset="0"/>
+              </a:rPr>
+              <a:t>result_name</a:t>
+            </a:r>
+            <a:r>
+              <a:rPr lang="en-US" altLang="ja-JP" b="0" i="0" dirty="0">
+                <a:effectLst/>
+                <a:latin typeface="Consolas" panose="020B0609020204030204" pitchFamily="49" charset="0"/>
+              </a:rPr>
+              <a:t>': '</a:t>
+            </a:r>
+            <a:r>
+              <a:rPr lang="en-US" altLang="ja-JP" b="0" i="0" dirty="0" err="1">
+                <a:effectLst/>
+                <a:latin typeface="Consolas" panose="020B0609020204030204" pitchFamily="49" charset="0"/>
+              </a:rPr>
+              <a:t>pred_flux_brhc_swin_t_w_params_hidden_dim_init</a:t>
+            </a:r>
+            <a:r>
+              <a:rPr lang="en-US" altLang="ja-JP" b="0" i="0" dirty="0">
+                <a:effectLst/>
+                <a:latin typeface="Consolas" panose="020B0609020204030204" pitchFamily="49" charset="0"/>
+              </a:rPr>
+              <a:t>', '</a:t>
+            </a:r>
+            <a:r>
+              <a:rPr lang="en-US" altLang="ja-JP" b="0" i="0" dirty="0" err="1">
+                <a:effectLst/>
+                <a:latin typeface="Consolas" panose="020B0609020204030204" pitchFamily="49" charset="0"/>
+              </a:rPr>
+              <a:t>modelname</a:t>
+            </a:r>
+            <a:r>
+              <a:rPr lang="en-US" altLang="ja-JP" b="0" i="0" dirty="0">
+                <a:effectLst/>
+                <a:latin typeface="Consolas" panose="020B0609020204030204" pitchFamily="49" charset="0"/>
+              </a:rPr>
+              <a:t>': '</a:t>
+            </a:r>
+            <a:r>
+              <a:rPr lang="en-US" altLang="ja-JP" b="0" i="0" dirty="0" err="1">
+                <a:effectLst/>
+                <a:latin typeface="Consolas" panose="020B0609020204030204" pitchFamily="49" charset="0"/>
+              </a:rPr>
+              <a:t>swin_t</a:t>
+            </a:r>
+            <a:r>
+              <a:rPr lang="en-US" altLang="ja-JP" b="0" i="0" dirty="0">
+                <a:effectLst/>
+                <a:latin typeface="Consolas" panose="020B0609020204030204" pitchFamily="49" charset="0"/>
+              </a:rPr>
+              <a:t>', '</a:t>
+            </a:r>
+            <a:r>
+              <a:rPr lang="en-US" altLang="ja-JP" b="0" i="0" dirty="0" err="1">
+                <a:effectLst/>
+                <a:latin typeface="Consolas" panose="020B0609020204030204" pitchFamily="49" charset="0"/>
+              </a:rPr>
+              <a:t>typename</a:t>
+            </a:r>
+            <a:r>
+              <a:rPr lang="en-US" altLang="ja-JP" b="0" i="0" dirty="0">
+                <a:effectLst/>
+                <a:latin typeface="Consolas" panose="020B0609020204030204" pitchFamily="49" charset="0"/>
+              </a:rPr>
+              <a:t>': '</a:t>
+            </a:r>
+            <a:r>
+              <a:rPr lang="en-US" altLang="ja-JP" b="0" i="0" dirty="0" err="1">
+                <a:effectLst/>
+                <a:latin typeface="Consolas" panose="020B0609020204030204" pitchFamily="49" charset="0"/>
+              </a:rPr>
+              <a:t>transfer_learning</a:t>
+            </a:r>
+            <a:r>
+              <a:rPr lang="en-US" altLang="ja-JP" b="0" i="0" dirty="0">
+                <a:effectLst/>
+                <a:latin typeface="Consolas" panose="020B0609020204030204" pitchFamily="49" charset="0"/>
+              </a:rPr>
+              <a:t>', '</a:t>
+            </a:r>
+            <a:r>
+              <a:rPr lang="en-US" altLang="ja-JP" b="0" i="0" dirty="0" err="1">
+                <a:effectLst/>
+                <a:latin typeface="Consolas" panose="020B0609020204030204" pitchFamily="49" charset="0"/>
+              </a:rPr>
+              <a:t>pathmodel</a:t>
+            </a:r>
+            <a:r>
+              <a:rPr lang="en-US" altLang="ja-JP" b="0" i="0" dirty="0">
+                <a:effectLst/>
+                <a:latin typeface="Consolas" panose="020B0609020204030204" pitchFamily="49" charset="0"/>
+              </a:rPr>
+              <a:t>': None}</a:t>
             </a:r>
             <a:endParaRPr kumimoji="1" lang="ja-JP" altLang="en-US" dirty="0">
               <a:latin typeface="メイリオ" panose="020B0604030504040204" pitchFamily="50" charset="-128"/>
@@ -4503,7 +4746,7 @@
         <p:spPr>
           <a:xfrm>
             <a:off x="733225" y="4630270"/>
-            <a:ext cx="10903120" cy="369332"/>
+            <a:ext cx="10903120" cy="1477328"/>
           </a:xfrm>
           <a:prstGeom prst="rect">
             <a:avLst/>
@@ -4524,7 +4767,234 @@
                 <a:effectLst/>
                 <a:latin typeface="Consolas" panose="020B0609020204030204" pitchFamily="49" charset="0"/>
               </a:rPr>
-              <a:t>{'batch_</a:t>
+              <a:t>{'</a:t>
+            </a:r>
+            <a:r>
+              <a:rPr lang="en-US" altLang="ja-JP" b="0" i="0" dirty="0" err="1">
+                <a:effectLst/>
+                <a:latin typeface="Consolas" panose="020B0609020204030204" pitchFamily="49" charset="0"/>
+              </a:rPr>
+              <a:t>batch_size</a:t>
+            </a:r>
+            <a:r>
+              <a:rPr lang="en-US" altLang="ja-JP" b="0" i="0" dirty="0">
+                <a:effectLst/>
+                <a:latin typeface="Consolas" panose="020B0609020204030204" pitchFamily="49" charset="0"/>
+              </a:rPr>
+              <a:t>': 128, '</a:t>
+            </a:r>
+            <a:r>
+              <a:rPr lang="en-US" altLang="ja-JP" b="0" i="0" dirty="0" err="1">
+                <a:effectLst/>
+                <a:latin typeface="Consolas" panose="020B0609020204030204" pitchFamily="49" charset="0"/>
+              </a:rPr>
+              <a:t>epochs_check</a:t>
+            </a:r>
+            <a:r>
+              <a:rPr lang="en-US" altLang="ja-JP" b="0" i="0" dirty="0">
+                <a:effectLst/>
+                <a:latin typeface="Consolas" panose="020B0609020204030204" pitchFamily="49" charset="0"/>
+              </a:rPr>
+              <a:t>': 100, '</a:t>
+            </a:r>
+            <a:r>
+              <a:rPr lang="en-US" altLang="ja-JP" b="0" i="0" dirty="0" err="1">
+                <a:effectLst/>
+                <a:latin typeface="Consolas" panose="020B0609020204030204" pitchFamily="49" charset="0"/>
+              </a:rPr>
+              <a:t>save_every</a:t>
+            </a:r>
+            <a:r>
+              <a:rPr lang="en-US" altLang="ja-JP" b="0" i="0" dirty="0">
+                <a:effectLst/>
+                <a:latin typeface="Consolas" panose="020B0609020204030204" pitchFamily="49" charset="0"/>
+              </a:rPr>
+              <a:t>': 10, '</a:t>
+            </a:r>
+            <a:r>
+              <a:rPr lang="en-US" altLang="ja-JP" b="0" i="0" dirty="0" err="1">
+                <a:effectLst/>
+                <a:latin typeface="Consolas" panose="020B0609020204030204" pitchFamily="49" charset="0"/>
+              </a:rPr>
+              <a:t>hidden_dim_init</a:t>
+            </a:r>
+            <a:r>
+              <a:rPr lang="en-US" altLang="ja-JP" b="0" i="0" dirty="0">
+                <a:effectLst/>
+                <a:latin typeface="Consolas" panose="020B0609020204030204" pitchFamily="49" charset="0"/>
+              </a:rPr>
+              <a:t>': </a:t>
+            </a:r>
+            <a:r>
+              <a:rPr lang="en-US" altLang="ja-JP" b="1" i="0" dirty="0">
+                <a:solidFill>
+                  <a:srgbClr val="FF0000"/>
+                </a:solidFill>
+                <a:effectLst/>
+                <a:latin typeface="Consolas" panose="020B0609020204030204" pitchFamily="49" charset="0"/>
+              </a:rPr>
+              <a:t>x</a:t>
+            </a:r>
+            <a:r>
+              <a:rPr lang="en-US" altLang="ja-JP" b="0" i="0" dirty="0">
+                <a:effectLst/>
+                <a:latin typeface="Consolas" panose="020B0609020204030204" pitchFamily="49" charset="0"/>
+              </a:rPr>
+              <a:t>, '</a:t>
+            </a:r>
+            <a:r>
+              <a:rPr lang="en-US" altLang="ja-JP" b="0" i="0" dirty="0" err="1">
+                <a:effectLst/>
+                <a:latin typeface="Consolas" panose="020B0609020204030204" pitchFamily="49" charset="0"/>
+              </a:rPr>
+              <a:t>num_hidden_dims</a:t>
+            </a:r>
+            <a:r>
+              <a:rPr lang="en-US" altLang="ja-JP" b="0" i="0" dirty="0">
+                <a:effectLst/>
+                <a:latin typeface="Consolas" panose="020B0609020204030204" pitchFamily="49" charset="0"/>
+              </a:rPr>
+              <a:t>': 3, '</a:t>
+            </a:r>
+            <a:r>
+              <a:rPr lang="en-US" altLang="ja-JP" b="0" i="0" dirty="0" err="1">
+                <a:effectLst/>
+                <a:latin typeface="Consolas" panose="020B0609020204030204" pitchFamily="49" charset="0"/>
+              </a:rPr>
+              <a:t>hidden_dim_other</a:t>
+            </a:r>
+            <a:r>
+              <a:rPr lang="en-US" altLang="ja-JP" b="0" i="0" dirty="0">
+                <a:effectLst/>
+                <a:latin typeface="Consolas" panose="020B0609020204030204" pitchFamily="49" charset="0"/>
+              </a:rPr>
+              <a:t>': 12, 'hidden_dim_other2': 16, '</a:t>
+            </a:r>
+            <a:r>
+              <a:rPr lang="en-US" altLang="ja-JP" b="0" i="0" dirty="0" err="1">
+                <a:effectLst/>
+                <a:latin typeface="Consolas" panose="020B0609020204030204" pitchFamily="49" charset="0"/>
+              </a:rPr>
+              <a:t>learning_rate</a:t>
+            </a:r>
+            <a:r>
+              <a:rPr lang="en-US" altLang="ja-JP" b="0" i="0" dirty="0">
+                <a:effectLst/>
+                <a:latin typeface="Consolas" panose="020B0609020204030204" pitchFamily="49" charset="0"/>
+              </a:rPr>
+              <a:t>': 0.006325, '</a:t>
+            </a:r>
+            <a:r>
+              <a:rPr lang="en-US" altLang="ja-JP" b="0" i="0" dirty="0" err="1">
+                <a:effectLst/>
+                <a:latin typeface="Consolas" panose="020B0609020204030204" pitchFamily="49" charset="0"/>
+              </a:rPr>
+              <a:t>hidden_dim_out</a:t>
+            </a:r>
+            <a:r>
+              <a:rPr lang="en-US" altLang="ja-JP" b="0" i="0" dirty="0">
+                <a:effectLst/>
+                <a:latin typeface="Consolas" panose="020B0609020204030204" pitchFamily="49" charset="0"/>
+              </a:rPr>
+              <a:t>': 50, 'hidden_dim_out2': 50, 'times': 5, '</a:t>
+            </a:r>
+            <a:r>
+              <a:rPr lang="en-US" altLang="ja-JP" b="0" i="0" dirty="0" err="1">
+                <a:effectLst/>
+                <a:latin typeface="Consolas" panose="020B0609020204030204" pitchFamily="49" charset="0"/>
+              </a:rPr>
+              <a:t>result_name</a:t>
+            </a:r>
+            <a:r>
+              <a:rPr lang="en-US" altLang="ja-JP" b="0" i="0" dirty="0">
+                <a:effectLst/>
+                <a:latin typeface="Consolas" panose="020B0609020204030204" pitchFamily="49" charset="0"/>
+              </a:rPr>
+              <a:t>': '</a:t>
+            </a:r>
+            <a:r>
+              <a:rPr lang="en-US" altLang="ja-JP" b="0" i="0" dirty="0" err="1">
+                <a:effectLst/>
+                <a:latin typeface="Consolas" panose="020B0609020204030204" pitchFamily="49" charset="0"/>
+              </a:rPr>
+              <a:t>pred_ironloss_brhc_swin_t_w_params_hidden_dim_init</a:t>
+            </a:r>
+            <a:r>
+              <a:rPr lang="en-US" altLang="ja-JP" b="0" i="0" dirty="0">
+                <a:effectLst/>
+                <a:latin typeface="Consolas" panose="020B0609020204030204" pitchFamily="49" charset="0"/>
+              </a:rPr>
+              <a:t>', '</a:t>
+            </a:r>
+            <a:r>
+              <a:rPr lang="en-US" altLang="ja-JP" b="0" i="0" dirty="0" err="1">
+                <a:effectLst/>
+                <a:latin typeface="Consolas" panose="020B0609020204030204" pitchFamily="49" charset="0"/>
+              </a:rPr>
+              <a:t>modelname</a:t>
+            </a:r>
+            <a:r>
+              <a:rPr lang="en-US" altLang="ja-JP" b="0" i="0" dirty="0">
+                <a:effectLst/>
+                <a:latin typeface="Consolas" panose="020B0609020204030204" pitchFamily="49" charset="0"/>
+              </a:rPr>
+              <a:t>': '</a:t>
+            </a:r>
+            <a:r>
+              <a:rPr lang="en-US" altLang="ja-JP" b="0" i="0" dirty="0" err="1">
+                <a:effectLst/>
+                <a:latin typeface="Consolas" panose="020B0609020204030204" pitchFamily="49" charset="0"/>
+              </a:rPr>
+              <a:t>swin_t</a:t>
+            </a:r>
+            <a:r>
+              <a:rPr lang="en-US" altLang="ja-JP" b="0" i="0" dirty="0">
+                <a:effectLst/>
+                <a:latin typeface="Consolas" panose="020B0609020204030204" pitchFamily="49" charset="0"/>
+              </a:rPr>
+              <a:t>', '</a:t>
+            </a:r>
+            <a:r>
+              <a:rPr lang="en-US" altLang="ja-JP" b="0" i="0" dirty="0" err="1">
+                <a:effectLst/>
+                <a:latin typeface="Consolas" panose="020B0609020204030204" pitchFamily="49" charset="0"/>
+              </a:rPr>
+              <a:t>typename</a:t>
+            </a:r>
+            <a:r>
+              <a:rPr lang="en-US" altLang="ja-JP" b="0" i="0" dirty="0">
+                <a:effectLst/>
+                <a:latin typeface="Consolas" panose="020B0609020204030204" pitchFamily="49" charset="0"/>
+              </a:rPr>
+              <a:t>': '</a:t>
+            </a:r>
+            <a:r>
+              <a:rPr lang="en-US" altLang="ja-JP" b="0" i="0" dirty="0" err="1">
+                <a:effectLst/>
+                <a:latin typeface="Consolas" panose="020B0609020204030204" pitchFamily="49" charset="0"/>
+              </a:rPr>
+              <a:t>transfer_learning</a:t>
+            </a:r>
+            <a:r>
+              <a:rPr lang="en-US" altLang="ja-JP" b="0" i="0" dirty="0">
+                <a:effectLst/>
+                <a:latin typeface="Consolas" panose="020B0609020204030204" pitchFamily="49" charset="0"/>
+              </a:rPr>
+              <a:t>', '</a:t>
+            </a:r>
+            <a:r>
+              <a:rPr lang="en-US" altLang="ja-JP" b="0" i="0" dirty="0" err="1">
+                <a:effectLst/>
+                <a:latin typeface="Consolas" panose="020B0609020204030204" pitchFamily="49" charset="0"/>
+              </a:rPr>
+              <a:t>pathmodel</a:t>
+            </a:r>
+            <a:r>
+              <a:rPr lang="en-US" altLang="ja-JP" b="0" i="0" dirty="0">
+                <a:effectLst/>
+                <a:latin typeface="Consolas" panose="020B0609020204030204" pitchFamily="49" charset="0"/>
+              </a:rPr>
+              <a:t>': None}</a:t>
             </a:r>
             <a:endParaRPr kumimoji="1" lang="en-US" altLang="ja-JP" dirty="0">
               <a:latin typeface="メイリオ" panose="020B0604030504040204" pitchFamily="50" charset="-128"/>
@@ -4536,7 +5006,7 @@
     </p:spTree>
     <p:extLst>
       <p:ext uri="{BB962C8B-B14F-4D97-AF65-F5344CB8AC3E}">
-        <p14:creationId xmlns:p14="http://schemas.microsoft.com/office/powerpoint/2010/main" val="677212300"/>
+        <p14:creationId xmlns:p14="http://schemas.microsoft.com/office/powerpoint/2010/main" val="165533274"/>
       </p:ext>
     </p:extLst>
   </p:cSld>
@@ -4595,6 +5065,13 @@
           <a:lstStyle/>
           <a:p>
             <a:r>
+              <a:rPr lang="ja-JP" altLang="en-US" sz="2400" dirty="0">
+                <a:latin typeface="メイリオ" panose="020B0604030504040204" pitchFamily="50" charset="-128"/>
+                <a:ea typeface="メイリオ" panose="020B0604030504040204" pitchFamily="50" charset="-128"/>
+              </a:rPr>
+              <a:t>出力側</a:t>
+            </a:r>
+            <a:r>
               <a:rPr lang="en-US" altLang="ja-JP" sz="2400" dirty="0">
                 <a:latin typeface="メイリオ" panose="020B0604030504040204" pitchFamily="50" charset="-128"/>
                 <a:ea typeface="メイリオ" panose="020B0604030504040204" pitchFamily="50" charset="-128"/>
@@ -4606,14 +5083,14 @@
                 <a:latin typeface="メイリオ" panose="020B0604030504040204" pitchFamily="50" charset="-128"/>
                 <a:ea typeface="メイリオ" panose="020B0604030504040204" pitchFamily="50" charset="-128"/>
               </a:rPr>
-              <a:t>出力層の次元：</a:t>
+              <a:t>の入力次元：</a:t>
             </a:r>
             <a:r>
               <a:rPr lang="en-US" altLang="ja-JP" sz="2400" dirty="0">
                 <a:latin typeface="メイリオ" panose="020B0604030504040204" pitchFamily="50" charset="-128"/>
                 <a:ea typeface="メイリオ" panose="020B0604030504040204" pitchFamily="50" charset="-128"/>
               </a:rPr>
-              <a:t>[]</a:t>
+              <a:t>[2,4,6,8,10,12]</a:t>
             </a:r>
             <a:endParaRPr kumimoji="1" lang="ja-JP" altLang="en-US" sz="2400" dirty="0">
               <a:latin typeface="メイリオ" panose="020B0604030504040204" pitchFamily="50" charset="-128"/>
@@ -4681,7 +5158,7 @@
         </p:nvSpPr>
         <p:spPr>
           <a:xfrm>
-            <a:off x="450006" y="4025413"/>
+            <a:off x="6595167" y="996945"/>
             <a:ext cx="2357931" cy="461665"/>
           </a:xfrm>
           <a:prstGeom prst="rect">
@@ -4712,12 +5189,304 @@
           </a:p>
         </p:txBody>
       </p:sp>
-      <p:sp>
-        <p:nvSpPr>
-          <p:cNvPr id="4" name="テキスト ボックス 3">
-            <a:extLst>
-              <a:ext uri="{FF2B5EF4-FFF2-40B4-BE49-F238E27FC236}">
-                <a16:creationId xmlns:a16="http://schemas.microsoft.com/office/drawing/2014/main" id="{2B7E3E40-B78A-AFB1-792D-E40A3DFA9BF1}"/>
+      <p:pic>
+        <p:nvPicPr>
+          <p:cNvPr id="6" name="図 5">
+            <a:extLst>
+              <a:ext uri="{FF2B5EF4-FFF2-40B4-BE49-F238E27FC236}">
+                <a16:creationId xmlns:a16="http://schemas.microsoft.com/office/drawing/2014/main" id="{C0921827-0043-C742-0C39-AE40A5A992FB}"/>
+              </a:ext>
+            </a:extLst>
+          </p:cNvPr>
+          <p:cNvPicPr>
+            <a:picLocks noChangeAspect="1"/>
+          </p:cNvPicPr>
+          <p:nvPr/>
+        </p:nvPicPr>
+        <p:blipFill>
+          <a:blip r:embed="rId2"/>
+          <a:stretch>
+            <a:fillRect/>
+          </a:stretch>
+        </p:blipFill>
+        <p:spPr>
+          <a:xfrm>
+            <a:off x="47700" y="1686446"/>
+            <a:ext cx="2988311" cy="2246421"/>
+          </a:xfrm>
+          <a:prstGeom prst="rect">
+            <a:avLst/>
+          </a:prstGeom>
+        </p:spPr>
+      </p:pic>
+      <p:pic>
+        <p:nvPicPr>
+          <p:cNvPr id="7" name="図 6">
+            <a:extLst>
+              <a:ext uri="{FF2B5EF4-FFF2-40B4-BE49-F238E27FC236}">
+                <a16:creationId xmlns:a16="http://schemas.microsoft.com/office/drawing/2014/main" id="{44F1A942-01F6-FEFB-7E1E-D9968BE82031}"/>
+              </a:ext>
+            </a:extLst>
+          </p:cNvPr>
+          <p:cNvPicPr>
+            <a:picLocks noChangeAspect="1"/>
+          </p:cNvPicPr>
+          <p:nvPr/>
+        </p:nvPicPr>
+        <p:blipFill>
+          <a:blip r:embed="rId3"/>
+          <a:stretch>
+            <a:fillRect/>
+          </a:stretch>
+        </p:blipFill>
+        <p:spPr>
+          <a:xfrm>
+            <a:off x="3051693" y="1686446"/>
+            <a:ext cx="2988311" cy="2246421"/>
+          </a:xfrm>
+          <a:prstGeom prst="rect">
+            <a:avLst/>
+          </a:prstGeom>
+        </p:spPr>
+      </p:pic>
+      <p:pic>
+        <p:nvPicPr>
+          <p:cNvPr id="8" name="図 7">
+            <a:extLst>
+              <a:ext uri="{FF2B5EF4-FFF2-40B4-BE49-F238E27FC236}">
+                <a16:creationId xmlns:a16="http://schemas.microsoft.com/office/drawing/2014/main" id="{0CC2C783-FF65-D1C3-B533-7716C42CA717}"/>
+              </a:ext>
+            </a:extLst>
+          </p:cNvPr>
+          <p:cNvPicPr>
+            <a:picLocks noChangeAspect="1"/>
+          </p:cNvPicPr>
+          <p:nvPr/>
+        </p:nvPicPr>
+        <p:blipFill>
+          <a:blip r:embed="rId4"/>
+          <a:stretch>
+            <a:fillRect/>
+          </a:stretch>
+        </p:blipFill>
+        <p:spPr>
+          <a:xfrm>
+            <a:off x="6055686" y="1686445"/>
+            <a:ext cx="3035004" cy="2246422"/>
+          </a:xfrm>
+          <a:prstGeom prst="rect">
+            <a:avLst/>
+          </a:prstGeom>
+        </p:spPr>
+      </p:pic>
+      <p:pic>
+        <p:nvPicPr>
+          <p:cNvPr id="9" name="図 8">
+            <a:extLst>
+              <a:ext uri="{FF2B5EF4-FFF2-40B4-BE49-F238E27FC236}">
+                <a16:creationId xmlns:a16="http://schemas.microsoft.com/office/drawing/2014/main" id="{F0A41871-31C8-BA01-FB9B-D9783087ABE2}"/>
+              </a:ext>
+            </a:extLst>
+          </p:cNvPr>
+          <p:cNvPicPr>
+            <a:picLocks noChangeAspect="1"/>
+          </p:cNvPicPr>
+          <p:nvPr/>
+        </p:nvPicPr>
+        <p:blipFill>
+          <a:blip r:embed="rId5"/>
+          <a:stretch>
+            <a:fillRect/>
+          </a:stretch>
+        </p:blipFill>
+        <p:spPr>
+          <a:xfrm>
+            <a:off x="9106371" y="1686445"/>
+            <a:ext cx="3035004" cy="2246422"/>
+          </a:xfrm>
+          <a:prstGeom prst="rect">
+            <a:avLst/>
+          </a:prstGeom>
+        </p:spPr>
+      </p:pic>
+      <p:pic>
+        <p:nvPicPr>
+          <p:cNvPr id="10" name="図 9">
+            <a:extLst>
+              <a:ext uri="{FF2B5EF4-FFF2-40B4-BE49-F238E27FC236}">
+                <a16:creationId xmlns:a16="http://schemas.microsoft.com/office/drawing/2014/main" id="{BC763C4D-E231-2ABD-F466-82CC218132AC}"/>
+              </a:ext>
+            </a:extLst>
+          </p:cNvPr>
+          <p:cNvPicPr>
+            <a:picLocks noChangeAspect="1"/>
+          </p:cNvPicPr>
+          <p:nvPr/>
+        </p:nvPicPr>
+        <p:blipFill>
+          <a:blip r:embed="rId6"/>
+          <a:stretch>
+            <a:fillRect/>
+          </a:stretch>
+        </p:blipFill>
+        <p:spPr>
+          <a:xfrm>
+            <a:off x="47700" y="4252305"/>
+            <a:ext cx="2988311" cy="2246421"/>
+          </a:xfrm>
+          <a:prstGeom prst="rect">
+            <a:avLst/>
+          </a:prstGeom>
+        </p:spPr>
+      </p:pic>
+      <p:pic>
+        <p:nvPicPr>
+          <p:cNvPr id="11" name="図 10">
+            <a:extLst>
+              <a:ext uri="{FF2B5EF4-FFF2-40B4-BE49-F238E27FC236}">
+                <a16:creationId xmlns:a16="http://schemas.microsoft.com/office/drawing/2014/main" id="{C62AAE9A-0855-C25D-6263-444AF54FD14F}"/>
+              </a:ext>
+            </a:extLst>
+          </p:cNvPr>
+          <p:cNvPicPr>
+            <a:picLocks noChangeAspect="1"/>
+          </p:cNvPicPr>
+          <p:nvPr/>
+        </p:nvPicPr>
+        <p:blipFill>
+          <a:blip r:embed="rId7"/>
+          <a:stretch>
+            <a:fillRect/>
+          </a:stretch>
+        </p:blipFill>
+        <p:spPr>
+          <a:xfrm>
+            <a:off x="3082821" y="4234806"/>
+            <a:ext cx="2988311" cy="2246421"/>
+          </a:xfrm>
+          <a:prstGeom prst="rect">
+            <a:avLst/>
+          </a:prstGeom>
+        </p:spPr>
+      </p:pic>
+      <p:pic>
+        <p:nvPicPr>
+          <p:cNvPr id="12" name="図 11">
+            <a:extLst>
+              <a:ext uri="{FF2B5EF4-FFF2-40B4-BE49-F238E27FC236}">
+                <a16:creationId xmlns:a16="http://schemas.microsoft.com/office/drawing/2014/main" id="{A5B7B606-9FCE-DACD-295F-6AE195C2455E}"/>
+              </a:ext>
+            </a:extLst>
+          </p:cNvPr>
+          <p:cNvPicPr>
+            <a:picLocks noChangeAspect="1"/>
+          </p:cNvPicPr>
+          <p:nvPr/>
+        </p:nvPicPr>
+        <p:blipFill>
+          <a:blip r:embed="rId8"/>
+          <a:stretch>
+            <a:fillRect/>
+          </a:stretch>
+        </p:blipFill>
+        <p:spPr>
+          <a:xfrm>
+            <a:off x="6117942" y="4234806"/>
+            <a:ext cx="2988311" cy="2246421"/>
+          </a:xfrm>
+          <a:prstGeom prst="rect">
+            <a:avLst/>
+          </a:prstGeom>
+        </p:spPr>
+      </p:pic>
+      <p:pic>
+        <p:nvPicPr>
+          <p:cNvPr id="13" name="図 12">
+            <a:extLst>
+              <a:ext uri="{FF2B5EF4-FFF2-40B4-BE49-F238E27FC236}">
+                <a16:creationId xmlns:a16="http://schemas.microsoft.com/office/drawing/2014/main" id="{CC388EF7-AF47-E2CA-1DA5-1175D330595C}"/>
+              </a:ext>
+            </a:extLst>
+          </p:cNvPr>
+          <p:cNvPicPr>
+            <a:picLocks noChangeAspect="1"/>
+          </p:cNvPicPr>
+          <p:nvPr/>
+        </p:nvPicPr>
+        <p:blipFill>
+          <a:blip r:embed="rId9"/>
+          <a:stretch>
+            <a:fillRect/>
+          </a:stretch>
+        </p:blipFill>
+        <p:spPr>
+          <a:xfrm>
+            <a:off x="9153064" y="4234806"/>
+            <a:ext cx="2988311" cy="2246421"/>
+          </a:xfrm>
+          <a:prstGeom prst="rect">
+            <a:avLst/>
+          </a:prstGeom>
+        </p:spPr>
+      </p:pic>
+      <p:sp>
+        <p:nvSpPr>
+          <p:cNvPr id="17" name="正方形/長方形 16">
+            <a:extLst>
+              <a:ext uri="{FF2B5EF4-FFF2-40B4-BE49-F238E27FC236}">
+                <a16:creationId xmlns:a16="http://schemas.microsoft.com/office/drawing/2014/main" id="{ADF48ED6-E58E-1313-68EF-8D3CC3FC42D5}"/>
+              </a:ext>
+            </a:extLst>
+          </p:cNvPr>
+          <p:cNvSpPr/>
+          <p:nvPr/>
+        </p:nvSpPr>
+        <p:spPr>
+          <a:xfrm>
+            <a:off x="1235281" y="2605695"/>
+            <a:ext cx="446035" cy="3913306"/>
+          </a:xfrm>
+          <a:prstGeom prst="rect">
+            <a:avLst/>
+          </a:prstGeom>
+          <a:noFill/>
+          <a:ln w="28575">
+            <a:solidFill>
+              <a:srgbClr val="00B050"/>
+            </a:solidFill>
+          </a:ln>
+        </p:spPr>
+        <p:style>
+          <a:lnRef idx="2">
+            <a:schemeClr val="accent1">
+              <a:shade val="15000"/>
+            </a:schemeClr>
+          </a:lnRef>
+          <a:fillRef idx="1">
+            <a:schemeClr val="accent1"/>
+          </a:fillRef>
+          <a:effectRef idx="0">
+            <a:schemeClr val="accent1"/>
+          </a:effectRef>
+          <a:fontRef idx="minor">
+            <a:schemeClr val="lt1"/>
+          </a:fontRef>
+        </p:style>
+        <p:txBody>
+          <a:bodyPr rtlCol="0" anchor="ctr"/>
+          <a:lstStyle/>
+          <a:p>
+            <a:pPr algn="ctr"/>
+            <a:endParaRPr kumimoji="1" lang="ja-JP" altLang="en-US"/>
+          </a:p>
+        </p:txBody>
+      </p:sp>
+      <p:sp>
+        <p:nvSpPr>
+          <p:cNvPr id="18" name="テキスト ボックス 17">
+            <a:extLst>
+              <a:ext uri="{FF2B5EF4-FFF2-40B4-BE49-F238E27FC236}">
+                <a16:creationId xmlns:a16="http://schemas.microsoft.com/office/drawing/2014/main" id="{30BA2F0C-5F46-8762-1274-E016D35FAD1B}"/>
               </a:ext>
             </a:extLst>
           </p:cNvPr>
@@ -4726,8 +5495,8 @@
         </p:nvSpPr>
         <p:spPr>
           <a:xfrm>
-            <a:off x="733225" y="1579573"/>
-            <a:ext cx="10903120" cy="369332"/>
+            <a:off x="516053" y="2147027"/>
+            <a:ext cx="1884490" cy="461665"/>
           </a:xfrm>
           <a:prstGeom prst="rect">
             <a:avLst/>
@@ -4743,14 +5512,21 @@
           </a:bodyPr>
           <a:lstStyle/>
           <a:p>
-            <a:r>
-              <a:rPr lang="en-US" altLang="ja-JP" b="0" i="0" dirty="0">
-                <a:effectLst/>
-                <a:latin typeface="Consolas" panose="020B0609020204030204" pitchFamily="49" charset="0"/>
-              </a:rPr>
-              <a:t>{'batch_</a:t>
-            </a:r>
-            <a:endParaRPr kumimoji="1" lang="ja-JP" altLang="en-US" dirty="0">
+            <a:pPr algn="ctr"/>
+            <a:r>
+              <a:rPr kumimoji="1" lang="en-US" altLang="ja-JP" sz="2400" b="1" dirty="0">
+                <a:solidFill>
+                  <a:srgbClr val="00B050"/>
+                </a:solidFill>
+                <a:latin typeface="メイリオ" panose="020B0604030504040204" pitchFamily="50" charset="-128"/>
+                <a:ea typeface="メイリオ" panose="020B0604030504040204" pitchFamily="50" charset="-128"/>
+              </a:rPr>
+              <a:t>6</a:t>
+            </a:r>
+            <a:endParaRPr kumimoji="1" lang="ja-JP" altLang="en-US" sz="2400" b="1" dirty="0">
+              <a:solidFill>
+                <a:srgbClr val="00B050"/>
+              </a:solidFill>
               <a:latin typeface="メイリオ" panose="020B0604030504040204" pitchFamily="50" charset="-128"/>
               <a:ea typeface="メイリオ" panose="020B0604030504040204" pitchFamily="50" charset="-128"/>
             </a:endParaRPr>
@@ -4759,10 +5535,62 @@
       </p:sp>
       <p:sp>
         <p:nvSpPr>
-          <p:cNvPr id="5" name="テキスト ボックス 4">
-            <a:extLst>
-              <a:ext uri="{FF2B5EF4-FFF2-40B4-BE49-F238E27FC236}">
-                <a16:creationId xmlns:a16="http://schemas.microsoft.com/office/drawing/2014/main" id="{1DC5232A-7672-589E-830D-A7C5E40C4D6D}"/>
+          <p:cNvPr id="19" name="正方形/長方形 18">
+            <a:extLst>
+              <a:ext uri="{FF2B5EF4-FFF2-40B4-BE49-F238E27FC236}">
+                <a16:creationId xmlns:a16="http://schemas.microsoft.com/office/drawing/2014/main" id="{0B6399A5-C9BE-CB9B-CCD2-C56DFA5C0F05}"/>
+              </a:ext>
+            </a:extLst>
+          </p:cNvPr>
+          <p:cNvSpPr/>
+          <p:nvPr/>
+        </p:nvSpPr>
+        <p:spPr>
+          <a:xfrm>
+            <a:off x="4254956" y="2605695"/>
+            <a:ext cx="446035" cy="3913306"/>
+          </a:xfrm>
+          <a:prstGeom prst="rect">
+            <a:avLst/>
+          </a:prstGeom>
+          <a:noFill/>
+          <a:ln w="28575">
+            <a:solidFill>
+              <a:srgbClr val="00B050"/>
+            </a:solidFill>
+          </a:ln>
+        </p:spPr>
+        <p:style>
+          <a:lnRef idx="2">
+            <a:schemeClr val="accent1">
+              <a:shade val="15000"/>
+            </a:schemeClr>
+          </a:lnRef>
+          <a:fillRef idx="1">
+            <a:schemeClr val="accent1"/>
+          </a:fillRef>
+          <a:effectRef idx="0">
+            <a:schemeClr val="accent1"/>
+          </a:effectRef>
+          <a:fontRef idx="minor">
+            <a:schemeClr val="lt1"/>
+          </a:fontRef>
+        </p:style>
+        <p:txBody>
+          <a:bodyPr rtlCol="0" anchor="ctr"/>
+          <a:lstStyle/>
+          <a:p>
+            <a:pPr algn="ctr"/>
+            <a:endParaRPr kumimoji="1" lang="ja-JP" altLang="en-US"/>
+          </a:p>
+        </p:txBody>
+      </p:sp>
+      <p:sp>
+        <p:nvSpPr>
+          <p:cNvPr id="20" name="テキスト ボックス 19">
+            <a:extLst>
+              <a:ext uri="{FF2B5EF4-FFF2-40B4-BE49-F238E27FC236}">
+                <a16:creationId xmlns:a16="http://schemas.microsoft.com/office/drawing/2014/main" id="{061BEC1C-20DE-BAF1-A07C-57E2263828F5}"/>
               </a:ext>
             </a:extLst>
           </p:cNvPr>
@@ -4771,8 +5599,8 @@
         </p:nvSpPr>
         <p:spPr>
           <a:xfrm>
-            <a:off x="733225" y="4630270"/>
-            <a:ext cx="10903120" cy="369332"/>
+            <a:off x="3535728" y="2147027"/>
+            <a:ext cx="1884490" cy="461665"/>
           </a:xfrm>
           <a:prstGeom prst="rect">
             <a:avLst/>
@@ -4788,24 +5616,239 @@
           </a:bodyPr>
           <a:lstStyle/>
           <a:p>
-            <a:r>
-              <a:rPr lang="en-US" altLang="ja-JP" b="0" i="0" dirty="0">
-                <a:effectLst/>
-                <a:latin typeface="Consolas" panose="020B0609020204030204" pitchFamily="49" charset="0"/>
-              </a:rPr>
-              <a:t>{'batch_</a:t>
-            </a:r>
-            <a:endParaRPr kumimoji="1" lang="en-US" altLang="ja-JP" dirty="0">
+            <a:pPr algn="ctr"/>
+            <a:r>
+              <a:rPr kumimoji="1" lang="en-US" altLang="ja-JP" sz="2400" b="1" dirty="0">
+                <a:solidFill>
+                  <a:srgbClr val="00B050"/>
+                </a:solidFill>
+                <a:latin typeface="メイリオ" panose="020B0604030504040204" pitchFamily="50" charset="-128"/>
+                <a:ea typeface="メイリオ" panose="020B0604030504040204" pitchFamily="50" charset="-128"/>
+              </a:rPr>
+              <a:t>6</a:t>
+            </a:r>
+            <a:endParaRPr kumimoji="1" lang="ja-JP" altLang="en-US" sz="2400" b="1" dirty="0">
+              <a:solidFill>
+                <a:srgbClr val="00B050"/>
+              </a:solidFill>
               <a:latin typeface="メイリオ" panose="020B0604030504040204" pitchFamily="50" charset="-128"/>
               <a:ea typeface="メイリオ" panose="020B0604030504040204" pitchFamily="50" charset="-128"/>
             </a:endParaRPr>
           </a:p>
         </p:txBody>
       </p:sp>
+      <p:sp>
+        <p:nvSpPr>
+          <p:cNvPr id="21" name="正方形/長方形 20">
+            <a:extLst>
+              <a:ext uri="{FF2B5EF4-FFF2-40B4-BE49-F238E27FC236}">
+                <a16:creationId xmlns:a16="http://schemas.microsoft.com/office/drawing/2014/main" id="{B2B4709B-DBD6-EE9C-CE77-9589158ED7FF}"/>
+              </a:ext>
+            </a:extLst>
+          </p:cNvPr>
+          <p:cNvSpPr/>
+          <p:nvPr/>
+        </p:nvSpPr>
+        <p:spPr>
+          <a:xfrm>
+            <a:off x="7720666" y="2421878"/>
+            <a:ext cx="446035" cy="4097123"/>
+          </a:xfrm>
+          <a:prstGeom prst="rect">
+            <a:avLst/>
+          </a:prstGeom>
+          <a:noFill/>
+          <a:ln w="28575">
+            <a:solidFill>
+              <a:srgbClr val="00B050"/>
+            </a:solidFill>
+          </a:ln>
+        </p:spPr>
+        <p:style>
+          <a:lnRef idx="2">
+            <a:schemeClr val="accent1">
+              <a:shade val="15000"/>
+            </a:schemeClr>
+          </a:lnRef>
+          <a:fillRef idx="1">
+            <a:schemeClr val="accent1"/>
+          </a:fillRef>
+          <a:effectRef idx="0">
+            <a:schemeClr val="accent1"/>
+          </a:effectRef>
+          <a:fontRef idx="minor">
+            <a:schemeClr val="lt1"/>
+          </a:fontRef>
+        </p:style>
+        <p:txBody>
+          <a:bodyPr rtlCol="0" anchor="ctr"/>
+          <a:lstStyle/>
+          <a:p>
+            <a:pPr algn="ctr"/>
+            <a:endParaRPr kumimoji="1" lang="ja-JP" altLang="en-US"/>
+          </a:p>
+        </p:txBody>
+      </p:sp>
+      <p:sp>
+        <p:nvSpPr>
+          <p:cNvPr id="22" name="テキスト ボックス 21">
+            <a:extLst>
+              <a:ext uri="{FF2B5EF4-FFF2-40B4-BE49-F238E27FC236}">
+                <a16:creationId xmlns:a16="http://schemas.microsoft.com/office/drawing/2014/main" id="{46F8162B-A9F2-44CB-E04C-799F4CE54456}"/>
+              </a:ext>
+            </a:extLst>
+          </p:cNvPr>
+          <p:cNvSpPr txBox="1"/>
+          <p:nvPr/>
+        </p:nvSpPr>
+        <p:spPr>
+          <a:xfrm>
+            <a:off x="7001438" y="1960213"/>
+            <a:ext cx="1884490" cy="461665"/>
+          </a:xfrm>
+          <a:prstGeom prst="rect">
+            <a:avLst/>
+          </a:prstGeom>
+          <a:noFill/>
+          <a:ln>
+            <a:noFill/>
+          </a:ln>
+        </p:spPr>
+        <p:txBody>
+          <a:bodyPr wrap="square" rtlCol="0">
+            <a:spAutoFit/>
+          </a:bodyPr>
+          <a:lstStyle/>
+          <a:p>
+            <a:pPr algn="ctr"/>
+            <a:r>
+              <a:rPr lang="en-US" altLang="ja-JP" sz="2400" b="1" dirty="0">
+                <a:solidFill>
+                  <a:srgbClr val="00B050"/>
+                </a:solidFill>
+                <a:latin typeface="メイリオ" panose="020B0604030504040204" pitchFamily="50" charset="-128"/>
+                <a:ea typeface="メイリオ" panose="020B0604030504040204" pitchFamily="50" charset="-128"/>
+              </a:rPr>
+              <a:t>8</a:t>
+            </a:r>
+            <a:endParaRPr kumimoji="1" lang="ja-JP" altLang="en-US" sz="2400" b="1" dirty="0">
+              <a:solidFill>
+                <a:srgbClr val="00B050"/>
+              </a:solidFill>
+              <a:latin typeface="メイリオ" panose="020B0604030504040204" pitchFamily="50" charset="-128"/>
+              <a:ea typeface="メイリオ" panose="020B0604030504040204" pitchFamily="50" charset="-128"/>
+            </a:endParaRPr>
+          </a:p>
+        </p:txBody>
+      </p:sp>
+      <p:sp>
+        <p:nvSpPr>
+          <p:cNvPr id="23" name="正方形/長方形 22">
+            <a:extLst>
+              <a:ext uri="{FF2B5EF4-FFF2-40B4-BE49-F238E27FC236}">
+                <a16:creationId xmlns:a16="http://schemas.microsoft.com/office/drawing/2014/main" id="{4BB01DF4-26A7-067C-C3B3-47429E6508B9}"/>
+              </a:ext>
+            </a:extLst>
+          </p:cNvPr>
+          <p:cNvSpPr/>
+          <p:nvPr/>
+        </p:nvSpPr>
+        <p:spPr>
+          <a:xfrm>
+            <a:off x="10740224" y="2309247"/>
+            <a:ext cx="446035" cy="4209754"/>
+          </a:xfrm>
+          <a:prstGeom prst="rect">
+            <a:avLst/>
+          </a:prstGeom>
+          <a:noFill/>
+          <a:ln w="28575">
+            <a:solidFill>
+              <a:srgbClr val="00B050"/>
+            </a:solidFill>
+          </a:ln>
+        </p:spPr>
+        <p:style>
+          <a:lnRef idx="2">
+            <a:schemeClr val="accent1">
+              <a:shade val="15000"/>
+            </a:schemeClr>
+          </a:lnRef>
+          <a:fillRef idx="1">
+            <a:schemeClr val="accent1"/>
+          </a:fillRef>
+          <a:effectRef idx="0">
+            <a:schemeClr val="accent1"/>
+          </a:effectRef>
+          <a:fontRef idx="minor">
+            <a:schemeClr val="lt1"/>
+          </a:fontRef>
+        </p:style>
+        <p:txBody>
+          <a:bodyPr rtlCol="0" anchor="ctr"/>
+          <a:lstStyle/>
+          <a:p>
+            <a:pPr algn="ctr"/>
+            <a:endParaRPr kumimoji="1" lang="ja-JP" altLang="en-US"/>
+          </a:p>
+        </p:txBody>
+      </p:sp>
+      <p:sp>
+        <p:nvSpPr>
+          <p:cNvPr id="24" name="テキスト ボックス 23">
+            <a:extLst>
+              <a:ext uri="{FF2B5EF4-FFF2-40B4-BE49-F238E27FC236}">
+                <a16:creationId xmlns:a16="http://schemas.microsoft.com/office/drawing/2014/main" id="{0459B0FD-349A-00F9-B4D8-69F6FEEE1E91}"/>
+              </a:ext>
+            </a:extLst>
+          </p:cNvPr>
+          <p:cNvSpPr txBox="1"/>
+          <p:nvPr/>
+        </p:nvSpPr>
+        <p:spPr>
+          <a:xfrm>
+            <a:off x="10020996" y="1960213"/>
+            <a:ext cx="1884490" cy="461665"/>
+          </a:xfrm>
+          <a:prstGeom prst="rect">
+            <a:avLst/>
+          </a:prstGeom>
+          <a:noFill/>
+          <a:ln>
+            <a:noFill/>
+          </a:ln>
+        </p:spPr>
+        <p:txBody>
+          <a:bodyPr wrap="square" rtlCol="0">
+            <a:spAutoFit/>
+          </a:bodyPr>
+          <a:lstStyle/>
+          <a:p>
+            <a:pPr algn="ctr"/>
+            <a:r>
+              <a:rPr kumimoji="1" lang="en-US" altLang="ja-JP" sz="2400" b="1" dirty="0">
+                <a:solidFill>
+                  <a:srgbClr val="00B050"/>
+                </a:solidFill>
+                <a:latin typeface="メイリオ" panose="020B0604030504040204" pitchFamily="50" charset="-128"/>
+                <a:ea typeface="メイリオ" panose="020B0604030504040204" pitchFamily="50" charset="-128"/>
+              </a:rPr>
+              <a:t>8</a:t>
+            </a:r>
+            <a:endParaRPr kumimoji="1" lang="ja-JP" altLang="en-US" sz="2400" b="1" dirty="0">
+              <a:solidFill>
+                <a:srgbClr val="00B050"/>
+              </a:solidFill>
+              <a:latin typeface="メイリオ" panose="020B0604030504040204" pitchFamily="50" charset="-128"/>
+              <a:ea typeface="メイリオ" panose="020B0604030504040204" pitchFamily="50" charset="-128"/>
+            </a:endParaRPr>
+          </a:p>
+        </p:txBody>
+      </p:sp>
     </p:spTree>
     <p:extLst>
       <p:ext uri="{BB962C8B-B14F-4D97-AF65-F5344CB8AC3E}">
-        <p14:creationId xmlns:p14="http://schemas.microsoft.com/office/powerpoint/2010/main" val="3913324261"/>
+        <p14:creationId xmlns:p14="http://schemas.microsoft.com/office/powerpoint/2010/main" val="672710481"/>
       </p:ext>
     </p:extLst>
   </p:cSld>
@@ -4864,6 +5907,537 @@
           <a:lstStyle/>
           <a:p>
             <a:r>
+              <a:rPr kumimoji="1" lang="ja-JP" altLang="en-US" sz="2400" dirty="0">
+                <a:latin typeface="メイリオ" panose="020B0604030504040204" pitchFamily="50" charset="-128"/>
+                <a:ea typeface="メイリオ" panose="020B0604030504040204" pitchFamily="50" charset="-128"/>
+              </a:rPr>
+              <a:t>他パラメータの</a:t>
+            </a:r>
+            <a:r>
+              <a:rPr kumimoji="1" lang="en-US" altLang="ja-JP" sz="2400" dirty="0" err="1">
+                <a:latin typeface="メイリオ" panose="020B0604030504040204" pitchFamily="50" charset="-128"/>
+                <a:ea typeface="メイリオ" panose="020B0604030504040204" pitchFamily="50" charset="-128"/>
+              </a:rPr>
+              <a:t>optuna</a:t>
+            </a:r>
+            <a:endParaRPr kumimoji="1" lang="ja-JP" altLang="en-US" sz="2400" dirty="0">
+              <a:latin typeface="メイリオ" panose="020B0604030504040204" pitchFamily="50" charset="-128"/>
+              <a:ea typeface="メイリオ" panose="020B0604030504040204" pitchFamily="50" charset="-128"/>
+            </a:endParaRPr>
+          </a:p>
+        </p:txBody>
+      </p:sp>
+      <p:sp>
+        <p:nvSpPr>
+          <p:cNvPr id="2" name="テキスト ボックス 1">
+            <a:extLst>
+              <a:ext uri="{FF2B5EF4-FFF2-40B4-BE49-F238E27FC236}">
+                <a16:creationId xmlns:a16="http://schemas.microsoft.com/office/drawing/2014/main" id="{30CDFC66-C0C4-2046-841A-6C9C40239373}"/>
+              </a:ext>
+            </a:extLst>
+          </p:cNvPr>
+          <p:cNvSpPr txBox="1"/>
+          <p:nvPr/>
+        </p:nvSpPr>
+        <p:spPr>
+          <a:xfrm>
+            <a:off x="401453" y="996946"/>
+            <a:ext cx="1443531" cy="461665"/>
+          </a:xfrm>
+          <a:prstGeom prst="rect">
+            <a:avLst/>
+          </a:prstGeom>
+          <a:noFill/>
+          <a:ln>
+            <a:noFill/>
+          </a:ln>
+        </p:spPr>
+        <p:txBody>
+          <a:bodyPr wrap="square" rtlCol="0">
+            <a:spAutoFit/>
+          </a:bodyPr>
+          <a:lstStyle/>
+          <a:p>
+            <a:r>
+              <a:rPr lang="en-US" altLang="ja-JP" sz="2400" dirty="0">
+                <a:latin typeface="メイリオ" panose="020B0604030504040204" pitchFamily="50" charset="-128"/>
+                <a:ea typeface="メイリオ" panose="020B0604030504040204" pitchFamily="50" charset="-128"/>
+              </a:rPr>
+              <a:t>flux</a:t>
+            </a:r>
+            <a:endParaRPr kumimoji="1" lang="ja-JP" altLang="en-US" sz="2400" dirty="0">
+              <a:latin typeface="メイリオ" panose="020B0604030504040204" pitchFamily="50" charset="-128"/>
+              <a:ea typeface="メイリオ" panose="020B0604030504040204" pitchFamily="50" charset="-128"/>
+            </a:endParaRPr>
+          </a:p>
+        </p:txBody>
+      </p:sp>
+      <p:sp>
+        <p:nvSpPr>
+          <p:cNvPr id="3" name="テキスト ボックス 2">
+            <a:extLst>
+              <a:ext uri="{FF2B5EF4-FFF2-40B4-BE49-F238E27FC236}">
+                <a16:creationId xmlns:a16="http://schemas.microsoft.com/office/drawing/2014/main" id="{524EE9AF-A166-6005-A6C4-D8BB02AB1E18}"/>
+              </a:ext>
+            </a:extLst>
+          </p:cNvPr>
+          <p:cNvSpPr txBox="1"/>
+          <p:nvPr/>
+        </p:nvSpPr>
+        <p:spPr>
+          <a:xfrm>
+            <a:off x="450006" y="4025413"/>
+            <a:ext cx="2357931" cy="461665"/>
+          </a:xfrm>
+          <a:prstGeom prst="rect">
+            <a:avLst/>
+          </a:prstGeom>
+          <a:noFill/>
+          <a:ln>
+            <a:noFill/>
+          </a:ln>
+        </p:spPr>
+        <p:txBody>
+          <a:bodyPr wrap="square" rtlCol="0">
+            <a:spAutoFit/>
+          </a:bodyPr>
+          <a:lstStyle/>
+          <a:p>
+            <a:r>
+              <a:rPr lang="en-US" altLang="ja-JP" sz="2400" dirty="0">
+                <a:latin typeface="メイリオ" panose="020B0604030504040204" pitchFamily="50" charset="-128"/>
+                <a:ea typeface="メイリオ" panose="020B0604030504040204" pitchFamily="50" charset="-128"/>
+              </a:rPr>
+              <a:t>Iron loss</a:t>
+            </a:r>
+            <a:endParaRPr kumimoji="1" lang="ja-JP" altLang="en-US" sz="2400" dirty="0">
+              <a:latin typeface="メイリオ" panose="020B0604030504040204" pitchFamily="50" charset="-128"/>
+              <a:ea typeface="メイリオ" panose="020B0604030504040204" pitchFamily="50" charset="-128"/>
+            </a:endParaRPr>
+          </a:p>
+        </p:txBody>
+      </p:sp>
+      <p:sp>
+        <p:nvSpPr>
+          <p:cNvPr id="4" name="テキスト ボックス 3">
+            <a:extLst>
+              <a:ext uri="{FF2B5EF4-FFF2-40B4-BE49-F238E27FC236}">
+                <a16:creationId xmlns:a16="http://schemas.microsoft.com/office/drawing/2014/main" id="{2B7E3E40-B78A-AFB1-792D-E40A3DFA9BF1}"/>
+              </a:ext>
+            </a:extLst>
+          </p:cNvPr>
+          <p:cNvSpPr txBox="1"/>
+          <p:nvPr/>
+        </p:nvSpPr>
+        <p:spPr>
+          <a:xfrm>
+            <a:off x="733225" y="1579573"/>
+            <a:ext cx="10903120" cy="369332"/>
+          </a:xfrm>
+          <a:prstGeom prst="rect">
+            <a:avLst/>
+          </a:prstGeom>
+          <a:noFill/>
+          <a:ln>
+            <a:noFill/>
+          </a:ln>
+        </p:spPr>
+        <p:txBody>
+          <a:bodyPr wrap="square" rtlCol="0">
+            <a:spAutoFit/>
+          </a:bodyPr>
+          <a:lstStyle/>
+          <a:p>
+            <a:r>
+              <a:rPr lang="en-US" altLang="ja-JP" b="0" i="0" dirty="0">
+                <a:effectLst/>
+                <a:latin typeface="Consolas" panose="020B0609020204030204" pitchFamily="49" charset="0"/>
+              </a:rPr>
+              <a:t>{'batch_</a:t>
+            </a:r>
+            <a:endParaRPr kumimoji="1" lang="ja-JP" altLang="en-US" dirty="0">
+              <a:latin typeface="メイリオ" panose="020B0604030504040204" pitchFamily="50" charset="-128"/>
+              <a:ea typeface="メイリオ" panose="020B0604030504040204" pitchFamily="50" charset="-128"/>
+            </a:endParaRPr>
+          </a:p>
+        </p:txBody>
+      </p:sp>
+      <p:sp>
+        <p:nvSpPr>
+          <p:cNvPr id="5" name="テキスト ボックス 4">
+            <a:extLst>
+              <a:ext uri="{FF2B5EF4-FFF2-40B4-BE49-F238E27FC236}">
+                <a16:creationId xmlns:a16="http://schemas.microsoft.com/office/drawing/2014/main" id="{1DC5232A-7672-589E-830D-A7C5E40C4D6D}"/>
+              </a:ext>
+            </a:extLst>
+          </p:cNvPr>
+          <p:cNvSpPr txBox="1"/>
+          <p:nvPr/>
+        </p:nvSpPr>
+        <p:spPr>
+          <a:xfrm>
+            <a:off x="733225" y="4630270"/>
+            <a:ext cx="10903120" cy="369332"/>
+          </a:xfrm>
+          <a:prstGeom prst="rect">
+            <a:avLst/>
+          </a:prstGeom>
+          <a:noFill/>
+          <a:ln>
+            <a:noFill/>
+          </a:ln>
+        </p:spPr>
+        <p:txBody>
+          <a:bodyPr wrap="square" rtlCol="0">
+            <a:spAutoFit/>
+          </a:bodyPr>
+          <a:lstStyle/>
+          <a:p>
+            <a:r>
+              <a:rPr lang="en-US" altLang="ja-JP" b="0" i="0" dirty="0">
+                <a:effectLst/>
+                <a:latin typeface="Consolas" panose="020B0609020204030204" pitchFamily="49" charset="0"/>
+              </a:rPr>
+              <a:t>{'batch_</a:t>
+            </a:r>
+            <a:endParaRPr kumimoji="1" lang="en-US" altLang="ja-JP" dirty="0">
+              <a:latin typeface="メイリオ" panose="020B0604030504040204" pitchFamily="50" charset="-128"/>
+              <a:ea typeface="メイリオ" panose="020B0604030504040204" pitchFamily="50" charset="-128"/>
+            </a:endParaRPr>
+          </a:p>
+        </p:txBody>
+      </p:sp>
+    </p:spTree>
+    <p:extLst>
+      <p:ext uri="{BB962C8B-B14F-4D97-AF65-F5344CB8AC3E}">
+        <p14:creationId xmlns:p14="http://schemas.microsoft.com/office/powerpoint/2010/main" val="677212300"/>
+      </p:ext>
+    </p:extLst>
+  </p:cSld>
+  <p:clrMapOvr>
+    <a:masterClrMapping/>
+  </p:clrMapOvr>
+</p:sld>
+</file>
+
+<file path=ppt/slides/slide13.xml><?xml version="1.0" encoding="utf-8"?>
+<p:sld xmlns:a="http://schemas.openxmlformats.org/drawingml/2006/main" xmlns:r="http://schemas.openxmlformats.org/officeDocument/2006/relationships" xmlns:p="http://schemas.openxmlformats.org/presentationml/2006/main">
+  <p:cSld>
+    <p:spTree>
+      <p:nvGrpSpPr>
+        <p:cNvPr id="1" name=""/>
+        <p:cNvGrpSpPr/>
+        <p:nvPr/>
+      </p:nvGrpSpPr>
+      <p:grpSpPr>
+        <a:xfrm>
+          <a:off x="0" y="0"/>
+          <a:ext cx="0" cy="0"/>
+          <a:chOff x="0" y="0"/>
+          <a:chExt cx="0" cy="0"/>
+        </a:xfrm>
+      </p:grpSpPr>
+      <p:sp>
+        <p:nvSpPr>
+          <p:cNvPr id="50" name="テキスト ボックス 49">
+            <a:extLst>
+              <a:ext uri="{FF2B5EF4-FFF2-40B4-BE49-F238E27FC236}">
+                <a16:creationId xmlns:a16="http://schemas.microsoft.com/office/drawing/2014/main" id="{AB73847C-B6D7-D5A1-5008-32636513464B}"/>
+              </a:ext>
+            </a:extLst>
+          </p:cNvPr>
+          <p:cNvSpPr txBox="1"/>
+          <p:nvPr/>
+        </p:nvSpPr>
+        <p:spPr>
+          <a:xfrm>
+            <a:off x="401453" y="211599"/>
+            <a:ext cx="7581900" cy="461665"/>
+          </a:xfrm>
+          <a:prstGeom prst="rect">
+            <a:avLst/>
+          </a:prstGeom>
+          <a:noFill/>
+          <a:ln>
+            <a:noFill/>
+          </a:ln>
+        </p:spPr>
+        <p:txBody>
+          <a:bodyPr wrap="square" rtlCol="0">
+            <a:spAutoFit/>
+          </a:bodyPr>
+          <a:lstStyle/>
+          <a:p>
+            <a:r>
+              <a:rPr lang="en-US" altLang="ja-JP" sz="2400" dirty="0">
+                <a:latin typeface="メイリオ" panose="020B0604030504040204" pitchFamily="50" charset="-128"/>
+                <a:ea typeface="メイリオ" panose="020B0604030504040204" pitchFamily="50" charset="-128"/>
+              </a:rPr>
+              <a:t>MLP</a:t>
+            </a:r>
+            <a:r>
+              <a:rPr lang="ja-JP" altLang="en-US" sz="2400" dirty="0">
+                <a:latin typeface="メイリオ" panose="020B0604030504040204" pitchFamily="50" charset="-128"/>
+                <a:ea typeface="メイリオ" panose="020B0604030504040204" pitchFamily="50" charset="-128"/>
+              </a:rPr>
+              <a:t>出力層の次元：</a:t>
+            </a:r>
+            <a:r>
+              <a:rPr lang="en-US" altLang="ja-JP" sz="2400" dirty="0">
+                <a:latin typeface="メイリオ" panose="020B0604030504040204" pitchFamily="50" charset="-128"/>
+                <a:ea typeface="メイリオ" panose="020B0604030504040204" pitchFamily="50" charset="-128"/>
+              </a:rPr>
+              <a:t>[]</a:t>
+            </a:r>
+            <a:endParaRPr kumimoji="1" lang="ja-JP" altLang="en-US" sz="2400" dirty="0">
+              <a:latin typeface="メイリオ" panose="020B0604030504040204" pitchFamily="50" charset="-128"/>
+              <a:ea typeface="メイリオ" panose="020B0604030504040204" pitchFamily="50" charset="-128"/>
+            </a:endParaRPr>
+          </a:p>
+        </p:txBody>
+      </p:sp>
+      <p:sp>
+        <p:nvSpPr>
+          <p:cNvPr id="2" name="テキスト ボックス 1">
+            <a:extLst>
+              <a:ext uri="{FF2B5EF4-FFF2-40B4-BE49-F238E27FC236}">
+                <a16:creationId xmlns:a16="http://schemas.microsoft.com/office/drawing/2014/main" id="{30CDFC66-C0C4-2046-841A-6C9C40239373}"/>
+              </a:ext>
+            </a:extLst>
+          </p:cNvPr>
+          <p:cNvSpPr txBox="1"/>
+          <p:nvPr/>
+        </p:nvSpPr>
+        <p:spPr>
+          <a:xfrm>
+            <a:off x="401453" y="996946"/>
+            <a:ext cx="1443531" cy="461665"/>
+          </a:xfrm>
+          <a:prstGeom prst="rect">
+            <a:avLst/>
+          </a:prstGeom>
+          <a:noFill/>
+          <a:ln>
+            <a:noFill/>
+          </a:ln>
+        </p:spPr>
+        <p:txBody>
+          <a:bodyPr wrap="square" rtlCol="0">
+            <a:spAutoFit/>
+          </a:bodyPr>
+          <a:lstStyle/>
+          <a:p>
+            <a:r>
+              <a:rPr lang="en-US" altLang="ja-JP" sz="2400" dirty="0">
+                <a:latin typeface="メイリオ" panose="020B0604030504040204" pitchFamily="50" charset="-128"/>
+                <a:ea typeface="メイリオ" panose="020B0604030504040204" pitchFamily="50" charset="-128"/>
+              </a:rPr>
+              <a:t>flux</a:t>
+            </a:r>
+            <a:endParaRPr kumimoji="1" lang="ja-JP" altLang="en-US" sz="2400" dirty="0">
+              <a:latin typeface="メイリオ" panose="020B0604030504040204" pitchFamily="50" charset="-128"/>
+              <a:ea typeface="メイリオ" panose="020B0604030504040204" pitchFamily="50" charset="-128"/>
+            </a:endParaRPr>
+          </a:p>
+        </p:txBody>
+      </p:sp>
+      <p:sp>
+        <p:nvSpPr>
+          <p:cNvPr id="3" name="テキスト ボックス 2">
+            <a:extLst>
+              <a:ext uri="{FF2B5EF4-FFF2-40B4-BE49-F238E27FC236}">
+                <a16:creationId xmlns:a16="http://schemas.microsoft.com/office/drawing/2014/main" id="{524EE9AF-A166-6005-A6C4-D8BB02AB1E18}"/>
+              </a:ext>
+            </a:extLst>
+          </p:cNvPr>
+          <p:cNvSpPr txBox="1"/>
+          <p:nvPr/>
+        </p:nvSpPr>
+        <p:spPr>
+          <a:xfrm>
+            <a:off x="450006" y="4025413"/>
+            <a:ext cx="2357931" cy="461665"/>
+          </a:xfrm>
+          <a:prstGeom prst="rect">
+            <a:avLst/>
+          </a:prstGeom>
+          <a:noFill/>
+          <a:ln>
+            <a:noFill/>
+          </a:ln>
+        </p:spPr>
+        <p:txBody>
+          <a:bodyPr wrap="square" rtlCol="0">
+            <a:spAutoFit/>
+          </a:bodyPr>
+          <a:lstStyle/>
+          <a:p>
+            <a:r>
+              <a:rPr lang="en-US" altLang="ja-JP" sz="2400" dirty="0">
+                <a:latin typeface="メイリオ" panose="020B0604030504040204" pitchFamily="50" charset="-128"/>
+                <a:ea typeface="メイリオ" panose="020B0604030504040204" pitchFamily="50" charset="-128"/>
+              </a:rPr>
+              <a:t>Iron loss</a:t>
+            </a:r>
+            <a:endParaRPr kumimoji="1" lang="ja-JP" altLang="en-US" sz="2400" dirty="0">
+              <a:latin typeface="メイリオ" panose="020B0604030504040204" pitchFamily="50" charset="-128"/>
+              <a:ea typeface="メイリオ" panose="020B0604030504040204" pitchFamily="50" charset="-128"/>
+            </a:endParaRPr>
+          </a:p>
+        </p:txBody>
+      </p:sp>
+      <p:sp>
+        <p:nvSpPr>
+          <p:cNvPr id="4" name="テキスト ボックス 3">
+            <a:extLst>
+              <a:ext uri="{FF2B5EF4-FFF2-40B4-BE49-F238E27FC236}">
+                <a16:creationId xmlns:a16="http://schemas.microsoft.com/office/drawing/2014/main" id="{2B7E3E40-B78A-AFB1-792D-E40A3DFA9BF1}"/>
+              </a:ext>
+            </a:extLst>
+          </p:cNvPr>
+          <p:cNvSpPr txBox="1"/>
+          <p:nvPr/>
+        </p:nvSpPr>
+        <p:spPr>
+          <a:xfrm>
+            <a:off x="733225" y="1579573"/>
+            <a:ext cx="10903120" cy="369332"/>
+          </a:xfrm>
+          <a:prstGeom prst="rect">
+            <a:avLst/>
+          </a:prstGeom>
+          <a:noFill/>
+          <a:ln>
+            <a:noFill/>
+          </a:ln>
+        </p:spPr>
+        <p:txBody>
+          <a:bodyPr wrap="square" rtlCol="0">
+            <a:spAutoFit/>
+          </a:bodyPr>
+          <a:lstStyle/>
+          <a:p>
+            <a:r>
+              <a:rPr lang="en-US" altLang="ja-JP" b="0" i="0" dirty="0">
+                <a:effectLst/>
+                <a:latin typeface="Consolas" panose="020B0609020204030204" pitchFamily="49" charset="0"/>
+              </a:rPr>
+              <a:t>{'batch_</a:t>
+            </a:r>
+            <a:endParaRPr kumimoji="1" lang="ja-JP" altLang="en-US" dirty="0">
+              <a:latin typeface="メイリオ" panose="020B0604030504040204" pitchFamily="50" charset="-128"/>
+              <a:ea typeface="メイリオ" panose="020B0604030504040204" pitchFamily="50" charset="-128"/>
+            </a:endParaRPr>
+          </a:p>
+        </p:txBody>
+      </p:sp>
+      <p:sp>
+        <p:nvSpPr>
+          <p:cNvPr id="5" name="テキスト ボックス 4">
+            <a:extLst>
+              <a:ext uri="{FF2B5EF4-FFF2-40B4-BE49-F238E27FC236}">
+                <a16:creationId xmlns:a16="http://schemas.microsoft.com/office/drawing/2014/main" id="{1DC5232A-7672-589E-830D-A7C5E40C4D6D}"/>
+              </a:ext>
+            </a:extLst>
+          </p:cNvPr>
+          <p:cNvSpPr txBox="1"/>
+          <p:nvPr/>
+        </p:nvSpPr>
+        <p:spPr>
+          <a:xfrm>
+            <a:off x="733225" y="4630270"/>
+            <a:ext cx="10903120" cy="369332"/>
+          </a:xfrm>
+          <a:prstGeom prst="rect">
+            <a:avLst/>
+          </a:prstGeom>
+          <a:noFill/>
+          <a:ln>
+            <a:noFill/>
+          </a:ln>
+        </p:spPr>
+        <p:txBody>
+          <a:bodyPr wrap="square" rtlCol="0">
+            <a:spAutoFit/>
+          </a:bodyPr>
+          <a:lstStyle/>
+          <a:p>
+            <a:r>
+              <a:rPr lang="en-US" altLang="ja-JP" b="0" i="0" dirty="0">
+                <a:effectLst/>
+                <a:latin typeface="Consolas" panose="020B0609020204030204" pitchFamily="49" charset="0"/>
+              </a:rPr>
+              <a:t>{'batch_</a:t>
+            </a:r>
+            <a:endParaRPr kumimoji="1" lang="en-US" altLang="ja-JP" dirty="0">
+              <a:latin typeface="メイリオ" panose="020B0604030504040204" pitchFamily="50" charset="-128"/>
+              <a:ea typeface="メイリオ" panose="020B0604030504040204" pitchFamily="50" charset="-128"/>
+            </a:endParaRPr>
+          </a:p>
+        </p:txBody>
+      </p:sp>
+    </p:spTree>
+    <p:extLst>
+      <p:ext uri="{BB962C8B-B14F-4D97-AF65-F5344CB8AC3E}">
+        <p14:creationId xmlns:p14="http://schemas.microsoft.com/office/powerpoint/2010/main" val="3913324261"/>
+      </p:ext>
+    </p:extLst>
+  </p:cSld>
+  <p:clrMapOvr>
+    <a:masterClrMapping/>
+  </p:clrMapOvr>
+</p:sld>
+</file>
+
+<file path=ppt/slides/slide14.xml><?xml version="1.0" encoding="utf-8"?>
+<p:sld xmlns:a="http://schemas.openxmlformats.org/drawingml/2006/main" xmlns:r="http://schemas.openxmlformats.org/officeDocument/2006/relationships" xmlns:p="http://schemas.openxmlformats.org/presentationml/2006/main">
+  <p:cSld>
+    <p:spTree>
+      <p:nvGrpSpPr>
+        <p:cNvPr id="1" name=""/>
+        <p:cNvGrpSpPr/>
+        <p:nvPr/>
+      </p:nvGrpSpPr>
+      <p:grpSpPr>
+        <a:xfrm>
+          <a:off x="0" y="0"/>
+          <a:ext cx="0" cy="0"/>
+          <a:chOff x="0" y="0"/>
+          <a:chExt cx="0" cy="0"/>
+        </a:xfrm>
+      </p:grpSpPr>
+      <p:sp>
+        <p:nvSpPr>
+          <p:cNvPr id="50" name="テキスト ボックス 49">
+            <a:extLst>
+              <a:ext uri="{FF2B5EF4-FFF2-40B4-BE49-F238E27FC236}">
+                <a16:creationId xmlns:a16="http://schemas.microsoft.com/office/drawing/2014/main" id="{AB73847C-B6D7-D5A1-5008-32636513464B}"/>
+              </a:ext>
+            </a:extLst>
+          </p:cNvPr>
+          <p:cNvSpPr txBox="1"/>
+          <p:nvPr/>
+        </p:nvSpPr>
+        <p:spPr>
+          <a:xfrm>
+            <a:off x="401453" y="211599"/>
+            <a:ext cx="7581900" cy="461665"/>
+          </a:xfrm>
+          <a:prstGeom prst="rect">
+            <a:avLst/>
+          </a:prstGeom>
+          <a:noFill/>
+          <a:ln>
+            <a:noFill/>
+          </a:ln>
+        </p:spPr>
+        <p:txBody>
+          <a:bodyPr wrap="square" rtlCol="0">
+            <a:spAutoFit/>
+          </a:bodyPr>
+          <a:lstStyle/>
+          <a:p>
+            <a:r>
               <a:rPr lang="en-US" altLang="ja-JP" sz="2400" dirty="0">
                 <a:latin typeface="メイリオ" panose="020B0604030504040204" pitchFamily="50" charset="-128"/>
                 <a:ea typeface="メイリオ" panose="020B0604030504040204" pitchFamily="50" charset="-128"/>
@@ -5091,7 +6665,7 @@
 </p:sld>
 </file>
 
-<file path=ppt/slides/slide13.xml><?xml version="1.0" encoding="utf-8"?>
+<file path=ppt/slides/slide15.xml><?xml version="1.0" encoding="utf-8"?>
 <p:sld xmlns:a="http://schemas.openxmlformats.org/drawingml/2006/main" xmlns:r="http://schemas.openxmlformats.org/officeDocument/2006/relationships" xmlns:p="http://schemas.openxmlformats.org/presentationml/2006/main">
   <p:cSld>
     <p:spTree>
@@ -9567,6 +11141,163 @@
         <p:spPr>
           <a:xfrm>
             <a:off x="2087931" y="1904651"/>
+            <a:ext cx="1884490" cy="461665"/>
+          </a:xfrm>
+          <a:prstGeom prst="rect">
+            <a:avLst/>
+          </a:prstGeom>
+          <a:noFill/>
+          <a:ln>
+            <a:noFill/>
+          </a:ln>
+        </p:spPr>
+        <p:txBody>
+          <a:bodyPr wrap="square" rtlCol="0">
+            <a:spAutoFit/>
+          </a:bodyPr>
+          <a:lstStyle/>
+          <a:p>
+            <a:pPr algn="ctr"/>
+            <a:r>
+              <a:rPr kumimoji="1" lang="ja-JP" altLang="en-US" sz="2400" b="1" dirty="0">
+                <a:solidFill>
+                  <a:srgbClr val="00B050"/>
+                </a:solidFill>
+                <a:latin typeface="メイリオ" panose="020B0604030504040204" pitchFamily="50" charset="-128"/>
+                <a:ea typeface="メイリオ" panose="020B0604030504040204" pitchFamily="50" charset="-128"/>
+              </a:rPr>
+              <a:t>３</a:t>
+            </a:r>
+          </a:p>
+        </p:txBody>
+      </p:sp>
+      <p:pic>
+        <p:nvPicPr>
+          <p:cNvPr id="4" name="図 3">
+            <a:extLst>
+              <a:ext uri="{FF2B5EF4-FFF2-40B4-BE49-F238E27FC236}">
+                <a16:creationId xmlns:a16="http://schemas.microsoft.com/office/drawing/2014/main" id="{7522BBF3-F736-7A26-859F-A95F1DA69417}"/>
+              </a:ext>
+            </a:extLst>
+          </p:cNvPr>
+          <p:cNvPicPr>
+            <a:picLocks noChangeAspect="1"/>
+          </p:cNvPicPr>
+          <p:nvPr/>
+        </p:nvPicPr>
+        <p:blipFill>
+          <a:blip r:embed="rId4"/>
+          <a:stretch>
+            <a:fillRect/>
+          </a:stretch>
+        </p:blipFill>
+        <p:spPr>
+          <a:xfrm>
+            <a:off x="7095839" y="1458611"/>
+            <a:ext cx="3388879" cy="2547543"/>
+          </a:xfrm>
+          <a:prstGeom prst="rect">
+            <a:avLst/>
+          </a:prstGeom>
+        </p:spPr>
+      </p:pic>
+      <p:pic>
+        <p:nvPicPr>
+          <p:cNvPr id="5" name="図 4">
+            <a:extLst>
+              <a:ext uri="{FF2B5EF4-FFF2-40B4-BE49-F238E27FC236}">
+                <a16:creationId xmlns:a16="http://schemas.microsoft.com/office/drawing/2014/main" id="{1BDF8104-1EA5-A78F-8CF8-1599AD41C5D7}"/>
+              </a:ext>
+            </a:extLst>
+          </p:cNvPr>
+          <p:cNvPicPr>
+            <a:picLocks noChangeAspect="1"/>
+          </p:cNvPicPr>
+          <p:nvPr/>
+        </p:nvPicPr>
+        <p:blipFill>
+          <a:blip r:embed="rId5"/>
+          <a:stretch>
+            <a:fillRect/>
+          </a:stretch>
+        </p:blipFill>
+        <p:spPr>
+          <a:xfrm>
+            <a:off x="7095839" y="4131801"/>
+            <a:ext cx="3388879" cy="2547543"/>
+          </a:xfrm>
+          <a:prstGeom prst="rect">
+            <a:avLst/>
+          </a:prstGeom>
+        </p:spPr>
+      </p:pic>
+      <p:sp>
+        <p:nvSpPr>
+          <p:cNvPr id="10" name="正方形/長方形 9">
+            <a:extLst>
+              <a:ext uri="{FF2B5EF4-FFF2-40B4-BE49-F238E27FC236}">
+                <a16:creationId xmlns:a16="http://schemas.microsoft.com/office/drawing/2014/main" id="{E64FFFE6-AECC-5710-49D0-9EA5C49E3BAC}"/>
+              </a:ext>
+            </a:extLst>
+          </p:cNvPr>
+          <p:cNvSpPr/>
+          <p:nvPr/>
+        </p:nvSpPr>
+        <p:spPr>
+          <a:xfrm>
+            <a:off x="8088328" y="2416736"/>
+            <a:ext cx="609703" cy="4224623"/>
+          </a:xfrm>
+          <a:prstGeom prst="rect">
+            <a:avLst/>
+          </a:prstGeom>
+          <a:noFill/>
+          <a:ln w="28575">
+            <a:solidFill>
+              <a:srgbClr val="00B050"/>
+            </a:solidFill>
+          </a:ln>
+        </p:spPr>
+        <p:style>
+          <a:lnRef idx="2">
+            <a:schemeClr val="accent1">
+              <a:shade val="15000"/>
+            </a:schemeClr>
+          </a:lnRef>
+          <a:fillRef idx="1">
+            <a:schemeClr val="accent1"/>
+          </a:fillRef>
+          <a:effectRef idx="0">
+            <a:schemeClr val="accent1"/>
+          </a:effectRef>
+          <a:fontRef idx="minor">
+            <a:schemeClr val="lt1"/>
+          </a:fontRef>
+        </p:style>
+        <p:txBody>
+          <a:bodyPr rtlCol="0" anchor="ctr"/>
+          <a:lstStyle/>
+          <a:p>
+            <a:pPr algn="ctr"/>
+            <a:endParaRPr kumimoji="1" lang="ja-JP" altLang="en-US"/>
+          </a:p>
+        </p:txBody>
+      </p:sp>
+      <p:sp>
+        <p:nvSpPr>
+          <p:cNvPr id="11" name="テキスト ボックス 10">
+            <a:extLst>
+              <a:ext uri="{FF2B5EF4-FFF2-40B4-BE49-F238E27FC236}">
+                <a16:creationId xmlns:a16="http://schemas.microsoft.com/office/drawing/2014/main" id="{1DF52823-2251-5DA3-AF68-633D4D953706}"/>
+              </a:ext>
+            </a:extLst>
+          </p:cNvPr>
+          <p:cNvSpPr txBox="1"/>
+          <p:nvPr/>
+        </p:nvSpPr>
+        <p:spPr>
+          <a:xfrm>
+            <a:off x="7158460" y="1904651"/>
             <a:ext cx="1884490" cy="461665"/>
           </a:xfrm>
           <a:prstGeom prst="rect">

--- a/hyperparameter_optimization.pptx
+++ b/hyperparameter_optimization.pptx
@@ -273,7 +273,7 @@
           <a:p>
             <a:fld id="{E75D6A42-5BFC-449E-8AB4-357282606635}" type="datetimeFigureOut">
               <a:rPr kumimoji="1" lang="ja-JP" altLang="en-US" smtClean="0"/>
-              <a:t>2023/12/27</a:t>
+              <a:t>2023/12/30</a:t>
             </a:fld>
             <a:endParaRPr kumimoji="1" lang="ja-JP" altLang="en-US"/>
           </a:p>
@@ -503,7 +503,7 @@
           <a:p>
             <a:fld id="{E75D6A42-5BFC-449E-8AB4-357282606635}" type="datetimeFigureOut">
               <a:rPr kumimoji="1" lang="ja-JP" altLang="en-US" smtClean="0"/>
-              <a:t>2023/12/27</a:t>
+              <a:t>2023/12/30</a:t>
             </a:fld>
             <a:endParaRPr kumimoji="1" lang="ja-JP" altLang="en-US"/>
           </a:p>
@@ -743,7 +743,7 @@
           <a:p>
             <a:fld id="{E75D6A42-5BFC-449E-8AB4-357282606635}" type="datetimeFigureOut">
               <a:rPr kumimoji="1" lang="ja-JP" altLang="en-US" smtClean="0"/>
-              <a:t>2023/12/27</a:t>
+              <a:t>2023/12/30</a:t>
             </a:fld>
             <a:endParaRPr kumimoji="1" lang="ja-JP" altLang="en-US"/>
           </a:p>
@@ -973,7 +973,7 @@
           <a:p>
             <a:fld id="{E75D6A42-5BFC-449E-8AB4-357282606635}" type="datetimeFigureOut">
               <a:rPr kumimoji="1" lang="ja-JP" altLang="en-US" smtClean="0"/>
-              <a:t>2023/12/27</a:t>
+              <a:t>2023/12/30</a:t>
             </a:fld>
             <a:endParaRPr kumimoji="1" lang="ja-JP" altLang="en-US"/>
           </a:p>
@@ -1248,7 +1248,7 @@
           <a:p>
             <a:fld id="{E75D6A42-5BFC-449E-8AB4-357282606635}" type="datetimeFigureOut">
               <a:rPr kumimoji="1" lang="ja-JP" altLang="en-US" smtClean="0"/>
-              <a:t>2023/12/27</a:t>
+              <a:t>2023/12/30</a:t>
             </a:fld>
             <a:endParaRPr kumimoji="1" lang="ja-JP" altLang="en-US"/>
           </a:p>
@@ -1577,7 +1577,7 @@
           <a:p>
             <a:fld id="{E75D6A42-5BFC-449E-8AB4-357282606635}" type="datetimeFigureOut">
               <a:rPr kumimoji="1" lang="ja-JP" altLang="en-US" smtClean="0"/>
-              <a:t>2023/12/27</a:t>
+              <a:t>2023/12/30</a:t>
             </a:fld>
             <a:endParaRPr kumimoji="1" lang="ja-JP" altLang="en-US"/>
           </a:p>
@@ -2053,7 +2053,7 @@
           <a:p>
             <a:fld id="{E75D6A42-5BFC-449E-8AB4-357282606635}" type="datetimeFigureOut">
               <a:rPr kumimoji="1" lang="ja-JP" altLang="en-US" smtClean="0"/>
-              <a:t>2023/12/27</a:t>
+              <a:t>2023/12/30</a:t>
             </a:fld>
             <a:endParaRPr kumimoji="1" lang="ja-JP" altLang="en-US"/>
           </a:p>
@@ -2194,7 +2194,7 @@
           <a:p>
             <a:fld id="{E75D6A42-5BFC-449E-8AB4-357282606635}" type="datetimeFigureOut">
               <a:rPr kumimoji="1" lang="ja-JP" altLang="en-US" smtClean="0"/>
-              <a:t>2023/12/27</a:t>
+              <a:t>2023/12/30</a:t>
             </a:fld>
             <a:endParaRPr kumimoji="1" lang="ja-JP" altLang="en-US"/>
           </a:p>
@@ -2307,7 +2307,7 @@
           <a:p>
             <a:fld id="{E75D6A42-5BFC-449E-8AB4-357282606635}" type="datetimeFigureOut">
               <a:rPr kumimoji="1" lang="ja-JP" altLang="en-US" smtClean="0"/>
-              <a:t>2023/12/27</a:t>
+              <a:t>2023/12/30</a:t>
             </a:fld>
             <a:endParaRPr kumimoji="1" lang="ja-JP" altLang="en-US"/>
           </a:p>
@@ -2650,7 +2650,7 @@
           <a:p>
             <a:fld id="{E75D6A42-5BFC-449E-8AB4-357282606635}" type="datetimeFigureOut">
               <a:rPr kumimoji="1" lang="ja-JP" altLang="en-US" smtClean="0"/>
-              <a:t>2023/12/27</a:t>
+              <a:t>2023/12/30</a:t>
             </a:fld>
             <a:endParaRPr kumimoji="1" lang="ja-JP" altLang="en-US"/>
           </a:p>
@@ -2938,7 +2938,7 @@
           <a:p>
             <a:fld id="{E75D6A42-5BFC-449E-8AB4-357282606635}" type="datetimeFigureOut">
               <a:rPr kumimoji="1" lang="ja-JP" altLang="en-US" smtClean="0"/>
-              <a:t>2023/12/27</a:t>
+              <a:t>2023/12/30</a:t>
             </a:fld>
             <a:endParaRPr kumimoji="1" lang="ja-JP" altLang="en-US"/>
           </a:p>
@@ -3211,7 +3211,7 @@
           <a:p>
             <a:fld id="{E75D6A42-5BFC-449E-8AB4-357282606635}" type="datetimeFigureOut">
               <a:rPr kumimoji="1" lang="ja-JP" altLang="en-US" smtClean="0"/>
-              <a:t>2023/12/27</a:t>
+              <a:t>2023/12/30</a:t>
             </a:fld>
             <a:endParaRPr kumimoji="1" lang="ja-JP" altLang="en-US"/>
           </a:p>
@@ -5033,168 +5033,12 @@
           <a:chExt cx="0" cy="0"/>
         </a:xfrm>
       </p:grpSpPr>
-      <p:sp>
-        <p:nvSpPr>
-          <p:cNvPr id="50" name="テキスト ボックス 49">
-            <a:extLst>
-              <a:ext uri="{FF2B5EF4-FFF2-40B4-BE49-F238E27FC236}">
-                <a16:creationId xmlns:a16="http://schemas.microsoft.com/office/drawing/2014/main" id="{AB73847C-B6D7-D5A1-5008-32636513464B}"/>
-              </a:ext>
-            </a:extLst>
-          </p:cNvPr>
-          <p:cNvSpPr txBox="1"/>
-          <p:nvPr/>
-        </p:nvSpPr>
-        <p:spPr>
-          <a:xfrm>
-            <a:off x="401453" y="211599"/>
-            <a:ext cx="7581900" cy="461665"/>
-          </a:xfrm>
-          <a:prstGeom prst="rect">
-            <a:avLst/>
-          </a:prstGeom>
-          <a:noFill/>
-          <a:ln>
-            <a:noFill/>
-          </a:ln>
-        </p:spPr>
-        <p:txBody>
-          <a:bodyPr wrap="square" rtlCol="0">
-            <a:spAutoFit/>
-          </a:bodyPr>
-          <a:lstStyle/>
-          <a:p>
-            <a:r>
-              <a:rPr lang="ja-JP" altLang="en-US" sz="2400" dirty="0">
-                <a:latin typeface="メイリオ" panose="020B0604030504040204" pitchFamily="50" charset="-128"/>
-                <a:ea typeface="メイリオ" panose="020B0604030504040204" pitchFamily="50" charset="-128"/>
-              </a:rPr>
-              <a:t>出力側</a:t>
-            </a:r>
-            <a:r>
-              <a:rPr lang="en-US" altLang="ja-JP" sz="2400" dirty="0">
-                <a:latin typeface="メイリオ" panose="020B0604030504040204" pitchFamily="50" charset="-128"/>
-                <a:ea typeface="メイリオ" panose="020B0604030504040204" pitchFamily="50" charset="-128"/>
-              </a:rPr>
-              <a:t>MLP</a:t>
-            </a:r>
-            <a:r>
-              <a:rPr lang="ja-JP" altLang="en-US" sz="2400" dirty="0">
-                <a:latin typeface="メイリオ" panose="020B0604030504040204" pitchFamily="50" charset="-128"/>
-                <a:ea typeface="メイリオ" panose="020B0604030504040204" pitchFamily="50" charset="-128"/>
-              </a:rPr>
-              <a:t>の入力次元：</a:t>
-            </a:r>
-            <a:r>
-              <a:rPr lang="en-US" altLang="ja-JP" sz="2400" dirty="0">
-                <a:latin typeface="メイリオ" panose="020B0604030504040204" pitchFamily="50" charset="-128"/>
-                <a:ea typeface="メイリオ" panose="020B0604030504040204" pitchFamily="50" charset="-128"/>
-              </a:rPr>
-              <a:t>[2,4,6,8,10,12]</a:t>
-            </a:r>
-            <a:endParaRPr kumimoji="1" lang="ja-JP" altLang="en-US" sz="2400" dirty="0">
-              <a:latin typeface="メイリオ" panose="020B0604030504040204" pitchFamily="50" charset="-128"/>
-              <a:ea typeface="メイリオ" panose="020B0604030504040204" pitchFamily="50" charset="-128"/>
-            </a:endParaRPr>
-          </a:p>
-        </p:txBody>
-      </p:sp>
-      <p:sp>
-        <p:nvSpPr>
-          <p:cNvPr id="2" name="テキスト ボックス 1">
-            <a:extLst>
-              <a:ext uri="{FF2B5EF4-FFF2-40B4-BE49-F238E27FC236}">
-                <a16:creationId xmlns:a16="http://schemas.microsoft.com/office/drawing/2014/main" id="{30CDFC66-C0C4-2046-841A-6C9C40239373}"/>
-              </a:ext>
-            </a:extLst>
-          </p:cNvPr>
-          <p:cNvSpPr txBox="1"/>
-          <p:nvPr/>
-        </p:nvSpPr>
-        <p:spPr>
-          <a:xfrm>
-            <a:off x="401453" y="996946"/>
-            <a:ext cx="1443531" cy="461665"/>
-          </a:xfrm>
-          <a:prstGeom prst="rect">
-            <a:avLst/>
-          </a:prstGeom>
-          <a:noFill/>
-          <a:ln>
-            <a:noFill/>
-          </a:ln>
-        </p:spPr>
-        <p:txBody>
-          <a:bodyPr wrap="square" rtlCol="0">
-            <a:spAutoFit/>
-          </a:bodyPr>
-          <a:lstStyle/>
-          <a:p>
-            <a:r>
-              <a:rPr lang="en-US" altLang="ja-JP" sz="2400" dirty="0">
-                <a:latin typeface="メイリオ" panose="020B0604030504040204" pitchFamily="50" charset="-128"/>
-                <a:ea typeface="メイリオ" panose="020B0604030504040204" pitchFamily="50" charset="-128"/>
-              </a:rPr>
-              <a:t>flux</a:t>
-            </a:r>
-            <a:endParaRPr kumimoji="1" lang="ja-JP" altLang="en-US" sz="2400" dirty="0">
-              <a:latin typeface="メイリオ" panose="020B0604030504040204" pitchFamily="50" charset="-128"/>
-              <a:ea typeface="メイリオ" panose="020B0604030504040204" pitchFamily="50" charset="-128"/>
-            </a:endParaRPr>
-          </a:p>
-        </p:txBody>
-      </p:sp>
-      <p:sp>
-        <p:nvSpPr>
-          <p:cNvPr id="3" name="テキスト ボックス 2">
-            <a:extLst>
-              <a:ext uri="{FF2B5EF4-FFF2-40B4-BE49-F238E27FC236}">
-                <a16:creationId xmlns:a16="http://schemas.microsoft.com/office/drawing/2014/main" id="{524EE9AF-A166-6005-A6C4-D8BB02AB1E18}"/>
-              </a:ext>
-            </a:extLst>
-          </p:cNvPr>
-          <p:cNvSpPr txBox="1"/>
-          <p:nvPr/>
-        </p:nvSpPr>
-        <p:spPr>
-          <a:xfrm>
-            <a:off x="6595167" y="996945"/>
-            <a:ext cx="2357931" cy="461665"/>
-          </a:xfrm>
-          <a:prstGeom prst="rect">
-            <a:avLst/>
-          </a:prstGeom>
-          <a:noFill/>
-          <a:ln>
-            <a:noFill/>
-          </a:ln>
-        </p:spPr>
-        <p:txBody>
-          <a:bodyPr wrap="square" rtlCol="0">
-            <a:spAutoFit/>
-          </a:bodyPr>
-          <a:lstStyle/>
-          <a:p>
-            <a:r>
-              <a:rPr lang="en-US" altLang="ja-JP" sz="2400" dirty="0">
-                <a:latin typeface="メイリオ" panose="020B0604030504040204" pitchFamily="50" charset="-128"/>
-                <a:ea typeface="メイリオ" panose="020B0604030504040204" pitchFamily="50" charset="-128"/>
-              </a:rPr>
-              <a:t>Iron loss</a:t>
-            </a:r>
-            <a:endParaRPr kumimoji="1" lang="ja-JP" altLang="en-US" sz="2400" dirty="0">
-              <a:latin typeface="メイリオ" panose="020B0604030504040204" pitchFamily="50" charset="-128"/>
-              <a:ea typeface="メイリオ" panose="020B0604030504040204" pitchFamily="50" charset="-128"/>
-            </a:endParaRPr>
-          </a:p>
-        </p:txBody>
-      </p:sp>
       <p:pic>
         <p:nvPicPr>
-          <p:cNvPr id="6" name="図 5">
-            <a:extLst>
-              <a:ext uri="{FF2B5EF4-FFF2-40B4-BE49-F238E27FC236}">
-                <a16:creationId xmlns:a16="http://schemas.microsoft.com/office/drawing/2014/main" id="{C0921827-0043-C742-0C39-AE40A5A992FB}"/>
+          <p:cNvPr id="13" name="図 12">
+            <a:extLst>
+              <a:ext uri="{FF2B5EF4-FFF2-40B4-BE49-F238E27FC236}">
+                <a16:creationId xmlns:a16="http://schemas.microsoft.com/office/drawing/2014/main" id="{CC388EF7-AF47-E2CA-1DA5-1175D330595C}"/>
               </a:ext>
             </a:extLst>
           </p:cNvPr>
@@ -5211,7 +5055,7 @@
         </p:blipFill>
         <p:spPr>
           <a:xfrm>
-            <a:off x="47700" y="1686446"/>
+            <a:off x="9153064" y="4234806"/>
             <a:ext cx="2988311" cy="2246421"/>
           </a:xfrm>
           <a:prstGeom prst="rect">
@@ -5221,10 +5065,10 @@
       </p:pic>
       <p:pic>
         <p:nvPicPr>
-          <p:cNvPr id="7" name="図 6">
-            <a:extLst>
-              <a:ext uri="{FF2B5EF4-FFF2-40B4-BE49-F238E27FC236}">
-                <a16:creationId xmlns:a16="http://schemas.microsoft.com/office/drawing/2014/main" id="{44F1A942-01F6-FEFB-7E1E-D9968BE82031}"/>
+          <p:cNvPr id="4" name="図 3">
+            <a:extLst>
+              <a:ext uri="{FF2B5EF4-FFF2-40B4-BE49-F238E27FC236}">
+                <a16:creationId xmlns:a16="http://schemas.microsoft.com/office/drawing/2014/main" id="{58D53D0D-99AB-7596-34AE-95E3AAF4824D}"/>
               </a:ext>
             </a:extLst>
           </p:cNvPr>
@@ -5241,8 +5085,8 @@
         </p:blipFill>
         <p:spPr>
           <a:xfrm>
-            <a:off x="3051693" y="1686446"/>
-            <a:ext cx="2988311" cy="2246421"/>
+            <a:off x="6055686" y="1686445"/>
+            <a:ext cx="3034974" cy="2246400"/>
           </a:xfrm>
           <a:prstGeom prst="rect">
             <a:avLst/>
@@ -5251,10 +5095,10 @@
       </p:pic>
       <p:pic>
         <p:nvPicPr>
-          <p:cNvPr id="8" name="図 7">
-            <a:extLst>
-              <a:ext uri="{FF2B5EF4-FFF2-40B4-BE49-F238E27FC236}">
-                <a16:creationId xmlns:a16="http://schemas.microsoft.com/office/drawing/2014/main" id="{0CC2C783-FF65-D1C3-B533-7716C42CA717}"/>
+          <p:cNvPr id="5" name="図 4">
+            <a:extLst>
+              <a:ext uri="{FF2B5EF4-FFF2-40B4-BE49-F238E27FC236}">
+                <a16:creationId xmlns:a16="http://schemas.microsoft.com/office/drawing/2014/main" id="{45785B9C-0C4B-F0E6-B9B0-51A136A9131C}"/>
               </a:ext>
             </a:extLst>
           </p:cNvPr>
@@ -5271,8 +5115,8 @@
         </p:blipFill>
         <p:spPr>
           <a:xfrm>
-            <a:off x="6055686" y="1686445"/>
-            <a:ext cx="3035004" cy="2246422"/>
+            <a:off x="9106371" y="1686445"/>
+            <a:ext cx="3034974" cy="2246400"/>
           </a:xfrm>
           <a:prstGeom prst="rect">
             <a:avLst/>
@@ -5281,10 +5125,10 @@
       </p:pic>
       <p:pic>
         <p:nvPicPr>
-          <p:cNvPr id="9" name="図 8">
-            <a:extLst>
-              <a:ext uri="{FF2B5EF4-FFF2-40B4-BE49-F238E27FC236}">
-                <a16:creationId xmlns:a16="http://schemas.microsoft.com/office/drawing/2014/main" id="{F0A41871-31C8-BA01-FB9B-D9783087ABE2}"/>
+          <p:cNvPr id="15" name="図 14">
+            <a:extLst>
+              <a:ext uri="{FF2B5EF4-FFF2-40B4-BE49-F238E27FC236}">
+                <a16:creationId xmlns:a16="http://schemas.microsoft.com/office/drawing/2014/main" id="{AAC93943-E687-16B8-2EA4-8E8F9C3E3257}"/>
               </a:ext>
             </a:extLst>
           </p:cNvPr>
@@ -5301,20 +5145,176 @@
         </p:blipFill>
         <p:spPr>
           <a:xfrm>
-            <a:off x="9106371" y="1686445"/>
-            <a:ext cx="3035004" cy="2246422"/>
+            <a:off x="6117942" y="4234806"/>
+            <a:ext cx="2988282" cy="2246400"/>
           </a:xfrm>
           <a:prstGeom prst="rect">
             <a:avLst/>
           </a:prstGeom>
         </p:spPr>
       </p:pic>
+      <p:sp>
+        <p:nvSpPr>
+          <p:cNvPr id="50" name="テキスト ボックス 49">
+            <a:extLst>
+              <a:ext uri="{FF2B5EF4-FFF2-40B4-BE49-F238E27FC236}">
+                <a16:creationId xmlns:a16="http://schemas.microsoft.com/office/drawing/2014/main" id="{AB73847C-B6D7-D5A1-5008-32636513464B}"/>
+              </a:ext>
+            </a:extLst>
+          </p:cNvPr>
+          <p:cNvSpPr txBox="1"/>
+          <p:nvPr/>
+        </p:nvSpPr>
+        <p:spPr>
+          <a:xfrm>
+            <a:off x="401453" y="211599"/>
+            <a:ext cx="7581900" cy="461665"/>
+          </a:xfrm>
+          <a:prstGeom prst="rect">
+            <a:avLst/>
+          </a:prstGeom>
+          <a:noFill/>
+          <a:ln>
+            <a:noFill/>
+          </a:ln>
+        </p:spPr>
+        <p:txBody>
+          <a:bodyPr wrap="square" rtlCol="0">
+            <a:spAutoFit/>
+          </a:bodyPr>
+          <a:lstStyle/>
+          <a:p>
+            <a:r>
+              <a:rPr lang="ja-JP" altLang="en-US" sz="2400" dirty="0">
+                <a:latin typeface="メイリオ" panose="020B0604030504040204" pitchFamily="50" charset="-128"/>
+                <a:ea typeface="メイリオ" panose="020B0604030504040204" pitchFamily="50" charset="-128"/>
+              </a:rPr>
+              <a:t>出力側</a:t>
+            </a:r>
+            <a:r>
+              <a:rPr lang="en-US" altLang="ja-JP" sz="2400" dirty="0">
+                <a:latin typeface="メイリオ" panose="020B0604030504040204" pitchFamily="50" charset="-128"/>
+                <a:ea typeface="メイリオ" panose="020B0604030504040204" pitchFamily="50" charset="-128"/>
+              </a:rPr>
+              <a:t>MLP</a:t>
+            </a:r>
+            <a:r>
+              <a:rPr lang="ja-JP" altLang="en-US" sz="2400" dirty="0">
+                <a:latin typeface="メイリオ" panose="020B0604030504040204" pitchFamily="50" charset="-128"/>
+                <a:ea typeface="メイリオ" panose="020B0604030504040204" pitchFamily="50" charset="-128"/>
+              </a:rPr>
+              <a:t>の入力次元：</a:t>
+            </a:r>
+            <a:r>
+              <a:rPr lang="en-US" altLang="ja-JP" sz="2400" dirty="0">
+                <a:latin typeface="メイリオ" panose="020B0604030504040204" pitchFamily="50" charset="-128"/>
+                <a:ea typeface="メイリオ" panose="020B0604030504040204" pitchFamily="50" charset="-128"/>
+              </a:rPr>
+              <a:t>[2,4,6,8,10,12]</a:t>
+            </a:r>
+            <a:endParaRPr kumimoji="1" lang="ja-JP" altLang="en-US" sz="2400" dirty="0">
+              <a:latin typeface="メイリオ" panose="020B0604030504040204" pitchFamily="50" charset="-128"/>
+              <a:ea typeface="メイリオ" panose="020B0604030504040204" pitchFamily="50" charset="-128"/>
+            </a:endParaRPr>
+          </a:p>
+        </p:txBody>
+      </p:sp>
+      <p:sp>
+        <p:nvSpPr>
+          <p:cNvPr id="2" name="テキスト ボックス 1">
+            <a:extLst>
+              <a:ext uri="{FF2B5EF4-FFF2-40B4-BE49-F238E27FC236}">
+                <a16:creationId xmlns:a16="http://schemas.microsoft.com/office/drawing/2014/main" id="{30CDFC66-C0C4-2046-841A-6C9C40239373}"/>
+              </a:ext>
+            </a:extLst>
+          </p:cNvPr>
+          <p:cNvSpPr txBox="1"/>
+          <p:nvPr/>
+        </p:nvSpPr>
+        <p:spPr>
+          <a:xfrm>
+            <a:off x="401453" y="996946"/>
+            <a:ext cx="1443531" cy="461665"/>
+          </a:xfrm>
+          <a:prstGeom prst="rect">
+            <a:avLst/>
+          </a:prstGeom>
+          <a:noFill/>
+          <a:ln>
+            <a:noFill/>
+          </a:ln>
+        </p:spPr>
+        <p:txBody>
+          <a:bodyPr wrap="square" rtlCol="0">
+            <a:spAutoFit/>
+          </a:bodyPr>
+          <a:lstStyle/>
+          <a:p>
+            <a:r>
+              <a:rPr lang="en-US" altLang="ja-JP" sz="2400" dirty="0">
+                <a:latin typeface="メイリオ" panose="020B0604030504040204" pitchFamily="50" charset="-128"/>
+                <a:ea typeface="メイリオ" panose="020B0604030504040204" pitchFamily="50" charset="-128"/>
+              </a:rPr>
+              <a:t>flux</a:t>
+            </a:r>
+            <a:endParaRPr kumimoji="1" lang="ja-JP" altLang="en-US" sz="2400" dirty="0">
+              <a:latin typeface="メイリオ" panose="020B0604030504040204" pitchFamily="50" charset="-128"/>
+              <a:ea typeface="メイリオ" panose="020B0604030504040204" pitchFamily="50" charset="-128"/>
+            </a:endParaRPr>
+          </a:p>
+        </p:txBody>
+      </p:sp>
+      <p:sp>
+        <p:nvSpPr>
+          <p:cNvPr id="3" name="テキスト ボックス 2">
+            <a:extLst>
+              <a:ext uri="{FF2B5EF4-FFF2-40B4-BE49-F238E27FC236}">
+                <a16:creationId xmlns:a16="http://schemas.microsoft.com/office/drawing/2014/main" id="{524EE9AF-A166-6005-A6C4-D8BB02AB1E18}"/>
+              </a:ext>
+            </a:extLst>
+          </p:cNvPr>
+          <p:cNvSpPr txBox="1"/>
+          <p:nvPr/>
+        </p:nvSpPr>
+        <p:spPr>
+          <a:xfrm>
+            <a:off x="6595167" y="996945"/>
+            <a:ext cx="2357931" cy="461665"/>
+          </a:xfrm>
+          <a:prstGeom prst="rect">
+            <a:avLst/>
+          </a:prstGeom>
+          <a:noFill/>
+          <a:ln>
+            <a:noFill/>
+          </a:ln>
+        </p:spPr>
+        <p:txBody>
+          <a:bodyPr wrap="square" rtlCol="0">
+            <a:spAutoFit/>
+          </a:bodyPr>
+          <a:lstStyle/>
+          <a:p>
+            <a:r>
+              <a:rPr lang="en-US" altLang="ja-JP" sz="2400" dirty="0">
+                <a:latin typeface="メイリオ" panose="020B0604030504040204" pitchFamily="50" charset="-128"/>
+                <a:ea typeface="メイリオ" panose="020B0604030504040204" pitchFamily="50" charset="-128"/>
+              </a:rPr>
+              <a:t>Iron loss</a:t>
+            </a:r>
+            <a:endParaRPr kumimoji="1" lang="ja-JP" altLang="en-US" sz="2400" dirty="0">
+              <a:latin typeface="メイリオ" panose="020B0604030504040204" pitchFamily="50" charset="-128"/>
+              <a:ea typeface="メイリオ" panose="020B0604030504040204" pitchFamily="50" charset="-128"/>
+            </a:endParaRPr>
+          </a:p>
+        </p:txBody>
+      </p:sp>
       <p:pic>
         <p:nvPicPr>
-          <p:cNvPr id="10" name="図 9">
-            <a:extLst>
-              <a:ext uri="{FF2B5EF4-FFF2-40B4-BE49-F238E27FC236}">
-                <a16:creationId xmlns:a16="http://schemas.microsoft.com/office/drawing/2014/main" id="{BC763C4D-E231-2ABD-F466-82CC218132AC}"/>
+          <p:cNvPr id="6" name="図 5">
+            <a:extLst>
+              <a:ext uri="{FF2B5EF4-FFF2-40B4-BE49-F238E27FC236}">
+                <a16:creationId xmlns:a16="http://schemas.microsoft.com/office/drawing/2014/main" id="{C0921827-0043-C742-0C39-AE40A5A992FB}"/>
               </a:ext>
             </a:extLst>
           </p:cNvPr>
@@ -5331,7 +5331,7 @@
         </p:blipFill>
         <p:spPr>
           <a:xfrm>
-            <a:off x="47700" y="4252305"/>
+            <a:off x="47700" y="1686446"/>
             <a:ext cx="2988311" cy="2246421"/>
           </a:xfrm>
           <a:prstGeom prst="rect">
@@ -5341,10 +5341,10 @@
       </p:pic>
       <p:pic>
         <p:nvPicPr>
-          <p:cNvPr id="11" name="図 10">
-            <a:extLst>
-              <a:ext uri="{FF2B5EF4-FFF2-40B4-BE49-F238E27FC236}">
-                <a16:creationId xmlns:a16="http://schemas.microsoft.com/office/drawing/2014/main" id="{C62AAE9A-0855-C25D-6263-444AF54FD14F}"/>
+          <p:cNvPr id="7" name="図 6">
+            <a:extLst>
+              <a:ext uri="{FF2B5EF4-FFF2-40B4-BE49-F238E27FC236}">
+                <a16:creationId xmlns:a16="http://schemas.microsoft.com/office/drawing/2014/main" id="{44F1A942-01F6-FEFB-7E1E-D9968BE82031}"/>
               </a:ext>
             </a:extLst>
           </p:cNvPr>
@@ -5361,7 +5361,7 @@
         </p:blipFill>
         <p:spPr>
           <a:xfrm>
-            <a:off x="3082821" y="4234806"/>
+            <a:off x="3051693" y="1686446"/>
             <a:ext cx="2988311" cy="2246421"/>
           </a:xfrm>
           <a:prstGeom prst="rect">
@@ -5371,10 +5371,10 @@
       </p:pic>
       <p:pic>
         <p:nvPicPr>
-          <p:cNvPr id="12" name="図 11">
-            <a:extLst>
-              <a:ext uri="{FF2B5EF4-FFF2-40B4-BE49-F238E27FC236}">
-                <a16:creationId xmlns:a16="http://schemas.microsoft.com/office/drawing/2014/main" id="{A5B7B606-9FCE-DACD-295F-6AE195C2455E}"/>
+          <p:cNvPr id="10" name="図 9">
+            <a:extLst>
+              <a:ext uri="{FF2B5EF4-FFF2-40B4-BE49-F238E27FC236}">
+                <a16:creationId xmlns:a16="http://schemas.microsoft.com/office/drawing/2014/main" id="{BC763C4D-E231-2ABD-F466-82CC218132AC}"/>
               </a:ext>
             </a:extLst>
           </p:cNvPr>
@@ -5391,7 +5391,7 @@
         </p:blipFill>
         <p:spPr>
           <a:xfrm>
-            <a:off x="6117942" y="4234806"/>
+            <a:off x="47700" y="4252305"/>
             <a:ext cx="2988311" cy="2246421"/>
           </a:xfrm>
           <a:prstGeom prst="rect">
@@ -5401,10 +5401,10 @@
       </p:pic>
       <p:pic>
         <p:nvPicPr>
-          <p:cNvPr id="13" name="図 12">
-            <a:extLst>
-              <a:ext uri="{FF2B5EF4-FFF2-40B4-BE49-F238E27FC236}">
-                <a16:creationId xmlns:a16="http://schemas.microsoft.com/office/drawing/2014/main" id="{CC388EF7-AF47-E2CA-1DA5-1175D330595C}"/>
+          <p:cNvPr id="11" name="図 10">
+            <a:extLst>
+              <a:ext uri="{FF2B5EF4-FFF2-40B4-BE49-F238E27FC236}">
+                <a16:creationId xmlns:a16="http://schemas.microsoft.com/office/drawing/2014/main" id="{C62AAE9A-0855-C25D-6263-444AF54FD14F}"/>
               </a:ext>
             </a:extLst>
           </p:cNvPr>
@@ -5421,7 +5421,7 @@
         </p:blipFill>
         <p:spPr>
           <a:xfrm>
-            <a:off x="9153064" y="4234806"/>
+            <a:off x="3082821" y="4234806"/>
             <a:ext cx="2988311" cy="2246421"/>
           </a:xfrm>
           <a:prstGeom prst="rect">
